--- a/资料/课件/OC/OC语言-3.0-内存管理-管理法则.pptx
+++ b/资料/课件/OC/OC语言-3.0-内存管理-管理法则.pptx
@@ -5,18 +5,22 @@
     <p:sldMasterId id="2147488748" r:id="rId1"/>
   </p:sldMasterIdLst>
   <p:notesMasterIdLst>
-    <p:notesMasterId r:id="rId3"/>
+    <p:notesMasterId r:id="rId7"/>
   </p:notesMasterIdLst>
   <p:handoutMasterIdLst>
-    <p:handoutMasterId r:id="rId4"/>
+    <p:handoutMasterId r:id="rId8"/>
   </p:handoutMasterIdLst>
   <p:sldIdLst>
     <p:sldId id="1551" r:id="rId2"/>
+    <p:sldId id="1552" r:id="rId3"/>
+    <p:sldId id="1553" r:id="rId4"/>
+    <p:sldId id="1554" r:id="rId5"/>
+    <p:sldId id="1555" r:id="rId6"/>
   </p:sldIdLst>
   <p:sldSz cx="9144000" cy="6858000" type="screen4x3"/>
   <p:notesSz cx="6797675" cy="9874250"/>
   <p:custDataLst>
-    <p:tags r:id="rId6"/>
+    <p:tags r:id="rId10"/>
   </p:custDataLst>
   <p:defaultTextStyle>
     <a:defPPr>
@@ -149,12 +153,16 @@
         <p14:section name="Default Section" id="{5009879F-230C-4AAA-9B60-41FFDFBA99F4}">
           <p14:sldIdLst>
             <p14:sldId id="1551"/>
+            <p14:sldId id="1552"/>
+            <p14:sldId id="1553"/>
+            <p14:sldId id="1554"/>
+            <p14:sldId id="1555"/>
           </p14:sldIdLst>
         </p14:section>
       </p14:sectionLst>
     </p:ext>
     <p:ext uri="{EFAFB233-063F-42B5-8137-9DF3F51BA10A}">
-      <p15:sldGuideLst xmlns:p15="http://schemas.microsoft.com/office/powerpoint/2012/main" xmlns="">
+      <p15:sldGuideLst xmlns="" xmlns:p15="http://schemas.microsoft.com/office/powerpoint/2012/main">
         <p15:guide id="1" orient="horz">
           <p15:clr>
             <a:srgbClr val="A4A3A4"/>
@@ -168,7 +176,7 @@
       </p15:sldGuideLst>
     </p:ext>
     <p:ext uri="{2D200454-40CA-4A62-9FC3-DE9A4176ACB9}">
-      <p15:notesGuideLst xmlns:p15="http://schemas.microsoft.com/office/powerpoint/2012/main" xmlns="">
+      <p15:notesGuideLst xmlns="" xmlns:p15="http://schemas.microsoft.com/office/powerpoint/2012/main">
         <p15:guide id="1" orient="horz" pos="3109">
           <p15:clr>
             <a:srgbClr val="A4A3A4"/>
@@ -272,7 +280,7 @@
                 <a:ea typeface="微软雅黑" pitchFamily="34" charset="-122"/>
               </a:rPr>
               <a:pPr/>
-              <a:t>15/3/18</a:t>
+              <a:t>15/3/24</a:t>
             </a:fld>
             <a:endParaRPr lang="zh-CN" altLang="en-US" dirty="0">
               <a:ea typeface="微软雅黑" pitchFamily="34" charset="-122"/>
@@ -476,7 +484,7 @@
             <a:fld id="{DF9E65B2-A0B4-4242-9432-201E84F17494}" type="datetime1">
               <a:rPr lang="en-US" smtClean="0"/>
               <a:pPr/>
-              <a:t>15/3/18</a:t>
+              <a:t>15/3/24</a:t>
             </a:fld>
             <a:endParaRPr lang="en-US" dirty="0"/>
           </a:p>
@@ -1405,7 +1413,7 @@
             <a:fld id="{055FF6D4-D4D7-426A-98F7-170A3668379E}" type="datetime1">
               <a:rPr lang="en-US" smtClean="0"/>
               <a:pPr/>
-              <a:t>15/3/18</a:t>
+              <a:t>15/3/24</a:t>
             </a:fld>
             <a:endParaRPr lang="en-US" dirty="0"/>
           </a:p>
@@ -2032,7 +2040,7 @@
             <a:fld id="{74CBEAF9-9E58-4CC8-A6FF-6DD8A58DEEA4}" type="datetimeFigureOut">
               <a:rPr lang="en-US" smtClean="0"/>
               <a:pPr eaLnBrk="1" latinLnBrk="0" hangingPunct="1"/>
-              <a:t>15/3/18</a:t>
+              <a:t>15/3/24</a:t>
             </a:fld>
             <a:endParaRPr lang="en-US"/>
           </a:p>
@@ -2550,7 +2558,7 @@
             <a:fld id="{74CBEAF9-9E58-4CC8-A6FF-6DD8A58DEEA4}" type="datetimeFigureOut">
               <a:rPr lang="en-US" smtClean="0"/>
               <a:pPr algn="l" eaLnBrk="1" latinLnBrk="0" hangingPunct="1"/>
-              <a:t>15/3/18</a:t>
+              <a:t>15/3/24</a:t>
             </a:fld>
             <a:endParaRPr lang="en-US" dirty="0">
               <a:solidFill>
@@ -3085,7 +3093,7 @@
             <a:fld id="{74CBEAF9-9E58-4CC8-A6FF-6DD8A58DEEA4}" type="datetimeFigureOut">
               <a:rPr lang="en-US" smtClean="0"/>
               <a:pPr algn="l" eaLnBrk="1" latinLnBrk="0" hangingPunct="1"/>
-              <a:t>15/3/18</a:t>
+              <a:t>15/3/24</a:t>
             </a:fld>
             <a:endParaRPr lang="en-US" dirty="0">
               <a:solidFill>
@@ -3921,7 +3929,7 @@
             <a:fld id="{74CBEAF9-9E58-4CC8-A6FF-6DD8A58DEEA4}" type="datetimeFigureOut">
               <a:rPr lang="en-US" smtClean="0"/>
               <a:pPr eaLnBrk="1" latinLnBrk="0" hangingPunct="1"/>
-              <a:t>15/3/18</a:t>
+              <a:t>15/3/24</a:t>
             </a:fld>
             <a:endParaRPr lang="en-US"/>
           </a:p>
@@ -4503,7 +4511,7 @@
             <a:fld id="{42295D47-465E-4A05-802B-049480555B6D}" type="datetime1">
               <a:rPr lang="en-US" smtClean="0"/>
               <a:pPr/>
-              <a:t>15/3/18</a:t>
+              <a:t>15/3/24</a:t>
             </a:fld>
             <a:endParaRPr lang="en-US"/>
           </a:p>
@@ -5134,7 +5142,7 @@
             <a:fld id="{74CBEAF9-9E58-4CC8-A6FF-6DD8A58DEEA4}" type="datetimeFigureOut">
               <a:rPr lang="en-US" smtClean="0"/>
               <a:pPr algn="l" eaLnBrk="1" latinLnBrk="0" hangingPunct="1"/>
-              <a:t>15/3/18</a:t>
+              <a:t>15/3/24</a:t>
             </a:fld>
             <a:endParaRPr lang="en-US" dirty="0">
               <a:solidFill>
@@ -5916,7 +5924,7 @@
             <a:fld id="{74CBEAF9-9E58-4CC8-A6FF-6DD8A58DEEA4}" type="datetimeFigureOut">
               <a:rPr lang="en-US" smtClean="0"/>
               <a:pPr eaLnBrk="1" latinLnBrk="0" hangingPunct="1"/>
-              <a:t>15/3/18</a:t>
+              <a:t>15/3/24</a:t>
             </a:fld>
             <a:endParaRPr lang="en-US"/>
           </a:p>
@@ -6377,7 +6385,7 @@
             <a:fld id="{74CBEAF9-9E58-4CC8-A6FF-6DD8A58DEEA4}" type="datetimeFigureOut">
               <a:rPr lang="en-US" smtClean="0"/>
               <a:pPr eaLnBrk="1" latinLnBrk="0" hangingPunct="1"/>
-              <a:t>15/3/18</a:t>
+              <a:t>15/3/24</a:t>
             </a:fld>
             <a:endParaRPr lang="en-US"/>
           </a:p>
@@ -6806,7 +6814,7 @@
             <a:fld id="{74CBEAF9-9E58-4CC8-A6FF-6DD8A58DEEA4}" type="datetimeFigureOut">
               <a:rPr lang="en-US" smtClean="0"/>
               <a:pPr eaLnBrk="1" latinLnBrk="0" hangingPunct="1"/>
-              <a:t>15/3/18</a:t>
+              <a:t>15/3/24</a:t>
             </a:fld>
             <a:endParaRPr lang="en-US"/>
           </a:p>
@@ -7427,7 +7435,7 @@
             <a:fld id="{74CBEAF9-9E58-4CC8-A6FF-6DD8A58DEEA4}" type="datetimeFigureOut">
               <a:rPr lang="en-US" smtClean="0"/>
               <a:pPr eaLnBrk="1" latinLnBrk="0" hangingPunct="1"/>
-              <a:t>15/3/18</a:t>
+              <a:t>15/3/24</a:t>
             </a:fld>
             <a:endParaRPr lang="en-US"/>
           </a:p>
@@ -7692,7 +7700,7 @@
             <a:fld id="{74CBEAF9-9E58-4CC8-A6FF-6DD8A58DEEA4}" type="datetimeFigureOut">
               <a:rPr lang="en-US" smtClean="0"/>
               <a:pPr algn="l" eaLnBrk="1" latinLnBrk="0" hangingPunct="1"/>
-              <a:t>15/3/18</a:t>
+              <a:t>15/3/24</a:t>
             </a:fld>
             <a:endParaRPr lang="en-US" dirty="0">
               <a:solidFill>
@@ -8360,12 +8368,12 @@
               <a:t>内存管理</a:t>
             </a:r>
             <a:r>
-              <a:rPr lang="en-US" altLang="zh-CN" b="0" dirty="0"/>
+              <a:rPr lang="en-US" altLang="zh-CN" b="0" dirty="0" smtClean="0"/>
               <a:t>-</a:t>
             </a:r>
             <a:r>
-              <a:rPr lang="zh-CN" altLang="en-US" b="0" dirty="0"/>
-              <a:t>概述</a:t>
+              <a:rPr lang="en-US" altLang="en-US" b="0" dirty="0" smtClean="0"/>
+              <a:t>管理法则</a:t>
             </a:r>
             <a:endParaRPr kumimoji="1" lang="zh-CN" altLang="en-US" dirty="0"/>
           </a:p>
@@ -8456,7 +8464,6 @@
               <a:rPr kumimoji="1" lang="zh-CN" altLang="en-US" sz="3600" dirty="0"/>
               <a:t>管理法则</a:t>
             </a:r>
-            <a:endParaRPr kumimoji="1" lang="zh-CN" altLang="en-US" sz="3600" dirty="0"/>
           </a:p>
         </p:txBody>
       </p:sp>
@@ -8464,6 +8471,2297 @@
     <p:extLst>
       <p:ext uri="{BB962C8B-B14F-4D97-AF65-F5344CB8AC3E}">
         <p14:creationId xmlns:p14="http://schemas.microsoft.com/office/powerpoint/2010/main" val="2973930980"/>
+      </p:ext>
+    </p:extLst>
+  </p:cSld>
+  <p:clrMapOvr>
+    <a:masterClrMapping/>
+  </p:clrMapOvr>
+  <p:timing>
+    <p:tnLst>
+      <p:par>
+        <p:cTn xmlns:p14="http://schemas.microsoft.com/office/powerpoint/2010/main" id="1" dur="indefinite" restart="never" nodeType="tmRoot"/>
+      </p:par>
+    </p:tnLst>
+  </p:timing>
+</p:sld>
+</file>
+
+<file path=ppt/slides/slide2.xml><?xml version="1.0" encoding="utf-8"?>
+<p:sld xmlns:a="http://schemas.openxmlformats.org/drawingml/2006/main" xmlns:r="http://schemas.openxmlformats.org/officeDocument/2006/relationships" xmlns:p="http://schemas.openxmlformats.org/presentationml/2006/main">
+  <p:cSld>
+    <p:spTree>
+      <p:nvGrpSpPr>
+        <p:cNvPr id="1" name=""/>
+        <p:cNvGrpSpPr/>
+        <p:nvPr/>
+      </p:nvGrpSpPr>
+      <p:grpSpPr>
+        <a:xfrm>
+          <a:off x="0" y="0"/>
+          <a:ext cx="0" cy="0"/>
+          <a:chOff x="0" y="0"/>
+          <a:chExt cx="0" cy="0"/>
+        </a:xfrm>
+      </p:grpSpPr>
+      <p:sp>
+        <p:nvSpPr>
+          <p:cNvPr id="2" name="标题 1"/>
+          <p:cNvSpPr>
+            <a:spLocks noGrp="1"/>
+          </p:cNvSpPr>
+          <p:nvPr>
+            <p:ph type="title"/>
+          </p:nvPr>
+        </p:nvSpPr>
+        <p:spPr/>
+        <p:txBody>
+          <a:bodyPr/>
+          <a:lstStyle/>
+          <a:p>
+            <a:r>
+              <a:rPr lang="zh-CN" altLang="en-US" b="0" dirty="0" smtClean="0"/>
+              <a:t>内存管理</a:t>
+            </a:r>
+            <a:r>
+              <a:rPr lang="zh-CN" altLang="en-US" b="0" dirty="0" smtClean="0"/>
+              <a:t>（</a:t>
+            </a:r>
+            <a:r>
+              <a:rPr lang="en-US" altLang="zh-CN" b="0" dirty="0" smtClean="0"/>
+              <a:t>MRC</a:t>
+            </a:r>
+            <a:r>
+              <a:rPr lang="zh-CN" altLang="en-US" b="0" dirty="0" smtClean="0"/>
+              <a:t>）</a:t>
+            </a:r>
+            <a:endParaRPr kumimoji="1" lang="zh-CN" altLang="en-US" dirty="0"/>
+          </a:p>
+        </p:txBody>
+      </p:sp>
+      <p:sp>
+        <p:nvSpPr>
+          <p:cNvPr id="3" name="幻灯片编号占位符 2"/>
+          <p:cNvSpPr>
+            <a:spLocks noGrp="1"/>
+          </p:cNvSpPr>
+          <p:nvPr>
+            <p:ph type="sldNum" sz="quarter" idx="4"/>
+          </p:nvPr>
+        </p:nvSpPr>
+        <p:spPr/>
+        <p:txBody>
+          <a:bodyPr/>
+          <a:lstStyle/>
+          <a:p>
+            <a:fld id="{BF10DB53-D7D3-4DB6-A29F-40217B92EC88}" type="slidenum">
+              <a:rPr lang="en-US" smtClean="0"/>
+              <a:pPr/>
+              <a:t>1</a:t>
+            </a:fld>
+            <a:endParaRPr lang="en-US" dirty="0"/>
+          </a:p>
+        </p:txBody>
+      </p:sp>
+      <p:sp>
+        <p:nvSpPr>
+          <p:cNvPr id="5" name="文本框 4"/>
+          <p:cNvSpPr txBox="1"/>
+          <p:nvPr/>
+        </p:nvSpPr>
+        <p:spPr>
+          <a:xfrm>
+            <a:off x="251520" y="1556792"/>
+            <a:ext cx="8568952" cy="4896544"/>
+          </a:xfrm>
+          <a:prstGeom prst="rect">
+            <a:avLst/>
+          </a:prstGeom>
+          <a:noFill/>
+        </p:spPr>
+        <p:txBody>
+          <a:bodyPr wrap="square" rtlCol="0">
+            <a:spAutoFit/>
+          </a:bodyPr>
+          <a:lstStyle/>
+          <a:p>
+            <a:pPr marL="342900" indent="-342900">
+              <a:lnSpc>
+                <a:spcPct val="150000"/>
+              </a:lnSpc>
+              <a:spcBef>
+                <a:spcPts val="1375"/>
+              </a:spcBef>
+              <a:buFont typeface="Wingdings" charset="2"/>
+              <a:buChar char="Ø"/>
+              <a:tabLst>
+                <a:tab pos="0" algn="l"/>
+                <a:tab pos="104775" algn="l"/>
+                <a:tab pos="554038" algn="l"/>
+                <a:tab pos="1003300" algn="l"/>
+                <a:tab pos="1452563" algn="l"/>
+                <a:tab pos="1901825" algn="l"/>
+                <a:tab pos="2351088" algn="l"/>
+                <a:tab pos="2800350" algn="l"/>
+                <a:tab pos="3249613" algn="l"/>
+                <a:tab pos="3698875" algn="l"/>
+                <a:tab pos="4148138" algn="l"/>
+                <a:tab pos="4597400" algn="l"/>
+                <a:tab pos="5046663" algn="l"/>
+                <a:tab pos="5495925" algn="l"/>
+                <a:tab pos="5945188" algn="l"/>
+                <a:tab pos="6394450" algn="l"/>
+                <a:tab pos="6843713" algn="l"/>
+                <a:tab pos="7292975" algn="l"/>
+                <a:tab pos="7742238" algn="l"/>
+                <a:tab pos="8191500" algn="l"/>
+                <a:tab pos="8640763" algn="l"/>
+              </a:tabLst>
+            </a:pPr>
+            <a:r>
+              <a:rPr lang="en-GB" altLang="zh-CN" sz="2400" dirty="0" err="1">
+                <a:solidFill>
+                  <a:srgbClr val="FFFFFF"/>
+                </a:solidFill>
+                <a:latin typeface="宋体" charset="0"/>
+                <a:ea typeface="宋体" charset="0"/>
+                <a:cs typeface="宋体" charset="0"/>
+              </a:rPr>
+              <a:t>ios</a:t>
+            </a:r>
+            <a:r>
+              <a:rPr lang="zh-CN" altLang="zh-CN" sz="2400" dirty="0">
+                <a:solidFill>
+                  <a:srgbClr val="FFFFFF"/>
+                </a:solidFill>
+                <a:latin typeface="宋体" charset="0"/>
+                <a:ea typeface="宋体" charset="0"/>
+                <a:cs typeface="宋体" charset="0"/>
+              </a:rPr>
+              <a:t>的内存管理方法是采用的</a:t>
+            </a:r>
+            <a:r>
+              <a:rPr lang="zh-CN" altLang="zh-CN" sz="2400" dirty="0">
+                <a:solidFill>
+                  <a:srgbClr val="FFFFFF"/>
+                </a:solidFill>
+                <a:latin typeface="Arial"/>
+                <a:ea typeface="宋体" charset="0"/>
+                <a:cs typeface="宋体" charset="0"/>
+              </a:rPr>
+              <a:t>“</a:t>
+            </a:r>
+            <a:r>
+              <a:rPr lang="zh-CN" altLang="zh-CN" sz="2400" dirty="0">
+                <a:solidFill>
+                  <a:srgbClr val="FFFFFF"/>
+                </a:solidFill>
+                <a:latin typeface="宋体" charset="0"/>
+                <a:ea typeface="宋体" charset="0"/>
+                <a:cs typeface="宋体" charset="0"/>
+              </a:rPr>
+              <a:t>保留引用计数</a:t>
+            </a:r>
+            <a:r>
+              <a:rPr lang="zh-CN" altLang="zh-CN" sz="2400" dirty="0">
+                <a:solidFill>
+                  <a:srgbClr val="FFFFFF"/>
+                </a:solidFill>
+                <a:latin typeface="Arial"/>
+                <a:ea typeface="宋体" charset="0"/>
+                <a:cs typeface="宋体" charset="0"/>
+              </a:rPr>
+              <a:t>”</a:t>
+            </a:r>
+            <a:r>
+              <a:rPr lang="en-GB" altLang="zh-CN" sz="2400" dirty="0">
+                <a:solidFill>
+                  <a:srgbClr val="FFFFFF"/>
+                </a:solidFill>
+                <a:latin typeface="宋体" charset="0"/>
+                <a:ea typeface="宋体" charset="0"/>
+                <a:cs typeface="宋体" charset="0"/>
+              </a:rPr>
+              <a:t>(retain count)</a:t>
+            </a:r>
+            <a:r>
+              <a:rPr lang="zh-CN" altLang="zh-CN" sz="2400" dirty="0">
+                <a:solidFill>
+                  <a:srgbClr val="FFFFFF"/>
+                </a:solidFill>
+                <a:latin typeface="宋体" charset="0"/>
+                <a:ea typeface="宋体" charset="0"/>
+                <a:cs typeface="宋体" charset="0"/>
+              </a:rPr>
+              <a:t>的机制</a:t>
+            </a:r>
+            <a:r>
+              <a:rPr lang="en-GB" altLang="zh-CN" sz="2400" dirty="0">
+                <a:solidFill>
+                  <a:srgbClr val="FFFFFF"/>
+                </a:solidFill>
+                <a:latin typeface="宋体" charset="0"/>
+                <a:ea typeface="宋体" charset="0"/>
+                <a:cs typeface="宋体" charset="0"/>
+              </a:rPr>
+              <a:t>,</a:t>
+            </a:r>
+            <a:r>
+              <a:rPr lang="zh-CN" altLang="zh-CN" sz="2400" dirty="0">
+                <a:solidFill>
+                  <a:srgbClr val="FFFFFF"/>
+                </a:solidFill>
+                <a:latin typeface="宋体" charset="0"/>
+                <a:ea typeface="宋体" charset="0"/>
+                <a:cs typeface="宋体" charset="0"/>
+              </a:rPr>
+              <a:t>当保留计数为</a:t>
+            </a:r>
+            <a:r>
+              <a:rPr lang="en-GB" altLang="zh-CN" sz="2400" dirty="0">
+                <a:solidFill>
+                  <a:srgbClr val="FFFFFF"/>
+                </a:solidFill>
+                <a:latin typeface="宋体" charset="0"/>
+                <a:ea typeface="宋体" charset="0"/>
+                <a:cs typeface="宋体" charset="0"/>
+              </a:rPr>
+              <a:t>0</a:t>
+            </a:r>
+            <a:r>
+              <a:rPr lang="zh-CN" altLang="zh-CN" sz="2400" dirty="0">
+                <a:solidFill>
+                  <a:srgbClr val="FFFFFF"/>
+                </a:solidFill>
+                <a:latin typeface="宋体" charset="0"/>
+                <a:ea typeface="宋体" charset="0"/>
+                <a:cs typeface="宋体" charset="0"/>
+              </a:rPr>
+              <a:t>时</a:t>
+            </a:r>
+            <a:r>
+              <a:rPr lang="en-GB" altLang="zh-CN" sz="2400" dirty="0">
+                <a:solidFill>
+                  <a:srgbClr val="FFFFFF"/>
+                </a:solidFill>
+                <a:latin typeface="宋体" charset="0"/>
+                <a:ea typeface="宋体" charset="0"/>
+                <a:cs typeface="宋体" charset="0"/>
+              </a:rPr>
+              <a:t>,</a:t>
+            </a:r>
+            <a:r>
+              <a:rPr lang="zh-CN" altLang="zh-CN" sz="2400" dirty="0">
+                <a:solidFill>
+                  <a:srgbClr val="FFFFFF"/>
+                </a:solidFill>
+                <a:latin typeface="宋体" charset="0"/>
+                <a:ea typeface="宋体" charset="0"/>
+                <a:cs typeface="宋体" charset="0"/>
+              </a:rPr>
+              <a:t>对象才被真正的销毁</a:t>
+            </a:r>
+            <a:r>
+              <a:rPr lang="en-GB" altLang="zh-CN" sz="2400" dirty="0">
+                <a:solidFill>
+                  <a:srgbClr val="FFFFFF"/>
+                </a:solidFill>
+                <a:latin typeface="宋体" charset="0"/>
+                <a:ea typeface="宋体" charset="0"/>
+                <a:cs typeface="宋体" charset="0"/>
+              </a:rPr>
+              <a:t>,</a:t>
+            </a:r>
+            <a:r>
+              <a:rPr lang="zh-CN" altLang="zh-CN" sz="2400" dirty="0">
+                <a:solidFill>
+                  <a:srgbClr val="FFFFFF"/>
+                </a:solidFill>
+                <a:latin typeface="宋体" charset="0"/>
+                <a:ea typeface="宋体" charset="0"/>
+                <a:cs typeface="宋体" charset="0"/>
+              </a:rPr>
+              <a:t>内存管理的原则就是最终的引用计数要平衡，如果最后引用计数大于</a:t>
+            </a:r>
+            <a:r>
+              <a:rPr lang="en-GB" altLang="zh-CN" sz="2400" dirty="0">
+                <a:solidFill>
+                  <a:srgbClr val="FFFFFF"/>
+                </a:solidFill>
+                <a:latin typeface="宋体" charset="0"/>
+                <a:ea typeface="宋体" charset="0"/>
+                <a:cs typeface="宋体" charset="0"/>
+              </a:rPr>
+              <a:t>0</a:t>
+            </a:r>
+            <a:r>
+              <a:rPr lang="zh-CN" altLang="zh-CN" sz="2400" dirty="0">
+                <a:solidFill>
+                  <a:srgbClr val="FFFFFF"/>
+                </a:solidFill>
+                <a:latin typeface="宋体" charset="0"/>
+                <a:ea typeface="宋体" charset="0"/>
+                <a:cs typeface="宋体" charset="0"/>
+              </a:rPr>
+              <a:t>则会内存泄露</a:t>
+            </a:r>
+          </a:p>
+          <a:p>
+            <a:pPr marL="0" indent="352425">
+              <a:lnSpc>
+                <a:spcPct val="150000"/>
+              </a:lnSpc>
+              <a:spcBef>
+                <a:spcPts val="1375"/>
+              </a:spcBef>
+              <a:tabLst>
+                <a:tab pos="0" algn="l"/>
+                <a:tab pos="104775" algn="l"/>
+                <a:tab pos="554038" algn="l"/>
+                <a:tab pos="1003300" algn="l"/>
+                <a:tab pos="1452563" algn="l"/>
+                <a:tab pos="1901825" algn="l"/>
+                <a:tab pos="2351088" algn="l"/>
+                <a:tab pos="2800350" algn="l"/>
+                <a:tab pos="3249613" algn="l"/>
+                <a:tab pos="3698875" algn="l"/>
+                <a:tab pos="4148138" algn="l"/>
+                <a:tab pos="4597400" algn="l"/>
+                <a:tab pos="5046663" algn="l"/>
+                <a:tab pos="5495925" algn="l"/>
+                <a:tab pos="5945188" algn="l"/>
+                <a:tab pos="6394450" algn="l"/>
+                <a:tab pos="6843713" algn="l"/>
+                <a:tab pos="7292975" algn="l"/>
+                <a:tab pos="7742238" algn="l"/>
+                <a:tab pos="8191500" algn="l"/>
+                <a:tab pos="8640763" algn="l"/>
+              </a:tabLst>
+            </a:pPr>
+            <a:r>
+              <a:rPr lang="en-GB" altLang="zh-CN" sz="2400" dirty="0">
+                <a:solidFill>
+                  <a:schemeClr val="accent3"/>
+                </a:solidFill>
+                <a:latin typeface="宋体" charset="0"/>
+                <a:ea typeface="宋体" charset="0"/>
+                <a:cs typeface="宋体" charset="0"/>
+              </a:rPr>
+              <a:t>3</a:t>
+            </a:r>
+            <a:r>
+              <a:rPr lang="zh-CN" altLang="zh-CN" sz="2400" dirty="0">
+                <a:solidFill>
+                  <a:schemeClr val="accent3"/>
+                </a:solidFill>
+                <a:latin typeface="宋体" charset="0"/>
+                <a:ea typeface="宋体" charset="0"/>
+                <a:cs typeface="宋体" charset="0"/>
+              </a:rPr>
+              <a:t>大原则</a:t>
+            </a:r>
+            <a:r>
+              <a:rPr lang="en-GB" altLang="zh-CN" sz="2400" dirty="0">
+                <a:solidFill>
+                  <a:schemeClr val="accent3"/>
+                </a:solidFill>
+                <a:latin typeface="宋体" charset="0"/>
+                <a:ea typeface="宋体" charset="0"/>
+                <a:cs typeface="宋体" charset="0"/>
+              </a:rPr>
+              <a:t>:</a:t>
+            </a:r>
+          </a:p>
+          <a:p>
+            <a:pPr marL="0" indent="352425">
+              <a:lnSpc>
+                <a:spcPct val="150000"/>
+              </a:lnSpc>
+              <a:spcBef>
+                <a:spcPts val="1375"/>
+              </a:spcBef>
+              <a:buSzPct val="45000"/>
+              <a:buFont typeface="StarSymbol" charset="0"/>
+              <a:buNone/>
+              <a:tabLst>
+                <a:tab pos="0" algn="l"/>
+                <a:tab pos="104775" algn="l"/>
+                <a:tab pos="554038" algn="l"/>
+                <a:tab pos="1003300" algn="l"/>
+                <a:tab pos="1452563" algn="l"/>
+                <a:tab pos="1901825" algn="l"/>
+                <a:tab pos="2351088" algn="l"/>
+                <a:tab pos="2800350" algn="l"/>
+                <a:tab pos="3249613" algn="l"/>
+                <a:tab pos="3698875" algn="l"/>
+                <a:tab pos="4148138" algn="l"/>
+                <a:tab pos="4597400" algn="l"/>
+                <a:tab pos="5046663" algn="l"/>
+                <a:tab pos="5495925" algn="l"/>
+                <a:tab pos="5945188" algn="l"/>
+                <a:tab pos="6394450" algn="l"/>
+                <a:tab pos="6843713" algn="l"/>
+                <a:tab pos="7292975" algn="l"/>
+                <a:tab pos="7742238" algn="l"/>
+                <a:tab pos="8191500" algn="l"/>
+                <a:tab pos="8640763" algn="l"/>
+              </a:tabLst>
+            </a:pPr>
+            <a:r>
+              <a:rPr lang="en-GB" altLang="zh-CN" sz="2400" dirty="0">
+                <a:solidFill>
+                  <a:srgbClr val="FFFFFF"/>
+                </a:solidFill>
+                <a:latin typeface="宋体" charset="0"/>
+                <a:ea typeface="宋体" charset="0"/>
+                <a:cs typeface="宋体" charset="0"/>
+              </a:rPr>
+              <a:t>1</a:t>
+            </a:r>
+            <a:r>
+              <a:rPr lang="zh-CN" altLang="zh-CN" sz="2400" dirty="0">
+                <a:solidFill>
+                  <a:srgbClr val="FFFFFF"/>
+                </a:solidFill>
+                <a:latin typeface="宋体" charset="0"/>
+                <a:ea typeface="宋体" charset="0"/>
+                <a:cs typeface="宋体" charset="0"/>
+              </a:rPr>
+              <a:t>、当你使用</a:t>
+            </a:r>
+            <a:r>
+              <a:rPr lang="en-GB" altLang="zh-CN" sz="2400" dirty="0">
+                <a:solidFill>
+                  <a:srgbClr val="8000FF"/>
+                </a:solidFill>
+                <a:latin typeface="宋体" charset="0"/>
+                <a:ea typeface="宋体" charset="0"/>
+                <a:cs typeface="宋体" charset="0"/>
+              </a:rPr>
+              <a:t>new</a:t>
+            </a:r>
+            <a:r>
+              <a:rPr lang="en-GB" altLang="zh-CN" sz="2400" dirty="0">
+                <a:solidFill>
+                  <a:srgbClr val="FFFFFF"/>
+                </a:solidFill>
+                <a:latin typeface="宋体" charset="0"/>
+                <a:ea typeface="宋体" charset="0"/>
+                <a:cs typeface="宋体" charset="0"/>
+              </a:rPr>
+              <a:t> </a:t>
+            </a:r>
+            <a:r>
+              <a:rPr lang="en-GB" altLang="zh-CN" sz="2400" dirty="0" err="1">
+                <a:solidFill>
+                  <a:srgbClr val="FFFF00"/>
+                </a:solidFill>
+                <a:latin typeface="宋体" charset="0"/>
+                <a:ea typeface="宋体" charset="0"/>
+                <a:cs typeface="宋体" charset="0"/>
+              </a:rPr>
+              <a:t>alloc</a:t>
+            </a:r>
+            <a:r>
+              <a:rPr lang="en-GB" altLang="zh-CN" sz="2400" dirty="0">
+                <a:solidFill>
+                  <a:srgbClr val="FFFFFF"/>
+                </a:solidFill>
+                <a:latin typeface="宋体" charset="0"/>
+                <a:ea typeface="宋体" charset="0"/>
+                <a:cs typeface="宋体" charset="0"/>
+              </a:rPr>
+              <a:t> </a:t>
+            </a:r>
+            <a:r>
+              <a:rPr lang="en-GB" altLang="zh-CN" sz="2400" dirty="0">
+                <a:solidFill>
+                  <a:srgbClr val="FF6600"/>
+                </a:solidFill>
+                <a:latin typeface="宋体" charset="0"/>
+                <a:ea typeface="宋体" charset="0"/>
+                <a:cs typeface="宋体" charset="0"/>
+              </a:rPr>
+              <a:t>copy</a:t>
+            </a:r>
+            <a:r>
+              <a:rPr lang="zh-CN" altLang="zh-CN" sz="2400" dirty="0">
+                <a:solidFill>
+                  <a:srgbClr val="FFFFFF"/>
+                </a:solidFill>
+                <a:latin typeface="宋体" charset="0"/>
+                <a:ea typeface="宋体" charset="0"/>
+                <a:cs typeface="宋体" charset="0"/>
+              </a:rPr>
+              <a:t>方法创建一个对象时，</a:t>
+            </a:r>
+            <a:r>
+              <a:rPr lang="zh-CN" altLang="zh-CN" sz="2400" dirty="0" smtClean="0">
+                <a:solidFill>
+                  <a:srgbClr val="FFFFFF"/>
+                </a:solidFill>
+                <a:latin typeface="宋体" charset="0"/>
+                <a:ea typeface="宋体" charset="0"/>
+                <a:cs typeface="宋体" charset="0"/>
+              </a:rPr>
+              <a:t>该对</a:t>
+            </a:r>
+            <a:r>
+              <a:rPr lang="zh-CN" altLang="en-US" sz="2400" dirty="0" smtClean="0">
+                <a:solidFill>
+                  <a:srgbClr val="FFFFFF"/>
+                </a:solidFill>
+                <a:latin typeface="宋体" charset="0"/>
+                <a:ea typeface="宋体" charset="0"/>
+                <a:cs typeface="宋体" charset="0"/>
+              </a:rPr>
+              <a:t>象</a:t>
+            </a:r>
+            <a:r>
+              <a:rPr lang="zh-CN" altLang="zh-CN" sz="2400" dirty="0" smtClean="0">
+                <a:solidFill>
+                  <a:srgbClr val="FFFFFF"/>
+                </a:solidFill>
+                <a:latin typeface="宋体" charset="0"/>
+                <a:ea typeface="宋体" charset="0"/>
+                <a:cs typeface="宋体" charset="0"/>
+              </a:rPr>
+              <a:t>的引用计数为</a:t>
+            </a:r>
+            <a:r>
+              <a:rPr lang="en-GB" altLang="zh-CN" sz="2400" dirty="0">
+                <a:solidFill>
+                  <a:srgbClr val="FFFFFF"/>
+                </a:solidFill>
+                <a:latin typeface="宋体" charset="0"/>
+                <a:ea typeface="宋体" charset="0"/>
+                <a:cs typeface="宋体" charset="0"/>
+              </a:rPr>
+              <a:t>1</a:t>
+            </a:r>
+            <a:r>
+              <a:rPr lang="zh-CN" altLang="zh-CN" sz="2400" dirty="0">
+                <a:solidFill>
+                  <a:srgbClr val="FFFFFF"/>
+                </a:solidFill>
+                <a:latin typeface="宋体" charset="0"/>
+                <a:ea typeface="宋体" charset="0"/>
+                <a:cs typeface="宋体" charset="0"/>
+              </a:rPr>
+              <a:t>。当你不再使用该对象时，你要负责向该对象发送一条</a:t>
+            </a:r>
+            <a:r>
+              <a:rPr lang="en-GB" altLang="zh-CN" sz="2400" dirty="0">
+                <a:solidFill>
+                  <a:srgbClr val="FFFFFF"/>
+                </a:solidFill>
+                <a:latin typeface="宋体" charset="0"/>
+                <a:ea typeface="宋体" charset="0"/>
+                <a:cs typeface="宋体" charset="0"/>
+              </a:rPr>
+              <a:t>release(</a:t>
+            </a:r>
+            <a:r>
+              <a:rPr lang="zh-CN" altLang="zh-CN" sz="2400" dirty="0">
+                <a:solidFill>
+                  <a:srgbClr val="FFFFFF"/>
+                </a:solidFill>
+                <a:latin typeface="宋体" charset="0"/>
+                <a:ea typeface="宋体" charset="0"/>
+                <a:cs typeface="宋体" charset="0"/>
+              </a:rPr>
+              <a:t>或者是</a:t>
+            </a:r>
+            <a:r>
+              <a:rPr lang="en-GB" altLang="zh-CN" sz="2400" dirty="0" err="1">
+                <a:solidFill>
+                  <a:srgbClr val="FFFFFF"/>
+                </a:solidFill>
+                <a:latin typeface="宋体" charset="0"/>
+                <a:ea typeface="宋体" charset="0"/>
+                <a:cs typeface="宋体" charset="0"/>
+              </a:rPr>
+              <a:t>autorelease</a:t>
+            </a:r>
+            <a:r>
+              <a:rPr lang="en-GB" altLang="zh-CN" sz="2400" dirty="0">
+                <a:solidFill>
+                  <a:srgbClr val="FFFFFF"/>
+                </a:solidFill>
+                <a:latin typeface="宋体" charset="0"/>
+                <a:ea typeface="宋体" charset="0"/>
+                <a:cs typeface="宋体" charset="0"/>
+              </a:rPr>
+              <a:t>)</a:t>
+            </a:r>
+            <a:r>
+              <a:rPr lang="zh-CN" altLang="zh-CN" sz="2400" dirty="0">
+                <a:solidFill>
+                  <a:srgbClr val="FFFFFF"/>
+                </a:solidFill>
+                <a:latin typeface="宋体" charset="0"/>
+                <a:ea typeface="宋体" charset="0"/>
+                <a:cs typeface="宋体" charset="0"/>
+              </a:rPr>
+              <a:t>消息</a:t>
+            </a:r>
+            <a:endParaRPr lang="zh-CN" altLang="zh-CN" sz="2400" dirty="0">
+              <a:solidFill>
+                <a:srgbClr val="FFFFFF"/>
+              </a:solidFill>
+              <a:latin typeface="宋体" charset="0"/>
+              <a:ea typeface="宋体" charset="0"/>
+              <a:cs typeface="宋体" charset="0"/>
+            </a:endParaRPr>
+          </a:p>
+        </p:txBody>
+      </p:sp>
+    </p:spTree>
+    <p:extLst>
+      <p:ext uri="{BB962C8B-B14F-4D97-AF65-F5344CB8AC3E}">
+        <p14:creationId xmlns:p14="http://schemas.microsoft.com/office/powerpoint/2010/main" val="686181492"/>
+      </p:ext>
+    </p:extLst>
+  </p:cSld>
+  <p:clrMapOvr>
+    <a:masterClrMapping/>
+  </p:clrMapOvr>
+  <p:timing>
+    <p:tnLst>
+      <p:par>
+        <p:cTn xmlns:p14="http://schemas.microsoft.com/office/powerpoint/2010/main" id="1" dur="indefinite" restart="never" nodeType="tmRoot"/>
+      </p:par>
+    </p:tnLst>
+  </p:timing>
+</p:sld>
+</file>
+
+<file path=ppt/slides/slide3.xml><?xml version="1.0" encoding="utf-8"?>
+<p:sld xmlns:a="http://schemas.openxmlformats.org/drawingml/2006/main" xmlns:r="http://schemas.openxmlformats.org/officeDocument/2006/relationships" xmlns:p="http://schemas.openxmlformats.org/presentationml/2006/main">
+  <p:cSld>
+    <p:spTree>
+      <p:nvGrpSpPr>
+        <p:cNvPr id="1" name=""/>
+        <p:cNvGrpSpPr/>
+        <p:nvPr/>
+      </p:nvGrpSpPr>
+      <p:grpSpPr>
+        <a:xfrm>
+          <a:off x="0" y="0"/>
+          <a:ext cx="0" cy="0"/>
+          <a:chOff x="0" y="0"/>
+          <a:chExt cx="0" cy="0"/>
+        </a:xfrm>
+      </p:grpSpPr>
+      <p:sp>
+        <p:nvSpPr>
+          <p:cNvPr id="2" name="标题 1"/>
+          <p:cNvSpPr>
+            <a:spLocks noGrp="1"/>
+          </p:cNvSpPr>
+          <p:nvPr>
+            <p:ph type="title"/>
+          </p:nvPr>
+        </p:nvSpPr>
+        <p:spPr/>
+        <p:txBody>
+          <a:bodyPr/>
+          <a:lstStyle/>
+          <a:p>
+            <a:r>
+              <a:rPr lang="zh-CN" altLang="en-US" b="0" dirty="0" smtClean="0"/>
+              <a:t>内存管理</a:t>
+            </a:r>
+            <a:r>
+              <a:rPr lang="zh-CN" altLang="en-US" b="0" dirty="0" smtClean="0"/>
+              <a:t>（</a:t>
+            </a:r>
+            <a:r>
+              <a:rPr lang="en-US" altLang="zh-CN" b="0" dirty="0" smtClean="0"/>
+              <a:t>MRC</a:t>
+            </a:r>
+            <a:r>
+              <a:rPr lang="zh-CN" altLang="en-US" b="0" dirty="0" smtClean="0"/>
+              <a:t>）</a:t>
+            </a:r>
+            <a:endParaRPr kumimoji="1" lang="zh-CN" altLang="en-US" dirty="0"/>
+          </a:p>
+        </p:txBody>
+      </p:sp>
+      <p:sp>
+        <p:nvSpPr>
+          <p:cNvPr id="3" name="幻灯片编号占位符 2"/>
+          <p:cNvSpPr>
+            <a:spLocks noGrp="1"/>
+          </p:cNvSpPr>
+          <p:nvPr>
+            <p:ph type="sldNum" sz="quarter" idx="4"/>
+          </p:nvPr>
+        </p:nvSpPr>
+        <p:spPr/>
+        <p:txBody>
+          <a:bodyPr/>
+          <a:lstStyle/>
+          <a:p>
+            <a:fld id="{BF10DB53-D7D3-4DB6-A29F-40217B92EC88}" type="slidenum">
+              <a:rPr lang="en-US" smtClean="0"/>
+              <a:pPr/>
+              <a:t>2</a:t>
+            </a:fld>
+            <a:endParaRPr lang="en-US" dirty="0"/>
+          </a:p>
+        </p:txBody>
+      </p:sp>
+      <p:sp>
+        <p:nvSpPr>
+          <p:cNvPr id="5" name="文本框 4"/>
+          <p:cNvSpPr txBox="1"/>
+          <p:nvPr/>
+        </p:nvSpPr>
+        <p:spPr>
+          <a:xfrm>
+            <a:off x="251520" y="1340768"/>
+            <a:ext cx="8568952" cy="4669868"/>
+          </a:xfrm>
+          <a:prstGeom prst="rect">
+            <a:avLst/>
+          </a:prstGeom>
+          <a:noFill/>
+        </p:spPr>
+        <p:txBody>
+          <a:bodyPr wrap="square" rtlCol="0">
+            <a:spAutoFit/>
+          </a:bodyPr>
+          <a:lstStyle/>
+          <a:p>
+            <a:pPr marL="0" indent="354013">
+              <a:lnSpc>
+                <a:spcPct val="150000"/>
+              </a:lnSpc>
+              <a:spcBef>
+                <a:spcPts val="1375"/>
+              </a:spcBef>
+              <a:tabLst>
+                <a:tab pos="0" algn="l"/>
+                <a:tab pos="104775" algn="l"/>
+                <a:tab pos="554038" algn="l"/>
+                <a:tab pos="1003300" algn="l"/>
+                <a:tab pos="1452563" algn="l"/>
+                <a:tab pos="1901825" algn="l"/>
+                <a:tab pos="2351088" algn="l"/>
+                <a:tab pos="2800350" algn="l"/>
+                <a:tab pos="3249613" algn="l"/>
+                <a:tab pos="3698875" algn="l"/>
+                <a:tab pos="4148138" algn="l"/>
+                <a:tab pos="4597400" algn="l"/>
+                <a:tab pos="5046663" algn="l"/>
+                <a:tab pos="5495925" algn="l"/>
+                <a:tab pos="5945188" algn="l"/>
+                <a:tab pos="6394450" algn="l"/>
+                <a:tab pos="6843713" algn="l"/>
+                <a:tab pos="7292975" algn="l"/>
+                <a:tab pos="7742238" algn="l"/>
+                <a:tab pos="8191500" algn="l"/>
+                <a:tab pos="8640763" algn="l"/>
+              </a:tabLst>
+            </a:pPr>
+            <a:r>
+              <a:rPr lang="en-GB" altLang="zh-CN" sz="2400" dirty="0">
+                <a:latin typeface="宋体" charset="0"/>
+                <a:ea typeface="宋体" charset="0"/>
+                <a:cs typeface="宋体" charset="0"/>
+              </a:rPr>
+              <a:t>2</a:t>
+            </a:r>
+            <a:r>
+              <a:rPr lang="zh-CN" altLang="zh-CN" sz="2400" dirty="0">
+                <a:latin typeface="宋体" charset="0"/>
+                <a:ea typeface="宋体" charset="0"/>
+                <a:cs typeface="宋体" charset="0"/>
+              </a:rPr>
+              <a:t>、当你通过其他任何方法获得一个对象时，我们</a:t>
+            </a:r>
+            <a:r>
+              <a:rPr lang="en-GB" altLang="zh-CN" sz="2400" dirty="0">
+                <a:latin typeface="宋体" charset="0"/>
+                <a:ea typeface="宋体" charset="0"/>
+                <a:cs typeface="宋体" charset="0"/>
+              </a:rPr>
+              <a:t>(</a:t>
+            </a:r>
+            <a:r>
+              <a:rPr lang="zh-CN" altLang="zh-CN" sz="2400" dirty="0">
+                <a:latin typeface="宋体" charset="0"/>
+                <a:ea typeface="宋体" charset="0"/>
+                <a:cs typeface="宋体" charset="0"/>
+              </a:rPr>
+              <a:t>方法的调用者和方法的实现者</a:t>
+            </a:r>
+            <a:r>
+              <a:rPr lang="en-GB" altLang="zh-CN" sz="2400" dirty="0">
+                <a:latin typeface="宋体" charset="0"/>
+                <a:ea typeface="宋体" charset="0"/>
+                <a:cs typeface="宋体" charset="0"/>
+              </a:rPr>
+              <a:t>)</a:t>
+            </a:r>
+            <a:r>
+              <a:rPr lang="zh-CN" altLang="zh-CN" sz="2400" dirty="0">
+                <a:latin typeface="宋体" charset="0"/>
+                <a:ea typeface="宋体" charset="0"/>
+                <a:cs typeface="宋体" charset="0"/>
+              </a:rPr>
+              <a:t>都假设该对象的引用计数为</a:t>
+            </a:r>
+            <a:r>
+              <a:rPr lang="en-GB" altLang="zh-CN" sz="2400" dirty="0">
+                <a:latin typeface="宋体" charset="0"/>
+                <a:ea typeface="宋体" charset="0"/>
+                <a:cs typeface="宋体" charset="0"/>
+              </a:rPr>
+              <a:t>1</a:t>
+            </a:r>
+            <a:r>
+              <a:rPr lang="zh-CN" altLang="zh-CN" sz="2400" dirty="0">
+                <a:latin typeface="宋体" charset="0"/>
+                <a:ea typeface="宋体" charset="0"/>
+                <a:cs typeface="宋体" charset="0"/>
+              </a:rPr>
+              <a:t>，而且已经被设置成自动释放。如果你把它当临时对象来用，你不需要执行任何释放</a:t>
+            </a:r>
+            <a:r>
+              <a:rPr lang="en-GB" altLang="zh-CN" sz="2400" dirty="0">
+                <a:latin typeface="宋体" charset="0"/>
+                <a:ea typeface="宋体" charset="0"/>
+                <a:cs typeface="宋体" charset="0"/>
+              </a:rPr>
+              <a:t>(release</a:t>
+            </a:r>
+            <a:r>
+              <a:rPr lang="zh-CN" altLang="zh-CN" sz="2400" dirty="0">
+                <a:latin typeface="宋体" charset="0"/>
+                <a:ea typeface="宋体" charset="0"/>
+                <a:cs typeface="宋体" charset="0"/>
+              </a:rPr>
+              <a:t>或</a:t>
+            </a:r>
+            <a:r>
+              <a:rPr lang="en-GB" altLang="zh-CN" sz="2400" dirty="0" err="1">
+                <a:latin typeface="宋体" charset="0"/>
+                <a:ea typeface="宋体" charset="0"/>
+                <a:cs typeface="宋体" charset="0"/>
+              </a:rPr>
+              <a:t>autorelease</a:t>
+            </a:r>
+            <a:r>
+              <a:rPr lang="en-GB" altLang="zh-CN" sz="2400" dirty="0">
+                <a:latin typeface="宋体" charset="0"/>
+                <a:ea typeface="宋体" charset="0"/>
+                <a:cs typeface="宋体" charset="0"/>
+              </a:rPr>
+              <a:t>)</a:t>
+            </a:r>
+            <a:r>
+              <a:rPr lang="zh-CN" altLang="zh-CN" sz="2400" dirty="0">
+                <a:latin typeface="宋体" charset="0"/>
+                <a:ea typeface="宋体" charset="0"/>
+                <a:cs typeface="宋体" charset="0"/>
+              </a:rPr>
+              <a:t>操作</a:t>
+            </a:r>
+          </a:p>
+          <a:p>
+            <a:pPr marL="0" indent="354013">
+              <a:lnSpc>
+                <a:spcPct val="150000"/>
+              </a:lnSpc>
+              <a:spcBef>
+                <a:spcPts val="1375"/>
+              </a:spcBef>
+              <a:tabLst>
+                <a:tab pos="0" algn="l"/>
+                <a:tab pos="104775" algn="l"/>
+                <a:tab pos="554038" algn="l"/>
+                <a:tab pos="1003300" algn="l"/>
+                <a:tab pos="1452563" algn="l"/>
+                <a:tab pos="1901825" algn="l"/>
+                <a:tab pos="2351088" algn="l"/>
+                <a:tab pos="2800350" algn="l"/>
+                <a:tab pos="3249613" algn="l"/>
+                <a:tab pos="3698875" algn="l"/>
+                <a:tab pos="4148138" algn="l"/>
+                <a:tab pos="4597400" algn="l"/>
+                <a:tab pos="5046663" algn="l"/>
+                <a:tab pos="5495925" algn="l"/>
+                <a:tab pos="5945188" algn="l"/>
+                <a:tab pos="6394450" algn="l"/>
+                <a:tab pos="6843713" algn="l"/>
+                <a:tab pos="7292975" algn="l"/>
+                <a:tab pos="7742238" algn="l"/>
+                <a:tab pos="8191500" algn="l"/>
+                <a:tab pos="8640763" algn="l"/>
+              </a:tabLst>
+            </a:pPr>
+            <a:r>
+              <a:rPr lang="en-GB" altLang="zh-CN" sz="2400" dirty="0">
+                <a:latin typeface="宋体" charset="0"/>
+                <a:ea typeface="宋体" charset="0"/>
+                <a:cs typeface="宋体" charset="0"/>
+              </a:rPr>
+              <a:t>3</a:t>
+            </a:r>
+            <a:r>
+              <a:rPr lang="zh-CN" altLang="zh-CN" sz="2400" dirty="0">
+                <a:latin typeface="宋体" charset="0"/>
+                <a:ea typeface="宋体" charset="0"/>
+                <a:cs typeface="宋体" charset="0"/>
+              </a:rPr>
+              <a:t>、你持有一个对象时，或者说是你当算把它保存成为你的某个成员变量，则你需要在保存对象时</a:t>
+            </a:r>
+            <a:r>
+              <a:rPr lang="en-GB" altLang="zh-CN" sz="2400" dirty="0">
+                <a:latin typeface="宋体" charset="0"/>
+                <a:ea typeface="宋体" charset="0"/>
+                <a:cs typeface="宋体" charset="0"/>
+              </a:rPr>
+              <a:t>(</a:t>
+            </a:r>
+            <a:r>
+              <a:rPr lang="zh-CN" altLang="zh-CN" sz="2400" dirty="0">
+                <a:latin typeface="宋体" charset="0"/>
+                <a:ea typeface="宋体" charset="0"/>
+                <a:cs typeface="宋体" charset="0"/>
+              </a:rPr>
+              <a:t>一般在</a:t>
+            </a:r>
+            <a:r>
+              <a:rPr lang="en-GB" altLang="zh-CN" sz="2400" dirty="0" err="1">
+                <a:latin typeface="宋体" charset="0"/>
+                <a:ea typeface="宋体" charset="0"/>
+                <a:cs typeface="宋体" charset="0"/>
+              </a:rPr>
+              <a:t>setXXX</a:t>
+            </a:r>
+            <a:r>
+              <a:rPr lang="zh-CN" altLang="zh-CN" sz="2400" dirty="0">
+                <a:latin typeface="宋体" charset="0"/>
+                <a:ea typeface="宋体" charset="0"/>
+                <a:cs typeface="宋体" charset="0"/>
+              </a:rPr>
+              <a:t>方法中</a:t>
+            </a:r>
+            <a:r>
+              <a:rPr lang="en-GB" altLang="zh-CN" sz="2400" dirty="0">
+                <a:latin typeface="宋体" charset="0"/>
+                <a:ea typeface="宋体" charset="0"/>
+                <a:cs typeface="宋体" charset="0"/>
+              </a:rPr>
+              <a:t>)</a:t>
+            </a:r>
+            <a:r>
+              <a:rPr lang="zh-CN" altLang="zh-CN" sz="2400" dirty="0">
+                <a:latin typeface="宋体" charset="0"/>
+                <a:ea typeface="宋体" charset="0"/>
+                <a:cs typeface="宋体" charset="0"/>
+              </a:rPr>
+              <a:t>把引用计数加</a:t>
+            </a:r>
+            <a:r>
+              <a:rPr lang="en-GB" altLang="zh-CN" sz="2400" dirty="0">
+                <a:latin typeface="宋体" charset="0"/>
+                <a:ea typeface="宋体" charset="0"/>
+                <a:cs typeface="宋体" charset="0"/>
+              </a:rPr>
+              <a:t>1</a:t>
+            </a:r>
+            <a:r>
+              <a:rPr lang="zh-CN" altLang="zh-CN" sz="2400" dirty="0">
+                <a:latin typeface="宋体" charset="0"/>
+                <a:ea typeface="宋体" charset="0"/>
+                <a:cs typeface="宋体" charset="0"/>
+              </a:rPr>
+              <a:t>，在操作完成后</a:t>
+            </a:r>
+            <a:r>
+              <a:rPr lang="en-GB" altLang="zh-CN" sz="2400" dirty="0">
+                <a:latin typeface="宋体" charset="0"/>
+                <a:ea typeface="宋体" charset="0"/>
+                <a:cs typeface="宋体" charset="0"/>
+              </a:rPr>
+              <a:t>(</a:t>
+            </a:r>
+            <a:r>
+              <a:rPr lang="zh-CN" altLang="zh-CN" sz="2400" dirty="0">
+                <a:latin typeface="宋体" charset="0"/>
+                <a:ea typeface="宋体" charset="0"/>
+                <a:cs typeface="宋体" charset="0"/>
+              </a:rPr>
+              <a:t>一般时在</a:t>
+            </a:r>
+            <a:r>
+              <a:rPr lang="en-GB" altLang="zh-CN" sz="2400" dirty="0" err="1">
+                <a:latin typeface="宋体" charset="0"/>
+                <a:ea typeface="宋体" charset="0"/>
+                <a:cs typeface="宋体" charset="0"/>
+              </a:rPr>
+              <a:t>dealloc</a:t>
+            </a:r>
+            <a:r>
+              <a:rPr lang="zh-CN" altLang="zh-CN" sz="2400" dirty="0">
+                <a:latin typeface="宋体" charset="0"/>
+                <a:ea typeface="宋体" charset="0"/>
+                <a:cs typeface="宋体" charset="0"/>
+              </a:rPr>
+              <a:t>中</a:t>
+            </a:r>
+            <a:r>
+              <a:rPr lang="en-GB" altLang="zh-CN" sz="2400" dirty="0">
+                <a:latin typeface="宋体" charset="0"/>
+                <a:ea typeface="宋体" charset="0"/>
+                <a:cs typeface="宋体" charset="0"/>
+              </a:rPr>
+              <a:t>)</a:t>
+            </a:r>
+            <a:r>
+              <a:rPr lang="zh-CN" altLang="zh-CN" sz="2400" dirty="0">
+                <a:latin typeface="宋体" charset="0"/>
+                <a:ea typeface="宋体" charset="0"/>
+                <a:cs typeface="宋体" charset="0"/>
+              </a:rPr>
+              <a:t>释放该对象</a:t>
+            </a:r>
+            <a:r>
+              <a:rPr lang="en-GB" altLang="zh-CN" sz="2400" dirty="0">
+                <a:latin typeface="宋体" charset="0"/>
+                <a:ea typeface="宋体" charset="0"/>
+                <a:cs typeface="宋体" charset="0"/>
+              </a:rPr>
+              <a:t>(</a:t>
+            </a:r>
+            <a:r>
+              <a:rPr lang="zh-CN" altLang="zh-CN" sz="2400" dirty="0">
+                <a:latin typeface="宋体" charset="0"/>
+                <a:ea typeface="宋体" charset="0"/>
+                <a:cs typeface="宋体" charset="0"/>
+              </a:rPr>
+              <a:t>引用计数减</a:t>
+            </a:r>
+            <a:r>
+              <a:rPr lang="en-GB" altLang="zh-CN" sz="2400" dirty="0">
+                <a:latin typeface="宋体" charset="0"/>
+                <a:ea typeface="宋体" charset="0"/>
+                <a:cs typeface="宋体" charset="0"/>
+              </a:rPr>
+              <a:t>1</a:t>
+            </a:r>
+            <a:r>
+              <a:rPr lang="zh-CN" altLang="zh-CN" sz="2400" dirty="0">
+                <a:latin typeface="宋体" charset="0"/>
+                <a:ea typeface="宋体" charset="0"/>
+                <a:cs typeface="宋体" charset="0"/>
+              </a:rPr>
+              <a:t>）</a:t>
+            </a:r>
+            <a:endParaRPr lang="zh-CN" altLang="zh-CN" sz="2400" dirty="0">
+              <a:latin typeface="宋体" charset="0"/>
+              <a:ea typeface="宋体" charset="0"/>
+              <a:cs typeface="宋体" charset="0"/>
+            </a:endParaRPr>
+          </a:p>
+        </p:txBody>
+      </p:sp>
+    </p:spTree>
+    <p:extLst>
+      <p:ext uri="{BB962C8B-B14F-4D97-AF65-F5344CB8AC3E}">
+        <p14:creationId xmlns:p14="http://schemas.microsoft.com/office/powerpoint/2010/main" val="4020653048"/>
+      </p:ext>
+    </p:extLst>
+  </p:cSld>
+  <p:clrMapOvr>
+    <a:masterClrMapping/>
+  </p:clrMapOvr>
+  <p:timing>
+    <p:tnLst>
+      <p:par>
+        <p:cTn xmlns:p14="http://schemas.microsoft.com/office/powerpoint/2010/main" id="1" dur="indefinite" restart="never" nodeType="tmRoot"/>
+      </p:par>
+    </p:tnLst>
+  </p:timing>
+</p:sld>
+</file>
+
+<file path=ppt/slides/slide4.xml><?xml version="1.0" encoding="utf-8"?>
+<p:sld xmlns:a="http://schemas.openxmlformats.org/drawingml/2006/main" xmlns:r="http://schemas.openxmlformats.org/officeDocument/2006/relationships" xmlns:p="http://schemas.openxmlformats.org/presentationml/2006/main">
+  <p:cSld>
+    <p:spTree>
+      <p:nvGrpSpPr>
+        <p:cNvPr id="1" name=""/>
+        <p:cNvGrpSpPr/>
+        <p:nvPr/>
+      </p:nvGrpSpPr>
+      <p:grpSpPr>
+        <a:xfrm>
+          <a:off x="0" y="0"/>
+          <a:ext cx="0" cy="0"/>
+          <a:chOff x="0" y="0"/>
+          <a:chExt cx="0" cy="0"/>
+        </a:xfrm>
+      </p:grpSpPr>
+      <p:sp>
+        <p:nvSpPr>
+          <p:cNvPr id="2" name="标题 1"/>
+          <p:cNvSpPr>
+            <a:spLocks noGrp="1"/>
+          </p:cNvSpPr>
+          <p:nvPr>
+            <p:ph type="title"/>
+          </p:nvPr>
+        </p:nvSpPr>
+        <p:spPr/>
+        <p:txBody>
+          <a:bodyPr/>
+          <a:lstStyle/>
+          <a:p>
+            <a:r>
+              <a:rPr lang="zh-CN" altLang="en-US" b="0" dirty="0" smtClean="0"/>
+              <a:t>内存管理</a:t>
+            </a:r>
+            <a:r>
+              <a:rPr lang="zh-CN" altLang="en-US" b="0" dirty="0" smtClean="0"/>
+              <a:t>（</a:t>
+            </a:r>
+            <a:r>
+              <a:rPr lang="en-US" altLang="zh-CN" b="0" dirty="0" smtClean="0"/>
+              <a:t>MRC</a:t>
+            </a:r>
+            <a:r>
+              <a:rPr lang="zh-CN" altLang="en-US" b="0" dirty="0" smtClean="0"/>
+              <a:t>）</a:t>
+            </a:r>
+            <a:endParaRPr kumimoji="1" lang="zh-CN" altLang="en-US" dirty="0"/>
+          </a:p>
+        </p:txBody>
+      </p:sp>
+      <p:sp>
+        <p:nvSpPr>
+          <p:cNvPr id="3" name="幻灯片编号占位符 2"/>
+          <p:cNvSpPr>
+            <a:spLocks noGrp="1"/>
+          </p:cNvSpPr>
+          <p:nvPr>
+            <p:ph type="sldNum" sz="quarter" idx="4"/>
+          </p:nvPr>
+        </p:nvSpPr>
+        <p:spPr/>
+        <p:txBody>
+          <a:bodyPr/>
+          <a:lstStyle/>
+          <a:p>
+            <a:fld id="{BF10DB53-D7D3-4DB6-A29F-40217B92EC88}" type="slidenum">
+              <a:rPr lang="en-US" smtClean="0"/>
+              <a:pPr/>
+              <a:t>3</a:t>
+            </a:fld>
+            <a:endParaRPr lang="en-US" dirty="0"/>
+          </a:p>
+        </p:txBody>
+      </p:sp>
+      <p:sp>
+        <p:nvSpPr>
+          <p:cNvPr id="5" name="文本框 4"/>
+          <p:cNvSpPr txBox="1"/>
+          <p:nvPr/>
+        </p:nvSpPr>
+        <p:spPr>
+          <a:xfrm>
+            <a:off x="251520" y="1340768"/>
+            <a:ext cx="8568952" cy="4728858"/>
+          </a:xfrm>
+          <a:prstGeom prst="rect">
+            <a:avLst/>
+          </a:prstGeom>
+          <a:noFill/>
+        </p:spPr>
+        <p:txBody>
+          <a:bodyPr wrap="square" rtlCol="0">
+            <a:spAutoFit/>
+          </a:bodyPr>
+          <a:lstStyle/>
+          <a:p>
+            <a:pPr>
+              <a:lnSpc>
+                <a:spcPct val="100000"/>
+              </a:lnSpc>
+              <a:spcBef>
+                <a:spcPts val="1375"/>
+              </a:spcBef>
+              <a:tabLst>
+                <a:tab pos="0" algn="l"/>
+                <a:tab pos="104775" algn="l"/>
+                <a:tab pos="554038" algn="l"/>
+                <a:tab pos="1003300" algn="l"/>
+                <a:tab pos="1452563" algn="l"/>
+                <a:tab pos="1901825" algn="l"/>
+                <a:tab pos="2351088" algn="l"/>
+                <a:tab pos="2800350" algn="l"/>
+                <a:tab pos="3249613" algn="l"/>
+                <a:tab pos="3698875" algn="l"/>
+                <a:tab pos="4148138" algn="l"/>
+                <a:tab pos="4597400" algn="l"/>
+                <a:tab pos="5046663" algn="l"/>
+                <a:tab pos="5495925" algn="l"/>
+                <a:tab pos="5945188" algn="l"/>
+                <a:tab pos="6394450" algn="l"/>
+                <a:tab pos="6843713" algn="l"/>
+                <a:tab pos="7292975" algn="l"/>
+                <a:tab pos="7742238" algn="l"/>
+                <a:tab pos="8191500" algn="l"/>
+                <a:tab pos="8640763" algn="l"/>
+              </a:tabLst>
+            </a:pPr>
+            <a:r>
+              <a:rPr lang="en-GB" altLang="zh-CN" sz="2400" dirty="0" err="1">
+                <a:solidFill>
+                  <a:srgbClr val="FFFF00"/>
+                </a:solidFill>
+                <a:latin typeface="宋体" charset="0"/>
+                <a:ea typeface="宋体" charset="0"/>
+                <a:cs typeface="宋体" charset="0"/>
+              </a:rPr>
+              <a:t>Alloc</a:t>
+            </a:r>
+            <a:r>
+              <a:rPr lang="en-GB" altLang="zh-CN" sz="2400" dirty="0">
+                <a:solidFill>
+                  <a:srgbClr val="FFFF00"/>
+                </a:solidFill>
+                <a:latin typeface="宋体" charset="0"/>
+                <a:ea typeface="宋体" charset="0"/>
+                <a:cs typeface="宋体" charset="0"/>
+              </a:rPr>
+              <a:t> </a:t>
+            </a:r>
+            <a:r>
+              <a:rPr lang="en-GB" altLang="zh-CN" sz="2400" dirty="0">
+                <a:latin typeface="宋体" charset="0"/>
+                <a:ea typeface="宋体" charset="0"/>
+                <a:cs typeface="宋体" charset="0"/>
+              </a:rPr>
+              <a:t>→ </a:t>
+            </a:r>
+            <a:r>
+              <a:rPr lang="zh-CN" altLang="zh-CN" sz="2400" dirty="0">
+                <a:latin typeface="宋体" charset="0"/>
+                <a:ea typeface="宋体" charset="0"/>
+                <a:cs typeface="宋体" charset="0"/>
+              </a:rPr>
+              <a:t>对象分配后引用计数为</a:t>
+            </a:r>
+            <a:r>
+              <a:rPr lang="en-GB" altLang="zh-CN" sz="2400" dirty="0">
+                <a:latin typeface="宋体" charset="0"/>
+                <a:ea typeface="宋体" charset="0"/>
+                <a:cs typeface="宋体" charset="0"/>
+              </a:rPr>
+              <a:t>1</a:t>
+            </a:r>
+          </a:p>
+          <a:p>
+            <a:pPr>
+              <a:lnSpc>
+                <a:spcPct val="100000"/>
+              </a:lnSpc>
+              <a:spcBef>
+                <a:spcPts val="1375"/>
+              </a:spcBef>
+              <a:tabLst>
+                <a:tab pos="0" algn="l"/>
+                <a:tab pos="104775" algn="l"/>
+                <a:tab pos="554038" algn="l"/>
+                <a:tab pos="1003300" algn="l"/>
+                <a:tab pos="1452563" algn="l"/>
+                <a:tab pos="1901825" algn="l"/>
+                <a:tab pos="2351088" algn="l"/>
+                <a:tab pos="2800350" algn="l"/>
+                <a:tab pos="3249613" algn="l"/>
+                <a:tab pos="3698875" algn="l"/>
+                <a:tab pos="4148138" algn="l"/>
+                <a:tab pos="4597400" algn="l"/>
+                <a:tab pos="5046663" algn="l"/>
+                <a:tab pos="5495925" algn="l"/>
+                <a:tab pos="5945188" algn="l"/>
+                <a:tab pos="6394450" algn="l"/>
+                <a:tab pos="6843713" algn="l"/>
+                <a:tab pos="7292975" algn="l"/>
+                <a:tab pos="7742238" algn="l"/>
+                <a:tab pos="8191500" algn="l"/>
+                <a:tab pos="8640763" algn="l"/>
+              </a:tabLst>
+            </a:pPr>
+            <a:r>
+              <a:rPr lang="en-GB" altLang="zh-CN" sz="2400" dirty="0">
+                <a:solidFill>
+                  <a:srgbClr val="FFFF00"/>
+                </a:solidFill>
+                <a:latin typeface="宋体" charset="0"/>
+                <a:ea typeface="宋体" charset="0"/>
+                <a:cs typeface="宋体" charset="0"/>
+              </a:rPr>
+              <a:t>Retain</a:t>
+            </a:r>
+            <a:r>
+              <a:rPr lang="en-GB" altLang="zh-CN" sz="2400" dirty="0">
+                <a:latin typeface="宋体" charset="0"/>
+                <a:ea typeface="宋体" charset="0"/>
+                <a:cs typeface="宋体" charset="0"/>
+              </a:rPr>
+              <a:t>  → </a:t>
+            </a:r>
+            <a:r>
+              <a:rPr lang="zh-CN" altLang="zh-CN" sz="2400" dirty="0">
+                <a:latin typeface="宋体" charset="0"/>
+                <a:ea typeface="宋体" charset="0"/>
+                <a:cs typeface="宋体" charset="0"/>
+              </a:rPr>
+              <a:t>对象的引用计数</a:t>
+            </a:r>
+            <a:r>
+              <a:rPr lang="en-GB" altLang="zh-CN" sz="2400" dirty="0">
+                <a:latin typeface="宋体" charset="0"/>
+                <a:ea typeface="宋体" charset="0"/>
+                <a:cs typeface="宋体" charset="0"/>
+              </a:rPr>
+              <a:t>+1</a:t>
+            </a:r>
+          </a:p>
+          <a:p>
+            <a:pPr>
+              <a:lnSpc>
+                <a:spcPct val="100000"/>
+              </a:lnSpc>
+              <a:spcBef>
+                <a:spcPts val="1375"/>
+              </a:spcBef>
+              <a:tabLst>
+                <a:tab pos="0" algn="l"/>
+                <a:tab pos="104775" algn="l"/>
+                <a:tab pos="554038" algn="l"/>
+                <a:tab pos="1003300" algn="l"/>
+                <a:tab pos="1452563" algn="l"/>
+                <a:tab pos="1901825" algn="l"/>
+                <a:tab pos="2351088" algn="l"/>
+                <a:tab pos="2800350" algn="l"/>
+                <a:tab pos="3249613" algn="l"/>
+                <a:tab pos="3698875" algn="l"/>
+                <a:tab pos="4148138" algn="l"/>
+                <a:tab pos="4597400" algn="l"/>
+                <a:tab pos="5046663" algn="l"/>
+                <a:tab pos="5495925" algn="l"/>
+                <a:tab pos="5945188" algn="l"/>
+                <a:tab pos="6394450" algn="l"/>
+                <a:tab pos="6843713" algn="l"/>
+                <a:tab pos="7292975" algn="l"/>
+                <a:tab pos="7742238" algn="l"/>
+                <a:tab pos="8191500" algn="l"/>
+                <a:tab pos="8640763" algn="l"/>
+              </a:tabLst>
+            </a:pPr>
+            <a:r>
+              <a:rPr lang="en-GB" altLang="zh-CN" sz="2400" dirty="0">
+                <a:solidFill>
+                  <a:srgbClr val="FFFF00"/>
+                </a:solidFill>
+                <a:latin typeface="宋体" charset="0"/>
+                <a:ea typeface="宋体" charset="0"/>
+                <a:cs typeface="宋体" charset="0"/>
+              </a:rPr>
+              <a:t>Copy</a:t>
+            </a:r>
+            <a:r>
+              <a:rPr lang="en-GB" altLang="zh-CN" sz="2400" dirty="0">
+                <a:latin typeface="宋体" charset="0"/>
+                <a:ea typeface="宋体" charset="0"/>
+                <a:cs typeface="宋体" charset="0"/>
+              </a:rPr>
+              <a:t> → copy</a:t>
+            </a:r>
+            <a:r>
+              <a:rPr lang="zh-CN" altLang="zh-CN" sz="2400" dirty="0">
+                <a:latin typeface="宋体" charset="0"/>
+                <a:ea typeface="宋体" charset="0"/>
+                <a:cs typeface="宋体" charset="0"/>
+              </a:rPr>
+              <a:t>一个对象变成新的对象</a:t>
+            </a:r>
+            <a:r>
+              <a:rPr lang="en-GB" altLang="zh-CN" sz="2400" dirty="0">
+                <a:latin typeface="宋体" charset="0"/>
+                <a:ea typeface="宋体" charset="0"/>
+                <a:cs typeface="宋体" charset="0"/>
+              </a:rPr>
+              <a:t>(</a:t>
+            </a:r>
+            <a:r>
+              <a:rPr lang="zh-CN" altLang="zh-CN" sz="2400" dirty="0">
+                <a:latin typeface="宋体" charset="0"/>
+                <a:ea typeface="宋体" charset="0"/>
+                <a:cs typeface="宋体" charset="0"/>
+              </a:rPr>
+              <a:t>新内存地址</a:t>
+            </a:r>
+            <a:r>
+              <a:rPr lang="en-GB" altLang="zh-CN" sz="2400" dirty="0">
+                <a:latin typeface="宋体" charset="0"/>
+                <a:ea typeface="宋体" charset="0"/>
+                <a:cs typeface="宋体" charset="0"/>
+              </a:rPr>
+              <a:t>),</a:t>
+            </a:r>
+            <a:r>
+              <a:rPr lang="zh-CN" altLang="zh-CN" sz="2400" dirty="0">
+                <a:latin typeface="宋体" charset="0"/>
+                <a:ea typeface="宋体" charset="0"/>
+                <a:cs typeface="宋体" charset="0"/>
+              </a:rPr>
+              <a:t>引用计数为</a:t>
+            </a:r>
+            <a:r>
+              <a:rPr lang="en-GB" altLang="zh-CN" sz="2400" dirty="0">
+                <a:latin typeface="宋体" charset="0"/>
+                <a:ea typeface="宋体" charset="0"/>
+                <a:cs typeface="宋体" charset="0"/>
+              </a:rPr>
+              <a:t>1,</a:t>
+            </a:r>
+            <a:r>
+              <a:rPr lang="zh-CN" altLang="zh-CN" sz="2400" dirty="0">
+                <a:latin typeface="宋体" charset="0"/>
+                <a:ea typeface="宋体" charset="0"/>
+                <a:cs typeface="宋体" charset="0"/>
+              </a:rPr>
+              <a:t>原来对象计数不变</a:t>
+            </a:r>
+          </a:p>
+          <a:p>
+            <a:pPr>
+              <a:lnSpc>
+                <a:spcPct val="100000"/>
+              </a:lnSpc>
+              <a:spcBef>
+                <a:spcPts val="1375"/>
+              </a:spcBef>
+              <a:tabLst>
+                <a:tab pos="0" algn="l"/>
+                <a:tab pos="104775" algn="l"/>
+                <a:tab pos="554038" algn="l"/>
+                <a:tab pos="1003300" algn="l"/>
+                <a:tab pos="1452563" algn="l"/>
+                <a:tab pos="1901825" algn="l"/>
+                <a:tab pos="2351088" algn="l"/>
+                <a:tab pos="2800350" algn="l"/>
+                <a:tab pos="3249613" algn="l"/>
+                <a:tab pos="3698875" algn="l"/>
+                <a:tab pos="4148138" algn="l"/>
+                <a:tab pos="4597400" algn="l"/>
+                <a:tab pos="5046663" algn="l"/>
+                <a:tab pos="5495925" algn="l"/>
+                <a:tab pos="5945188" algn="l"/>
+                <a:tab pos="6394450" algn="l"/>
+                <a:tab pos="6843713" algn="l"/>
+                <a:tab pos="7292975" algn="l"/>
+                <a:tab pos="7742238" algn="l"/>
+                <a:tab pos="8191500" algn="l"/>
+                <a:tab pos="8640763" algn="l"/>
+              </a:tabLst>
+            </a:pPr>
+            <a:r>
+              <a:rPr lang="en-GB" altLang="zh-CN" sz="2400" dirty="0">
+                <a:solidFill>
+                  <a:srgbClr val="FFFF00"/>
+                </a:solidFill>
+                <a:latin typeface="宋体" charset="0"/>
+                <a:ea typeface="宋体" charset="0"/>
+                <a:cs typeface="宋体" charset="0"/>
+              </a:rPr>
+              <a:t>Release</a:t>
+            </a:r>
+            <a:r>
+              <a:rPr lang="en-GB" altLang="zh-CN" sz="2400" dirty="0">
+                <a:latin typeface="宋体" charset="0"/>
+                <a:ea typeface="宋体" charset="0"/>
+                <a:cs typeface="宋体" charset="0"/>
+              </a:rPr>
+              <a:t> → </a:t>
+            </a:r>
+            <a:r>
+              <a:rPr lang="zh-CN" altLang="zh-CN" sz="2400" dirty="0">
+                <a:latin typeface="宋体" charset="0"/>
+                <a:ea typeface="宋体" charset="0"/>
+                <a:cs typeface="宋体" charset="0"/>
+              </a:rPr>
+              <a:t>对象引用计数</a:t>
+            </a:r>
+            <a:r>
+              <a:rPr lang="en-GB" altLang="zh-CN" sz="2400" dirty="0">
+                <a:latin typeface="宋体" charset="0"/>
+                <a:ea typeface="宋体" charset="0"/>
+                <a:cs typeface="宋体" charset="0"/>
+              </a:rPr>
+              <a:t>-1,</a:t>
+            </a:r>
+            <a:r>
+              <a:rPr lang="zh-CN" altLang="zh-CN" sz="2400" dirty="0">
+                <a:latin typeface="宋体" charset="0"/>
+                <a:ea typeface="宋体" charset="0"/>
+                <a:cs typeface="宋体" charset="0"/>
+              </a:rPr>
+              <a:t>如果为</a:t>
+            </a:r>
+            <a:r>
+              <a:rPr lang="en-GB" altLang="zh-CN" sz="2400" dirty="0">
+                <a:latin typeface="宋体" charset="0"/>
+                <a:ea typeface="宋体" charset="0"/>
+                <a:cs typeface="宋体" charset="0"/>
+              </a:rPr>
+              <a:t>0</a:t>
+            </a:r>
+            <a:r>
+              <a:rPr lang="zh-CN" altLang="zh-CN" sz="2400" dirty="0">
+                <a:latin typeface="宋体" charset="0"/>
+                <a:ea typeface="宋体" charset="0"/>
+                <a:cs typeface="宋体" charset="0"/>
+              </a:rPr>
+              <a:t>释放内存</a:t>
+            </a:r>
+          </a:p>
+          <a:p>
+            <a:pPr>
+              <a:lnSpc>
+                <a:spcPct val="100000"/>
+              </a:lnSpc>
+              <a:spcBef>
+                <a:spcPts val="1375"/>
+              </a:spcBef>
+              <a:tabLst>
+                <a:tab pos="0" algn="l"/>
+                <a:tab pos="104775" algn="l"/>
+                <a:tab pos="554038" algn="l"/>
+                <a:tab pos="1003300" algn="l"/>
+                <a:tab pos="1452563" algn="l"/>
+                <a:tab pos="1901825" algn="l"/>
+                <a:tab pos="2351088" algn="l"/>
+                <a:tab pos="2800350" algn="l"/>
+                <a:tab pos="3249613" algn="l"/>
+                <a:tab pos="3698875" algn="l"/>
+                <a:tab pos="4148138" algn="l"/>
+                <a:tab pos="4597400" algn="l"/>
+                <a:tab pos="5046663" algn="l"/>
+                <a:tab pos="5495925" algn="l"/>
+                <a:tab pos="5945188" algn="l"/>
+                <a:tab pos="6394450" algn="l"/>
+                <a:tab pos="6843713" algn="l"/>
+                <a:tab pos="7292975" algn="l"/>
+                <a:tab pos="7742238" algn="l"/>
+                <a:tab pos="8191500" algn="l"/>
+                <a:tab pos="8640763" algn="l"/>
+              </a:tabLst>
+            </a:pPr>
+            <a:r>
+              <a:rPr lang="en-GB" altLang="zh-CN" sz="2400" dirty="0" err="1">
+                <a:solidFill>
+                  <a:srgbClr val="FFFF00"/>
+                </a:solidFill>
+                <a:latin typeface="宋体" charset="0"/>
+                <a:ea typeface="宋体" charset="0"/>
+                <a:cs typeface="宋体" charset="0"/>
+              </a:rPr>
+              <a:t>Autorelease</a:t>
+            </a:r>
+            <a:r>
+              <a:rPr lang="en-GB" altLang="zh-CN" sz="2400" dirty="0">
+                <a:solidFill>
+                  <a:srgbClr val="FFFF00"/>
+                </a:solidFill>
+                <a:latin typeface="宋体" charset="0"/>
+                <a:ea typeface="宋体" charset="0"/>
+                <a:cs typeface="宋体" charset="0"/>
+              </a:rPr>
+              <a:t> </a:t>
+            </a:r>
+            <a:r>
+              <a:rPr lang="en-GB" altLang="zh-CN" sz="2400" dirty="0">
+                <a:latin typeface="宋体" charset="0"/>
+                <a:ea typeface="宋体" charset="0"/>
+                <a:cs typeface="宋体" charset="0"/>
+              </a:rPr>
+              <a:t>→ </a:t>
+            </a:r>
+            <a:r>
+              <a:rPr lang="zh-CN" altLang="zh-CN" sz="2400" dirty="0">
+                <a:latin typeface="宋体" charset="0"/>
+                <a:ea typeface="宋体" charset="0"/>
+                <a:cs typeface="宋体" charset="0"/>
+              </a:rPr>
+              <a:t>对象引用计数</a:t>
+            </a:r>
+            <a:r>
+              <a:rPr lang="en-GB" altLang="zh-CN" sz="2400" dirty="0">
+                <a:latin typeface="宋体" charset="0"/>
+                <a:ea typeface="宋体" charset="0"/>
+                <a:cs typeface="宋体" charset="0"/>
+              </a:rPr>
+              <a:t>-1,</a:t>
+            </a:r>
+            <a:r>
+              <a:rPr lang="zh-CN" altLang="zh-CN" sz="2400" dirty="0">
+                <a:latin typeface="宋体" charset="0"/>
+                <a:ea typeface="宋体" charset="0"/>
+                <a:cs typeface="宋体" charset="0"/>
+              </a:rPr>
+              <a:t>如果为</a:t>
+            </a:r>
+            <a:r>
+              <a:rPr lang="en-GB" altLang="zh-CN" sz="2400" dirty="0">
+                <a:latin typeface="宋体" charset="0"/>
+                <a:ea typeface="宋体" charset="0"/>
+                <a:cs typeface="宋体" charset="0"/>
+              </a:rPr>
+              <a:t>0</a:t>
+            </a:r>
+            <a:r>
+              <a:rPr lang="zh-CN" altLang="zh-CN" sz="2400" dirty="0">
+                <a:latin typeface="宋体" charset="0"/>
+                <a:ea typeface="宋体" charset="0"/>
+                <a:cs typeface="宋体" charset="0"/>
+              </a:rPr>
+              <a:t>不马上释放，当当前的</a:t>
+            </a:r>
+            <a:r>
+              <a:rPr lang="en-GB" altLang="zh-CN" sz="2400" dirty="0">
+                <a:latin typeface="宋体" charset="0"/>
+                <a:ea typeface="宋体" charset="0"/>
+                <a:cs typeface="宋体" charset="0"/>
+              </a:rPr>
+              <a:t>pool</a:t>
+            </a:r>
+            <a:r>
+              <a:rPr lang="zh-CN" altLang="zh-CN" sz="2400" dirty="0">
+                <a:latin typeface="宋体" charset="0"/>
+                <a:ea typeface="宋体" charset="0"/>
+                <a:cs typeface="宋体" charset="0"/>
+              </a:rPr>
+              <a:t>销毁时释放</a:t>
+            </a:r>
+            <a:r>
+              <a:rPr lang="en-GB" altLang="zh-CN" sz="2800" dirty="0">
+                <a:latin typeface="宋体" charset="0"/>
+                <a:ea typeface="宋体" charset="0"/>
+                <a:cs typeface="宋体" charset="0"/>
+              </a:rPr>
+              <a:t>    </a:t>
+            </a:r>
+          </a:p>
+          <a:p>
+            <a:pPr marL="342900" indent="-342900">
+              <a:spcBef>
+                <a:spcPts val="1375"/>
+              </a:spcBef>
+              <a:buFont typeface="Wingdings" charset="2"/>
+              <a:buChar char="Ø"/>
+              <a:tabLst>
+                <a:tab pos="0" algn="l"/>
+                <a:tab pos="104775" algn="l"/>
+                <a:tab pos="554038" algn="l"/>
+                <a:tab pos="1003300" algn="l"/>
+                <a:tab pos="1452563" algn="l"/>
+                <a:tab pos="1901825" algn="l"/>
+                <a:tab pos="2351088" algn="l"/>
+                <a:tab pos="2800350" algn="l"/>
+                <a:tab pos="3249613" algn="l"/>
+                <a:tab pos="3698875" algn="l"/>
+                <a:tab pos="4148138" algn="l"/>
+                <a:tab pos="4597400" algn="l"/>
+                <a:tab pos="5046663" algn="l"/>
+                <a:tab pos="5495925" algn="l"/>
+                <a:tab pos="5945188" algn="l"/>
+                <a:tab pos="6394450" algn="l"/>
+                <a:tab pos="6843713" algn="l"/>
+                <a:tab pos="7292975" algn="l"/>
+                <a:tab pos="7742238" algn="l"/>
+                <a:tab pos="8191500" algn="l"/>
+                <a:tab pos="8640763" algn="l"/>
+              </a:tabLst>
+            </a:pPr>
+            <a:r>
+              <a:rPr lang="zh-CN" altLang="zh-CN" sz="2400" dirty="0" smtClean="0">
+                <a:latin typeface="宋体" charset="0"/>
+                <a:ea typeface="宋体" charset="0"/>
+                <a:cs typeface="宋体" charset="0"/>
+              </a:rPr>
+              <a:t>如果引用计数等于</a:t>
+            </a:r>
+            <a:r>
+              <a:rPr lang="en-GB" altLang="zh-CN" sz="2400" dirty="0">
+                <a:latin typeface="宋体" charset="0"/>
+                <a:ea typeface="宋体" charset="0"/>
+                <a:cs typeface="宋体" charset="0"/>
+              </a:rPr>
+              <a:t>0</a:t>
+            </a:r>
+            <a:r>
+              <a:rPr lang="zh-CN" altLang="zh-CN" sz="2400" dirty="0">
+                <a:latin typeface="宋体" charset="0"/>
+                <a:ea typeface="宋体" charset="0"/>
+                <a:cs typeface="宋体" charset="0"/>
+              </a:rPr>
+              <a:t>还对该对象进行操作，则会出现内存访问失败</a:t>
+            </a:r>
+            <a:r>
+              <a:rPr lang="en-GB" altLang="zh-CN" sz="2400" dirty="0">
+                <a:latin typeface="宋体" charset="0"/>
+                <a:ea typeface="宋体" charset="0"/>
+                <a:cs typeface="宋体" charset="0"/>
+              </a:rPr>
+              <a:t>,</a:t>
+            </a:r>
+            <a:r>
+              <a:rPr lang="zh-CN" altLang="zh-CN" sz="2400" dirty="0">
+                <a:latin typeface="宋体" charset="0"/>
+                <a:ea typeface="宋体" charset="0"/>
+                <a:cs typeface="宋体" charset="0"/>
+              </a:rPr>
+              <a:t>这个问题很严重，所以请一定注意内存释放和不用过后设置为</a:t>
+            </a:r>
+            <a:r>
+              <a:rPr lang="en-GB" altLang="zh-CN" sz="2400" dirty="0">
+                <a:latin typeface="宋体" charset="0"/>
+                <a:ea typeface="宋体" charset="0"/>
+                <a:cs typeface="宋体" charset="0"/>
+              </a:rPr>
+              <a:t>nil</a:t>
+            </a:r>
+            <a:endParaRPr lang="en-GB" altLang="zh-CN" sz="2400" dirty="0">
+              <a:latin typeface="宋体" charset="0"/>
+              <a:ea typeface="宋体" charset="0"/>
+              <a:cs typeface="宋体" charset="0"/>
+            </a:endParaRPr>
+          </a:p>
+        </p:txBody>
+      </p:sp>
+    </p:spTree>
+    <p:extLst>
+      <p:ext uri="{BB962C8B-B14F-4D97-AF65-F5344CB8AC3E}">
+        <p14:creationId xmlns:p14="http://schemas.microsoft.com/office/powerpoint/2010/main" val="2545487373"/>
+      </p:ext>
+    </p:extLst>
+  </p:cSld>
+  <p:clrMapOvr>
+    <a:masterClrMapping/>
+  </p:clrMapOvr>
+  <p:timing>
+    <p:tnLst>
+      <p:par>
+        <p:cTn xmlns:p14="http://schemas.microsoft.com/office/powerpoint/2010/main" id="1" dur="indefinite" restart="never" nodeType="tmRoot"/>
+      </p:par>
+    </p:tnLst>
+  </p:timing>
+</p:sld>
+</file>
+
+<file path=ppt/slides/slide5.xml><?xml version="1.0" encoding="utf-8"?>
+<p:sld xmlns:a="http://schemas.openxmlformats.org/drawingml/2006/main" xmlns:r="http://schemas.openxmlformats.org/officeDocument/2006/relationships" xmlns:p="http://schemas.openxmlformats.org/presentationml/2006/main">
+  <p:cSld>
+    <p:spTree>
+      <p:nvGrpSpPr>
+        <p:cNvPr id="1" name=""/>
+        <p:cNvGrpSpPr/>
+        <p:nvPr/>
+      </p:nvGrpSpPr>
+      <p:grpSpPr>
+        <a:xfrm>
+          <a:off x="0" y="0"/>
+          <a:ext cx="0" cy="0"/>
+          <a:chOff x="0" y="0"/>
+          <a:chExt cx="0" cy="0"/>
+        </a:xfrm>
+      </p:grpSpPr>
+      <p:sp>
+        <p:nvSpPr>
+          <p:cNvPr id="2" name="标题 1"/>
+          <p:cNvSpPr>
+            <a:spLocks noGrp="1"/>
+          </p:cNvSpPr>
+          <p:nvPr>
+            <p:ph type="title"/>
+          </p:nvPr>
+        </p:nvSpPr>
+        <p:spPr/>
+        <p:txBody>
+          <a:bodyPr/>
+          <a:lstStyle/>
+          <a:p>
+            <a:r>
+              <a:rPr lang="zh-CN" altLang="en-US" b="0" dirty="0" smtClean="0"/>
+              <a:t>内存管理</a:t>
+            </a:r>
+            <a:r>
+              <a:rPr lang="zh-CN" altLang="en-US" b="0" dirty="0" smtClean="0"/>
+              <a:t>（</a:t>
+            </a:r>
+            <a:r>
+              <a:rPr lang="en-US" altLang="zh-CN" b="0" dirty="0" smtClean="0"/>
+              <a:t>MRC</a:t>
+            </a:r>
+            <a:r>
+              <a:rPr lang="zh-CN" altLang="en-US" b="0" dirty="0" smtClean="0"/>
+              <a:t>）</a:t>
+            </a:r>
+            <a:endParaRPr kumimoji="1" lang="zh-CN" altLang="en-US" dirty="0"/>
+          </a:p>
+        </p:txBody>
+      </p:sp>
+      <p:sp>
+        <p:nvSpPr>
+          <p:cNvPr id="3" name="幻灯片编号占位符 2"/>
+          <p:cNvSpPr>
+            <a:spLocks noGrp="1"/>
+          </p:cNvSpPr>
+          <p:nvPr>
+            <p:ph type="sldNum" sz="quarter" idx="4"/>
+          </p:nvPr>
+        </p:nvSpPr>
+        <p:spPr/>
+        <p:txBody>
+          <a:bodyPr/>
+          <a:lstStyle/>
+          <a:p>
+            <a:fld id="{BF10DB53-D7D3-4DB6-A29F-40217B92EC88}" type="slidenum">
+              <a:rPr lang="en-US" smtClean="0"/>
+              <a:pPr/>
+              <a:t>4</a:t>
+            </a:fld>
+            <a:endParaRPr lang="en-US" dirty="0"/>
+          </a:p>
+        </p:txBody>
+      </p:sp>
+      <p:sp>
+        <p:nvSpPr>
+          <p:cNvPr id="5" name="文本框 4"/>
+          <p:cNvSpPr txBox="1"/>
+          <p:nvPr/>
+        </p:nvSpPr>
+        <p:spPr>
+          <a:xfrm>
+            <a:off x="251520" y="1340768"/>
+            <a:ext cx="8568952" cy="3827330"/>
+          </a:xfrm>
+          <a:prstGeom prst="rect">
+            <a:avLst/>
+          </a:prstGeom>
+          <a:noFill/>
+        </p:spPr>
+        <p:txBody>
+          <a:bodyPr wrap="square" rtlCol="0">
+            <a:spAutoFit/>
+          </a:bodyPr>
+          <a:lstStyle/>
+          <a:p>
+            <a:pPr>
+              <a:lnSpc>
+                <a:spcPct val="150000"/>
+              </a:lnSpc>
+              <a:spcBef>
+                <a:spcPts val="1375"/>
+              </a:spcBef>
+              <a:tabLst>
+                <a:tab pos="0" algn="l"/>
+                <a:tab pos="104775" algn="l"/>
+                <a:tab pos="554038" algn="l"/>
+                <a:tab pos="1003300" algn="l"/>
+                <a:tab pos="1452563" algn="l"/>
+                <a:tab pos="1901825" algn="l"/>
+                <a:tab pos="2351088" algn="l"/>
+                <a:tab pos="2800350" algn="l"/>
+                <a:tab pos="3249613" algn="l"/>
+                <a:tab pos="3698875" algn="l"/>
+                <a:tab pos="4148138" algn="l"/>
+                <a:tab pos="4597400" algn="l"/>
+                <a:tab pos="5046663" algn="l"/>
+                <a:tab pos="5495925" algn="l"/>
+                <a:tab pos="5945188" algn="l"/>
+                <a:tab pos="6394450" algn="l"/>
+                <a:tab pos="6843713" algn="l"/>
+                <a:tab pos="7292975" algn="l"/>
+                <a:tab pos="7742238" algn="l"/>
+                <a:tab pos="8191500" algn="l"/>
+                <a:tab pos="8640763" algn="l"/>
+              </a:tabLst>
+            </a:pPr>
+            <a:r>
+              <a:rPr lang="en-GB" altLang="zh-CN" sz="2000" dirty="0" err="1">
+                <a:solidFill>
+                  <a:srgbClr val="FFFF00"/>
+                </a:solidFill>
+                <a:latin typeface="宋体" charset="0"/>
+                <a:ea typeface="宋体" charset="0"/>
+                <a:cs typeface="宋体" charset="0"/>
+              </a:rPr>
+              <a:t>NSAutoreleasePool</a:t>
+            </a:r>
+            <a:r>
+              <a:rPr lang="en-GB" altLang="zh-CN" sz="2000" dirty="0">
+                <a:solidFill>
+                  <a:srgbClr val="FFFF00"/>
+                </a:solidFill>
+                <a:latin typeface="宋体" charset="0"/>
+                <a:ea typeface="宋体" charset="0"/>
+                <a:cs typeface="宋体" charset="0"/>
+              </a:rPr>
+              <a:t>:</a:t>
+            </a:r>
+          </a:p>
+          <a:p>
+            <a:pPr>
+              <a:lnSpc>
+                <a:spcPct val="150000"/>
+              </a:lnSpc>
+              <a:spcBef>
+                <a:spcPts val="1375"/>
+              </a:spcBef>
+              <a:tabLst>
+                <a:tab pos="0" algn="l"/>
+                <a:tab pos="104775" algn="l"/>
+                <a:tab pos="554038" algn="l"/>
+                <a:tab pos="1003300" algn="l"/>
+                <a:tab pos="1452563" algn="l"/>
+                <a:tab pos="1901825" algn="l"/>
+                <a:tab pos="2351088" algn="l"/>
+                <a:tab pos="2800350" algn="l"/>
+                <a:tab pos="3249613" algn="l"/>
+                <a:tab pos="3698875" algn="l"/>
+                <a:tab pos="4148138" algn="l"/>
+                <a:tab pos="4597400" algn="l"/>
+                <a:tab pos="5046663" algn="l"/>
+                <a:tab pos="5495925" algn="l"/>
+                <a:tab pos="5945188" algn="l"/>
+                <a:tab pos="6394450" algn="l"/>
+                <a:tab pos="6843713" algn="l"/>
+                <a:tab pos="7292975" algn="l"/>
+                <a:tab pos="7742238" algn="l"/>
+                <a:tab pos="8191500" algn="l"/>
+                <a:tab pos="8640763" algn="l"/>
+              </a:tabLst>
+            </a:pPr>
+            <a:r>
+              <a:rPr lang="en-GB" altLang="zh-CN" sz="2000" dirty="0" err="1">
+                <a:latin typeface="宋体" charset="0"/>
+                <a:ea typeface="宋体" charset="0"/>
+                <a:cs typeface="宋体" charset="0"/>
+              </a:rPr>
+              <a:t>NSAutoreleasePool</a:t>
+            </a:r>
+            <a:r>
+              <a:rPr lang="zh-CN" altLang="zh-CN" sz="2000" dirty="0">
+                <a:latin typeface="宋体" charset="0"/>
+                <a:ea typeface="宋体" charset="0"/>
+                <a:cs typeface="宋体" charset="0"/>
+              </a:rPr>
+              <a:t>是用来做</a:t>
+            </a:r>
+            <a:r>
+              <a:rPr lang="en-GB" altLang="zh-CN" sz="2000" dirty="0" err="1">
+                <a:latin typeface="宋体" charset="0"/>
+                <a:ea typeface="宋体" charset="0"/>
+                <a:cs typeface="宋体" charset="0"/>
+              </a:rPr>
+              <a:t>autorelease</a:t>
+            </a:r>
+            <a:r>
+              <a:rPr lang="zh-CN" altLang="zh-CN" sz="2000" dirty="0">
+                <a:latin typeface="宋体" charset="0"/>
+                <a:ea typeface="宋体" charset="0"/>
+                <a:cs typeface="宋体" charset="0"/>
+              </a:rPr>
+              <a:t>变量释放的，前面说了</a:t>
+            </a:r>
+            <a:r>
+              <a:rPr lang="en-GB" altLang="zh-CN" sz="2000" dirty="0">
+                <a:latin typeface="宋体" charset="0"/>
+                <a:ea typeface="宋体" charset="0"/>
+                <a:cs typeface="宋体" charset="0"/>
+              </a:rPr>
+              <a:t>, </a:t>
+            </a:r>
+            <a:r>
+              <a:rPr lang="en-GB" altLang="zh-CN" sz="2000" dirty="0" err="1">
+                <a:latin typeface="宋体" charset="0"/>
+                <a:ea typeface="宋体" charset="0"/>
+                <a:cs typeface="宋体" charset="0"/>
+              </a:rPr>
+              <a:t>autorelease</a:t>
+            </a:r>
+            <a:r>
+              <a:rPr lang="zh-CN" altLang="zh-CN" sz="2000" dirty="0">
+                <a:latin typeface="宋体" charset="0"/>
+                <a:ea typeface="宋体" charset="0"/>
+                <a:cs typeface="宋体" charset="0"/>
+              </a:rPr>
+              <a:t>不会马上释放，当他到了最近的</a:t>
+            </a:r>
+            <a:r>
+              <a:rPr lang="en-GB" altLang="zh-CN" sz="2000" dirty="0">
+                <a:latin typeface="宋体" charset="0"/>
+                <a:ea typeface="宋体" charset="0"/>
+                <a:cs typeface="宋体" charset="0"/>
+              </a:rPr>
+              <a:t>pool release</a:t>
+            </a:r>
+            <a:r>
+              <a:rPr lang="zh-CN" altLang="zh-CN" sz="2000" dirty="0">
+                <a:latin typeface="宋体" charset="0"/>
+                <a:ea typeface="宋体" charset="0"/>
+                <a:cs typeface="宋体" charset="0"/>
+              </a:rPr>
+              <a:t>时会向池里的所有对象发送</a:t>
+            </a:r>
+            <a:r>
+              <a:rPr lang="en-GB" altLang="zh-CN" sz="2000" dirty="0">
+                <a:latin typeface="宋体" charset="0"/>
+                <a:ea typeface="宋体" charset="0"/>
+                <a:cs typeface="宋体" charset="0"/>
+              </a:rPr>
+              <a:t>release</a:t>
+            </a:r>
+            <a:r>
+              <a:rPr lang="zh-CN" altLang="zh-CN" sz="2000" dirty="0">
+                <a:latin typeface="宋体" charset="0"/>
+                <a:ea typeface="宋体" charset="0"/>
+                <a:cs typeface="宋体" charset="0"/>
+              </a:rPr>
+              <a:t>消息并检查对象的</a:t>
+            </a:r>
+            <a:r>
+              <a:rPr lang="en-GB" altLang="zh-CN" sz="2000" dirty="0" err="1">
+                <a:latin typeface="宋体" charset="0"/>
+                <a:ea typeface="宋体" charset="0"/>
+                <a:cs typeface="宋体" charset="0"/>
+              </a:rPr>
+              <a:t>reatin</a:t>
+            </a:r>
+            <a:r>
+              <a:rPr lang="en-GB" altLang="zh-CN" sz="2000" dirty="0">
+                <a:latin typeface="宋体" charset="0"/>
+                <a:ea typeface="宋体" charset="0"/>
+                <a:cs typeface="宋体" charset="0"/>
+              </a:rPr>
+              <a:t> count</a:t>
+            </a:r>
+            <a:r>
+              <a:rPr lang="zh-CN" altLang="zh-CN" sz="2000" dirty="0">
+                <a:latin typeface="宋体" charset="0"/>
+                <a:ea typeface="宋体" charset="0"/>
+                <a:cs typeface="宋体" charset="0"/>
+              </a:rPr>
+              <a:t>是不是为</a:t>
+            </a:r>
+            <a:r>
+              <a:rPr lang="en-GB" altLang="zh-CN" sz="2000" dirty="0">
+                <a:latin typeface="宋体" charset="0"/>
+                <a:ea typeface="宋体" charset="0"/>
+                <a:cs typeface="宋体" charset="0"/>
+              </a:rPr>
+              <a:t>0,</a:t>
+            </a:r>
+            <a:r>
+              <a:rPr lang="zh-CN" altLang="zh-CN" sz="2000" dirty="0">
+                <a:latin typeface="宋体" charset="0"/>
+                <a:ea typeface="宋体" charset="0"/>
+                <a:cs typeface="宋体" charset="0"/>
+              </a:rPr>
+              <a:t>为</a:t>
+            </a:r>
+            <a:r>
+              <a:rPr lang="en-GB" altLang="zh-CN" sz="2000" dirty="0">
+                <a:latin typeface="宋体" charset="0"/>
+                <a:ea typeface="宋体" charset="0"/>
+                <a:cs typeface="宋体" charset="0"/>
+              </a:rPr>
+              <a:t>0</a:t>
+            </a:r>
+            <a:r>
+              <a:rPr lang="zh-CN" altLang="zh-CN" sz="2000" dirty="0">
+                <a:latin typeface="宋体" charset="0"/>
+                <a:ea typeface="宋体" charset="0"/>
+                <a:cs typeface="宋体" charset="0"/>
+              </a:rPr>
+              <a:t>就释放。 </a:t>
+            </a:r>
+          </a:p>
+          <a:p>
+            <a:pPr>
+              <a:lnSpc>
+                <a:spcPct val="150000"/>
+              </a:lnSpc>
+              <a:spcBef>
+                <a:spcPts val="1375"/>
+              </a:spcBef>
+              <a:tabLst>
+                <a:tab pos="0" algn="l"/>
+                <a:tab pos="104775" algn="l"/>
+                <a:tab pos="554038" algn="l"/>
+                <a:tab pos="1003300" algn="l"/>
+                <a:tab pos="1452563" algn="l"/>
+                <a:tab pos="1901825" algn="l"/>
+                <a:tab pos="2351088" algn="l"/>
+                <a:tab pos="2800350" algn="l"/>
+                <a:tab pos="3249613" algn="l"/>
+                <a:tab pos="3698875" algn="l"/>
+                <a:tab pos="4148138" algn="l"/>
+                <a:tab pos="4597400" algn="l"/>
+                <a:tab pos="5046663" algn="l"/>
+                <a:tab pos="5495925" algn="l"/>
+                <a:tab pos="5945188" algn="l"/>
+                <a:tab pos="6394450" algn="l"/>
+                <a:tab pos="6843713" algn="l"/>
+                <a:tab pos="7292975" algn="l"/>
+                <a:tab pos="7742238" algn="l"/>
+                <a:tab pos="8191500" algn="l"/>
+                <a:tab pos="8640763" algn="l"/>
+              </a:tabLst>
+            </a:pPr>
+            <a:r>
+              <a:rPr lang="zh-CN" altLang="zh-CN" sz="2000" dirty="0">
+                <a:latin typeface="宋体" charset="0"/>
+                <a:ea typeface="宋体" charset="0"/>
+                <a:cs typeface="宋体" charset="0"/>
+              </a:rPr>
+              <a:t>当我们在一段代码时加入了大量的</a:t>
+            </a:r>
+            <a:r>
+              <a:rPr lang="en-GB" altLang="zh-CN" sz="2000" dirty="0" err="1">
+                <a:latin typeface="宋体" charset="0"/>
+                <a:ea typeface="宋体" charset="0"/>
+                <a:cs typeface="宋体" charset="0"/>
+              </a:rPr>
+              <a:t>autorelease</a:t>
+            </a:r>
+            <a:r>
+              <a:rPr lang="zh-CN" altLang="zh-CN" sz="2000" dirty="0">
+                <a:latin typeface="宋体" charset="0"/>
+                <a:ea typeface="宋体" charset="0"/>
+                <a:cs typeface="宋体" charset="0"/>
+              </a:rPr>
+              <a:t>变量时，我们应该为这段代码加上</a:t>
+            </a:r>
+            <a:r>
+              <a:rPr lang="en-GB" altLang="zh-CN" sz="2000" dirty="0" err="1">
+                <a:latin typeface="宋体" charset="0"/>
+                <a:ea typeface="宋体" charset="0"/>
+                <a:cs typeface="宋体" charset="0"/>
+              </a:rPr>
+              <a:t>Autoreleasepool</a:t>
+            </a:r>
+            <a:r>
+              <a:rPr lang="zh-CN" altLang="zh-CN" sz="2000" dirty="0">
+                <a:latin typeface="宋体" charset="0"/>
+                <a:ea typeface="宋体" charset="0"/>
+                <a:cs typeface="宋体" charset="0"/>
+              </a:rPr>
+              <a:t>，以便使内存得以及时释放</a:t>
+            </a:r>
+            <a:r>
+              <a:rPr lang="en-GB" altLang="zh-CN" sz="2000" dirty="0">
+                <a:latin typeface="宋体" charset="0"/>
+                <a:ea typeface="宋体" charset="0"/>
+                <a:cs typeface="宋体" charset="0"/>
+              </a:rPr>
+              <a:t>,</a:t>
+            </a:r>
+            <a:r>
+              <a:rPr lang="zh-CN" altLang="zh-CN" sz="2000" dirty="0">
+                <a:latin typeface="宋体" charset="0"/>
+                <a:ea typeface="宋体" charset="0"/>
+                <a:cs typeface="宋体" charset="0"/>
+              </a:rPr>
+              <a:t>其它时候不用</a:t>
+            </a:r>
+            <a:r>
+              <a:rPr lang="en-GB" altLang="zh-CN" sz="2000" dirty="0">
+                <a:latin typeface="宋体" charset="0"/>
+                <a:ea typeface="宋体" charset="0"/>
+                <a:cs typeface="宋体" charset="0"/>
+              </a:rPr>
+              <a:t>.</a:t>
+            </a:r>
+          </a:p>
+          <a:p>
+            <a:pPr>
+              <a:lnSpc>
+                <a:spcPct val="150000"/>
+              </a:lnSpc>
+              <a:spcBef>
+                <a:spcPts val="1375"/>
+              </a:spcBef>
+              <a:tabLst>
+                <a:tab pos="0" algn="l"/>
+                <a:tab pos="104775" algn="l"/>
+                <a:tab pos="554038" algn="l"/>
+                <a:tab pos="1003300" algn="l"/>
+                <a:tab pos="1452563" algn="l"/>
+                <a:tab pos="1901825" algn="l"/>
+                <a:tab pos="2351088" algn="l"/>
+                <a:tab pos="2800350" algn="l"/>
+                <a:tab pos="3249613" algn="l"/>
+                <a:tab pos="3698875" algn="l"/>
+                <a:tab pos="4148138" algn="l"/>
+                <a:tab pos="4597400" algn="l"/>
+                <a:tab pos="5046663" algn="l"/>
+                <a:tab pos="5495925" algn="l"/>
+                <a:tab pos="5945188" algn="l"/>
+                <a:tab pos="6394450" algn="l"/>
+                <a:tab pos="6843713" algn="l"/>
+                <a:tab pos="7292975" algn="l"/>
+                <a:tab pos="7742238" algn="l"/>
+                <a:tab pos="8191500" algn="l"/>
+                <a:tab pos="8640763" algn="l"/>
+              </a:tabLst>
+            </a:pPr>
+            <a:r>
+              <a:rPr lang="zh-CN" altLang="zh-CN" sz="2000" dirty="0">
+                <a:latin typeface="宋体" charset="0"/>
+                <a:ea typeface="宋体" charset="0"/>
+                <a:cs typeface="宋体" charset="0"/>
+              </a:rPr>
+              <a:t>在一个需要返回一个对象的方法中通常返回一个</a:t>
+            </a:r>
+            <a:r>
+              <a:rPr lang="en-GB" altLang="zh-CN" sz="2000" dirty="0" err="1">
+                <a:latin typeface="宋体" charset="0"/>
+                <a:ea typeface="宋体" charset="0"/>
+                <a:cs typeface="宋体" charset="0"/>
+              </a:rPr>
+              <a:t>autorelease</a:t>
+            </a:r>
+            <a:r>
+              <a:rPr lang="zh-CN" altLang="zh-CN" sz="2000" dirty="0">
+                <a:latin typeface="宋体" charset="0"/>
+                <a:ea typeface="宋体" charset="0"/>
+                <a:cs typeface="宋体" charset="0"/>
+              </a:rPr>
+              <a:t>对象。</a:t>
+            </a:r>
+            <a:endParaRPr lang="zh-CN" altLang="zh-CN" sz="2000" dirty="0">
+              <a:latin typeface="宋体" charset="0"/>
+              <a:ea typeface="宋体" charset="0"/>
+              <a:cs typeface="宋体" charset="0"/>
+            </a:endParaRPr>
+          </a:p>
+        </p:txBody>
+      </p:sp>
+    </p:spTree>
+    <p:extLst>
+      <p:ext uri="{BB962C8B-B14F-4D97-AF65-F5344CB8AC3E}">
+        <p14:creationId xmlns:p14="http://schemas.microsoft.com/office/powerpoint/2010/main" val="2042555170"/>
       </p:ext>
     </p:extLst>
   </p:cSld>

--- a/资料/课件/OC/OC语言-3.0-内存管理-管理法则.pptx
+++ b/资料/课件/OC/OC语言-3.0-内存管理-管理法则.pptx
@@ -5,22 +5,31 @@
     <p:sldMasterId id="2147488748" r:id="rId1"/>
   </p:sldMasterIdLst>
   <p:notesMasterIdLst>
-    <p:notesMasterId r:id="rId7"/>
+    <p:notesMasterId r:id="rId16"/>
   </p:notesMasterIdLst>
   <p:handoutMasterIdLst>
-    <p:handoutMasterId r:id="rId8"/>
+    <p:handoutMasterId r:id="rId17"/>
   </p:handoutMasterIdLst>
   <p:sldIdLst>
     <p:sldId id="1551" r:id="rId2"/>
-    <p:sldId id="1552" r:id="rId3"/>
-    <p:sldId id="1553" r:id="rId4"/>
-    <p:sldId id="1554" r:id="rId5"/>
-    <p:sldId id="1555" r:id="rId6"/>
+    <p:sldId id="1556" r:id="rId3"/>
+    <p:sldId id="1557" r:id="rId4"/>
+    <p:sldId id="1558" r:id="rId5"/>
+    <p:sldId id="1559" r:id="rId6"/>
+    <p:sldId id="1560" r:id="rId7"/>
+    <p:sldId id="1561" r:id="rId8"/>
+    <p:sldId id="1552" r:id="rId9"/>
+    <p:sldId id="1553" r:id="rId10"/>
+    <p:sldId id="1554" r:id="rId11"/>
+    <p:sldId id="1555" r:id="rId12"/>
+    <p:sldId id="1562" r:id="rId13"/>
+    <p:sldId id="1563" r:id="rId14"/>
+    <p:sldId id="1564" r:id="rId15"/>
   </p:sldIdLst>
   <p:sldSz cx="9144000" cy="6858000" type="screen4x3"/>
   <p:notesSz cx="6797675" cy="9874250"/>
   <p:custDataLst>
-    <p:tags r:id="rId10"/>
+    <p:tags r:id="rId19"/>
   </p:custDataLst>
   <p:defaultTextStyle>
     <a:defPPr>
@@ -153,16 +162,25 @@
         <p14:section name="Default Section" id="{5009879F-230C-4AAA-9B60-41FFDFBA99F4}">
           <p14:sldIdLst>
             <p14:sldId id="1551"/>
+            <p14:sldId id="1556"/>
+            <p14:sldId id="1557"/>
+            <p14:sldId id="1558"/>
+            <p14:sldId id="1559"/>
+            <p14:sldId id="1560"/>
+            <p14:sldId id="1561"/>
             <p14:sldId id="1552"/>
             <p14:sldId id="1553"/>
             <p14:sldId id="1554"/>
             <p14:sldId id="1555"/>
+            <p14:sldId id="1562"/>
+            <p14:sldId id="1563"/>
+            <p14:sldId id="1564"/>
           </p14:sldIdLst>
         </p14:section>
       </p14:sectionLst>
     </p:ext>
     <p:ext uri="{EFAFB233-063F-42B5-8137-9DF3F51BA10A}">
-      <p15:sldGuideLst xmlns="" xmlns:p15="http://schemas.microsoft.com/office/powerpoint/2012/main">
+      <p15:sldGuideLst xmlns:p15="http://schemas.microsoft.com/office/powerpoint/2012/main" xmlns="">
         <p15:guide id="1" orient="horz">
           <p15:clr>
             <a:srgbClr val="A4A3A4"/>
@@ -176,7 +194,7 @@
       </p15:sldGuideLst>
     </p:ext>
     <p:ext uri="{2D200454-40CA-4A62-9FC3-DE9A4176ACB9}">
-      <p15:notesGuideLst xmlns="" xmlns:p15="http://schemas.microsoft.com/office/powerpoint/2012/main">
+      <p15:notesGuideLst xmlns:p15="http://schemas.microsoft.com/office/powerpoint/2012/main" xmlns="">
         <p15:guide id="1" orient="horz" pos="3109">
           <p15:clr>
             <a:srgbClr val="A4A3A4"/>
@@ -280,7 +298,7 @@
                 <a:ea typeface="微软雅黑" pitchFamily="34" charset="-122"/>
               </a:rPr>
               <a:pPr/>
-              <a:t>15/3/24</a:t>
+              <a:t>15/3/29</a:t>
             </a:fld>
             <a:endParaRPr lang="zh-CN" altLang="en-US" dirty="0">
               <a:ea typeface="微软雅黑" pitchFamily="34" charset="-122"/>
@@ -484,7 +502,7 @@
             <a:fld id="{DF9E65B2-A0B4-4242-9432-201E84F17494}" type="datetime1">
               <a:rPr lang="en-US" smtClean="0"/>
               <a:pPr/>
-              <a:t>15/3/24</a:t>
+              <a:t>15/3/29</a:t>
             </a:fld>
             <a:endParaRPr lang="en-US" dirty="0"/>
           </a:p>
@@ -1413,7 +1431,7 @@
             <a:fld id="{055FF6D4-D4D7-426A-98F7-170A3668379E}" type="datetime1">
               <a:rPr lang="en-US" smtClean="0"/>
               <a:pPr/>
-              <a:t>15/3/24</a:t>
+              <a:t>15/3/29</a:t>
             </a:fld>
             <a:endParaRPr lang="en-US" dirty="0"/>
           </a:p>
@@ -2040,7 +2058,7 @@
             <a:fld id="{74CBEAF9-9E58-4CC8-A6FF-6DD8A58DEEA4}" type="datetimeFigureOut">
               <a:rPr lang="en-US" smtClean="0"/>
               <a:pPr eaLnBrk="1" latinLnBrk="0" hangingPunct="1"/>
-              <a:t>15/3/24</a:t>
+              <a:t>15/3/29</a:t>
             </a:fld>
             <a:endParaRPr lang="en-US"/>
           </a:p>
@@ -2558,7 +2576,7 @@
             <a:fld id="{74CBEAF9-9E58-4CC8-A6FF-6DD8A58DEEA4}" type="datetimeFigureOut">
               <a:rPr lang="en-US" smtClean="0"/>
               <a:pPr algn="l" eaLnBrk="1" latinLnBrk="0" hangingPunct="1"/>
-              <a:t>15/3/24</a:t>
+              <a:t>15/3/29</a:t>
             </a:fld>
             <a:endParaRPr lang="en-US" dirty="0">
               <a:solidFill>
@@ -3093,7 +3111,7 @@
             <a:fld id="{74CBEAF9-9E58-4CC8-A6FF-6DD8A58DEEA4}" type="datetimeFigureOut">
               <a:rPr lang="en-US" smtClean="0"/>
               <a:pPr algn="l" eaLnBrk="1" latinLnBrk="0" hangingPunct="1"/>
-              <a:t>15/3/24</a:t>
+              <a:t>15/3/29</a:t>
             </a:fld>
             <a:endParaRPr lang="en-US" dirty="0">
               <a:solidFill>
@@ -3929,7 +3947,7 @@
             <a:fld id="{74CBEAF9-9E58-4CC8-A6FF-6DD8A58DEEA4}" type="datetimeFigureOut">
               <a:rPr lang="en-US" smtClean="0"/>
               <a:pPr eaLnBrk="1" latinLnBrk="0" hangingPunct="1"/>
-              <a:t>15/3/24</a:t>
+              <a:t>15/3/29</a:t>
             </a:fld>
             <a:endParaRPr lang="en-US"/>
           </a:p>
@@ -4511,7 +4529,7 @@
             <a:fld id="{42295D47-465E-4A05-802B-049480555B6D}" type="datetime1">
               <a:rPr lang="en-US" smtClean="0"/>
               <a:pPr/>
-              <a:t>15/3/24</a:t>
+              <a:t>15/3/29</a:t>
             </a:fld>
             <a:endParaRPr lang="en-US"/>
           </a:p>
@@ -5142,7 +5160,7 @@
             <a:fld id="{74CBEAF9-9E58-4CC8-A6FF-6DD8A58DEEA4}" type="datetimeFigureOut">
               <a:rPr lang="en-US" smtClean="0"/>
               <a:pPr algn="l" eaLnBrk="1" latinLnBrk="0" hangingPunct="1"/>
-              <a:t>15/3/24</a:t>
+              <a:t>15/3/29</a:t>
             </a:fld>
             <a:endParaRPr lang="en-US" dirty="0">
               <a:solidFill>
@@ -5924,7 +5942,7 @@
             <a:fld id="{74CBEAF9-9E58-4CC8-A6FF-6DD8A58DEEA4}" type="datetimeFigureOut">
               <a:rPr lang="en-US" smtClean="0"/>
               <a:pPr eaLnBrk="1" latinLnBrk="0" hangingPunct="1"/>
-              <a:t>15/3/24</a:t>
+              <a:t>15/3/29</a:t>
             </a:fld>
             <a:endParaRPr lang="en-US"/>
           </a:p>
@@ -6385,7 +6403,7 @@
             <a:fld id="{74CBEAF9-9E58-4CC8-A6FF-6DD8A58DEEA4}" type="datetimeFigureOut">
               <a:rPr lang="en-US" smtClean="0"/>
               <a:pPr eaLnBrk="1" latinLnBrk="0" hangingPunct="1"/>
-              <a:t>15/3/24</a:t>
+              <a:t>15/3/29</a:t>
             </a:fld>
             <a:endParaRPr lang="en-US"/>
           </a:p>
@@ -6814,7 +6832,7 @@
             <a:fld id="{74CBEAF9-9E58-4CC8-A6FF-6DD8A58DEEA4}" type="datetimeFigureOut">
               <a:rPr lang="en-US" smtClean="0"/>
               <a:pPr eaLnBrk="1" latinLnBrk="0" hangingPunct="1"/>
-              <a:t>15/3/24</a:t>
+              <a:t>15/3/29</a:t>
             </a:fld>
             <a:endParaRPr lang="en-US"/>
           </a:p>
@@ -7435,7 +7453,7 @@
             <a:fld id="{74CBEAF9-9E58-4CC8-A6FF-6DD8A58DEEA4}" type="datetimeFigureOut">
               <a:rPr lang="en-US" smtClean="0"/>
               <a:pPr eaLnBrk="1" latinLnBrk="0" hangingPunct="1"/>
-              <a:t>15/3/24</a:t>
+              <a:t>15/3/29</a:t>
             </a:fld>
             <a:endParaRPr lang="en-US"/>
           </a:p>
@@ -7700,7 +7718,7 @@
             <a:fld id="{74CBEAF9-9E58-4CC8-A6FF-6DD8A58DEEA4}" type="datetimeFigureOut">
               <a:rPr lang="en-US" smtClean="0"/>
               <a:pPr algn="l" eaLnBrk="1" latinLnBrk="0" hangingPunct="1"/>
-              <a:t>15/3/24</a:t>
+              <a:t>15/3/29</a:t>
             </a:fld>
             <a:endParaRPr lang="en-US" dirty="0">
               <a:solidFill>
@@ -8487,7 +8505,7 @@
 </p:sld>
 </file>
 
-<file path=ppt/slides/slide2.xml><?xml version="1.0" encoding="utf-8"?>
+<file path=ppt/slides/slide10.xml><?xml version="1.0" encoding="utf-8"?>
 <p:sld xmlns:a="http://schemas.openxmlformats.org/drawingml/2006/main" xmlns:r="http://schemas.openxmlformats.org/officeDocument/2006/relationships" xmlns:p="http://schemas.openxmlformats.org/presentationml/2006/main">
   <p:cSld>
     <p:spTree>
@@ -8521,11 +8539,7 @@
           <a:p>
             <a:r>
               <a:rPr lang="zh-CN" altLang="en-US" b="0" dirty="0" smtClean="0"/>
-              <a:t>内存管理</a:t>
-            </a:r>
-            <a:r>
-              <a:rPr lang="zh-CN" altLang="en-US" b="0" dirty="0" smtClean="0"/>
-              <a:t>（</a:t>
+              <a:t>内存管理（</a:t>
             </a:r>
             <a:r>
               <a:rPr lang="en-US" altLang="zh-CN" b="0" dirty="0" smtClean="0"/>
@@ -8557,7 +8571,7 @@
             <a:fld id="{BF10DB53-D7D3-4DB6-A29F-40217B92EC88}" type="slidenum">
               <a:rPr lang="en-US" smtClean="0"/>
               <a:pPr/>
-              <a:t>1</a:t>
+              <a:t>9</a:t>
             </a:fld>
             <a:endParaRPr lang="en-US" dirty="0"/>
           </a:p>
@@ -8571,8 +8585,8 @@
         </p:nvSpPr>
         <p:spPr>
           <a:xfrm>
-            <a:off x="251520" y="1556792"/>
-            <a:ext cx="8568952" cy="4896544"/>
+            <a:off x="251520" y="1340768"/>
+            <a:ext cx="8568952" cy="4728858"/>
           </a:xfrm>
           <a:prstGeom prst="rect">
             <a:avLst/>
@@ -8585,10 +8599,481 @@
           </a:bodyPr>
           <a:lstStyle/>
           <a:p>
+            <a:pPr>
+              <a:lnSpc>
+                <a:spcPct val="100000"/>
+              </a:lnSpc>
+              <a:spcBef>
+                <a:spcPts val="1375"/>
+              </a:spcBef>
+              <a:tabLst>
+                <a:tab pos="0" algn="l"/>
+                <a:tab pos="104775" algn="l"/>
+                <a:tab pos="554038" algn="l"/>
+                <a:tab pos="1003300" algn="l"/>
+                <a:tab pos="1452563" algn="l"/>
+                <a:tab pos="1901825" algn="l"/>
+                <a:tab pos="2351088" algn="l"/>
+                <a:tab pos="2800350" algn="l"/>
+                <a:tab pos="3249613" algn="l"/>
+                <a:tab pos="3698875" algn="l"/>
+                <a:tab pos="4148138" algn="l"/>
+                <a:tab pos="4597400" algn="l"/>
+                <a:tab pos="5046663" algn="l"/>
+                <a:tab pos="5495925" algn="l"/>
+                <a:tab pos="5945188" algn="l"/>
+                <a:tab pos="6394450" algn="l"/>
+                <a:tab pos="6843713" algn="l"/>
+                <a:tab pos="7292975" algn="l"/>
+                <a:tab pos="7742238" algn="l"/>
+                <a:tab pos="8191500" algn="l"/>
+                <a:tab pos="8640763" algn="l"/>
+              </a:tabLst>
+            </a:pPr>
+            <a:r>
+              <a:rPr lang="en-GB" altLang="zh-CN" sz="2400" dirty="0" err="1">
+                <a:solidFill>
+                  <a:srgbClr val="FFFF00"/>
+                </a:solidFill>
+                <a:latin typeface="宋体" charset="0"/>
+                <a:ea typeface="宋体" charset="0"/>
+                <a:cs typeface="宋体" charset="0"/>
+              </a:rPr>
+              <a:t>Alloc</a:t>
+            </a:r>
+            <a:r>
+              <a:rPr lang="en-GB" altLang="zh-CN" sz="2400" dirty="0">
+                <a:solidFill>
+                  <a:srgbClr val="FFFF00"/>
+                </a:solidFill>
+                <a:latin typeface="宋体" charset="0"/>
+                <a:ea typeface="宋体" charset="0"/>
+                <a:cs typeface="宋体" charset="0"/>
+              </a:rPr>
+              <a:t> </a:t>
+            </a:r>
+            <a:r>
+              <a:rPr lang="en-GB" altLang="zh-CN" sz="2400" dirty="0">
+                <a:latin typeface="宋体" charset="0"/>
+                <a:ea typeface="宋体" charset="0"/>
+                <a:cs typeface="宋体" charset="0"/>
+              </a:rPr>
+              <a:t>→ </a:t>
+            </a:r>
+            <a:r>
+              <a:rPr lang="zh-CN" altLang="zh-CN" sz="2400" dirty="0">
+                <a:latin typeface="宋体" charset="0"/>
+                <a:ea typeface="宋体" charset="0"/>
+                <a:cs typeface="宋体" charset="0"/>
+              </a:rPr>
+              <a:t>对象分配后引用计数为</a:t>
+            </a:r>
+            <a:r>
+              <a:rPr lang="en-GB" altLang="zh-CN" sz="2400" dirty="0">
+                <a:latin typeface="宋体" charset="0"/>
+                <a:ea typeface="宋体" charset="0"/>
+                <a:cs typeface="宋体" charset="0"/>
+              </a:rPr>
+              <a:t>1</a:t>
+            </a:r>
+          </a:p>
+          <a:p>
+            <a:pPr>
+              <a:lnSpc>
+                <a:spcPct val="100000"/>
+              </a:lnSpc>
+              <a:spcBef>
+                <a:spcPts val="1375"/>
+              </a:spcBef>
+              <a:tabLst>
+                <a:tab pos="0" algn="l"/>
+                <a:tab pos="104775" algn="l"/>
+                <a:tab pos="554038" algn="l"/>
+                <a:tab pos="1003300" algn="l"/>
+                <a:tab pos="1452563" algn="l"/>
+                <a:tab pos="1901825" algn="l"/>
+                <a:tab pos="2351088" algn="l"/>
+                <a:tab pos="2800350" algn="l"/>
+                <a:tab pos="3249613" algn="l"/>
+                <a:tab pos="3698875" algn="l"/>
+                <a:tab pos="4148138" algn="l"/>
+                <a:tab pos="4597400" algn="l"/>
+                <a:tab pos="5046663" algn="l"/>
+                <a:tab pos="5495925" algn="l"/>
+                <a:tab pos="5945188" algn="l"/>
+                <a:tab pos="6394450" algn="l"/>
+                <a:tab pos="6843713" algn="l"/>
+                <a:tab pos="7292975" algn="l"/>
+                <a:tab pos="7742238" algn="l"/>
+                <a:tab pos="8191500" algn="l"/>
+                <a:tab pos="8640763" algn="l"/>
+              </a:tabLst>
+            </a:pPr>
+            <a:r>
+              <a:rPr lang="en-GB" altLang="zh-CN" sz="2400" dirty="0">
+                <a:solidFill>
+                  <a:srgbClr val="FFFF00"/>
+                </a:solidFill>
+                <a:latin typeface="宋体" charset="0"/>
+                <a:ea typeface="宋体" charset="0"/>
+                <a:cs typeface="宋体" charset="0"/>
+              </a:rPr>
+              <a:t>Retain</a:t>
+            </a:r>
+            <a:r>
+              <a:rPr lang="en-GB" altLang="zh-CN" sz="2400" dirty="0">
+                <a:latin typeface="宋体" charset="0"/>
+                <a:ea typeface="宋体" charset="0"/>
+                <a:cs typeface="宋体" charset="0"/>
+              </a:rPr>
+              <a:t>  → </a:t>
+            </a:r>
+            <a:r>
+              <a:rPr lang="zh-CN" altLang="zh-CN" sz="2400" dirty="0">
+                <a:latin typeface="宋体" charset="0"/>
+                <a:ea typeface="宋体" charset="0"/>
+                <a:cs typeface="宋体" charset="0"/>
+              </a:rPr>
+              <a:t>对象的引用计数</a:t>
+            </a:r>
+            <a:r>
+              <a:rPr lang="en-GB" altLang="zh-CN" sz="2400" dirty="0">
+                <a:latin typeface="宋体" charset="0"/>
+                <a:ea typeface="宋体" charset="0"/>
+                <a:cs typeface="宋体" charset="0"/>
+              </a:rPr>
+              <a:t>+1</a:t>
+            </a:r>
+          </a:p>
+          <a:p>
+            <a:pPr>
+              <a:lnSpc>
+                <a:spcPct val="100000"/>
+              </a:lnSpc>
+              <a:spcBef>
+                <a:spcPts val="1375"/>
+              </a:spcBef>
+              <a:tabLst>
+                <a:tab pos="0" algn="l"/>
+                <a:tab pos="104775" algn="l"/>
+                <a:tab pos="554038" algn="l"/>
+                <a:tab pos="1003300" algn="l"/>
+                <a:tab pos="1452563" algn="l"/>
+                <a:tab pos="1901825" algn="l"/>
+                <a:tab pos="2351088" algn="l"/>
+                <a:tab pos="2800350" algn="l"/>
+                <a:tab pos="3249613" algn="l"/>
+                <a:tab pos="3698875" algn="l"/>
+                <a:tab pos="4148138" algn="l"/>
+                <a:tab pos="4597400" algn="l"/>
+                <a:tab pos="5046663" algn="l"/>
+                <a:tab pos="5495925" algn="l"/>
+                <a:tab pos="5945188" algn="l"/>
+                <a:tab pos="6394450" algn="l"/>
+                <a:tab pos="6843713" algn="l"/>
+                <a:tab pos="7292975" algn="l"/>
+                <a:tab pos="7742238" algn="l"/>
+                <a:tab pos="8191500" algn="l"/>
+                <a:tab pos="8640763" algn="l"/>
+              </a:tabLst>
+            </a:pPr>
+            <a:r>
+              <a:rPr lang="en-GB" altLang="zh-CN" sz="2400" dirty="0">
+                <a:solidFill>
+                  <a:srgbClr val="FFFF00"/>
+                </a:solidFill>
+                <a:latin typeface="宋体" charset="0"/>
+                <a:ea typeface="宋体" charset="0"/>
+                <a:cs typeface="宋体" charset="0"/>
+              </a:rPr>
+              <a:t>Copy</a:t>
+            </a:r>
+            <a:r>
+              <a:rPr lang="en-GB" altLang="zh-CN" sz="2400" dirty="0">
+                <a:latin typeface="宋体" charset="0"/>
+                <a:ea typeface="宋体" charset="0"/>
+                <a:cs typeface="宋体" charset="0"/>
+              </a:rPr>
+              <a:t> → copy</a:t>
+            </a:r>
+            <a:r>
+              <a:rPr lang="zh-CN" altLang="zh-CN" sz="2400" dirty="0">
+                <a:latin typeface="宋体" charset="0"/>
+                <a:ea typeface="宋体" charset="0"/>
+                <a:cs typeface="宋体" charset="0"/>
+              </a:rPr>
+              <a:t>一个对象变成新的对象</a:t>
+            </a:r>
+            <a:r>
+              <a:rPr lang="en-GB" altLang="zh-CN" sz="2400" dirty="0">
+                <a:latin typeface="宋体" charset="0"/>
+                <a:ea typeface="宋体" charset="0"/>
+                <a:cs typeface="宋体" charset="0"/>
+              </a:rPr>
+              <a:t>(</a:t>
+            </a:r>
+            <a:r>
+              <a:rPr lang="zh-CN" altLang="zh-CN" sz="2400" dirty="0">
+                <a:latin typeface="宋体" charset="0"/>
+                <a:ea typeface="宋体" charset="0"/>
+                <a:cs typeface="宋体" charset="0"/>
+              </a:rPr>
+              <a:t>新内存地址</a:t>
+            </a:r>
+            <a:r>
+              <a:rPr lang="en-GB" altLang="zh-CN" sz="2400" dirty="0">
+                <a:latin typeface="宋体" charset="0"/>
+                <a:ea typeface="宋体" charset="0"/>
+                <a:cs typeface="宋体" charset="0"/>
+              </a:rPr>
+              <a:t>),</a:t>
+            </a:r>
+            <a:r>
+              <a:rPr lang="zh-CN" altLang="zh-CN" sz="2400" dirty="0">
+                <a:latin typeface="宋体" charset="0"/>
+                <a:ea typeface="宋体" charset="0"/>
+                <a:cs typeface="宋体" charset="0"/>
+              </a:rPr>
+              <a:t>引用计数为</a:t>
+            </a:r>
+            <a:r>
+              <a:rPr lang="en-GB" altLang="zh-CN" sz="2400" dirty="0">
+                <a:latin typeface="宋体" charset="0"/>
+                <a:ea typeface="宋体" charset="0"/>
+                <a:cs typeface="宋体" charset="0"/>
+              </a:rPr>
+              <a:t>1,</a:t>
+            </a:r>
+            <a:r>
+              <a:rPr lang="zh-CN" altLang="zh-CN" sz="2400" dirty="0">
+                <a:latin typeface="宋体" charset="0"/>
+                <a:ea typeface="宋体" charset="0"/>
+                <a:cs typeface="宋体" charset="0"/>
+              </a:rPr>
+              <a:t>原来对象计数不变</a:t>
+            </a:r>
+          </a:p>
+          <a:p>
+            <a:pPr>
+              <a:lnSpc>
+                <a:spcPct val="100000"/>
+              </a:lnSpc>
+              <a:spcBef>
+                <a:spcPts val="1375"/>
+              </a:spcBef>
+              <a:tabLst>
+                <a:tab pos="0" algn="l"/>
+                <a:tab pos="104775" algn="l"/>
+                <a:tab pos="554038" algn="l"/>
+                <a:tab pos="1003300" algn="l"/>
+                <a:tab pos="1452563" algn="l"/>
+                <a:tab pos="1901825" algn="l"/>
+                <a:tab pos="2351088" algn="l"/>
+                <a:tab pos="2800350" algn="l"/>
+                <a:tab pos="3249613" algn="l"/>
+                <a:tab pos="3698875" algn="l"/>
+                <a:tab pos="4148138" algn="l"/>
+                <a:tab pos="4597400" algn="l"/>
+                <a:tab pos="5046663" algn="l"/>
+                <a:tab pos="5495925" algn="l"/>
+                <a:tab pos="5945188" algn="l"/>
+                <a:tab pos="6394450" algn="l"/>
+                <a:tab pos="6843713" algn="l"/>
+                <a:tab pos="7292975" algn="l"/>
+                <a:tab pos="7742238" algn="l"/>
+                <a:tab pos="8191500" algn="l"/>
+                <a:tab pos="8640763" algn="l"/>
+              </a:tabLst>
+            </a:pPr>
+            <a:r>
+              <a:rPr lang="en-GB" altLang="zh-CN" sz="2400" dirty="0">
+                <a:solidFill>
+                  <a:srgbClr val="FFFF00"/>
+                </a:solidFill>
+                <a:latin typeface="宋体" charset="0"/>
+                <a:ea typeface="宋体" charset="0"/>
+                <a:cs typeface="宋体" charset="0"/>
+              </a:rPr>
+              <a:t>Release</a:t>
+            </a:r>
+            <a:r>
+              <a:rPr lang="en-GB" altLang="zh-CN" sz="2400" dirty="0">
+                <a:latin typeface="宋体" charset="0"/>
+                <a:ea typeface="宋体" charset="0"/>
+                <a:cs typeface="宋体" charset="0"/>
+              </a:rPr>
+              <a:t> → </a:t>
+            </a:r>
+            <a:r>
+              <a:rPr lang="zh-CN" altLang="zh-CN" sz="2400" dirty="0">
+                <a:latin typeface="宋体" charset="0"/>
+                <a:ea typeface="宋体" charset="0"/>
+                <a:cs typeface="宋体" charset="0"/>
+              </a:rPr>
+              <a:t>对象引用计数</a:t>
+            </a:r>
+            <a:r>
+              <a:rPr lang="en-GB" altLang="zh-CN" sz="2400" dirty="0">
+                <a:latin typeface="宋体" charset="0"/>
+                <a:ea typeface="宋体" charset="0"/>
+                <a:cs typeface="宋体" charset="0"/>
+              </a:rPr>
+              <a:t>-1,</a:t>
+            </a:r>
+            <a:r>
+              <a:rPr lang="zh-CN" altLang="zh-CN" sz="2400" dirty="0">
+                <a:latin typeface="宋体" charset="0"/>
+                <a:ea typeface="宋体" charset="0"/>
+                <a:cs typeface="宋体" charset="0"/>
+              </a:rPr>
+              <a:t>如果为</a:t>
+            </a:r>
+            <a:r>
+              <a:rPr lang="en-GB" altLang="zh-CN" sz="2400" dirty="0">
+                <a:latin typeface="宋体" charset="0"/>
+                <a:ea typeface="宋体" charset="0"/>
+                <a:cs typeface="宋体" charset="0"/>
+              </a:rPr>
+              <a:t>0</a:t>
+            </a:r>
+            <a:r>
+              <a:rPr lang="zh-CN" altLang="zh-CN" sz="2400" dirty="0">
+                <a:latin typeface="宋体" charset="0"/>
+                <a:ea typeface="宋体" charset="0"/>
+                <a:cs typeface="宋体" charset="0"/>
+              </a:rPr>
+              <a:t>释放内存</a:t>
+            </a:r>
+          </a:p>
+          <a:p>
+            <a:pPr>
+              <a:lnSpc>
+                <a:spcPct val="100000"/>
+              </a:lnSpc>
+              <a:spcBef>
+                <a:spcPts val="1375"/>
+              </a:spcBef>
+              <a:tabLst>
+                <a:tab pos="0" algn="l"/>
+                <a:tab pos="104775" algn="l"/>
+                <a:tab pos="554038" algn="l"/>
+                <a:tab pos="1003300" algn="l"/>
+                <a:tab pos="1452563" algn="l"/>
+                <a:tab pos="1901825" algn="l"/>
+                <a:tab pos="2351088" algn="l"/>
+                <a:tab pos="2800350" algn="l"/>
+                <a:tab pos="3249613" algn="l"/>
+                <a:tab pos="3698875" algn="l"/>
+                <a:tab pos="4148138" algn="l"/>
+                <a:tab pos="4597400" algn="l"/>
+                <a:tab pos="5046663" algn="l"/>
+                <a:tab pos="5495925" algn="l"/>
+                <a:tab pos="5945188" algn="l"/>
+                <a:tab pos="6394450" algn="l"/>
+                <a:tab pos="6843713" algn="l"/>
+                <a:tab pos="7292975" algn="l"/>
+                <a:tab pos="7742238" algn="l"/>
+                <a:tab pos="8191500" algn="l"/>
+                <a:tab pos="8640763" algn="l"/>
+              </a:tabLst>
+            </a:pPr>
+            <a:r>
+              <a:rPr lang="en-GB" altLang="zh-CN" sz="2400" dirty="0" err="1">
+                <a:solidFill>
+                  <a:srgbClr val="FFFF00"/>
+                </a:solidFill>
+                <a:latin typeface="宋体" charset="0"/>
+                <a:ea typeface="宋体" charset="0"/>
+                <a:cs typeface="宋体" charset="0"/>
+              </a:rPr>
+              <a:t>Autorelease</a:t>
+            </a:r>
+            <a:r>
+              <a:rPr lang="en-GB" altLang="zh-CN" sz="2400" dirty="0">
+                <a:solidFill>
+                  <a:srgbClr val="FFFF00"/>
+                </a:solidFill>
+                <a:latin typeface="宋体" charset="0"/>
+                <a:ea typeface="宋体" charset="0"/>
+                <a:cs typeface="宋体" charset="0"/>
+              </a:rPr>
+              <a:t> </a:t>
+            </a:r>
+            <a:r>
+              <a:rPr lang="en-GB" altLang="zh-CN" sz="2400" dirty="0">
+                <a:latin typeface="宋体" charset="0"/>
+                <a:ea typeface="宋体" charset="0"/>
+                <a:cs typeface="宋体" charset="0"/>
+              </a:rPr>
+              <a:t>→ </a:t>
+            </a:r>
+            <a:r>
+              <a:rPr lang="zh-CN" altLang="zh-CN" sz="2400" dirty="0">
+                <a:latin typeface="宋体" charset="0"/>
+                <a:ea typeface="宋体" charset="0"/>
+                <a:cs typeface="宋体" charset="0"/>
+              </a:rPr>
+              <a:t>对象引用计数</a:t>
+            </a:r>
+            <a:r>
+              <a:rPr lang="en-GB" altLang="zh-CN" sz="2400" dirty="0">
+                <a:latin typeface="宋体" charset="0"/>
+                <a:ea typeface="宋体" charset="0"/>
+                <a:cs typeface="宋体" charset="0"/>
+              </a:rPr>
+              <a:t>-1,</a:t>
+            </a:r>
+            <a:r>
+              <a:rPr lang="zh-CN" altLang="zh-CN" sz="2400" dirty="0">
+                <a:latin typeface="宋体" charset="0"/>
+                <a:ea typeface="宋体" charset="0"/>
+                <a:cs typeface="宋体" charset="0"/>
+              </a:rPr>
+              <a:t>如果为</a:t>
+            </a:r>
+            <a:r>
+              <a:rPr lang="en-GB" altLang="zh-CN" sz="2400" dirty="0">
+                <a:latin typeface="宋体" charset="0"/>
+                <a:ea typeface="宋体" charset="0"/>
+                <a:cs typeface="宋体" charset="0"/>
+              </a:rPr>
+              <a:t>0</a:t>
+            </a:r>
+            <a:r>
+              <a:rPr lang="zh-CN" altLang="zh-CN" sz="2400" dirty="0">
+                <a:latin typeface="宋体" charset="0"/>
+                <a:ea typeface="宋体" charset="0"/>
+                <a:cs typeface="宋体" charset="0"/>
+              </a:rPr>
+              <a:t>不马上释放，当当前的</a:t>
+            </a:r>
+            <a:r>
+              <a:rPr lang="en-GB" altLang="zh-CN" sz="2400" dirty="0">
+                <a:latin typeface="宋体" charset="0"/>
+                <a:ea typeface="宋体" charset="0"/>
+                <a:cs typeface="宋体" charset="0"/>
+              </a:rPr>
+              <a:t>pool</a:t>
+            </a:r>
+            <a:r>
+              <a:rPr lang="zh-CN" altLang="zh-CN" sz="2400" dirty="0">
+                <a:latin typeface="宋体" charset="0"/>
+                <a:ea typeface="宋体" charset="0"/>
+                <a:cs typeface="宋体" charset="0"/>
+              </a:rPr>
+              <a:t>销毁时释放</a:t>
+            </a:r>
+            <a:r>
+              <a:rPr lang="en-GB" altLang="zh-CN" sz="2800" dirty="0">
+                <a:latin typeface="宋体" charset="0"/>
+                <a:ea typeface="宋体" charset="0"/>
+                <a:cs typeface="宋体" charset="0"/>
+              </a:rPr>
+              <a:t>    </a:t>
+            </a:r>
+          </a:p>
+          <a:p>
             <a:pPr marL="342900" indent="-342900">
-              <a:lnSpc>
-                <a:spcPct val="150000"/>
-              </a:lnSpc>
               <a:spcBef>
                 <a:spcPts val="1375"/>
               </a:spcBef>
@@ -8619,195 +9104,171 @@
               </a:tabLst>
             </a:pPr>
             <a:r>
-              <a:rPr lang="en-GB" altLang="zh-CN" sz="2400" dirty="0" err="1">
-                <a:solidFill>
-                  <a:srgbClr val="FFFFFF"/>
-                </a:solidFill>
+              <a:rPr lang="zh-CN" altLang="zh-CN" sz="2400" dirty="0" smtClean="0">
                 <a:latin typeface="宋体" charset="0"/>
                 <a:ea typeface="宋体" charset="0"/>
                 <a:cs typeface="宋体" charset="0"/>
               </a:rPr>
-              <a:t>ios</a:t>
-            </a:r>
-            <a:r>
-              <a:rPr lang="zh-CN" altLang="zh-CN" sz="2400" dirty="0">
-                <a:solidFill>
-                  <a:srgbClr val="FFFFFF"/>
-                </a:solidFill>
+              <a:t>如果引用计数等于</a:t>
+            </a:r>
+            <a:r>
+              <a:rPr lang="en-GB" altLang="zh-CN" sz="2400" dirty="0">
                 <a:latin typeface="宋体" charset="0"/>
                 <a:ea typeface="宋体" charset="0"/>
                 <a:cs typeface="宋体" charset="0"/>
               </a:rPr>
-              <a:t>的内存管理方法是采用的</a:t>
+              <a:t>0</a:t>
             </a:r>
             <a:r>
               <a:rPr lang="zh-CN" altLang="zh-CN" sz="2400" dirty="0">
-                <a:solidFill>
-                  <a:srgbClr val="FFFFFF"/>
-                </a:solidFill>
-                <a:latin typeface="Arial"/>
-                <a:ea typeface="宋体" charset="0"/>
-                <a:cs typeface="宋体" charset="0"/>
-              </a:rPr>
-              <a:t>“</a:t>
-            </a:r>
-            <a:r>
-              <a:rPr lang="zh-CN" altLang="zh-CN" sz="2400" dirty="0">
-                <a:solidFill>
-                  <a:srgbClr val="FFFFFF"/>
-                </a:solidFill>
                 <a:latin typeface="宋体" charset="0"/>
                 <a:ea typeface="宋体" charset="0"/>
                 <a:cs typeface="宋体" charset="0"/>
               </a:rPr>
-              <a:t>保留引用计数</a:t>
-            </a:r>
-            <a:r>
-              <a:rPr lang="zh-CN" altLang="zh-CN" sz="2400" dirty="0">
-                <a:solidFill>
-                  <a:srgbClr val="FFFFFF"/>
-                </a:solidFill>
-                <a:latin typeface="Arial"/>
-                <a:ea typeface="宋体" charset="0"/>
-                <a:cs typeface="宋体" charset="0"/>
-              </a:rPr>
-              <a:t>”</a:t>
+              <a:t>还对该对象进行操作，则会出现内存访问失败</a:t>
             </a:r>
             <a:r>
               <a:rPr lang="en-GB" altLang="zh-CN" sz="2400" dirty="0">
-                <a:solidFill>
-                  <a:srgbClr val="FFFFFF"/>
-                </a:solidFill>
                 <a:latin typeface="宋体" charset="0"/>
                 <a:ea typeface="宋体" charset="0"/>
                 <a:cs typeface="宋体" charset="0"/>
               </a:rPr>
-              <a:t>(retain count)</a:t>
+              <a:t>,</a:t>
             </a:r>
             <a:r>
               <a:rPr lang="zh-CN" altLang="zh-CN" sz="2400" dirty="0">
-                <a:solidFill>
-                  <a:srgbClr val="FFFFFF"/>
-                </a:solidFill>
                 <a:latin typeface="宋体" charset="0"/>
                 <a:ea typeface="宋体" charset="0"/>
                 <a:cs typeface="宋体" charset="0"/>
               </a:rPr>
-              <a:t>的机制</a:t>
+              <a:t>这个问题很严重，所以请一定注意内存释放和不用过后设置为</a:t>
             </a:r>
             <a:r>
               <a:rPr lang="en-GB" altLang="zh-CN" sz="2400" dirty="0">
-                <a:solidFill>
-                  <a:srgbClr val="FFFFFF"/>
-                </a:solidFill>
                 <a:latin typeface="宋体" charset="0"/>
                 <a:ea typeface="宋体" charset="0"/>
                 <a:cs typeface="宋体" charset="0"/>
               </a:rPr>
-              <a:t>,</a:t>
-            </a:r>
-            <a:r>
-              <a:rPr lang="zh-CN" altLang="zh-CN" sz="2400" dirty="0">
-                <a:solidFill>
-                  <a:srgbClr val="FFFFFF"/>
-                </a:solidFill>
-                <a:latin typeface="宋体" charset="0"/>
-                <a:ea typeface="宋体" charset="0"/>
-                <a:cs typeface="宋体" charset="0"/>
-              </a:rPr>
-              <a:t>当保留计数为</a:t>
-            </a:r>
-            <a:r>
-              <a:rPr lang="en-GB" altLang="zh-CN" sz="2400" dirty="0">
-                <a:solidFill>
-                  <a:srgbClr val="FFFFFF"/>
-                </a:solidFill>
-                <a:latin typeface="宋体" charset="0"/>
-                <a:ea typeface="宋体" charset="0"/>
-                <a:cs typeface="宋体" charset="0"/>
-              </a:rPr>
-              <a:t>0</a:t>
-            </a:r>
-            <a:r>
-              <a:rPr lang="zh-CN" altLang="zh-CN" sz="2400" dirty="0">
-                <a:solidFill>
-                  <a:srgbClr val="FFFFFF"/>
-                </a:solidFill>
-                <a:latin typeface="宋体" charset="0"/>
-                <a:ea typeface="宋体" charset="0"/>
-                <a:cs typeface="宋体" charset="0"/>
-              </a:rPr>
-              <a:t>时</a:t>
-            </a:r>
-            <a:r>
-              <a:rPr lang="en-GB" altLang="zh-CN" sz="2400" dirty="0">
-                <a:solidFill>
-                  <a:srgbClr val="FFFFFF"/>
-                </a:solidFill>
-                <a:latin typeface="宋体" charset="0"/>
-                <a:ea typeface="宋体" charset="0"/>
-                <a:cs typeface="宋体" charset="0"/>
-              </a:rPr>
-              <a:t>,</a:t>
-            </a:r>
-            <a:r>
-              <a:rPr lang="zh-CN" altLang="zh-CN" sz="2400" dirty="0">
-                <a:solidFill>
-                  <a:srgbClr val="FFFFFF"/>
-                </a:solidFill>
-                <a:latin typeface="宋体" charset="0"/>
-                <a:ea typeface="宋体" charset="0"/>
-                <a:cs typeface="宋体" charset="0"/>
-              </a:rPr>
-              <a:t>对象才被真正的销毁</a:t>
-            </a:r>
-            <a:r>
-              <a:rPr lang="en-GB" altLang="zh-CN" sz="2400" dirty="0">
-                <a:solidFill>
-                  <a:srgbClr val="FFFFFF"/>
-                </a:solidFill>
-                <a:latin typeface="宋体" charset="0"/>
-                <a:ea typeface="宋体" charset="0"/>
-                <a:cs typeface="宋体" charset="0"/>
-              </a:rPr>
-              <a:t>,</a:t>
-            </a:r>
-            <a:r>
-              <a:rPr lang="zh-CN" altLang="zh-CN" sz="2400" dirty="0">
-                <a:solidFill>
-                  <a:srgbClr val="FFFFFF"/>
-                </a:solidFill>
-                <a:latin typeface="宋体" charset="0"/>
-                <a:ea typeface="宋体" charset="0"/>
-                <a:cs typeface="宋体" charset="0"/>
-              </a:rPr>
-              <a:t>内存管理的原则就是最终的引用计数要平衡，如果最后引用计数大于</a:t>
-            </a:r>
-            <a:r>
-              <a:rPr lang="en-GB" altLang="zh-CN" sz="2400" dirty="0">
-                <a:solidFill>
-                  <a:srgbClr val="FFFFFF"/>
-                </a:solidFill>
-                <a:latin typeface="宋体" charset="0"/>
-                <a:ea typeface="宋体" charset="0"/>
-                <a:cs typeface="宋体" charset="0"/>
-              </a:rPr>
-              <a:t>0</a:t>
-            </a:r>
-            <a:r>
-              <a:rPr lang="zh-CN" altLang="zh-CN" sz="2400" dirty="0">
-                <a:solidFill>
-                  <a:srgbClr val="FFFFFF"/>
-                </a:solidFill>
-                <a:latin typeface="宋体" charset="0"/>
-                <a:ea typeface="宋体" charset="0"/>
-                <a:cs typeface="宋体" charset="0"/>
-              </a:rPr>
-              <a:t>则会内存泄露</a:t>
-            </a:r>
-          </a:p>
-          <a:p>
-            <a:pPr marL="0" indent="352425">
+              <a:t>nil</a:t>
+            </a:r>
+          </a:p>
+        </p:txBody>
+      </p:sp>
+    </p:spTree>
+    <p:extLst>
+      <p:ext uri="{BB962C8B-B14F-4D97-AF65-F5344CB8AC3E}">
+        <p14:creationId xmlns:p14="http://schemas.microsoft.com/office/powerpoint/2010/main" val="2545487373"/>
+      </p:ext>
+    </p:extLst>
+  </p:cSld>
+  <p:clrMapOvr>
+    <a:masterClrMapping/>
+  </p:clrMapOvr>
+  <p:timing>
+    <p:tnLst>
+      <p:par>
+        <p:cTn xmlns:p14="http://schemas.microsoft.com/office/powerpoint/2010/main" id="1" dur="indefinite" restart="never" nodeType="tmRoot"/>
+      </p:par>
+    </p:tnLst>
+  </p:timing>
+</p:sld>
+</file>
+
+<file path=ppt/slides/slide11.xml><?xml version="1.0" encoding="utf-8"?>
+<p:sld xmlns:a="http://schemas.openxmlformats.org/drawingml/2006/main" xmlns:r="http://schemas.openxmlformats.org/officeDocument/2006/relationships" xmlns:p="http://schemas.openxmlformats.org/presentationml/2006/main">
+  <p:cSld>
+    <p:spTree>
+      <p:nvGrpSpPr>
+        <p:cNvPr id="1" name=""/>
+        <p:cNvGrpSpPr/>
+        <p:nvPr/>
+      </p:nvGrpSpPr>
+      <p:grpSpPr>
+        <a:xfrm>
+          <a:off x="0" y="0"/>
+          <a:ext cx="0" cy="0"/>
+          <a:chOff x="0" y="0"/>
+          <a:chExt cx="0" cy="0"/>
+        </a:xfrm>
+      </p:grpSpPr>
+      <p:sp>
+        <p:nvSpPr>
+          <p:cNvPr id="2" name="标题 1"/>
+          <p:cNvSpPr>
+            <a:spLocks noGrp="1"/>
+          </p:cNvSpPr>
+          <p:nvPr>
+            <p:ph type="title"/>
+          </p:nvPr>
+        </p:nvSpPr>
+        <p:spPr/>
+        <p:txBody>
+          <a:bodyPr/>
+          <a:lstStyle/>
+          <a:p>
+            <a:r>
+              <a:rPr kumimoji="1" lang="en-US" altLang="zh-CN" dirty="0" err="1"/>
+              <a:t>autorelease</a:t>
+            </a:r>
+            <a:r>
+              <a:rPr kumimoji="1" lang="zh-CN" altLang="en-US" dirty="0"/>
+              <a:t>简</a:t>
+            </a:r>
+            <a:r>
+              <a:rPr kumimoji="1" lang="zh-CN" altLang="en-US" dirty="0" smtClean="0"/>
+              <a:t>介</a:t>
+            </a:r>
+            <a:endParaRPr kumimoji="1" lang="zh-CN" altLang="en-US" dirty="0"/>
+          </a:p>
+        </p:txBody>
+      </p:sp>
+      <p:sp>
+        <p:nvSpPr>
+          <p:cNvPr id="3" name="幻灯片编号占位符 2"/>
+          <p:cNvSpPr>
+            <a:spLocks noGrp="1"/>
+          </p:cNvSpPr>
+          <p:nvPr>
+            <p:ph type="sldNum" sz="quarter" idx="4"/>
+          </p:nvPr>
+        </p:nvSpPr>
+        <p:spPr/>
+        <p:txBody>
+          <a:bodyPr/>
+          <a:lstStyle/>
+          <a:p>
+            <a:fld id="{BF10DB53-D7D3-4DB6-A29F-40217B92EC88}" type="slidenum">
+              <a:rPr lang="en-US" smtClean="0"/>
+              <a:pPr/>
+              <a:t>10</a:t>
+            </a:fld>
+            <a:endParaRPr lang="en-US" dirty="0"/>
+          </a:p>
+        </p:txBody>
+      </p:sp>
+      <p:sp>
+        <p:nvSpPr>
+          <p:cNvPr id="5" name="文本框 4"/>
+          <p:cNvSpPr txBox="1"/>
+          <p:nvPr/>
+        </p:nvSpPr>
+        <p:spPr>
+          <a:xfrm>
+            <a:off x="251520" y="1340768"/>
+            <a:ext cx="8568952" cy="3827330"/>
+          </a:xfrm>
+          <a:prstGeom prst="rect">
+            <a:avLst/>
+          </a:prstGeom>
+          <a:noFill/>
+        </p:spPr>
+        <p:txBody>
+          <a:bodyPr wrap="square" rtlCol="0">
+            <a:spAutoFit/>
+          </a:bodyPr>
+          <a:lstStyle/>
+          <a:p>
+            <a:pPr>
               <a:lnSpc>
                 <a:spcPct val="150000"/>
               </a:lnSpc>
@@ -8839,7 +9300,4699 @@
               </a:tabLst>
             </a:pPr>
             <a:r>
-              <a:rPr lang="en-GB" altLang="zh-CN" sz="2400" dirty="0">
+              <a:rPr lang="en-GB" altLang="zh-CN" sz="2000" dirty="0" err="1">
+                <a:solidFill>
+                  <a:srgbClr val="FFFF00"/>
+                </a:solidFill>
+                <a:latin typeface="宋体" charset="0"/>
+                <a:ea typeface="宋体" charset="0"/>
+                <a:cs typeface="宋体" charset="0"/>
+              </a:rPr>
+              <a:t>NSAutoreleasePool</a:t>
+            </a:r>
+            <a:r>
+              <a:rPr lang="en-GB" altLang="zh-CN" sz="2000" dirty="0">
+                <a:solidFill>
+                  <a:srgbClr val="FFFF00"/>
+                </a:solidFill>
+                <a:latin typeface="宋体" charset="0"/>
+                <a:ea typeface="宋体" charset="0"/>
+                <a:cs typeface="宋体" charset="0"/>
+              </a:rPr>
+              <a:t>:</a:t>
+            </a:r>
+          </a:p>
+          <a:p>
+            <a:pPr>
+              <a:lnSpc>
+                <a:spcPct val="150000"/>
+              </a:lnSpc>
+              <a:spcBef>
+                <a:spcPts val="1375"/>
+              </a:spcBef>
+              <a:tabLst>
+                <a:tab pos="0" algn="l"/>
+                <a:tab pos="104775" algn="l"/>
+                <a:tab pos="554038" algn="l"/>
+                <a:tab pos="1003300" algn="l"/>
+                <a:tab pos="1452563" algn="l"/>
+                <a:tab pos="1901825" algn="l"/>
+                <a:tab pos="2351088" algn="l"/>
+                <a:tab pos="2800350" algn="l"/>
+                <a:tab pos="3249613" algn="l"/>
+                <a:tab pos="3698875" algn="l"/>
+                <a:tab pos="4148138" algn="l"/>
+                <a:tab pos="4597400" algn="l"/>
+                <a:tab pos="5046663" algn="l"/>
+                <a:tab pos="5495925" algn="l"/>
+                <a:tab pos="5945188" algn="l"/>
+                <a:tab pos="6394450" algn="l"/>
+                <a:tab pos="6843713" algn="l"/>
+                <a:tab pos="7292975" algn="l"/>
+                <a:tab pos="7742238" algn="l"/>
+                <a:tab pos="8191500" algn="l"/>
+                <a:tab pos="8640763" algn="l"/>
+              </a:tabLst>
+            </a:pPr>
+            <a:r>
+              <a:rPr lang="en-GB" altLang="zh-CN" sz="2000" dirty="0" err="1">
+                <a:latin typeface="宋体" charset="0"/>
+                <a:ea typeface="宋体" charset="0"/>
+                <a:cs typeface="宋体" charset="0"/>
+              </a:rPr>
+              <a:t>NSAutoreleasePool</a:t>
+            </a:r>
+            <a:r>
+              <a:rPr lang="zh-CN" altLang="zh-CN" sz="2000" dirty="0">
+                <a:latin typeface="宋体" charset="0"/>
+                <a:ea typeface="宋体" charset="0"/>
+                <a:cs typeface="宋体" charset="0"/>
+              </a:rPr>
+              <a:t>是用来做</a:t>
+            </a:r>
+            <a:r>
+              <a:rPr lang="en-GB" altLang="zh-CN" sz="2000" dirty="0" err="1">
+                <a:latin typeface="宋体" charset="0"/>
+                <a:ea typeface="宋体" charset="0"/>
+                <a:cs typeface="宋体" charset="0"/>
+              </a:rPr>
+              <a:t>autorelease</a:t>
+            </a:r>
+            <a:r>
+              <a:rPr lang="zh-CN" altLang="zh-CN" sz="2000" dirty="0">
+                <a:latin typeface="宋体" charset="0"/>
+                <a:ea typeface="宋体" charset="0"/>
+                <a:cs typeface="宋体" charset="0"/>
+              </a:rPr>
+              <a:t>变量释放的，前面说了</a:t>
+            </a:r>
+            <a:r>
+              <a:rPr lang="en-GB" altLang="zh-CN" sz="2000" dirty="0">
+                <a:latin typeface="宋体" charset="0"/>
+                <a:ea typeface="宋体" charset="0"/>
+                <a:cs typeface="宋体" charset="0"/>
+              </a:rPr>
+              <a:t>, </a:t>
+            </a:r>
+            <a:r>
+              <a:rPr lang="en-GB" altLang="zh-CN" sz="2000" dirty="0" err="1">
+                <a:latin typeface="宋体" charset="0"/>
+                <a:ea typeface="宋体" charset="0"/>
+                <a:cs typeface="宋体" charset="0"/>
+              </a:rPr>
+              <a:t>autorelease</a:t>
+            </a:r>
+            <a:r>
+              <a:rPr lang="zh-CN" altLang="zh-CN" sz="2000" dirty="0">
+                <a:latin typeface="宋体" charset="0"/>
+                <a:ea typeface="宋体" charset="0"/>
+                <a:cs typeface="宋体" charset="0"/>
+              </a:rPr>
+              <a:t>不会马上释放，当他到了最近的</a:t>
+            </a:r>
+            <a:r>
+              <a:rPr lang="en-GB" altLang="zh-CN" sz="2000" dirty="0">
+                <a:latin typeface="宋体" charset="0"/>
+                <a:ea typeface="宋体" charset="0"/>
+                <a:cs typeface="宋体" charset="0"/>
+              </a:rPr>
+              <a:t>pool release</a:t>
+            </a:r>
+            <a:r>
+              <a:rPr lang="zh-CN" altLang="zh-CN" sz="2000" dirty="0">
+                <a:latin typeface="宋体" charset="0"/>
+                <a:ea typeface="宋体" charset="0"/>
+                <a:cs typeface="宋体" charset="0"/>
+              </a:rPr>
+              <a:t>时会向池里的所有对象发送</a:t>
+            </a:r>
+            <a:r>
+              <a:rPr lang="en-GB" altLang="zh-CN" sz="2000" dirty="0">
+                <a:latin typeface="宋体" charset="0"/>
+                <a:ea typeface="宋体" charset="0"/>
+                <a:cs typeface="宋体" charset="0"/>
+              </a:rPr>
+              <a:t>release</a:t>
+            </a:r>
+            <a:r>
+              <a:rPr lang="zh-CN" altLang="zh-CN" sz="2000" dirty="0">
+                <a:latin typeface="宋体" charset="0"/>
+                <a:ea typeface="宋体" charset="0"/>
+                <a:cs typeface="宋体" charset="0"/>
+              </a:rPr>
+              <a:t>消息并检查对象的</a:t>
+            </a:r>
+            <a:r>
+              <a:rPr lang="en-GB" altLang="zh-CN" sz="2000" dirty="0" err="1">
+                <a:latin typeface="宋体" charset="0"/>
+                <a:ea typeface="宋体" charset="0"/>
+                <a:cs typeface="宋体" charset="0"/>
+              </a:rPr>
+              <a:t>reatin</a:t>
+            </a:r>
+            <a:r>
+              <a:rPr lang="en-GB" altLang="zh-CN" sz="2000" dirty="0">
+                <a:latin typeface="宋体" charset="0"/>
+                <a:ea typeface="宋体" charset="0"/>
+                <a:cs typeface="宋体" charset="0"/>
+              </a:rPr>
+              <a:t> count</a:t>
+            </a:r>
+            <a:r>
+              <a:rPr lang="zh-CN" altLang="zh-CN" sz="2000" dirty="0">
+                <a:latin typeface="宋体" charset="0"/>
+                <a:ea typeface="宋体" charset="0"/>
+                <a:cs typeface="宋体" charset="0"/>
+              </a:rPr>
+              <a:t>是不是为</a:t>
+            </a:r>
+            <a:r>
+              <a:rPr lang="en-GB" altLang="zh-CN" sz="2000" dirty="0">
+                <a:latin typeface="宋体" charset="0"/>
+                <a:ea typeface="宋体" charset="0"/>
+                <a:cs typeface="宋体" charset="0"/>
+              </a:rPr>
+              <a:t>0,</a:t>
+            </a:r>
+            <a:r>
+              <a:rPr lang="zh-CN" altLang="zh-CN" sz="2000" dirty="0">
+                <a:latin typeface="宋体" charset="0"/>
+                <a:ea typeface="宋体" charset="0"/>
+                <a:cs typeface="宋体" charset="0"/>
+              </a:rPr>
+              <a:t>为</a:t>
+            </a:r>
+            <a:r>
+              <a:rPr lang="en-GB" altLang="zh-CN" sz="2000" dirty="0">
+                <a:latin typeface="宋体" charset="0"/>
+                <a:ea typeface="宋体" charset="0"/>
+                <a:cs typeface="宋体" charset="0"/>
+              </a:rPr>
+              <a:t>0</a:t>
+            </a:r>
+            <a:r>
+              <a:rPr lang="zh-CN" altLang="zh-CN" sz="2000" dirty="0">
+                <a:latin typeface="宋体" charset="0"/>
+                <a:ea typeface="宋体" charset="0"/>
+                <a:cs typeface="宋体" charset="0"/>
+              </a:rPr>
+              <a:t>就释放。 </a:t>
+            </a:r>
+          </a:p>
+          <a:p>
+            <a:pPr>
+              <a:lnSpc>
+                <a:spcPct val="150000"/>
+              </a:lnSpc>
+              <a:spcBef>
+                <a:spcPts val="1375"/>
+              </a:spcBef>
+              <a:tabLst>
+                <a:tab pos="0" algn="l"/>
+                <a:tab pos="104775" algn="l"/>
+                <a:tab pos="554038" algn="l"/>
+                <a:tab pos="1003300" algn="l"/>
+                <a:tab pos="1452563" algn="l"/>
+                <a:tab pos="1901825" algn="l"/>
+                <a:tab pos="2351088" algn="l"/>
+                <a:tab pos="2800350" algn="l"/>
+                <a:tab pos="3249613" algn="l"/>
+                <a:tab pos="3698875" algn="l"/>
+                <a:tab pos="4148138" algn="l"/>
+                <a:tab pos="4597400" algn="l"/>
+                <a:tab pos="5046663" algn="l"/>
+                <a:tab pos="5495925" algn="l"/>
+                <a:tab pos="5945188" algn="l"/>
+                <a:tab pos="6394450" algn="l"/>
+                <a:tab pos="6843713" algn="l"/>
+                <a:tab pos="7292975" algn="l"/>
+                <a:tab pos="7742238" algn="l"/>
+                <a:tab pos="8191500" algn="l"/>
+                <a:tab pos="8640763" algn="l"/>
+              </a:tabLst>
+            </a:pPr>
+            <a:r>
+              <a:rPr lang="zh-CN" altLang="zh-CN" sz="2000" dirty="0">
+                <a:latin typeface="宋体" charset="0"/>
+                <a:ea typeface="宋体" charset="0"/>
+                <a:cs typeface="宋体" charset="0"/>
+              </a:rPr>
+              <a:t>当我们在一段代码时加入了大量的</a:t>
+            </a:r>
+            <a:r>
+              <a:rPr lang="en-GB" altLang="zh-CN" sz="2000" dirty="0" err="1">
+                <a:latin typeface="宋体" charset="0"/>
+                <a:ea typeface="宋体" charset="0"/>
+                <a:cs typeface="宋体" charset="0"/>
+              </a:rPr>
+              <a:t>autorelease</a:t>
+            </a:r>
+            <a:r>
+              <a:rPr lang="zh-CN" altLang="zh-CN" sz="2000" dirty="0">
+                <a:latin typeface="宋体" charset="0"/>
+                <a:ea typeface="宋体" charset="0"/>
+                <a:cs typeface="宋体" charset="0"/>
+              </a:rPr>
+              <a:t>变量时，我们应该为这段代码加上</a:t>
+            </a:r>
+            <a:r>
+              <a:rPr lang="en-GB" altLang="zh-CN" sz="2000" dirty="0" err="1">
+                <a:latin typeface="宋体" charset="0"/>
+                <a:ea typeface="宋体" charset="0"/>
+                <a:cs typeface="宋体" charset="0"/>
+              </a:rPr>
+              <a:t>Autoreleasepool</a:t>
+            </a:r>
+            <a:r>
+              <a:rPr lang="zh-CN" altLang="zh-CN" sz="2000" dirty="0">
+                <a:latin typeface="宋体" charset="0"/>
+                <a:ea typeface="宋体" charset="0"/>
+                <a:cs typeface="宋体" charset="0"/>
+              </a:rPr>
+              <a:t>，以便使内存得以及时释放</a:t>
+            </a:r>
+            <a:r>
+              <a:rPr lang="en-GB" altLang="zh-CN" sz="2000" dirty="0">
+                <a:latin typeface="宋体" charset="0"/>
+                <a:ea typeface="宋体" charset="0"/>
+                <a:cs typeface="宋体" charset="0"/>
+              </a:rPr>
+              <a:t>,</a:t>
+            </a:r>
+            <a:r>
+              <a:rPr lang="zh-CN" altLang="zh-CN" sz="2000" dirty="0">
+                <a:latin typeface="宋体" charset="0"/>
+                <a:ea typeface="宋体" charset="0"/>
+                <a:cs typeface="宋体" charset="0"/>
+              </a:rPr>
+              <a:t>其它时候不用</a:t>
+            </a:r>
+            <a:r>
+              <a:rPr lang="en-GB" altLang="zh-CN" sz="2000" dirty="0">
+                <a:latin typeface="宋体" charset="0"/>
+                <a:ea typeface="宋体" charset="0"/>
+                <a:cs typeface="宋体" charset="0"/>
+              </a:rPr>
+              <a:t>.</a:t>
+            </a:r>
+          </a:p>
+          <a:p>
+            <a:pPr>
+              <a:lnSpc>
+                <a:spcPct val="150000"/>
+              </a:lnSpc>
+              <a:spcBef>
+                <a:spcPts val="1375"/>
+              </a:spcBef>
+              <a:tabLst>
+                <a:tab pos="0" algn="l"/>
+                <a:tab pos="104775" algn="l"/>
+                <a:tab pos="554038" algn="l"/>
+                <a:tab pos="1003300" algn="l"/>
+                <a:tab pos="1452563" algn="l"/>
+                <a:tab pos="1901825" algn="l"/>
+                <a:tab pos="2351088" algn="l"/>
+                <a:tab pos="2800350" algn="l"/>
+                <a:tab pos="3249613" algn="l"/>
+                <a:tab pos="3698875" algn="l"/>
+                <a:tab pos="4148138" algn="l"/>
+                <a:tab pos="4597400" algn="l"/>
+                <a:tab pos="5046663" algn="l"/>
+                <a:tab pos="5495925" algn="l"/>
+                <a:tab pos="5945188" algn="l"/>
+                <a:tab pos="6394450" algn="l"/>
+                <a:tab pos="6843713" algn="l"/>
+                <a:tab pos="7292975" algn="l"/>
+                <a:tab pos="7742238" algn="l"/>
+                <a:tab pos="8191500" algn="l"/>
+                <a:tab pos="8640763" algn="l"/>
+              </a:tabLst>
+            </a:pPr>
+            <a:r>
+              <a:rPr lang="zh-CN" altLang="zh-CN" sz="2000" dirty="0">
+                <a:latin typeface="宋体" charset="0"/>
+                <a:ea typeface="宋体" charset="0"/>
+                <a:cs typeface="宋体" charset="0"/>
+              </a:rPr>
+              <a:t>在一个需要返回一个对象的方法中通常返回一个</a:t>
+            </a:r>
+            <a:r>
+              <a:rPr lang="en-GB" altLang="zh-CN" sz="2000" dirty="0" err="1">
+                <a:latin typeface="宋体" charset="0"/>
+                <a:ea typeface="宋体" charset="0"/>
+                <a:cs typeface="宋体" charset="0"/>
+              </a:rPr>
+              <a:t>autorelease</a:t>
+            </a:r>
+            <a:r>
+              <a:rPr lang="zh-CN" altLang="zh-CN" sz="2000" dirty="0">
+                <a:latin typeface="宋体" charset="0"/>
+                <a:ea typeface="宋体" charset="0"/>
+                <a:cs typeface="宋体" charset="0"/>
+              </a:rPr>
+              <a:t>对象。</a:t>
+            </a:r>
+          </a:p>
+        </p:txBody>
+      </p:sp>
+    </p:spTree>
+    <p:extLst>
+      <p:ext uri="{BB962C8B-B14F-4D97-AF65-F5344CB8AC3E}">
+        <p14:creationId xmlns:p14="http://schemas.microsoft.com/office/powerpoint/2010/main" val="2042555170"/>
+      </p:ext>
+    </p:extLst>
+  </p:cSld>
+  <p:clrMapOvr>
+    <a:masterClrMapping/>
+  </p:clrMapOvr>
+  <p:timing>
+    <p:tnLst>
+      <p:par>
+        <p:cTn xmlns:p14="http://schemas.microsoft.com/office/powerpoint/2010/main" id="1" dur="indefinite" restart="never" nodeType="tmRoot"/>
+      </p:par>
+    </p:tnLst>
+  </p:timing>
+</p:sld>
+</file>
+
+<file path=ppt/slides/slide12.xml><?xml version="1.0" encoding="utf-8"?>
+<p:sld xmlns:a="http://schemas.openxmlformats.org/drawingml/2006/main" xmlns:r="http://schemas.openxmlformats.org/officeDocument/2006/relationships" xmlns:p="http://schemas.openxmlformats.org/presentationml/2006/main">
+  <p:cSld>
+    <p:spTree>
+      <p:nvGrpSpPr>
+        <p:cNvPr id="1" name=""/>
+        <p:cNvGrpSpPr/>
+        <p:nvPr/>
+      </p:nvGrpSpPr>
+      <p:grpSpPr>
+        <a:xfrm>
+          <a:off x="0" y="0"/>
+          <a:ext cx="0" cy="0"/>
+          <a:chOff x="0" y="0"/>
+          <a:chExt cx="0" cy="0"/>
+        </a:xfrm>
+      </p:grpSpPr>
+      <p:sp>
+        <p:nvSpPr>
+          <p:cNvPr id="2" name="标题 1"/>
+          <p:cNvSpPr>
+            <a:spLocks noGrp="1"/>
+          </p:cNvSpPr>
+          <p:nvPr>
+            <p:ph type="title"/>
+          </p:nvPr>
+        </p:nvSpPr>
+        <p:spPr/>
+        <p:txBody>
+          <a:bodyPr/>
+          <a:lstStyle/>
+          <a:p>
+            <a:r>
+              <a:rPr kumimoji="1" lang="en-US" altLang="zh-CN" dirty="0" err="1" smtClean="0"/>
+              <a:t>A</a:t>
+            </a:r>
+            <a:r>
+              <a:rPr kumimoji="1" lang="en-US" altLang="zh-CN" dirty="0" err="1" smtClean="0"/>
+              <a:t>utorelease</a:t>
+            </a:r>
+            <a:r>
+              <a:rPr kumimoji="1" lang="zh-CN" altLang="en-US" dirty="0"/>
+              <a:t>简</a:t>
+            </a:r>
+            <a:r>
+              <a:rPr kumimoji="1" lang="zh-CN" altLang="en-US" dirty="0" smtClean="0"/>
+              <a:t>介</a:t>
+            </a:r>
+            <a:endParaRPr kumimoji="1" lang="zh-CN" altLang="en-US" dirty="0"/>
+          </a:p>
+        </p:txBody>
+      </p:sp>
+      <p:sp>
+        <p:nvSpPr>
+          <p:cNvPr id="3" name="幻灯片编号占位符 2"/>
+          <p:cNvSpPr>
+            <a:spLocks noGrp="1"/>
+          </p:cNvSpPr>
+          <p:nvPr>
+            <p:ph type="sldNum" sz="quarter" idx="4"/>
+          </p:nvPr>
+        </p:nvSpPr>
+        <p:spPr/>
+        <p:txBody>
+          <a:bodyPr/>
+          <a:lstStyle/>
+          <a:p>
+            <a:fld id="{BF10DB53-D7D3-4DB6-A29F-40217B92EC88}" type="slidenum">
+              <a:rPr lang="en-US" smtClean="0"/>
+              <a:pPr/>
+              <a:t>11</a:t>
+            </a:fld>
+            <a:endParaRPr lang="en-US" dirty="0"/>
+          </a:p>
+        </p:txBody>
+      </p:sp>
+      <p:sp>
+        <p:nvSpPr>
+          <p:cNvPr id="5" name="文本框 4"/>
+          <p:cNvSpPr txBox="1"/>
+          <p:nvPr/>
+        </p:nvSpPr>
+        <p:spPr>
+          <a:xfrm>
+            <a:off x="251520" y="1340768"/>
+            <a:ext cx="8568952" cy="5278369"/>
+          </a:xfrm>
+          <a:prstGeom prst="rect">
+            <a:avLst/>
+          </a:prstGeom>
+          <a:noFill/>
+        </p:spPr>
+        <p:txBody>
+          <a:bodyPr wrap="square" rtlCol="0">
+            <a:spAutoFit/>
+          </a:bodyPr>
+          <a:lstStyle/>
+          <a:p>
+            <a:pPr>
+              <a:lnSpc>
+                <a:spcPct val="130000"/>
+              </a:lnSpc>
+            </a:pPr>
+            <a:r>
+              <a:rPr lang="en-US" altLang="zh-CN" sz="2000" dirty="0" err="1"/>
+              <a:t>autorelease</a:t>
+            </a:r>
+            <a:r>
+              <a:rPr lang="zh-CN" altLang="en-US" sz="2000" dirty="0"/>
+              <a:t>方法的基本作用</a:t>
+            </a:r>
+            <a:endParaRPr lang="en-US" altLang="zh-CN" sz="2000" dirty="0"/>
+          </a:p>
+          <a:p>
+            <a:pPr>
+              <a:lnSpc>
+                <a:spcPct val="130000"/>
+              </a:lnSpc>
+              <a:buFont typeface="Wingdings" charset="2"/>
+              <a:buChar char="Ø"/>
+            </a:pPr>
+            <a:r>
+              <a:rPr lang="zh-CN" altLang="en-US" sz="2000" dirty="0"/>
+              <a:t>给对象发送一条</a:t>
+            </a:r>
+            <a:r>
+              <a:rPr lang="en-US" altLang="zh-CN" sz="2000" dirty="0" err="1"/>
+              <a:t>autorelease</a:t>
+            </a:r>
+            <a:r>
+              <a:rPr lang="zh-CN" altLang="en-US" sz="2000" dirty="0"/>
+              <a:t>消息</a:t>
+            </a:r>
+            <a:r>
+              <a:rPr lang="en-US" altLang="zh-CN" sz="2000" dirty="0"/>
+              <a:t>,</a:t>
+            </a:r>
+            <a:r>
+              <a:rPr lang="zh-CN" altLang="en-US" sz="2000" dirty="0"/>
+              <a:t> 会将对象放到一个自动释放池中</a:t>
+            </a:r>
+          </a:p>
+          <a:p>
+            <a:pPr>
+              <a:lnSpc>
+                <a:spcPct val="130000"/>
+              </a:lnSpc>
+              <a:buFont typeface="Wingdings" charset="2"/>
+              <a:buChar char="Ø"/>
+            </a:pPr>
+            <a:r>
+              <a:rPr lang="zh-CN" altLang="en-US" sz="2000" dirty="0"/>
+              <a:t>当自动释放池被销毁时，会对池子里面的所有对象做一次</a:t>
+            </a:r>
+            <a:r>
+              <a:rPr lang="en-US" altLang="zh-CN" sz="2000" dirty="0"/>
+              <a:t>release</a:t>
+            </a:r>
+            <a:r>
+              <a:rPr lang="zh-CN" altLang="en-US" sz="2000" dirty="0"/>
+              <a:t>操作</a:t>
+            </a:r>
+          </a:p>
+          <a:p>
+            <a:pPr>
+              <a:lnSpc>
+                <a:spcPct val="130000"/>
+              </a:lnSpc>
+              <a:buFont typeface="Wingdings" charset="2"/>
+              <a:buChar char="Ø"/>
+            </a:pPr>
+            <a:r>
+              <a:rPr lang="zh-CN" altLang="en-US" sz="2000" dirty="0"/>
+              <a:t>会返回对象本身</a:t>
+            </a:r>
+          </a:p>
+          <a:p>
+            <a:pPr>
+              <a:lnSpc>
+                <a:spcPct val="130000"/>
+              </a:lnSpc>
+              <a:buFont typeface="Wingdings" charset="2"/>
+              <a:buChar char="Ø"/>
+            </a:pPr>
+            <a:r>
+              <a:rPr lang="zh-CN" altLang="en-US" sz="2000" dirty="0"/>
+              <a:t>调用完</a:t>
+            </a:r>
+            <a:r>
+              <a:rPr lang="en-US" altLang="zh-CN" sz="2000" dirty="0" err="1"/>
+              <a:t>autorelease</a:t>
+            </a:r>
+            <a:r>
+              <a:rPr lang="zh-CN" altLang="en-US" sz="2000" dirty="0"/>
+              <a:t>方法后，对象的计数器不变</a:t>
+            </a:r>
+            <a:endParaRPr lang="en-US" altLang="zh-CN" sz="2000" dirty="0"/>
+          </a:p>
+          <a:p>
+            <a:pPr>
+              <a:lnSpc>
+                <a:spcPct val="130000"/>
+              </a:lnSpc>
+              <a:buFont typeface="Wingdings" charset="2"/>
+              <a:buChar char="Ø"/>
+            </a:pPr>
+            <a:endParaRPr lang="en-US" altLang="zh-CN" sz="2000" dirty="0"/>
+          </a:p>
+          <a:p>
+            <a:pPr>
+              <a:lnSpc>
+                <a:spcPct val="130000"/>
+              </a:lnSpc>
+            </a:pPr>
+            <a:r>
+              <a:rPr lang="en-US" altLang="zh-TW" sz="2000" dirty="0" err="1"/>
+              <a:t>autorelease</a:t>
+            </a:r>
+            <a:r>
+              <a:rPr lang="zh-TW" altLang="en-US" sz="2000" dirty="0"/>
+              <a:t>的好处</a:t>
+            </a:r>
+            <a:endParaRPr lang="en-US" altLang="zh-TW" sz="2000" dirty="0"/>
+          </a:p>
+          <a:p>
+            <a:pPr>
+              <a:lnSpc>
+                <a:spcPct val="130000"/>
+              </a:lnSpc>
+              <a:buFont typeface="Wingdings" charset="2"/>
+              <a:buChar char="Ø"/>
+            </a:pPr>
+            <a:r>
+              <a:rPr lang="zh-CN" altLang="en-US" sz="2000" dirty="0"/>
+              <a:t>不用再关心对象释放的时间</a:t>
+            </a:r>
+          </a:p>
+          <a:p>
+            <a:pPr>
+              <a:lnSpc>
+                <a:spcPct val="130000"/>
+              </a:lnSpc>
+              <a:buFont typeface="Wingdings" charset="2"/>
+              <a:buChar char="Ø"/>
+            </a:pPr>
+            <a:r>
+              <a:rPr lang="zh-CN" altLang="en-US" sz="2000" dirty="0"/>
+              <a:t>不用再关心什么时候调用</a:t>
+            </a:r>
+            <a:r>
+              <a:rPr lang="en-US" altLang="zh-CN" sz="2000" dirty="0"/>
+              <a:t>release</a:t>
+            </a:r>
+          </a:p>
+          <a:p>
+            <a:pPr>
+              <a:lnSpc>
+                <a:spcPct val="130000"/>
+              </a:lnSpc>
+              <a:buFont typeface="Wingdings" charset="2"/>
+              <a:buChar char="Ø"/>
+            </a:pPr>
+            <a:endParaRPr lang="en-US" altLang="zh-CN" sz="2000" dirty="0"/>
+          </a:p>
+          <a:p>
+            <a:pPr>
+              <a:lnSpc>
+                <a:spcPct val="130000"/>
+              </a:lnSpc>
+            </a:pPr>
+            <a:r>
+              <a:rPr lang="en-US" altLang="zh-CN" sz="2000" dirty="0" err="1"/>
+              <a:t>autorelease</a:t>
+            </a:r>
+            <a:r>
+              <a:rPr lang="zh-CN" altLang="en-US" sz="2000" dirty="0"/>
+              <a:t>的使用注意</a:t>
+            </a:r>
+            <a:endParaRPr lang="en-US" altLang="zh-CN" sz="2000" dirty="0"/>
+          </a:p>
+          <a:p>
+            <a:pPr>
+              <a:lnSpc>
+                <a:spcPct val="130000"/>
+              </a:lnSpc>
+              <a:buFont typeface="Wingdings" charset="2"/>
+              <a:buChar char="Ø"/>
+            </a:pPr>
+            <a:r>
+              <a:rPr lang="zh-CN" altLang="en-US" sz="2000" dirty="0"/>
+              <a:t>占用内存较大的对象不要随便使用</a:t>
+            </a:r>
+            <a:r>
+              <a:rPr lang="en-US" altLang="zh-CN" sz="2000" dirty="0" err="1"/>
+              <a:t>autorelease</a:t>
+            </a:r>
+            <a:endParaRPr lang="en-US" altLang="zh-CN" sz="2000" dirty="0"/>
+          </a:p>
+          <a:p>
+            <a:pPr>
+              <a:lnSpc>
+                <a:spcPct val="130000"/>
+              </a:lnSpc>
+              <a:buFont typeface="Wingdings" charset="2"/>
+              <a:buChar char="Ø"/>
+            </a:pPr>
+            <a:r>
+              <a:rPr lang="zh-CN" altLang="en-US" sz="2000" dirty="0"/>
+              <a:t>占用内存较小的对象使用</a:t>
+            </a:r>
+            <a:r>
+              <a:rPr lang="en-US" altLang="zh-CN" sz="2000" dirty="0" err="1"/>
+              <a:t>autorelease</a:t>
+            </a:r>
+            <a:r>
+              <a:rPr lang="zh-CN" altLang="en-US" sz="2000" dirty="0"/>
+              <a:t>，没有太大影响</a:t>
+            </a:r>
+            <a:endParaRPr lang="en-US" altLang="zh-CN" sz="2000" dirty="0"/>
+          </a:p>
+        </p:txBody>
+      </p:sp>
+    </p:spTree>
+    <p:extLst>
+      <p:ext uri="{BB962C8B-B14F-4D97-AF65-F5344CB8AC3E}">
+        <p14:creationId xmlns:p14="http://schemas.microsoft.com/office/powerpoint/2010/main" val="281090579"/>
+      </p:ext>
+    </p:extLst>
+  </p:cSld>
+  <p:clrMapOvr>
+    <a:masterClrMapping/>
+  </p:clrMapOvr>
+  <p:timing>
+    <p:tnLst>
+      <p:par>
+        <p:cTn xmlns:p14="http://schemas.microsoft.com/office/powerpoint/2010/main" id="1" dur="indefinite" restart="never" nodeType="tmRoot"/>
+      </p:par>
+    </p:tnLst>
+  </p:timing>
+</p:sld>
+</file>
+
+<file path=ppt/slides/slide13.xml><?xml version="1.0" encoding="utf-8"?>
+<p:sld xmlns:a="http://schemas.openxmlformats.org/drawingml/2006/main" xmlns:r="http://schemas.openxmlformats.org/officeDocument/2006/relationships" xmlns:p="http://schemas.openxmlformats.org/presentationml/2006/main">
+  <p:cSld>
+    <p:spTree>
+      <p:nvGrpSpPr>
+        <p:cNvPr id="1" name=""/>
+        <p:cNvGrpSpPr/>
+        <p:nvPr/>
+      </p:nvGrpSpPr>
+      <p:grpSpPr>
+        <a:xfrm>
+          <a:off x="0" y="0"/>
+          <a:ext cx="0" cy="0"/>
+          <a:chOff x="0" y="0"/>
+          <a:chExt cx="0" cy="0"/>
+        </a:xfrm>
+      </p:grpSpPr>
+      <p:sp>
+        <p:nvSpPr>
+          <p:cNvPr id="2" name="标题 1"/>
+          <p:cNvSpPr>
+            <a:spLocks noGrp="1"/>
+          </p:cNvSpPr>
+          <p:nvPr>
+            <p:ph type="title"/>
+          </p:nvPr>
+        </p:nvSpPr>
+        <p:spPr/>
+        <p:txBody>
+          <a:bodyPr/>
+          <a:lstStyle/>
+          <a:p>
+            <a:r>
+              <a:rPr kumimoji="1" lang="zh-CN" altLang="en-US" dirty="0"/>
+              <a:t>自动释放池</a:t>
+            </a:r>
+            <a:endParaRPr kumimoji="1" lang="zh-CN" altLang="en-US" dirty="0"/>
+          </a:p>
+        </p:txBody>
+      </p:sp>
+      <p:sp>
+        <p:nvSpPr>
+          <p:cNvPr id="3" name="幻灯片编号占位符 2"/>
+          <p:cNvSpPr>
+            <a:spLocks noGrp="1"/>
+          </p:cNvSpPr>
+          <p:nvPr>
+            <p:ph type="sldNum" sz="quarter" idx="4"/>
+          </p:nvPr>
+        </p:nvSpPr>
+        <p:spPr/>
+        <p:txBody>
+          <a:bodyPr/>
+          <a:lstStyle/>
+          <a:p>
+            <a:fld id="{BF10DB53-D7D3-4DB6-A29F-40217B92EC88}" type="slidenum">
+              <a:rPr lang="en-US" smtClean="0"/>
+              <a:pPr/>
+              <a:t>12</a:t>
+            </a:fld>
+            <a:endParaRPr lang="en-US" dirty="0"/>
+          </a:p>
+        </p:txBody>
+      </p:sp>
+      <p:sp>
+        <p:nvSpPr>
+          <p:cNvPr id="5" name="文本框 4"/>
+          <p:cNvSpPr txBox="1"/>
+          <p:nvPr/>
+        </p:nvSpPr>
+        <p:spPr>
+          <a:xfrm>
+            <a:off x="251520" y="1340768"/>
+            <a:ext cx="8568952" cy="4093428"/>
+          </a:xfrm>
+          <a:prstGeom prst="rect">
+            <a:avLst/>
+          </a:prstGeom>
+          <a:noFill/>
+        </p:spPr>
+        <p:txBody>
+          <a:bodyPr wrap="square" rtlCol="0">
+            <a:spAutoFit/>
+          </a:bodyPr>
+          <a:lstStyle/>
+          <a:p>
+            <a:r>
+              <a:rPr lang="zh-CN" altLang="en-US" sz="2000" dirty="0"/>
+              <a:t>在</a:t>
+            </a:r>
+            <a:r>
+              <a:rPr lang="en-US" altLang="zh-CN" sz="2000" dirty="0" err="1"/>
+              <a:t>iOS</a:t>
+            </a:r>
+            <a:r>
+              <a:rPr lang="zh-CN" altLang="en-US" sz="2000" dirty="0"/>
+              <a:t>程序运行过程中，会创建无数个池子。这些池子都是以栈结构存在（先进后出）</a:t>
+            </a:r>
+            <a:endParaRPr lang="en-US" altLang="zh-CN" sz="2000" dirty="0"/>
+          </a:p>
+          <a:p>
+            <a:endParaRPr lang="en-US" altLang="zh-CN" sz="2000" dirty="0"/>
+          </a:p>
+          <a:p>
+            <a:r>
+              <a:rPr lang="zh-CN" altLang="en-US" sz="2000" dirty="0"/>
+              <a:t>当一个对象调用</a:t>
+            </a:r>
+            <a:r>
+              <a:rPr lang="en-US" altLang="zh-CN" sz="2000" dirty="0" err="1"/>
+              <a:t>autorelease</a:t>
+            </a:r>
+            <a:r>
+              <a:rPr lang="zh-CN" altLang="en-US" sz="2000" dirty="0"/>
+              <a:t>方法时，会将这个对象放到栈顶的释放池</a:t>
+            </a:r>
+            <a:endParaRPr lang="en-US" altLang="zh-CN" sz="2000" dirty="0"/>
+          </a:p>
+          <a:p>
+            <a:endParaRPr lang="en-US" altLang="zh-CN" sz="2000" dirty="0"/>
+          </a:p>
+          <a:p>
+            <a:r>
+              <a:rPr lang="zh-CN" altLang="en-US" sz="2000" dirty="0"/>
+              <a:t>自动释放池的创建方式</a:t>
+            </a:r>
+            <a:endParaRPr lang="en-US" altLang="zh-CN" sz="2000" dirty="0"/>
+          </a:p>
+          <a:p>
+            <a:pPr>
+              <a:buFont typeface="Wingdings" charset="2"/>
+              <a:buChar char="Ø"/>
+            </a:pPr>
+            <a:r>
+              <a:rPr lang="zh-CN" altLang="en-US" sz="2000" dirty="0"/>
+              <a:t> </a:t>
+            </a:r>
+            <a:r>
+              <a:rPr lang="en-US" altLang="zh-CN" sz="2000" dirty="0" err="1"/>
+              <a:t>iOS</a:t>
+            </a:r>
+            <a:r>
+              <a:rPr lang="en-US" altLang="zh-CN" sz="2000" dirty="0"/>
+              <a:t> 5.0</a:t>
+            </a:r>
+            <a:r>
+              <a:rPr lang="zh-CN" altLang="en-US" sz="2000" dirty="0"/>
+              <a:t>前</a:t>
+            </a:r>
+          </a:p>
+          <a:p>
+            <a:pPr marL="0" indent="0">
+              <a:buNone/>
+            </a:pPr>
+            <a:r>
+              <a:rPr lang="en-US" altLang="zh-CN" sz="2000" dirty="0"/>
+              <a:t> </a:t>
+            </a:r>
+            <a:r>
+              <a:rPr lang="en-US" altLang="zh-CN" sz="2000" dirty="0" err="1">
+                <a:solidFill>
+                  <a:srgbClr val="5C2699"/>
+                </a:solidFill>
+                <a:latin typeface="Menlo-Regular"/>
+              </a:rPr>
+              <a:t>NSAutoreleasePool</a:t>
+            </a:r>
+            <a:r>
+              <a:rPr lang="en-US" altLang="zh-CN" sz="2000" dirty="0">
+                <a:solidFill>
+                  <a:srgbClr val="000000"/>
+                </a:solidFill>
+                <a:latin typeface="Menlo-Regular"/>
+              </a:rPr>
+              <a:t> *pool = [[</a:t>
+            </a:r>
+            <a:r>
+              <a:rPr lang="en-US" altLang="zh-CN" sz="2000" dirty="0" err="1">
+                <a:solidFill>
+                  <a:srgbClr val="5C2699"/>
+                </a:solidFill>
+                <a:latin typeface="Menlo-Regular"/>
+              </a:rPr>
+              <a:t>NSAutoreleasePool</a:t>
+            </a:r>
+            <a:r>
+              <a:rPr lang="en-US" altLang="zh-CN" sz="2000" dirty="0">
+                <a:solidFill>
+                  <a:srgbClr val="000000"/>
+                </a:solidFill>
+                <a:latin typeface="Menlo-Regular"/>
+              </a:rPr>
+              <a:t> </a:t>
+            </a:r>
+            <a:r>
+              <a:rPr lang="en-US" altLang="zh-CN" sz="2000" dirty="0" err="1">
+                <a:solidFill>
+                  <a:srgbClr val="2E0D6E"/>
+                </a:solidFill>
+                <a:latin typeface="Menlo-Regular"/>
+              </a:rPr>
+              <a:t>alloc</a:t>
+            </a:r>
+            <a:r>
+              <a:rPr lang="en-US" altLang="zh-CN" sz="2000" dirty="0">
+                <a:solidFill>
+                  <a:srgbClr val="000000"/>
+                </a:solidFill>
+                <a:latin typeface="Menlo-Regular"/>
+              </a:rPr>
+              <a:t>] </a:t>
+            </a:r>
+            <a:r>
+              <a:rPr lang="en-US" altLang="zh-CN" sz="2000" dirty="0" err="1">
+                <a:solidFill>
+                  <a:srgbClr val="2E0D6E"/>
+                </a:solidFill>
+                <a:latin typeface="Menlo-Regular"/>
+              </a:rPr>
+              <a:t>init</a:t>
+            </a:r>
+            <a:r>
+              <a:rPr lang="en-US" altLang="zh-CN" sz="2000" dirty="0">
+                <a:solidFill>
+                  <a:srgbClr val="000000"/>
+                </a:solidFill>
+                <a:latin typeface="Menlo-Regular"/>
+              </a:rPr>
+              <a:t>];</a:t>
+            </a:r>
+            <a:r>
+              <a:rPr lang="en-US" altLang="zh-CN" sz="2000" dirty="0"/>
+              <a:t> </a:t>
+            </a:r>
+            <a:r>
+              <a:rPr lang="en-US" altLang="zh-CN" sz="2000" dirty="0">
+                <a:solidFill>
+                  <a:srgbClr val="000000"/>
+                </a:solidFill>
+                <a:latin typeface="Menlo-Regular"/>
+              </a:rPr>
+              <a:t>[pool </a:t>
+            </a:r>
+            <a:r>
+              <a:rPr lang="en-US" altLang="zh-CN" sz="2000" dirty="0">
+                <a:solidFill>
+                  <a:srgbClr val="2E0D6E"/>
+                </a:solidFill>
+                <a:latin typeface="Menlo-Regular"/>
+              </a:rPr>
+              <a:t>release</a:t>
+            </a:r>
+            <a:r>
+              <a:rPr lang="en-US" altLang="zh-CN" sz="2000" dirty="0">
+                <a:solidFill>
+                  <a:srgbClr val="000000"/>
+                </a:solidFill>
+                <a:latin typeface="Menlo-Regular"/>
+              </a:rPr>
+              <a:t>]; </a:t>
+            </a:r>
+            <a:r>
+              <a:rPr lang="en-US" altLang="zh-CN" sz="2000" dirty="0">
+                <a:solidFill>
+                  <a:srgbClr val="007400"/>
+                </a:solidFill>
+                <a:latin typeface="Menlo-Regular"/>
+              </a:rPr>
+              <a:t>// [pool drain];</a:t>
+            </a:r>
+            <a:r>
+              <a:rPr lang="en-US" altLang="zh-CN" sz="2000" dirty="0"/>
+              <a:t> </a:t>
+            </a:r>
+          </a:p>
+          <a:p>
+            <a:pPr marL="0" indent="0">
+              <a:buNone/>
+            </a:pPr>
+            <a:endParaRPr lang="en-US" altLang="zh-CN" sz="2000" dirty="0"/>
+          </a:p>
+          <a:p>
+            <a:pPr>
+              <a:buFont typeface="Wingdings" charset="2"/>
+              <a:buChar char="Ø"/>
+            </a:pPr>
+            <a:r>
+              <a:rPr lang="en-US" altLang="zh-TW" sz="2000" dirty="0" err="1"/>
+              <a:t>iOS</a:t>
+            </a:r>
+            <a:r>
+              <a:rPr lang="en-US" altLang="zh-TW" sz="2000" dirty="0"/>
+              <a:t> 5.0 </a:t>
+            </a:r>
+            <a:r>
+              <a:rPr lang="zh-TW" altLang="en-US" sz="2000" dirty="0"/>
+              <a:t>开始</a:t>
+            </a:r>
+          </a:p>
+          <a:p>
+            <a:pPr marL="0" indent="0">
+              <a:buNone/>
+            </a:pPr>
+            <a:r>
+              <a:rPr lang="en-US" altLang="zh-CN" sz="2000" dirty="0">
+                <a:solidFill>
+                  <a:srgbClr val="AA0D91"/>
+                </a:solidFill>
+                <a:latin typeface="Menlo-Regular"/>
+              </a:rPr>
+              <a:t>@</a:t>
+            </a:r>
+            <a:r>
+              <a:rPr lang="en-US" altLang="zh-CN" sz="2000" dirty="0" err="1">
+                <a:solidFill>
+                  <a:srgbClr val="AA0D91"/>
+                </a:solidFill>
+                <a:latin typeface="Menlo-Regular"/>
+              </a:rPr>
+              <a:t>autoreleasepool</a:t>
+            </a:r>
+            <a:r>
+              <a:rPr lang="en-US" altLang="zh-CN" sz="2000" dirty="0"/>
+              <a:t> {  </a:t>
+            </a:r>
+          </a:p>
+          <a:p>
+            <a:pPr marL="0" indent="0">
+              <a:buNone/>
+            </a:pPr>
+            <a:r>
+              <a:rPr lang="en-US" altLang="zh-CN" sz="2000" dirty="0"/>
+              <a:t> }</a:t>
+            </a:r>
+            <a:endParaRPr lang="en-US" altLang="zh-CN" sz="2000" dirty="0"/>
+          </a:p>
+        </p:txBody>
+      </p:sp>
+    </p:spTree>
+    <p:extLst>
+      <p:ext uri="{BB962C8B-B14F-4D97-AF65-F5344CB8AC3E}">
+        <p14:creationId xmlns:p14="http://schemas.microsoft.com/office/powerpoint/2010/main" val="2134912640"/>
+      </p:ext>
+    </p:extLst>
+  </p:cSld>
+  <p:clrMapOvr>
+    <a:masterClrMapping/>
+  </p:clrMapOvr>
+  <p:timing>
+    <p:tnLst>
+      <p:par>
+        <p:cTn xmlns:p14="http://schemas.microsoft.com/office/powerpoint/2010/main" id="1" dur="indefinite" restart="never" nodeType="tmRoot"/>
+      </p:par>
+    </p:tnLst>
+  </p:timing>
+</p:sld>
+</file>
+
+<file path=ppt/slides/slide14.xml><?xml version="1.0" encoding="utf-8"?>
+<p:sld xmlns:a="http://schemas.openxmlformats.org/drawingml/2006/main" xmlns:r="http://schemas.openxmlformats.org/officeDocument/2006/relationships" xmlns:p="http://schemas.openxmlformats.org/presentationml/2006/main">
+  <p:cSld>
+    <p:spTree>
+      <p:nvGrpSpPr>
+        <p:cNvPr id="1" name=""/>
+        <p:cNvGrpSpPr/>
+        <p:nvPr/>
+      </p:nvGrpSpPr>
+      <p:grpSpPr>
+        <a:xfrm>
+          <a:off x="0" y="0"/>
+          <a:ext cx="0" cy="0"/>
+          <a:chOff x="0" y="0"/>
+          <a:chExt cx="0" cy="0"/>
+        </a:xfrm>
+      </p:grpSpPr>
+      <p:sp>
+        <p:nvSpPr>
+          <p:cNvPr id="2" name="标题 1"/>
+          <p:cNvSpPr>
+            <a:spLocks noGrp="1"/>
+          </p:cNvSpPr>
+          <p:nvPr>
+            <p:ph type="title"/>
+          </p:nvPr>
+        </p:nvSpPr>
+        <p:spPr/>
+        <p:txBody>
+          <a:bodyPr/>
+          <a:lstStyle/>
+          <a:p>
+            <a:r>
+              <a:rPr kumimoji="1" lang="en-US" altLang="zh-CN" dirty="0" err="1"/>
+              <a:t>autorelease</a:t>
+            </a:r>
+            <a:r>
+              <a:rPr kumimoji="1" lang="zh-CN" altLang="en-US" dirty="0"/>
+              <a:t>的应用场合</a:t>
+            </a:r>
+            <a:endParaRPr kumimoji="1" lang="zh-CN" altLang="en-US" dirty="0"/>
+          </a:p>
+        </p:txBody>
+      </p:sp>
+      <p:sp>
+        <p:nvSpPr>
+          <p:cNvPr id="3" name="幻灯片编号占位符 2"/>
+          <p:cNvSpPr>
+            <a:spLocks noGrp="1"/>
+          </p:cNvSpPr>
+          <p:nvPr>
+            <p:ph type="sldNum" sz="quarter" idx="4"/>
+          </p:nvPr>
+        </p:nvSpPr>
+        <p:spPr/>
+        <p:txBody>
+          <a:bodyPr/>
+          <a:lstStyle/>
+          <a:p>
+            <a:fld id="{BF10DB53-D7D3-4DB6-A29F-40217B92EC88}" type="slidenum">
+              <a:rPr lang="en-US" smtClean="0"/>
+              <a:pPr/>
+              <a:t>13</a:t>
+            </a:fld>
+            <a:endParaRPr lang="en-US" dirty="0"/>
+          </a:p>
+        </p:txBody>
+      </p:sp>
+      <p:sp>
+        <p:nvSpPr>
+          <p:cNvPr id="5" name="文本框 4"/>
+          <p:cNvSpPr txBox="1"/>
+          <p:nvPr/>
+        </p:nvSpPr>
+        <p:spPr>
+          <a:xfrm>
+            <a:off x="251520" y="1340768"/>
+            <a:ext cx="8568952" cy="4401205"/>
+          </a:xfrm>
+          <a:prstGeom prst="rect">
+            <a:avLst/>
+          </a:prstGeom>
+          <a:noFill/>
+        </p:spPr>
+        <p:txBody>
+          <a:bodyPr wrap="square" rtlCol="0">
+            <a:spAutoFit/>
+          </a:bodyPr>
+          <a:lstStyle/>
+          <a:p>
+            <a:r>
+              <a:rPr lang="zh-CN" altLang="zh-CN" sz="2000" dirty="0"/>
+              <a:t>一般可以为类添加一个快速创建对象的类方法</a:t>
+            </a:r>
+            <a:r>
+              <a:rPr lang="en-US" altLang="zh-CN" sz="2000" dirty="0"/>
+              <a:t> </a:t>
+            </a:r>
+          </a:p>
+          <a:p>
+            <a:pPr marL="0" indent="0">
+              <a:buNone/>
+              <a:tabLst>
+                <a:tab pos="549910" algn="l"/>
+              </a:tabLst>
+            </a:pPr>
+            <a:r>
+              <a:rPr lang="en-US" altLang="zh-CN" sz="2000" kern="0" dirty="0">
+                <a:solidFill>
+                  <a:srgbClr val="000000"/>
+                </a:solidFill>
+                <a:latin typeface="Menlo Regular"/>
+                <a:ea typeface="宋体"/>
+                <a:cs typeface="Times New Roman"/>
+              </a:rPr>
+              <a:t>+ (</a:t>
+            </a:r>
+            <a:r>
+              <a:rPr lang="en-US" altLang="zh-CN" sz="2000" kern="0" dirty="0">
+                <a:solidFill>
+                  <a:srgbClr val="760F50"/>
+                </a:solidFill>
+                <a:latin typeface="Menlo Regular"/>
+                <a:ea typeface="宋体"/>
+                <a:cs typeface="Times New Roman"/>
+              </a:rPr>
+              <a:t>id</a:t>
+            </a:r>
+            <a:r>
+              <a:rPr lang="en-US" altLang="zh-CN" sz="2000" kern="0" dirty="0">
+                <a:solidFill>
+                  <a:srgbClr val="000000"/>
+                </a:solidFill>
+                <a:latin typeface="Menlo Regular"/>
+                <a:ea typeface="宋体"/>
+                <a:cs typeface="Times New Roman"/>
+              </a:rPr>
+              <a:t>)book {</a:t>
+            </a:r>
+            <a:endParaRPr lang="en-US" altLang="zh-CN" sz="2000" kern="100" dirty="0">
+              <a:latin typeface="Cambria"/>
+              <a:ea typeface="宋体"/>
+              <a:cs typeface="Times New Roman"/>
+            </a:endParaRPr>
+          </a:p>
+          <a:p>
+            <a:pPr marL="0" indent="0">
+              <a:buNone/>
+              <a:tabLst>
+                <a:tab pos="549910" algn="l"/>
+              </a:tabLst>
+            </a:pPr>
+            <a:r>
+              <a:rPr lang="en-US" altLang="zh-CN" sz="2000" kern="0" dirty="0">
+                <a:solidFill>
+                  <a:srgbClr val="000000"/>
+                </a:solidFill>
+                <a:latin typeface="Menlo Regular"/>
+                <a:ea typeface="宋体"/>
+                <a:cs typeface="Times New Roman"/>
+              </a:rPr>
+              <a:t>    </a:t>
+            </a:r>
+            <a:r>
+              <a:rPr lang="en-US" altLang="zh-CN" sz="2000" kern="0" dirty="0">
+                <a:solidFill>
+                  <a:srgbClr val="760F50"/>
+                </a:solidFill>
+                <a:latin typeface="Menlo Regular"/>
+                <a:ea typeface="宋体"/>
+                <a:cs typeface="Times New Roman"/>
+              </a:rPr>
+              <a:t>return</a:t>
+            </a:r>
+            <a:r>
+              <a:rPr lang="en-US" altLang="zh-CN" sz="2000" kern="0" dirty="0">
+                <a:solidFill>
+                  <a:srgbClr val="000000"/>
+                </a:solidFill>
+                <a:latin typeface="Menlo Regular"/>
+                <a:ea typeface="宋体"/>
+                <a:cs typeface="Times New Roman"/>
+              </a:rPr>
+              <a:t> [[[</a:t>
+            </a:r>
+            <a:r>
+              <a:rPr lang="en-US" altLang="zh-CN" sz="2000" kern="0" dirty="0">
+                <a:solidFill>
+                  <a:srgbClr val="760F50"/>
+                </a:solidFill>
+                <a:latin typeface="Menlo Regular"/>
+                <a:ea typeface="宋体"/>
+                <a:cs typeface="Times New Roman"/>
+              </a:rPr>
+              <a:t>self</a:t>
+            </a:r>
+            <a:r>
+              <a:rPr lang="zh-CN" altLang="en-US" sz="2000" kern="0" dirty="0">
+                <a:solidFill>
+                  <a:srgbClr val="000000"/>
+                </a:solidFill>
+                <a:latin typeface="Menlo Regular"/>
+                <a:ea typeface="宋体"/>
+                <a:cs typeface="Times New Roman"/>
+              </a:rPr>
+              <a:t> </a:t>
+            </a:r>
+            <a:r>
+              <a:rPr lang="en-US" altLang="zh-CN" sz="2000" kern="0" dirty="0" err="1">
+                <a:solidFill>
+                  <a:srgbClr val="2E0D6E"/>
+                </a:solidFill>
+                <a:latin typeface="Menlo Regular"/>
+                <a:ea typeface="宋体"/>
+                <a:cs typeface="Times New Roman"/>
+              </a:rPr>
+              <a:t>alloc</a:t>
+            </a:r>
+            <a:r>
+              <a:rPr lang="en-US" altLang="zh-CN" sz="2000" kern="0" dirty="0">
+                <a:solidFill>
+                  <a:srgbClr val="000000"/>
+                </a:solidFill>
+                <a:latin typeface="Menlo Regular"/>
+                <a:ea typeface="宋体"/>
+                <a:cs typeface="Times New Roman"/>
+              </a:rPr>
+              <a:t>] </a:t>
+            </a:r>
+            <a:r>
+              <a:rPr lang="en-US" altLang="zh-CN" sz="2000" kern="0" dirty="0" err="1">
+                <a:solidFill>
+                  <a:srgbClr val="2E0D6E"/>
+                </a:solidFill>
+                <a:latin typeface="Menlo Regular"/>
+                <a:ea typeface="宋体"/>
+                <a:cs typeface="Times New Roman"/>
+              </a:rPr>
+              <a:t>init</a:t>
+            </a:r>
+            <a:r>
+              <a:rPr lang="en-US" altLang="zh-CN" sz="2000" kern="0" dirty="0">
+                <a:solidFill>
+                  <a:srgbClr val="000000"/>
+                </a:solidFill>
+                <a:latin typeface="Menlo Regular"/>
+                <a:ea typeface="宋体"/>
+                <a:cs typeface="Times New Roman"/>
+              </a:rPr>
+              <a:t>] </a:t>
+            </a:r>
+            <a:r>
+              <a:rPr lang="en-US" altLang="zh-CN" sz="2000" kern="0" dirty="0" err="1">
+                <a:solidFill>
+                  <a:srgbClr val="2E0D6E"/>
+                </a:solidFill>
+                <a:latin typeface="Menlo Regular"/>
+                <a:ea typeface="宋体"/>
+                <a:cs typeface="Times New Roman"/>
+              </a:rPr>
+              <a:t>autorelease</a:t>
+            </a:r>
+            <a:r>
+              <a:rPr lang="en-US" altLang="zh-CN" sz="2000" kern="0" dirty="0">
+                <a:solidFill>
+                  <a:srgbClr val="000000"/>
+                </a:solidFill>
+                <a:latin typeface="Menlo Regular"/>
+                <a:ea typeface="宋体"/>
+                <a:cs typeface="Times New Roman"/>
+              </a:rPr>
+              <a:t>];</a:t>
+            </a:r>
+            <a:endParaRPr lang="en-US" altLang="zh-CN" sz="2000" kern="100" dirty="0">
+              <a:latin typeface="Cambria"/>
+              <a:ea typeface="宋体"/>
+              <a:cs typeface="Times New Roman"/>
+            </a:endParaRPr>
+          </a:p>
+          <a:p>
+            <a:pPr marL="0" indent="0">
+              <a:buNone/>
+              <a:tabLst>
+                <a:tab pos="549910" algn="l"/>
+              </a:tabLst>
+            </a:pPr>
+            <a:r>
+              <a:rPr lang="en-US" altLang="zh-CN" sz="2000" kern="0" dirty="0">
+                <a:solidFill>
+                  <a:srgbClr val="000000"/>
+                </a:solidFill>
+                <a:latin typeface="Menlo Regular"/>
+                <a:ea typeface="宋体"/>
+                <a:cs typeface="Times New Roman"/>
+              </a:rPr>
+              <a:t>}</a:t>
+            </a:r>
+            <a:endParaRPr lang="en-US" altLang="zh-CN" sz="2000" kern="100" dirty="0">
+              <a:latin typeface="Cambria"/>
+              <a:ea typeface="宋体"/>
+              <a:cs typeface="Times New Roman"/>
+            </a:endParaRPr>
+          </a:p>
+          <a:p>
+            <a:pPr marL="0" indent="0">
+              <a:buNone/>
+            </a:pPr>
+            <a:r>
+              <a:rPr lang="zh-CN" altLang="zh-CN" sz="2000" dirty="0"/>
+              <a:t>外界调用</a:t>
+            </a:r>
+            <a:r>
+              <a:rPr lang="en-US" altLang="zh-CN" sz="2000" dirty="0"/>
+              <a:t>[</a:t>
+            </a:r>
+            <a:r>
+              <a:rPr lang="en-US" altLang="zh-CN" sz="2000" kern="0" dirty="0">
+                <a:solidFill>
+                  <a:schemeClr val="accent5">
+                    <a:lumMod val="75000"/>
+                  </a:schemeClr>
+                </a:solidFill>
+                <a:latin typeface="Menlo Regular"/>
+                <a:ea typeface="宋体"/>
+              </a:rPr>
+              <a:t>Book </a:t>
+            </a:r>
+            <a:r>
+              <a:rPr lang="en-US" altLang="zh-CN" sz="2000" dirty="0"/>
+              <a:t>book]</a:t>
+            </a:r>
+            <a:r>
+              <a:rPr lang="zh-CN" altLang="en-US" sz="2000" dirty="0"/>
+              <a:t>就可以获得和使用新建的</a:t>
+            </a:r>
+            <a:r>
+              <a:rPr lang="en-US" altLang="zh-CN" sz="2000" kern="0" dirty="0">
+                <a:solidFill>
+                  <a:srgbClr val="80B226"/>
+                </a:solidFill>
+                <a:latin typeface="Menlo Regular"/>
+                <a:ea typeface="宋体"/>
+              </a:rPr>
+              <a:t>Book</a:t>
+            </a:r>
+            <a:r>
+              <a:rPr lang="zh-CN" altLang="en-US" sz="2000" dirty="0"/>
+              <a:t>对象</a:t>
+            </a:r>
+            <a:r>
+              <a:rPr lang="zh-CN" altLang="zh-CN" sz="2000" dirty="0"/>
+              <a:t>，根本不用考虑在什么时候释放</a:t>
+            </a:r>
+            <a:r>
+              <a:rPr lang="en-US" altLang="zh-CN" sz="2000" kern="0" dirty="0">
+                <a:solidFill>
+                  <a:schemeClr val="accent5">
+                    <a:lumMod val="75000"/>
+                  </a:schemeClr>
+                </a:solidFill>
+                <a:latin typeface="Menlo Regular"/>
+                <a:ea typeface="宋体"/>
+              </a:rPr>
+              <a:t>Book</a:t>
+            </a:r>
+            <a:r>
+              <a:rPr lang="zh-CN" altLang="zh-CN" sz="2000" dirty="0"/>
+              <a:t>对象</a:t>
+            </a:r>
+            <a:endParaRPr lang="en-US" altLang="zh-CN" sz="2000" dirty="0"/>
+          </a:p>
+          <a:p>
+            <a:pPr marL="0" indent="0">
+              <a:buNone/>
+            </a:pPr>
+            <a:endParaRPr lang="en-US" altLang="zh-CN" sz="2000" dirty="0"/>
+          </a:p>
+          <a:p>
+            <a:pPr lvl="0"/>
+            <a:r>
+              <a:rPr lang="zh-CN" altLang="zh-CN" sz="2000" dirty="0"/>
+              <a:t>一般来说</a:t>
+            </a:r>
+            <a:r>
+              <a:rPr lang="en-US" altLang="zh-CN" sz="2000" dirty="0"/>
+              <a:t>,</a:t>
+            </a:r>
+            <a:r>
+              <a:rPr lang="zh-CN" altLang="zh-CN" sz="2000" dirty="0"/>
+              <a:t>除了</a:t>
+            </a:r>
+            <a:r>
+              <a:rPr lang="en-US" altLang="zh-CN" sz="2000" dirty="0" err="1"/>
+              <a:t>alloc</a:t>
+            </a:r>
+            <a:r>
+              <a:rPr lang="zh-CN" altLang="zh-CN" sz="2000" dirty="0"/>
+              <a:t>、</a:t>
+            </a:r>
+            <a:r>
+              <a:rPr lang="en-US" altLang="zh-CN" sz="2000" dirty="0"/>
+              <a:t>new</a:t>
+            </a:r>
+            <a:r>
+              <a:rPr lang="zh-CN" altLang="zh-CN" sz="2000" dirty="0"/>
+              <a:t>或</a:t>
+            </a:r>
+            <a:r>
+              <a:rPr lang="en-US" altLang="zh-CN" sz="2000" dirty="0"/>
+              <a:t>copy</a:t>
+            </a:r>
+            <a:r>
+              <a:rPr lang="zh-CN" altLang="zh-CN" sz="2000" dirty="0"/>
+              <a:t>之外的方法创建的对象都被声明了</a:t>
+            </a:r>
+            <a:r>
+              <a:rPr lang="en-US" altLang="zh-CN" sz="2000" dirty="0" err="1"/>
+              <a:t>autorelease</a:t>
+            </a:r>
+            <a:endParaRPr lang="en-US" altLang="zh-CN" sz="2000" dirty="0"/>
+          </a:p>
+          <a:p>
+            <a:pPr lvl="0"/>
+            <a:endParaRPr lang="en-US" altLang="zh-CN" sz="2000" dirty="0"/>
+          </a:p>
+          <a:p>
+            <a:pPr lvl="0"/>
+            <a:r>
+              <a:rPr lang="zh-CN" altLang="zh-CN" sz="2000" dirty="0"/>
+              <a:t>比如下面的对象都已经是</a:t>
+            </a:r>
+            <a:r>
+              <a:rPr lang="en-US" altLang="zh-CN" sz="2000" dirty="0" err="1"/>
+              <a:t>autorelease</a:t>
+            </a:r>
+            <a:r>
+              <a:rPr lang="zh-CN" altLang="zh-CN" sz="2000" dirty="0"/>
+              <a:t>的，不需要再</a:t>
+            </a:r>
+            <a:r>
+              <a:rPr lang="en-US" altLang="zh-CN" sz="2000" dirty="0"/>
+              <a:t>release</a:t>
+            </a:r>
+          </a:p>
+          <a:p>
+            <a:pPr marL="0" indent="0">
+              <a:buNone/>
+              <a:tabLst>
+                <a:tab pos="549910" algn="l"/>
+              </a:tabLst>
+            </a:pPr>
+            <a:r>
+              <a:rPr lang="en-US" altLang="zh-CN" sz="2000" kern="0" dirty="0" err="1">
+                <a:solidFill>
+                  <a:srgbClr val="5C2699"/>
+                </a:solidFill>
+                <a:latin typeface="Menlo Regular"/>
+                <a:ea typeface="宋体"/>
+                <a:cs typeface="Times New Roman"/>
+              </a:rPr>
+              <a:t>NSNumber</a:t>
+            </a:r>
+            <a:r>
+              <a:rPr lang="en-US" altLang="zh-CN" sz="2000" kern="0" dirty="0">
+                <a:solidFill>
+                  <a:srgbClr val="000000"/>
+                </a:solidFill>
+                <a:latin typeface="Menlo Regular"/>
+                <a:ea typeface="宋体"/>
+                <a:cs typeface="Times New Roman"/>
+              </a:rPr>
+              <a:t> *n = [</a:t>
+            </a:r>
+            <a:r>
+              <a:rPr lang="en-US" altLang="zh-CN" sz="2000" kern="0" dirty="0" err="1">
+                <a:solidFill>
+                  <a:srgbClr val="5C2699"/>
+                </a:solidFill>
+                <a:latin typeface="Menlo Regular"/>
+                <a:ea typeface="宋体"/>
+                <a:cs typeface="Times New Roman"/>
+              </a:rPr>
+              <a:t>NSNumber</a:t>
+            </a:r>
+            <a:r>
+              <a:rPr lang="en-US" altLang="zh-CN" sz="2000" kern="0" dirty="0">
+                <a:solidFill>
+                  <a:srgbClr val="000000"/>
+                </a:solidFill>
+                <a:latin typeface="Menlo Regular"/>
+                <a:ea typeface="宋体"/>
+                <a:cs typeface="Times New Roman"/>
+              </a:rPr>
+              <a:t> </a:t>
+            </a:r>
+            <a:r>
+              <a:rPr lang="en-US" altLang="zh-CN" sz="2000" kern="0" dirty="0">
+                <a:solidFill>
+                  <a:srgbClr val="2E0D6E"/>
+                </a:solidFill>
+                <a:latin typeface="Menlo Regular"/>
+                <a:ea typeface="宋体"/>
+                <a:cs typeface="Times New Roman"/>
+              </a:rPr>
+              <a:t>numberWithInt</a:t>
+            </a:r>
+            <a:r>
+              <a:rPr lang="en-US" altLang="zh-CN" sz="2000" kern="0" dirty="0">
+                <a:solidFill>
+                  <a:srgbClr val="000000"/>
+                </a:solidFill>
+                <a:latin typeface="Menlo Regular"/>
+                <a:ea typeface="宋体"/>
+                <a:cs typeface="Times New Roman"/>
+              </a:rPr>
+              <a:t>:</a:t>
+            </a:r>
+            <a:r>
+              <a:rPr lang="en-US" altLang="zh-CN" sz="2000" kern="0" dirty="0">
+                <a:solidFill>
+                  <a:srgbClr val="0000FF"/>
+                </a:solidFill>
+                <a:latin typeface="Menlo Regular"/>
+                <a:ea typeface="宋体"/>
+                <a:cs typeface="Times New Roman"/>
+              </a:rPr>
+              <a:t>100</a:t>
+            </a:r>
+            <a:r>
+              <a:rPr lang="en-US" altLang="zh-CN" sz="2000" kern="0" dirty="0">
+                <a:solidFill>
+                  <a:srgbClr val="000000"/>
+                </a:solidFill>
+                <a:latin typeface="Menlo Regular"/>
+                <a:ea typeface="宋体"/>
+                <a:cs typeface="Times New Roman"/>
+              </a:rPr>
+              <a:t>];</a:t>
+            </a:r>
+            <a:endParaRPr lang="en-US" altLang="zh-CN" sz="2000" kern="100" dirty="0">
+              <a:latin typeface="Cambria"/>
+              <a:ea typeface="宋体"/>
+              <a:cs typeface="Times New Roman"/>
+            </a:endParaRPr>
+          </a:p>
+          <a:p>
+            <a:pPr marL="0" indent="0">
+              <a:buNone/>
+              <a:tabLst>
+                <a:tab pos="549910" algn="l"/>
+              </a:tabLst>
+            </a:pPr>
+            <a:r>
+              <a:rPr lang="en-US" altLang="zh-CN" sz="2000" kern="0" dirty="0" err="1">
+                <a:solidFill>
+                  <a:srgbClr val="5C2699"/>
+                </a:solidFill>
+                <a:latin typeface="Menlo Regular"/>
+                <a:ea typeface="宋体"/>
+                <a:cs typeface="Times New Roman"/>
+              </a:rPr>
+              <a:t>NSString</a:t>
+            </a:r>
+            <a:r>
+              <a:rPr lang="en-US" altLang="zh-CN" sz="2000" kern="0" dirty="0">
+                <a:solidFill>
+                  <a:srgbClr val="000000"/>
+                </a:solidFill>
+                <a:latin typeface="Menlo Regular"/>
+                <a:ea typeface="宋体"/>
+                <a:cs typeface="Times New Roman"/>
+              </a:rPr>
+              <a:t> *s = [</a:t>
+            </a:r>
+            <a:r>
+              <a:rPr lang="en-US" altLang="zh-CN" sz="2000" kern="0" dirty="0" err="1">
+                <a:solidFill>
+                  <a:srgbClr val="5C2699"/>
+                </a:solidFill>
+                <a:latin typeface="Menlo Regular"/>
+                <a:ea typeface="宋体"/>
+                <a:cs typeface="Times New Roman"/>
+              </a:rPr>
+              <a:t>NSString</a:t>
+            </a:r>
+            <a:r>
+              <a:rPr lang="en-US" altLang="zh-CN" sz="2000" kern="0" dirty="0">
+                <a:solidFill>
+                  <a:srgbClr val="000000"/>
+                </a:solidFill>
+                <a:latin typeface="Menlo Regular"/>
+                <a:ea typeface="宋体"/>
+                <a:cs typeface="Times New Roman"/>
+              </a:rPr>
+              <a:t> </a:t>
+            </a:r>
+            <a:r>
+              <a:rPr lang="en-US" altLang="zh-CN" sz="2000" kern="0" dirty="0" err="1">
+                <a:solidFill>
+                  <a:srgbClr val="2E0D6E"/>
+                </a:solidFill>
+                <a:latin typeface="Menlo Regular"/>
+                <a:ea typeface="宋体"/>
+                <a:cs typeface="Times New Roman"/>
+              </a:rPr>
+              <a:t>stringWithFormat</a:t>
+            </a:r>
+            <a:r>
+              <a:rPr lang="en-US" altLang="zh-CN" sz="2000" kern="0" dirty="0">
+                <a:solidFill>
+                  <a:srgbClr val="000000"/>
+                </a:solidFill>
+                <a:latin typeface="Menlo Regular"/>
+                <a:ea typeface="宋体"/>
+                <a:cs typeface="Times New Roman"/>
+              </a:rPr>
+              <a:t>:</a:t>
+            </a:r>
+            <a:r>
+              <a:rPr lang="en-US" altLang="zh-CN" sz="2000" kern="0" dirty="0">
+                <a:solidFill>
+                  <a:srgbClr val="891315"/>
+                </a:solidFill>
+                <a:latin typeface="Menlo Regular"/>
+                <a:ea typeface="宋体"/>
+                <a:cs typeface="Times New Roman"/>
+              </a:rPr>
+              <a:t>@"jack"</a:t>
+            </a:r>
+            <a:r>
+              <a:rPr lang="en-US" altLang="zh-CN" sz="2000" kern="0" dirty="0">
+                <a:solidFill>
+                  <a:srgbClr val="000000"/>
+                </a:solidFill>
+                <a:latin typeface="Menlo Regular"/>
+                <a:ea typeface="宋体"/>
+                <a:cs typeface="Times New Roman"/>
+              </a:rPr>
+              <a:t>];</a:t>
+            </a:r>
+            <a:endParaRPr lang="en-US" altLang="zh-CN" sz="2000" kern="100" dirty="0">
+              <a:latin typeface="Cambria"/>
+              <a:ea typeface="宋体"/>
+              <a:cs typeface="Times New Roman"/>
+            </a:endParaRPr>
+          </a:p>
+          <a:p>
+            <a:pPr marL="0" indent="0" algn="just">
+              <a:spcAft>
+                <a:spcPts val="0"/>
+              </a:spcAft>
+              <a:buNone/>
+            </a:pPr>
+            <a:r>
+              <a:rPr lang="en-US" altLang="zh-CN" sz="2000" kern="0" dirty="0" err="1">
+                <a:solidFill>
+                  <a:srgbClr val="5C2699"/>
+                </a:solidFill>
+                <a:latin typeface="Menlo Regular"/>
+                <a:ea typeface="宋体"/>
+                <a:cs typeface="Times New Roman"/>
+              </a:rPr>
+              <a:t>NSString</a:t>
+            </a:r>
+            <a:r>
+              <a:rPr lang="en-US" altLang="zh-CN" sz="2000" kern="0" dirty="0">
+                <a:solidFill>
+                  <a:srgbClr val="000000"/>
+                </a:solidFill>
+                <a:latin typeface="Menlo Regular"/>
+                <a:ea typeface="宋体"/>
+                <a:cs typeface="Times New Roman"/>
+              </a:rPr>
+              <a:t> *s2 = </a:t>
+            </a:r>
+            <a:r>
+              <a:rPr lang="en-US" altLang="zh-CN" sz="2000" kern="0" dirty="0">
+                <a:solidFill>
+                  <a:srgbClr val="891315"/>
+                </a:solidFill>
+                <a:latin typeface="Menlo Regular"/>
+                <a:ea typeface="宋体"/>
+                <a:cs typeface="Times New Roman"/>
+              </a:rPr>
+              <a:t>@"rose"</a:t>
+            </a:r>
+            <a:r>
+              <a:rPr lang="en-US" altLang="zh-CN" sz="2000" kern="0" dirty="0">
+                <a:solidFill>
+                  <a:srgbClr val="000000"/>
+                </a:solidFill>
+                <a:latin typeface="Menlo Regular"/>
+                <a:ea typeface="宋体"/>
+                <a:cs typeface="Times New Roman"/>
+              </a:rPr>
+              <a:t>;</a:t>
+            </a:r>
+            <a:endParaRPr lang="en-US" altLang="zh-CN" sz="2000" kern="100" dirty="0">
+              <a:latin typeface="Cambria"/>
+              <a:ea typeface="宋体"/>
+              <a:cs typeface="Times New Roman"/>
+            </a:endParaRPr>
+          </a:p>
+        </p:txBody>
+      </p:sp>
+    </p:spTree>
+    <p:extLst>
+      <p:ext uri="{BB962C8B-B14F-4D97-AF65-F5344CB8AC3E}">
+        <p14:creationId xmlns:p14="http://schemas.microsoft.com/office/powerpoint/2010/main" val="1941997927"/>
+      </p:ext>
+    </p:extLst>
+  </p:cSld>
+  <p:clrMapOvr>
+    <a:masterClrMapping/>
+  </p:clrMapOvr>
+  <p:timing>
+    <p:tnLst>
+      <p:par>
+        <p:cTn xmlns:p14="http://schemas.microsoft.com/office/powerpoint/2010/main" id="1" dur="indefinite" restart="never" nodeType="tmRoot"/>
+      </p:par>
+    </p:tnLst>
+  </p:timing>
+</p:sld>
+</file>
+
+<file path=ppt/slides/slide2.xml><?xml version="1.0" encoding="utf-8"?>
+<p:sld xmlns:a="http://schemas.openxmlformats.org/drawingml/2006/main" xmlns:r="http://schemas.openxmlformats.org/officeDocument/2006/relationships" xmlns:p="http://schemas.openxmlformats.org/presentationml/2006/main">
+  <p:cSld>
+    <p:spTree>
+      <p:nvGrpSpPr>
+        <p:cNvPr id="1" name=""/>
+        <p:cNvGrpSpPr/>
+        <p:nvPr/>
+      </p:nvGrpSpPr>
+      <p:grpSpPr>
+        <a:xfrm>
+          <a:off x="0" y="0"/>
+          <a:ext cx="0" cy="0"/>
+          <a:chOff x="0" y="0"/>
+          <a:chExt cx="0" cy="0"/>
+        </a:xfrm>
+      </p:grpSpPr>
+      <p:sp>
+        <p:nvSpPr>
+          <p:cNvPr id="2" name="标题 1"/>
+          <p:cNvSpPr>
+            <a:spLocks noGrp="1"/>
+          </p:cNvSpPr>
+          <p:nvPr>
+            <p:ph type="title"/>
+          </p:nvPr>
+        </p:nvSpPr>
+        <p:spPr/>
+        <p:txBody>
+          <a:bodyPr/>
+          <a:lstStyle/>
+          <a:p>
+            <a:r>
+              <a:rPr kumimoji="1" lang="zh-CN" altLang="en-US" dirty="0"/>
+              <a:t>内存</a:t>
+            </a:r>
+            <a:endParaRPr kumimoji="1" lang="zh-CN" altLang="en-US" dirty="0"/>
+          </a:p>
+        </p:txBody>
+      </p:sp>
+      <p:sp>
+        <p:nvSpPr>
+          <p:cNvPr id="3" name="幻灯片编号占位符 2"/>
+          <p:cNvSpPr>
+            <a:spLocks noGrp="1"/>
+          </p:cNvSpPr>
+          <p:nvPr>
+            <p:ph type="sldNum" sz="quarter" idx="4"/>
+          </p:nvPr>
+        </p:nvSpPr>
+        <p:spPr/>
+        <p:txBody>
+          <a:bodyPr/>
+          <a:lstStyle/>
+          <a:p>
+            <a:fld id="{BF10DB53-D7D3-4DB6-A29F-40217B92EC88}" type="slidenum">
+              <a:rPr lang="en-US" smtClean="0"/>
+              <a:pPr/>
+              <a:t>1</a:t>
+            </a:fld>
+            <a:endParaRPr lang="en-US" dirty="0"/>
+          </a:p>
+        </p:txBody>
+      </p:sp>
+      <p:sp>
+        <p:nvSpPr>
+          <p:cNvPr id="5" name="文本框 4"/>
+          <p:cNvSpPr txBox="1"/>
+          <p:nvPr/>
+        </p:nvSpPr>
+        <p:spPr>
+          <a:xfrm>
+            <a:off x="251520" y="1412776"/>
+            <a:ext cx="8568952" cy="5262979"/>
+          </a:xfrm>
+          <a:prstGeom prst="rect">
+            <a:avLst/>
+          </a:prstGeom>
+          <a:noFill/>
+        </p:spPr>
+        <p:txBody>
+          <a:bodyPr wrap="square" rtlCol="0">
+            <a:spAutoFit/>
+          </a:bodyPr>
+          <a:lstStyle/>
+          <a:p>
+            <a:pPr marL="342900" indent="-342900">
+              <a:buFont typeface="Wingdings" charset="2"/>
+              <a:buChar char="l"/>
+            </a:pPr>
+            <a:r>
+              <a:rPr lang="zh-CN" altLang="zh-CN" sz="2400" dirty="0"/>
+              <a:t>移动设备的内存极其有限，每个</a:t>
+            </a:r>
+            <a:r>
+              <a:rPr lang="en-US" altLang="zh-CN" sz="2400" dirty="0"/>
+              <a:t>app</a:t>
+            </a:r>
+            <a:r>
+              <a:rPr lang="zh-CN" altLang="zh-CN" sz="2400" dirty="0"/>
+              <a:t>所能占用的内存是有限制的</a:t>
+            </a:r>
+            <a:r>
+              <a:rPr lang="en-US" altLang="zh-CN" sz="2400" dirty="0"/>
+              <a:t> </a:t>
+            </a:r>
+          </a:p>
+          <a:p>
+            <a:endParaRPr lang="en-US" altLang="zh-CN" sz="2400" dirty="0"/>
+          </a:p>
+          <a:p>
+            <a:pPr marL="342900" indent="-342900">
+              <a:buFont typeface="Wingdings" charset="2"/>
+              <a:buChar char="l"/>
+            </a:pPr>
+            <a:r>
+              <a:rPr kumimoji="1" lang="zh-CN" altLang="en-US" sz="2400" dirty="0"/>
+              <a:t>下列行为都会增加一个</a:t>
+            </a:r>
+            <a:r>
+              <a:rPr kumimoji="1" lang="en-US" altLang="zh-CN" sz="2400" dirty="0"/>
+              <a:t>app</a:t>
+            </a:r>
+            <a:r>
+              <a:rPr kumimoji="1" lang="zh-CN" altLang="en-US" sz="2400" dirty="0"/>
+              <a:t>的内存占用</a:t>
+            </a:r>
+            <a:endParaRPr kumimoji="1" lang="en-US" altLang="zh-CN" sz="2400" dirty="0"/>
+          </a:p>
+          <a:p>
+            <a:pPr>
+              <a:buFont typeface="Wingdings" charset="2"/>
+              <a:buChar char="Ø"/>
+            </a:pPr>
+            <a:r>
+              <a:rPr kumimoji="1" lang="zh-CN" altLang="en-US" sz="2400" dirty="0"/>
+              <a:t>创建一个</a:t>
+            </a:r>
+            <a:r>
+              <a:rPr kumimoji="1" lang="en-US" altLang="zh-CN" sz="2400" dirty="0"/>
+              <a:t>OC</a:t>
+            </a:r>
+            <a:r>
+              <a:rPr kumimoji="1" lang="zh-CN" altLang="en-US" sz="2400" dirty="0"/>
+              <a:t>对象</a:t>
+            </a:r>
+            <a:endParaRPr kumimoji="1" lang="en-US" altLang="zh-CN" sz="2400" dirty="0"/>
+          </a:p>
+          <a:p>
+            <a:pPr>
+              <a:buFont typeface="Wingdings" charset="2"/>
+              <a:buChar char="Ø"/>
+            </a:pPr>
+            <a:r>
+              <a:rPr kumimoji="1" lang="zh-CN" altLang="en-US" sz="2400" dirty="0"/>
+              <a:t>定义一个变量</a:t>
+            </a:r>
+            <a:endParaRPr kumimoji="1" lang="en-US" altLang="zh-CN" sz="2400" dirty="0"/>
+          </a:p>
+          <a:p>
+            <a:pPr>
+              <a:buFont typeface="Wingdings" charset="2"/>
+              <a:buChar char="Ø"/>
+            </a:pPr>
+            <a:r>
+              <a:rPr kumimoji="1" lang="zh-CN" altLang="en-US" sz="2400" dirty="0"/>
+              <a:t>调用一个函数或者方法</a:t>
+            </a:r>
+            <a:endParaRPr kumimoji="1" lang="en-US" altLang="zh-CN" sz="2400" dirty="0"/>
+          </a:p>
+          <a:p>
+            <a:endParaRPr kumimoji="1" lang="en-US" altLang="zh-CN" sz="2400" dirty="0"/>
+          </a:p>
+          <a:p>
+            <a:pPr marL="342900" indent="-342900">
+              <a:buFont typeface="Wingdings" charset="2"/>
+              <a:buChar char="l"/>
+            </a:pPr>
+            <a:r>
+              <a:rPr lang="zh-CN" altLang="zh-CN" sz="2400" dirty="0"/>
+              <a:t>当</a:t>
+            </a:r>
+            <a:r>
+              <a:rPr lang="en-US" altLang="zh-CN" sz="2400" dirty="0"/>
+              <a:t>app</a:t>
+            </a:r>
+            <a:r>
+              <a:rPr lang="zh-CN" altLang="zh-CN" sz="2400" dirty="0"/>
+              <a:t>所占用的内存较多时，系统会发出内存警告，这时得回收一些不需要再使用的内存空间。比如回收一些不需要使用的对象、变量等</a:t>
+            </a:r>
+            <a:endParaRPr lang="en-US" altLang="zh-CN" sz="2400" dirty="0"/>
+          </a:p>
+          <a:p>
+            <a:endParaRPr kumimoji="1" lang="en-US" altLang="zh-CN" sz="2400" dirty="0"/>
+          </a:p>
+          <a:p>
+            <a:pPr marL="342900" indent="-342900">
+              <a:buFont typeface="Wingdings" charset="2"/>
+              <a:buChar char="l"/>
+            </a:pPr>
+            <a:r>
+              <a:rPr kumimoji="1" lang="zh-CN" altLang="en-US" sz="2400" dirty="0"/>
+              <a:t>如果</a:t>
+            </a:r>
+            <a:r>
+              <a:rPr kumimoji="1" lang="en-US" altLang="zh-CN" sz="2400" dirty="0"/>
+              <a:t>app</a:t>
+            </a:r>
+            <a:r>
+              <a:rPr kumimoji="1" lang="zh-CN" altLang="en-US" sz="2400" dirty="0"/>
+              <a:t>占用内存过大</a:t>
+            </a:r>
+            <a:endParaRPr kumimoji="1" lang="en-US" altLang="zh-CN" sz="2400" dirty="0"/>
+          </a:p>
+          <a:p>
+            <a:pPr>
+              <a:buFont typeface="Wingdings" charset="2"/>
+              <a:buChar char="Ø"/>
+            </a:pPr>
+            <a:r>
+              <a:rPr kumimoji="1" lang="en-US" altLang="en-US" sz="2400" dirty="0" err="1"/>
+              <a:t>系统可能会强制关闭app</a:t>
+            </a:r>
+            <a:r>
+              <a:rPr kumimoji="1" lang="en-US" altLang="en-US" sz="2400" dirty="0"/>
+              <a:t>, 造成闪退现象,</a:t>
+            </a:r>
+            <a:r>
+              <a:rPr kumimoji="1" lang="zh-CN" altLang="en-US" sz="2400" dirty="0"/>
+              <a:t> 影响用户体验</a:t>
+            </a:r>
+            <a:endParaRPr kumimoji="1" lang="en-US" altLang="zh-CN" sz="2400" dirty="0"/>
+          </a:p>
+        </p:txBody>
+      </p:sp>
+    </p:spTree>
+    <p:extLst>
+      <p:ext uri="{BB962C8B-B14F-4D97-AF65-F5344CB8AC3E}">
+        <p14:creationId xmlns:p14="http://schemas.microsoft.com/office/powerpoint/2010/main" val="2393602853"/>
+      </p:ext>
+    </p:extLst>
+  </p:cSld>
+  <p:clrMapOvr>
+    <a:masterClrMapping/>
+  </p:clrMapOvr>
+  <p:timing>
+    <p:tnLst>
+      <p:par>
+        <p:cTn xmlns:p14="http://schemas.microsoft.com/office/powerpoint/2010/main" id="1" dur="indefinite" restart="never" nodeType="tmRoot"/>
+      </p:par>
+    </p:tnLst>
+  </p:timing>
+</p:sld>
+</file>
+
+<file path=ppt/slides/slide3.xml><?xml version="1.0" encoding="utf-8"?>
+<p:sld xmlns:a="http://schemas.openxmlformats.org/drawingml/2006/main" xmlns:r="http://schemas.openxmlformats.org/officeDocument/2006/relationships" xmlns:p="http://schemas.openxmlformats.org/presentationml/2006/main">
+  <p:cSld>
+    <p:spTree>
+      <p:nvGrpSpPr>
+        <p:cNvPr id="1" name=""/>
+        <p:cNvGrpSpPr/>
+        <p:nvPr/>
+      </p:nvGrpSpPr>
+      <p:grpSpPr>
+        <a:xfrm>
+          <a:off x="0" y="0"/>
+          <a:ext cx="0" cy="0"/>
+          <a:chOff x="0" y="0"/>
+          <a:chExt cx="0" cy="0"/>
+        </a:xfrm>
+      </p:grpSpPr>
+      <p:sp>
+        <p:nvSpPr>
+          <p:cNvPr id="2" name="标题 1"/>
+          <p:cNvSpPr>
+            <a:spLocks noGrp="1"/>
+          </p:cNvSpPr>
+          <p:nvPr>
+            <p:ph type="title"/>
+          </p:nvPr>
+        </p:nvSpPr>
+        <p:spPr/>
+        <p:txBody>
+          <a:bodyPr/>
+          <a:lstStyle/>
+          <a:p>
+            <a:r>
+              <a:rPr kumimoji="1" lang="zh-CN" altLang="en-US" dirty="0"/>
+              <a:t>内存管理</a:t>
+            </a:r>
+            <a:endParaRPr kumimoji="1" lang="zh-CN" altLang="en-US" dirty="0"/>
+          </a:p>
+        </p:txBody>
+      </p:sp>
+      <p:sp>
+        <p:nvSpPr>
+          <p:cNvPr id="3" name="幻灯片编号占位符 2"/>
+          <p:cNvSpPr>
+            <a:spLocks noGrp="1"/>
+          </p:cNvSpPr>
+          <p:nvPr>
+            <p:ph type="sldNum" sz="quarter" idx="4"/>
+          </p:nvPr>
+        </p:nvSpPr>
+        <p:spPr/>
+        <p:txBody>
+          <a:bodyPr/>
+          <a:lstStyle/>
+          <a:p>
+            <a:fld id="{BF10DB53-D7D3-4DB6-A29F-40217B92EC88}" type="slidenum">
+              <a:rPr lang="en-US" smtClean="0"/>
+              <a:pPr/>
+              <a:t>2</a:t>
+            </a:fld>
+            <a:endParaRPr lang="en-US" dirty="0"/>
+          </a:p>
+        </p:txBody>
+      </p:sp>
+      <p:sp>
+        <p:nvSpPr>
+          <p:cNvPr id="5" name="文本框 4"/>
+          <p:cNvSpPr txBox="1"/>
+          <p:nvPr/>
+        </p:nvSpPr>
+        <p:spPr>
+          <a:xfrm>
+            <a:off x="251520" y="1412776"/>
+            <a:ext cx="8568952" cy="4708981"/>
+          </a:xfrm>
+          <a:prstGeom prst="rect">
+            <a:avLst/>
+          </a:prstGeom>
+          <a:noFill/>
+        </p:spPr>
+        <p:txBody>
+          <a:bodyPr wrap="square" rtlCol="0">
+            <a:spAutoFit/>
+          </a:bodyPr>
+          <a:lstStyle/>
+          <a:p>
+            <a:r>
+              <a:rPr kumimoji="1" lang="zh-CN" altLang="en-US" sz="2000" dirty="0"/>
+              <a:t>如何回收那些不需要再使用的对象</a:t>
+            </a:r>
+            <a:r>
+              <a:rPr kumimoji="1" lang="en-US" altLang="zh-CN" sz="2000" dirty="0"/>
+              <a:t>?</a:t>
+            </a:r>
+          </a:p>
+          <a:p>
+            <a:pPr>
+              <a:buFont typeface="Wingdings" charset="2"/>
+              <a:buChar char="Ø"/>
+            </a:pPr>
+            <a:r>
+              <a:rPr kumimoji="1" lang="zh-CN" altLang="en-US" sz="2000" dirty="0"/>
+              <a:t>那就得学会</a:t>
+            </a:r>
+            <a:r>
+              <a:rPr kumimoji="1" lang="en-US" altLang="zh-CN" sz="2000" dirty="0"/>
+              <a:t>OC</a:t>
+            </a:r>
+            <a:r>
+              <a:rPr kumimoji="1" lang="zh-CN" altLang="en-US" sz="2000" dirty="0"/>
+              <a:t>的内存管理</a:t>
+            </a:r>
+            <a:endParaRPr kumimoji="1" lang="en-US" altLang="zh-CN" sz="2000" dirty="0"/>
+          </a:p>
+          <a:p>
+            <a:pPr>
+              <a:buFont typeface="Wingdings" charset="2"/>
+              <a:buChar char="Ø"/>
+            </a:pPr>
+            <a:endParaRPr kumimoji="1" lang="en-US" altLang="zh-CN" sz="2000" dirty="0"/>
+          </a:p>
+          <a:p>
+            <a:r>
+              <a:rPr kumimoji="1" lang="zh-CN" altLang="en-US" sz="2000" dirty="0"/>
+              <a:t>所谓内存管理</a:t>
+            </a:r>
+            <a:r>
+              <a:rPr kumimoji="1" lang="en-US" altLang="zh-CN" sz="2000" dirty="0"/>
+              <a:t>,</a:t>
+            </a:r>
+            <a:r>
+              <a:rPr kumimoji="1" lang="zh-CN" altLang="en-US" sz="2000" dirty="0"/>
+              <a:t> 就是对内存进行管理</a:t>
+            </a:r>
+            <a:r>
+              <a:rPr kumimoji="1" lang="en-US" altLang="zh-CN" sz="2000" dirty="0"/>
+              <a:t>,</a:t>
+            </a:r>
+            <a:r>
+              <a:rPr kumimoji="1" lang="zh-CN" altLang="en-US" sz="2000" dirty="0"/>
+              <a:t> 涉及的操作有</a:t>
+            </a:r>
+            <a:r>
+              <a:rPr kumimoji="1" lang="en-US" altLang="zh-CN" sz="2000" dirty="0"/>
+              <a:t>:</a:t>
+            </a:r>
+          </a:p>
+          <a:p>
+            <a:pPr>
+              <a:buFont typeface="Wingdings" charset="2"/>
+              <a:buChar char="Ø"/>
+            </a:pPr>
+            <a:r>
+              <a:rPr kumimoji="1" lang="zh-CN" altLang="en-US" sz="2000" dirty="0"/>
+              <a:t>分配内存 </a:t>
+            </a:r>
+            <a:r>
+              <a:rPr kumimoji="1" lang="en-US" altLang="zh-CN" sz="2000" dirty="0"/>
+              <a:t>:</a:t>
+            </a:r>
+            <a:r>
+              <a:rPr kumimoji="1" lang="zh-CN" altLang="en-US" sz="2000" dirty="0"/>
+              <a:t> 比如创建一个对象</a:t>
+            </a:r>
+            <a:r>
+              <a:rPr kumimoji="1" lang="en-US" altLang="zh-CN" sz="2000" dirty="0"/>
+              <a:t>,</a:t>
+            </a:r>
+            <a:r>
+              <a:rPr kumimoji="1" lang="zh-CN" altLang="en-US" sz="2000" dirty="0"/>
+              <a:t> 会增加内存占用</a:t>
+            </a:r>
+            <a:endParaRPr kumimoji="1" lang="en-US" altLang="zh-CN" sz="2000" dirty="0"/>
+          </a:p>
+          <a:p>
+            <a:pPr>
+              <a:buFont typeface="Wingdings" charset="2"/>
+              <a:buChar char="Ø"/>
+            </a:pPr>
+            <a:r>
+              <a:rPr kumimoji="1" lang="zh-CN" altLang="en-US" sz="2000" dirty="0"/>
+              <a:t>清除内存 </a:t>
+            </a:r>
+            <a:r>
+              <a:rPr kumimoji="1" lang="en-US" altLang="zh-CN" sz="2000" dirty="0"/>
+              <a:t>:</a:t>
+            </a:r>
+            <a:r>
+              <a:rPr kumimoji="1" lang="zh-CN" altLang="en-US" sz="2000" dirty="0"/>
+              <a:t> 比如销毁一个对象</a:t>
+            </a:r>
+            <a:r>
+              <a:rPr kumimoji="1" lang="en-US" altLang="zh-CN" sz="2000" dirty="0"/>
+              <a:t>,</a:t>
+            </a:r>
+            <a:r>
+              <a:rPr kumimoji="1" lang="zh-CN" altLang="en-US" sz="2000" dirty="0"/>
+              <a:t> 能减小内存占用</a:t>
+            </a:r>
+            <a:endParaRPr kumimoji="1" lang="en-US" altLang="zh-CN" sz="2000" dirty="0"/>
+          </a:p>
+          <a:p>
+            <a:pPr>
+              <a:buFont typeface="Wingdings" charset="2"/>
+              <a:buChar char="Ø"/>
+            </a:pPr>
+            <a:endParaRPr kumimoji="1" lang="en-US" altLang="zh-CN" sz="2000" dirty="0"/>
+          </a:p>
+          <a:p>
+            <a:r>
+              <a:rPr kumimoji="1" lang="zh-CN" altLang="en-US" sz="2000" dirty="0"/>
+              <a:t>内存管理的管理范围</a:t>
+            </a:r>
+            <a:endParaRPr kumimoji="1" lang="en-US" altLang="zh-CN" sz="2000" dirty="0"/>
+          </a:p>
+          <a:p>
+            <a:pPr>
+              <a:buFont typeface="Wingdings" charset="2"/>
+              <a:buChar char="Ø"/>
+            </a:pPr>
+            <a:r>
+              <a:rPr lang="zh-CN" altLang="zh-CN" sz="2000" dirty="0"/>
+              <a:t>任何继承了</a:t>
+            </a:r>
+            <a:r>
+              <a:rPr lang="en-US" altLang="zh-CN" sz="2000" dirty="0" err="1">
+                <a:solidFill>
+                  <a:srgbClr val="5C2699"/>
+                </a:solidFill>
+                <a:latin typeface="Menlo-Regular"/>
+              </a:rPr>
+              <a:t>NSObject</a:t>
+            </a:r>
+            <a:r>
+              <a:rPr lang="zh-CN" altLang="zh-CN" sz="2000" dirty="0"/>
+              <a:t>的对象</a:t>
+            </a:r>
+            <a:endParaRPr lang="en-US" altLang="zh-CN" sz="2000" dirty="0"/>
+          </a:p>
+          <a:p>
+            <a:pPr>
+              <a:buFont typeface="Wingdings" charset="2"/>
+              <a:buChar char="Ø"/>
+            </a:pPr>
+            <a:r>
+              <a:rPr lang="zh-CN" altLang="zh-CN" sz="2000" dirty="0"/>
+              <a:t>对其他</a:t>
+            </a:r>
+            <a:r>
+              <a:rPr lang="zh-CN" altLang="en-US" sz="2000" dirty="0"/>
+              <a:t>非对象</a:t>
+            </a:r>
+            <a:r>
+              <a:rPr lang="zh-CN" altLang="zh-CN" sz="2000" dirty="0"/>
+              <a:t>类型</a:t>
+            </a:r>
+            <a:r>
+              <a:rPr lang="zh-CN" altLang="en-US" sz="2000" dirty="0"/>
+              <a:t>无效</a:t>
+            </a:r>
+            <a:r>
+              <a:rPr lang="en-US" altLang="zh-CN" sz="2000" dirty="0"/>
+              <a:t>(</a:t>
+            </a:r>
+            <a:r>
+              <a:rPr lang="en-US" altLang="zh-CN" sz="2000" dirty="0" err="1">
+                <a:solidFill>
+                  <a:srgbClr val="AA0D91"/>
+                </a:solidFill>
+                <a:latin typeface="Menlo-Regular"/>
+              </a:rPr>
+              <a:t>int</a:t>
+            </a:r>
+            <a:r>
+              <a:rPr lang="zh-CN" altLang="zh-CN" sz="2000" dirty="0"/>
+              <a:t>、</a:t>
+            </a:r>
+            <a:r>
+              <a:rPr lang="en-US" altLang="zh-CN" sz="2000" dirty="0">
+                <a:solidFill>
+                  <a:srgbClr val="AA0D91"/>
+                </a:solidFill>
+                <a:latin typeface="Menlo-Regular"/>
+              </a:rPr>
+              <a:t>char</a:t>
+            </a:r>
+            <a:r>
+              <a:rPr lang="zh-CN" altLang="zh-CN" sz="2000" dirty="0"/>
+              <a:t>、</a:t>
+            </a:r>
+            <a:r>
+              <a:rPr lang="en-US" altLang="zh-CN" sz="2000" dirty="0">
+                <a:solidFill>
+                  <a:srgbClr val="AA0D91"/>
+                </a:solidFill>
+                <a:latin typeface="Menlo-Regular"/>
+              </a:rPr>
+              <a:t>float</a:t>
+            </a:r>
+            <a:r>
+              <a:rPr lang="zh-CN" altLang="zh-CN" sz="2000" dirty="0"/>
+              <a:t>、</a:t>
+            </a:r>
+            <a:r>
+              <a:rPr lang="en-US" altLang="zh-CN" sz="2000" dirty="0">
+                <a:solidFill>
+                  <a:srgbClr val="AA0D91"/>
+                </a:solidFill>
+                <a:latin typeface="Menlo-Regular"/>
+              </a:rPr>
+              <a:t>double</a:t>
+            </a:r>
+            <a:r>
+              <a:rPr lang="zh-CN" altLang="zh-CN" sz="2000" dirty="0"/>
+              <a:t>、</a:t>
+            </a:r>
+            <a:r>
+              <a:rPr lang="en-US" altLang="zh-CN" sz="2000" dirty="0" err="1">
+                <a:solidFill>
+                  <a:srgbClr val="AA0D91"/>
+                </a:solidFill>
+                <a:latin typeface="Menlo-Regular"/>
+              </a:rPr>
+              <a:t>struct</a:t>
+            </a:r>
+            <a:r>
+              <a:rPr lang="zh-CN" altLang="zh-CN" sz="2000" dirty="0"/>
+              <a:t>、</a:t>
+            </a:r>
+            <a:r>
+              <a:rPr lang="en-US" altLang="zh-CN" sz="2000" dirty="0" err="1">
+                <a:solidFill>
+                  <a:srgbClr val="AA0D91"/>
+                </a:solidFill>
+                <a:latin typeface="Menlo-Regular"/>
+              </a:rPr>
+              <a:t>enum</a:t>
+            </a:r>
+            <a:r>
+              <a:rPr lang="zh-CN" altLang="zh-CN" sz="2000" dirty="0"/>
+              <a:t>等</a:t>
+            </a:r>
+            <a:r>
+              <a:rPr lang="en-US" altLang="zh-CN" sz="2000" dirty="0"/>
+              <a:t> )</a:t>
+            </a:r>
+          </a:p>
+          <a:p>
+            <a:pPr>
+              <a:buFont typeface="Wingdings" charset="2"/>
+              <a:buChar char="Ø"/>
+            </a:pPr>
+            <a:endParaRPr lang="en-US" altLang="zh-CN" sz="2000" dirty="0"/>
+          </a:p>
+          <a:p>
+            <a:r>
+              <a:rPr lang="zh-CN" altLang="en-US" sz="2000" dirty="0"/>
+              <a:t>只有</a:t>
+            </a:r>
+            <a:r>
+              <a:rPr lang="en-US" altLang="zh-CN" sz="2000" dirty="0"/>
+              <a:t>OC</a:t>
+            </a:r>
+            <a:r>
+              <a:rPr lang="zh-CN" altLang="en-US" sz="2000" dirty="0"/>
+              <a:t>对象才需要进行内存管理的本质原因</a:t>
+            </a:r>
+            <a:endParaRPr lang="en-US" altLang="zh-CN" sz="2000" dirty="0"/>
+          </a:p>
+          <a:p>
+            <a:pPr>
+              <a:buFont typeface="Wingdings" charset="2"/>
+              <a:buChar char="Ø"/>
+            </a:pPr>
+            <a:r>
+              <a:rPr lang="en-US" altLang="zh-CN" sz="2000" dirty="0"/>
+              <a:t>OC</a:t>
+            </a:r>
+            <a:r>
+              <a:rPr lang="zh-CN" altLang="en-US" sz="2000" dirty="0"/>
+              <a:t>对象存放于堆里面</a:t>
+            </a:r>
+            <a:endParaRPr lang="en-US" altLang="zh-CN" sz="2000" dirty="0"/>
+          </a:p>
+          <a:p>
+            <a:pPr>
+              <a:buFont typeface="Wingdings" charset="2"/>
+              <a:buChar char="Ø"/>
+            </a:pPr>
+            <a:r>
+              <a:rPr lang="zh-CN" altLang="en-US" sz="2000" dirty="0"/>
+              <a:t>非</a:t>
+            </a:r>
+            <a:r>
+              <a:rPr lang="en-US" altLang="zh-CN" sz="2000" dirty="0"/>
+              <a:t>OC</a:t>
+            </a:r>
+            <a:r>
+              <a:rPr lang="zh-CN" altLang="en-US" sz="2000" dirty="0"/>
+              <a:t>对象一般放在栈里面</a:t>
+            </a:r>
+            <a:r>
+              <a:rPr lang="en-US" altLang="zh-CN" sz="2000" dirty="0"/>
+              <a:t>(</a:t>
+            </a:r>
+            <a:r>
+              <a:rPr lang="zh-CN" altLang="en-US" sz="2000" dirty="0"/>
+              <a:t>栈内存会被系统自动回收</a:t>
+            </a:r>
+            <a:r>
+              <a:rPr lang="en-US" altLang="zh-CN" sz="2000" dirty="0"/>
+              <a:t>)</a:t>
+            </a:r>
+          </a:p>
+        </p:txBody>
+      </p:sp>
+    </p:spTree>
+    <p:extLst>
+      <p:ext uri="{BB962C8B-B14F-4D97-AF65-F5344CB8AC3E}">
+        <p14:creationId xmlns:p14="http://schemas.microsoft.com/office/powerpoint/2010/main" val="213126015"/>
+      </p:ext>
+    </p:extLst>
+  </p:cSld>
+  <p:clrMapOvr>
+    <a:masterClrMapping/>
+  </p:clrMapOvr>
+  <p:timing>
+    <p:tnLst>
+      <p:par>
+        <p:cTn xmlns:p14="http://schemas.microsoft.com/office/powerpoint/2010/main" id="1" dur="indefinite" restart="never" nodeType="tmRoot"/>
+      </p:par>
+    </p:tnLst>
+  </p:timing>
+</p:sld>
+</file>
+
+<file path=ppt/slides/slide4.xml><?xml version="1.0" encoding="utf-8"?>
+<p:sld xmlns:a="http://schemas.openxmlformats.org/drawingml/2006/main" xmlns:r="http://schemas.openxmlformats.org/officeDocument/2006/relationships" xmlns:p="http://schemas.openxmlformats.org/presentationml/2006/main">
+  <p:cSld>
+    <p:spTree>
+      <p:nvGrpSpPr>
+        <p:cNvPr id="1" name=""/>
+        <p:cNvGrpSpPr/>
+        <p:nvPr/>
+      </p:nvGrpSpPr>
+      <p:grpSpPr>
+        <a:xfrm>
+          <a:off x="0" y="0"/>
+          <a:ext cx="0" cy="0"/>
+          <a:chOff x="0" y="0"/>
+          <a:chExt cx="0" cy="0"/>
+        </a:xfrm>
+      </p:grpSpPr>
+      <p:sp>
+        <p:nvSpPr>
+          <p:cNvPr id="2" name="标题 1"/>
+          <p:cNvSpPr>
+            <a:spLocks noGrp="1"/>
+          </p:cNvSpPr>
+          <p:nvPr>
+            <p:ph type="title"/>
+          </p:nvPr>
+        </p:nvSpPr>
+        <p:spPr/>
+        <p:txBody>
+          <a:bodyPr/>
+          <a:lstStyle/>
+          <a:p>
+            <a:r>
+              <a:rPr kumimoji="1" lang="zh-CN" altLang="en-US" dirty="0"/>
+              <a:t>堆和栈</a:t>
+            </a:r>
+            <a:endParaRPr kumimoji="1" lang="zh-CN" altLang="en-US" dirty="0"/>
+          </a:p>
+        </p:txBody>
+      </p:sp>
+      <p:sp>
+        <p:nvSpPr>
+          <p:cNvPr id="3" name="幻灯片编号占位符 2"/>
+          <p:cNvSpPr>
+            <a:spLocks noGrp="1"/>
+          </p:cNvSpPr>
+          <p:nvPr>
+            <p:ph type="sldNum" sz="quarter" idx="4"/>
+          </p:nvPr>
+        </p:nvSpPr>
+        <p:spPr/>
+        <p:txBody>
+          <a:bodyPr/>
+          <a:lstStyle/>
+          <a:p>
+            <a:fld id="{BF10DB53-D7D3-4DB6-A29F-40217B92EC88}" type="slidenum">
+              <a:rPr lang="en-US" smtClean="0"/>
+              <a:pPr/>
+              <a:t>3</a:t>
+            </a:fld>
+            <a:endParaRPr lang="en-US" dirty="0"/>
+          </a:p>
+        </p:txBody>
+      </p:sp>
+      <p:sp>
+        <p:nvSpPr>
+          <p:cNvPr id="7" name="矩形 6"/>
+          <p:cNvSpPr/>
+          <p:nvPr/>
+        </p:nvSpPr>
+        <p:spPr>
+          <a:xfrm>
+            <a:off x="630303" y="1507478"/>
+            <a:ext cx="6803330" cy="4664865"/>
+          </a:xfrm>
+          <a:prstGeom prst="rect">
+            <a:avLst/>
+          </a:prstGeom>
+          <a:solidFill>
+            <a:srgbClr val="3A7DCE"/>
+          </a:solidFill>
+        </p:spPr>
+        <p:style>
+          <a:lnRef idx="1">
+            <a:schemeClr val="accent1"/>
+          </a:lnRef>
+          <a:fillRef idx="3">
+            <a:schemeClr val="accent1"/>
+          </a:fillRef>
+          <a:effectRef idx="2">
+            <a:schemeClr val="accent1"/>
+          </a:effectRef>
+          <a:fontRef idx="minor">
+            <a:schemeClr val="lt1"/>
+          </a:fontRef>
+        </p:style>
+        <p:txBody>
+          <a:bodyPr rtlCol="0" anchor="ctr"/>
+          <a:lstStyle/>
+          <a:p>
+            <a:pPr algn="ctr"/>
+            <a:r>
+              <a:rPr kumimoji="1" lang="zh-CN" altLang="en-US" dirty="0" smtClean="0"/>
+              <a:t>内存</a:t>
+            </a:r>
+            <a:endParaRPr kumimoji="1" lang="zh-CN" altLang="en-US" dirty="0"/>
+          </a:p>
+        </p:txBody>
+      </p:sp>
+      <p:sp>
+        <p:nvSpPr>
+          <p:cNvPr id="8" name="矩形 7"/>
+          <p:cNvSpPr/>
+          <p:nvPr/>
+        </p:nvSpPr>
+        <p:spPr>
+          <a:xfrm>
+            <a:off x="811725" y="2168333"/>
+            <a:ext cx="2513992" cy="3278364"/>
+          </a:xfrm>
+          <a:prstGeom prst="rect">
+            <a:avLst/>
+          </a:prstGeom>
+          <a:solidFill>
+            <a:srgbClr val="3A7DCE"/>
+          </a:solidFill>
+        </p:spPr>
+        <p:style>
+          <a:lnRef idx="1">
+            <a:schemeClr val="accent1"/>
+          </a:lnRef>
+          <a:fillRef idx="3">
+            <a:schemeClr val="accent1"/>
+          </a:fillRef>
+          <a:effectRef idx="2">
+            <a:schemeClr val="accent1"/>
+          </a:effectRef>
+          <a:fontRef idx="minor">
+            <a:schemeClr val="lt1"/>
+          </a:fontRef>
+        </p:style>
+        <p:txBody>
+          <a:bodyPr rtlCol="0" anchor="ctr"/>
+          <a:lstStyle/>
+          <a:p>
+            <a:pPr algn="ctr"/>
+            <a:r>
+              <a:rPr kumimoji="1" lang="zh-CN" altLang="en-US" dirty="0" smtClean="0"/>
+              <a:t>栈内存</a:t>
+            </a:r>
+            <a:endParaRPr kumimoji="1" lang="en-US" altLang="zh-CN" dirty="0" smtClean="0"/>
+          </a:p>
+          <a:p>
+            <a:pPr algn="ctr"/>
+            <a:r>
+              <a:rPr kumimoji="1" lang="zh-CN" altLang="zh-CN" dirty="0" smtClean="0"/>
+              <a:t>（</a:t>
+            </a:r>
+            <a:r>
+              <a:rPr kumimoji="1" lang="zh-CN" altLang="en-US" dirty="0" smtClean="0"/>
+              <a:t>非</a:t>
+            </a:r>
+            <a:r>
+              <a:rPr kumimoji="1" lang="en-US" altLang="zh-CN" dirty="0" smtClean="0"/>
+              <a:t>OC</a:t>
+            </a:r>
+            <a:r>
+              <a:rPr kumimoji="1" lang="zh-CN" altLang="en-US" dirty="0" smtClean="0"/>
+              <a:t>对象）</a:t>
+            </a:r>
+            <a:endParaRPr kumimoji="1" lang="zh-CN" altLang="en-US" dirty="0"/>
+          </a:p>
+        </p:txBody>
+      </p:sp>
+      <p:sp>
+        <p:nvSpPr>
+          <p:cNvPr id="9" name="矩形 8"/>
+          <p:cNvSpPr/>
+          <p:nvPr/>
+        </p:nvSpPr>
+        <p:spPr>
+          <a:xfrm>
+            <a:off x="4540733" y="2320733"/>
+            <a:ext cx="2513992" cy="3278364"/>
+          </a:xfrm>
+          <a:prstGeom prst="rect">
+            <a:avLst/>
+          </a:prstGeom>
+          <a:solidFill>
+            <a:srgbClr val="3A7DCE"/>
+          </a:solidFill>
+        </p:spPr>
+        <p:style>
+          <a:lnRef idx="1">
+            <a:schemeClr val="accent1"/>
+          </a:lnRef>
+          <a:fillRef idx="3">
+            <a:schemeClr val="accent1"/>
+          </a:fillRef>
+          <a:effectRef idx="2">
+            <a:schemeClr val="accent1"/>
+          </a:effectRef>
+          <a:fontRef idx="minor">
+            <a:schemeClr val="lt1"/>
+          </a:fontRef>
+        </p:style>
+        <p:txBody>
+          <a:bodyPr rtlCol="0" anchor="ctr"/>
+          <a:lstStyle/>
+          <a:p>
+            <a:pPr algn="ctr"/>
+            <a:r>
+              <a:rPr kumimoji="1" lang="zh-CN" altLang="en-US" dirty="0" smtClean="0"/>
+              <a:t>堆内存</a:t>
+            </a:r>
+            <a:endParaRPr kumimoji="1" lang="en-US" altLang="zh-CN" dirty="0" smtClean="0"/>
+          </a:p>
+          <a:p>
+            <a:pPr algn="ctr"/>
+            <a:r>
+              <a:rPr kumimoji="1" lang="zh-CN" altLang="zh-CN" dirty="0" smtClean="0"/>
+              <a:t>（</a:t>
+            </a:r>
+            <a:r>
+              <a:rPr kumimoji="1" lang="en-US" altLang="zh-CN" dirty="0" smtClean="0"/>
+              <a:t>OC</a:t>
+            </a:r>
+            <a:r>
+              <a:rPr kumimoji="1" lang="zh-CN" altLang="en-US" dirty="0" smtClean="0"/>
+              <a:t>对象）</a:t>
+            </a:r>
+            <a:endParaRPr kumimoji="1" lang="zh-CN" altLang="en-US" dirty="0"/>
+          </a:p>
+        </p:txBody>
+      </p:sp>
+      <p:sp>
+        <p:nvSpPr>
+          <p:cNvPr id="10" name="矩形 9"/>
+          <p:cNvSpPr/>
+          <p:nvPr/>
+        </p:nvSpPr>
+        <p:spPr>
+          <a:xfrm>
+            <a:off x="1136316" y="2320733"/>
+            <a:ext cx="1911684" cy="464487"/>
+          </a:xfrm>
+          <a:prstGeom prst="rect">
+            <a:avLst/>
+          </a:prstGeom>
+          <a:solidFill>
+            <a:srgbClr val="3A7DCE"/>
+          </a:solidFill>
+        </p:spPr>
+        <p:style>
+          <a:lnRef idx="1">
+            <a:schemeClr val="accent1"/>
+          </a:lnRef>
+          <a:fillRef idx="3">
+            <a:schemeClr val="accent1"/>
+          </a:fillRef>
+          <a:effectRef idx="2">
+            <a:schemeClr val="accent1"/>
+          </a:effectRef>
+          <a:fontRef idx="minor">
+            <a:schemeClr val="lt1"/>
+          </a:fontRef>
+        </p:style>
+        <p:txBody>
+          <a:bodyPr rtlCol="0" anchor="ctr"/>
+          <a:lstStyle/>
+          <a:p>
+            <a:pPr algn="ctr"/>
+            <a:r>
+              <a:rPr kumimoji="1" lang="en-US" altLang="zh-CN" dirty="0" smtClean="0"/>
+              <a:t>a</a:t>
+            </a:r>
+            <a:r>
+              <a:rPr kumimoji="1" lang="zh-CN" altLang="en-US" dirty="0" smtClean="0"/>
+              <a:t> </a:t>
+            </a:r>
+            <a:r>
+              <a:rPr kumimoji="1" lang="en-US" altLang="zh-CN" dirty="0" smtClean="0"/>
+              <a:t>=</a:t>
+            </a:r>
+            <a:r>
+              <a:rPr kumimoji="1" lang="zh-CN" altLang="en-US" dirty="0" smtClean="0"/>
+              <a:t> </a:t>
+            </a:r>
+            <a:r>
+              <a:rPr kumimoji="1" lang="en-US" altLang="zh-CN" dirty="0" smtClean="0"/>
+              <a:t>10</a:t>
+            </a:r>
+            <a:endParaRPr kumimoji="1" lang="zh-CN" altLang="en-US" dirty="0"/>
+          </a:p>
+        </p:txBody>
+      </p:sp>
+      <p:sp>
+        <p:nvSpPr>
+          <p:cNvPr id="11" name="矩形 10"/>
+          <p:cNvSpPr/>
+          <p:nvPr/>
+        </p:nvSpPr>
+        <p:spPr>
+          <a:xfrm>
+            <a:off x="1136316" y="2937620"/>
+            <a:ext cx="1911684" cy="464487"/>
+          </a:xfrm>
+          <a:prstGeom prst="rect">
+            <a:avLst/>
+          </a:prstGeom>
+          <a:solidFill>
+            <a:srgbClr val="3A7DCE"/>
+          </a:solidFill>
+        </p:spPr>
+        <p:style>
+          <a:lnRef idx="1">
+            <a:schemeClr val="accent1"/>
+          </a:lnRef>
+          <a:fillRef idx="3">
+            <a:schemeClr val="accent1"/>
+          </a:fillRef>
+          <a:effectRef idx="2">
+            <a:schemeClr val="accent1"/>
+          </a:effectRef>
+          <a:fontRef idx="minor">
+            <a:schemeClr val="lt1"/>
+          </a:fontRef>
+        </p:style>
+        <p:txBody>
+          <a:bodyPr rtlCol="0" anchor="ctr"/>
+          <a:lstStyle/>
+          <a:p>
+            <a:pPr algn="ctr"/>
+            <a:r>
+              <a:rPr kumimoji="1" lang="en-US" altLang="zh-CN" dirty="0" smtClean="0"/>
+              <a:t>b</a:t>
+            </a:r>
+            <a:r>
+              <a:rPr kumimoji="1" lang="zh-CN" altLang="en-US" dirty="0" smtClean="0"/>
+              <a:t> </a:t>
+            </a:r>
+            <a:r>
+              <a:rPr kumimoji="1" lang="en-US" altLang="zh-CN" dirty="0" smtClean="0"/>
+              <a:t>=</a:t>
+            </a:r>
+            <a:r>
+              <a:rPr kumimoji="1" lang="zh-CN" altLang="en-US" dirty="0" smtClean="0"/>
+              <a:t> </a:t>
+            </a:r>
+            <a:r>
+              <a:rPr kumimoji="1" lang="zh-CN" altLang="zh-CN" dirty="0"/>
+              <a:t>2</a:t>
+            </a:r>
+            <a:r>
+              <a:rPr kumimoji="1" lang="en-US" altLang="zh-CN" dirty="0" smtClean="0"/>
+              <a:t>0</a:t>
+            </a:r>
+            <a:endParaRPr kumimoji="1" lang="zh-CN" altLang="en-US" dirty="0"/>
+          </a:p>
+        </p:txBody>
+      </p:sp>
+      <p:sp>
+        <p:nvSpPr>
+          <p:cNvPr id="12" name="矩形 11"/>
+          <p:cNvSpPr/>
+          <p:nvPr/>
+        </p:nvSpPr>
+        <p:spPr>
+          <a:xfrm>
+            <a:off x="4785895" y="2491114"/>
+            <a:ext cx="2018632" cy="910993"/>
+          </a:xfrm>
+          <a:prstGeom prst="rect">
+            <a:avLst/>
+          </a:prstGeom>
+          <a:solidFill>
+            <a:srgbClr val="3A7DCE"/>
+          </a:solidFill>
+        </p:spPr>
+        <p:style>
+          <a:lnRef idx="1">
+            <a:schemeClr val="accent1"/>
+          </a:lnRef>
+          <a:fillRef idx="3">
+            <a:schemeClr val="accent1"/>
+          </a:fillRef>
+          <a:effectRef idx="2">
+            <a:schemeClr val="accent1"/>
+          </a:effectRef>
+          <a:fontRef idx="minor">
+            <a:schemeClr val="lt1"/>
+          </a:fontRef>
+        </p:style>
+        <p:txBody>
+          <a:bodyPr rtlCol="0" anchor="ctr"/>
+          <a:lstStyle/>
+          <a:p>
+            <a:pPr algn="ctr"/>
+            <a:r>
+              <a:rPr kumimoji="1" lang="zh-CN" altLang="en-US" dirty="0" smtClean="0"/>
+              <a:t>地址：</a:t>
+            </a:r>
+            <a:r>
+              <a:rPr kumimoji="1" lang="en-US" altLang="zh-CN" dirty="0" smtClean="0"/>
+              <a:t>0xffc0</a:t>
+            </a:r>
+          </a:p>
+          <a:p>
+            <a:pPr algn="ctr"/>
+            <a:r>
+              <a:rPr kumimoji="1" lang="en-US" altLang="zh-CN" dirty="0" smtClean="0"/>
+              <a:t>Car</a:t>
+            </a:r>
+            <a:r>
+              <a:rPr kumimoji="1" lang="zh-CN" altLang="en-US" dirty="0" smtClean="0"/>
+              <a:t>对象</a:t>
+            </a:r>
+            <a:endParaRPr kumimoji="1" lang="en-US" altLang="zh-CN" dirty="0" smtClean="0"/>
+          </a:p>
+          <a:p>
+            <a:pPr algn="ctr"/>
+            <a:r>
+              <a:rPr kumimoji="1" lang="zh-CN" altLang="en-US" dirty="0"/>
+              <a:t>计数器</a:t>
+            </a:r>
+            <a:r>
+              <a:rPr kumimoji="1" lang="en-US" altLang="zh-CN" dirty="0"/>
+              <a:t> == </a:t>
+            </a:r>
+            <a:r>
+              <a:rPr kumimoji="1" lang="en-US" altLang="zh-CN" dirty="0" smtClean="0"/>
+              <a:t>1</a:t>
+            </a:r>
+            <a:endParaRPr kumimoji="1" lang="zh-CN" altLang="en-US" dirty="0"/>
+          </a:p>
+        </p:txBody>
+      </p:sp>
+      <p:sp>
+        <p:nvSpPr>
+          <p:cNvPr id="13" name="矩形 12"/>
+          <p:cNvSpPr/>
+          <p:nvPr/>
+        </p:nvSpPr>
+        <p:spPr>
+          <a:xfrm>
+            <a:off x="1136316" y="4373388"/>
+            <a:ext cx="1911684" cy="464487"/>
+          </a:xfrm>
+          <a:prstGeom prst="rect">
+            <a:avLst/>
+          </a:prstGeom>
+          <a:solidFill>
+            <a:srgbClr val="3A7DCE"/>
+          </a:solidFill>
+        </p:spPr>
+        <p:style>
+          <a:lnRef idx="1">
+            <a:schemeClr val="accent1"/>
+          </a:lnRef>
+          <a:fillRef idx="3">
+            <a:schemeClr val="accent1"/>
+          </a:fillRef>
+          <a:effectRef idx="2">
+            <a:schemeClr val="accent1"/>
+          </a:effectRef>
+          <a:fontRef idx="minor">
+            <a:schemeClr val="lt1"/>
+          </a:fontRef>
+        </p:style>
+        <p:txBody>
+          <a:bodyPr rtlCol="0" anchor="ctr"/>
+          <a:lstStyle/>
+          <a:p>
+            <a:pPr algn="ctr"/>
+            <a:r>
+              <a:rPr kumimoji="1" lang="en-US" altLang="zh-CN" dirty="0" smtClean="0"/>
+              <a:t>c</a:t>
+            </a:r>
+            <a:r>
+              <a:rPr kumimoji="1" lang="zh-CN" altLang="en-US" dirty="0" smtClean="0"/>
+              <a:t> </a:t>
+            </a:r>
+            <a:r>
+              <a:rPr kumimoji="1" lang="en-US" altLang="zh-CN" dirty="0" smtClean="0"/>
+              <a:t>=</a:t>
+            </a:r>
+            <a:r>
+              <a:rPr kumimoji="1" lang="zh-CN" altLang="en-US" dirty="0" smtClean="0"/>
+              <a:t> </a:t>
+            </a:r>
+            <a:r>
+              <a:rPr kumimoji="1" lang="zh-CN" altLang="zh-CN" dirty="0" smtClean="0"/>
+              <a:t>0</a:t>
+            </a:r>
+            <a:r>
+              <a:rPr kumimoji="1" lang="en-US" altLang="zh-CN" dirty="0" smtClean="0"/>
+              <a:t>xffc0</a:t>
+            </a:r>
+          </a:p>
+        </p:txBody>
+      </p:sp>
+      <p:cxnSp>
+        <p:nvCxnSpPr>
+          <p:cNvPr id="14" name="直线箭头连接符 13"/>
+          <p:cNvCxnSpPr>
+            <a:stCxn id="13" idx="3"/>
+          </p:cNvCxnSpPr>
+          <p:nvPr/>
+        </p:nvCxnSpPr>
+        <p:spPr>
+          <a:xfrm flipV="1">
+            <a:off x="3048000" y="2937620"/>
+            <a:ext cx="1737895" cy="1668012"/>
+          </a:xfrm>
+          <a:prstGeom prst="straightConnector1">
+            <a:avLst/>
+          </a:prstGeom>
+          <a:ln>
+            <a:solidFill>
+              <a:srgbClr val="8000FF"/>
+            </a:solidFill>
+            <a:tailEnd type="arrow"/>
+          </a:ln>
+        </p:spPr>
+        <p:style>
+          <a:lnRef idx="2">
+            <a:schemeClr val="accent1"/>
+          </a:lnRef>
+          <a:fillRef idx="0">
+            <a:schemeClr val="accent1"/>
+          </a:fillRef>
+          <a:effectRef idx="1">
+            <a:schemeClr val="accent1"/>
+          </a:effectRef>
+          <a:fontRef idx="minor">
+            <a:schemeClr val="tx1"/>
+          </a:fontRef>
+        </p:style>
+      </p:cxnSp>
+    </p:spTree>
+    <p:extLst>
+      <p:ext uri="{BB962C8B-B14F-4D97-AF65-F5344CB8AC3E}">
+        <p14:creationId xmlns:p14="http://schemas.microsoft.com/office/powerpoint/2010/main" val="2709948435"/>
+      </p:ext>
+    </p:extLst>
+  </p:cSld>
+  <p:clrMapOvr>
+    <a:masterClrMapping/>
+  </p:clrMapOvr>
+  <p:timing>
+    <p:tnLst>
+      <p:par>
+        <p:cTn xmlns:p14="http://schemas.microsoft.com/office/powerpoint/2010/main" id="1" dur="indefinite" restart="never" nodeType="tmRoot"/>
+      </p:par>
+    </p:tnLst>
+  </p:timing>
+</p:sld>
+</file>
+
+<file path=ppt/slides/slide5.xml><?xml version="1.0" encoding="utf-8"?>
+<p:sld xmlns:a="http://schemas.openxmlformats.org/drawingml/2006/main" xmlns:r="http://schemas.openxmlformats.org/officeDocument/2006/relationships" xmlns:p="http://schemas.openxmlformats.org/presentationml/2006/main">
+  <p:cSld>
+    <p:spTree>
+      <p:nvGrpSpPr>
+        <p:cNvPr id="1" name=""/>
+        <p:cNvGrpSpPr/>
+        <p:nvPr/>
+      </p:nvGrpSpPr>
+      <p:grpSpPr>
+        <a:xfrm>
+          <a:off x="0" y="0"/>
+          <a:ext cx="0" cy="0"/>
+          <a:chOff x="0" y="0"/>
+          <a:chExt cx="0" cy="0"/>
+        </a:xfrm>
+      </p:grpSpPr>
+      <p:sp>
+        <p:nvSpPr>
+          <p:cNvPr id="2" name="标题 1"/>
+          <p:cNvSpPr>
+            <a:spLocks noGrp="1"/>
+          </p:cNvSpPr>
+          <p:nvPr>
+            <p:ph type="title"/>
+          </p:nvPr>
+        </p:nvSpPr>
+        <p:spPr/>
+        <p:txBody>
+          <a:bodyPr/>
+          <a:lstStyle/>
+          <a:p>
+            <a:r>
+              <a:rPr kumimoji="1" lang="zh-CN" altLang="en-US" dirty="0"/>
+              <a:t>什么是引用计数器</a:t>
+            </a:r>
+            <a:endParaRPr kumimoji="1" lang="zh-CN" altLang="en-US" dirty="0"/>
+          </a:p>
+        </p:txBody>
+      </p:sp>
+      <p:sp>
+        <p:nvSpPr>
+          <p:cNvPr id="3" name="幻灯片编号占位符 2"/>
+          <p:cNvSpPr>
+            <a:spLocks noGrp="1"/>
+          </p:cNvSpPr>
+          <p:nvPr>
+            <p:ph type="sldNum" sz="quarter" idx="4"/>
+          </p:nvPr>
+        </p:nvSpPr>
+        <p:spPr/>
+        <p:txBody>
+          <a:bodyPr/>
+          <a:lstStyle/>
+          <a:p>
+            <a:fld id="{BF10DB53-D7D3-4DB6-A29F-40217B92EC88}" type="slidenum">
+              <a:rPr lang="en-US" smtClean="0"/>
+              <a:pPr/>
+              <a:t>4</a:t>
+            </a:fld>
+            <a:endParaRPr lang="en-US" dirty="0"/>
+          </a:p>
+        </p:txBody>
+      </p:sp>
+      <p:sp>
+        <p:nvSpPr>
+          <p:cNvPr id="5" name="文本框 4"/>
+          <p:cNvSpPr txBox="1"/>
+          <p:nvPr/>
+        </p:nvSpPr>
+        <p:spPr>
+          <a:xfrm>
+            <a:off x="179512" y="1412776"/>
+            <a:ext cx="8568952" cy="2554545"/>
+          </a:xfrm>
+          <a:prstGeom prst="rect">
+            <a:avLst/>
+          </a:prstGeom>
+          <a:noFill/>
+        </p:spPr>
+        <p:txBody>
+          <a:bodyPr wrap="square" rtlCol="0">
+            <a:spAutoFit/>
+          </a:bodyPr>
+          <a:lstStyle/>
+          <a:p>
+            <a:r>
+              <a:rPr kumimoji="1" lang="zh-CN" altLang="en-US" sz="2000" dirty="0"/>
+              <a:t>系统是如何判断</a:t>
+            </a:r>
+            <a:r>
+              <a:rPr kumimoji="1" lang="zh-CN" altLang="zh-CN" sz="2000" dirty="0"/>
+              <a:t> </a:t>
+            </a:r>
+            <a:r>
+              <a:rPr kumimoji="1" lang="zh-CN" altLang="en-US" sz="2000" dirty="0"/>
+              <a:t>什么时候需要回收一个对象所占用的内存</a:t>
+            </a:r>
+            <a:r>
+              <a:rPr kumimoji="1" lang="en-US" altLang="zh-CN" sz="2000" dirty="0"/>
+              <a:t>?</a:t>
+            </a:r>
+          </a:p>
+          <a:p>
+            <a:pPr>
+              <a:buFont typeface="Wingdings" charset="2"/>
+              <a:buChar char="Ø"/>
+            </a:pPr>
+            <a:r>
+              <a:rPr kumimoji="1" lang="zh-CN" altLang="en-US" sz="2000" dirty="0"/>
+              <a:t>根据对象的引用计数器</a:t>
+            </a:r>
+            <a:endParaRPr kumimoji="1" lang="en-US" altLang="zh-CN" sz="2000" dirty="0"/>
+          </a:p>
+          <a:p>
+            <a:pPr>
+              <a:buFont typeface="Wingdings" charset="2"/>
+              <a:buChar char="Ø"/>
+            </a:pPr>
+            <a:endParaRPr kumimoji="1" lang="en-US" altLang="zh-CN" sz="2000" dirty="0"/>
+          </a:p>
+          <a:p>
+            <a:r>
+              <a:rPr kumimoji="1" lang="zh-CN" altLang="en-US" sz="2000" dirty="0"/>
+              <a:t>什么是引用计数器</a:t>
+            </a:r>
+            <a:endParaRPr kumimoji="1" lang="en-US" altLang="zh-CN" sz="2000" dirty="0"/>
+          </a:p>
+          <a:p>
+            <a:pPr>
+              <a:buFont typeface="Wingdings" charset="2"/>
+              <a:buChar char="Ø"/>
+            </a:pPr>
+            <a:r>
+              <a:rPr kumimoji="1" lang="zh-CN" altLang="en-US" sz="2000" dirty="0"/>
+              <a:t>每个</a:t>
+            </a:r>
+            <a:r>
+              <a:rPr kumimoji="1" lang="en-US" altLang="zh-CN" sz="2000" dirty="0"/>
+              <a:t>OC</a:t>
+            </a:r>
+            <a:r>
+              <a:rPr kumimoji="1" lang="zh-CN" altLang="en-US" sz="2000" dirty="0"/>
+              <a:t>对象都有自己的引用计数器</a:t>
+            </a:r>
+            <a:endParaRPr kumimoji="1" lang="en-US" altLang="zh-CN" sz="2000" dirty="0"/>
+          </a:p>
+          <a:p>
+            <a:pPr>
+              <a:buFont typeface="Wingdings" charset="2"/>
+              <a:buChar char="Ø"/>
+            </a:pPr>
+            <a:r>
+              <a:rPr kumimoji="1" lang="zh-CN" altLang="en-US" sz="2000" dirty="0"/>
+              <a:t>它是一个整数</a:t>
+            </a:r>
+            <a:endParaRPr kumimoji="1" lang="en-US" altLang="zh-CN" sz="2000" dirty="0"/>
+          </a:p>
+          <a:p>
+            <a:pPr>
+              <a:buFont typeface="Wingdings" charset="2"/>
+              <a:buChar char="Ø"/>
+            </a:pPr>
+            <a:r>
+              <a:rPr kumimoji="1" lang="zh-CN" altLang="en-US" sz="2000" dirty="0"/>
+              <a:t>从字面上</a:t>
+            </a:r>
+            <a:r>
+              <a:rPr kumimoji="1" lang="en-US" altLang="zh-CN" sz="2000" dirty="0"/>
+              <a:t>,</a:t>
+            </a:r>
+            <a:r>
+              <a:rPr kumimoji="1" lang="zh-CN" altLang="en-US" sz="2000" dirty="0"/>
+              <a:t> 可以理解为</a:t>
+            </a:r>
+            <a:r>
+              <a:rPr kumimoji="1" lang="en-US" altLang="zh-CN" sz="2000" dirty="0"/>
+              <a:t>”</a:t>
+            </a:r>
+            <a:r>
+              <a:rPr kumimoji="1" lang="zh-CN" altLang="en-US" sz="2000" dirty="0"/>
+              <a:t>对象被引用的次数</a:t>
+            </a:r>
+            <a:r>
+              <a:rPr kumimoji="1" lang="en-US" altLang="zh-CN" sz="2000" dirty="0"/>
+              <a:t>”</a:t>
+            </a:r>
+          </a:p>
+          <a:p>
+            <a:pPr>
+              <a:buFont typeface="Wingdings" charset="2"/>
+              <a:buChar char="Ø"/>
+            </a:pPr>
+            <a:r>
+              <a:rPr kumimoji="1" lang="zh-CN" altLang="en-US" sz="2000" dirty="0"/>
+              <a:t>也可以理解为</a:t>
+            </a:r>
+            <a:r>
+              <a:rPr kumimoji="1" lang="en-US" altLang="zh-CN" sz="2000" dirty="0"/>
+              <a:t>:</a:t>
+            </a:r>
+            <a:r>
+              <a:rPr kumimoji="1" lang="zh-CN" altLang="en-US" sz="2000" dirty="0"/>
+              <a:t> 它表示有多少人正在用这个对象</a:t>
+            </a:r>
+            <a:endParaRPr kumimoji="1" lang="en-US" altLang="zh-CN" sz="2000" dirty="0"/>
+          </a:p>
+        </p:txBody>
+      </p:sp>
+      <p:sp>
+        <p:nvSpPr>
+          <p:cNvPr id="6" name="矩形 5"/>
+          <p:cNvSpPr/>
+          <p:nvPr/>
+        </p:nvSpPr>
+        <p:spPr>
+          <a:xfrm>
+            <a:off x="6003765" y="1916832"/>
+            <a:ext cx="2672691" cy="1654042"/>
+          </a:xfrm>
+          <a:prstGeom prst="rect">
+            <a:avLst/>
+          </a:prstGeom>
+          <a:solidFill>
+            <a:schemeClr val="accent2"/>
+          </a:solidFill>
+        </p:spPr>
+        <p:style>
+          <a:lnRef idx="1">
+            <a:schemeClr val="accent1"/>
+          </a:lnRef>
+          <a:fillRef idx="3">
+            <a:schemeClr val="accent1"/>
+          </a:fillRef>
+          <a:effectRef idx="2">
+            <a:schemeClr val="accent1"/>
+          </a:effectRef>
+          <a:fontRef idx="minor">
+            <a:schemeClr val="lt1"/>
+          </a:fontRef>
+        </p:style>
+        <p:txBody>
+          <a:bodyPr rtlCol="0" anchor="ctr"/>
+          <a:lstStyle/>
+          <a:p>
+            <a:pPr algn="ctr"/>
+            <a:r>
+              <a:rPr kumimoji="1" lang="en-US" altLang="zh-CN" dirty="0" smtClean="0"/>
+              <a:t>OC</a:t>
+            </a:r>
+            <a:r>
+              <a:rPr kumimoji="1" lang="zh-CN" altLang="en-US" dirty="0" smtClean="0"/>
+              <a:t>对象</a:t>
+            </a:r>
+            <a:endParaRPr kumimoji="1" lang="en-US" altLang="zh-CN" dirty="0" smtClean="0"/>
+          </a:p>
+          <a:p>
+            <a:pPr algn="ctr"/>
+            <a:endParaRPr kumimoji="1" lang="en-US" altLang="zh-CN" dirty="0"/>
+          </a:p>
+          <a:p>
+            <a:pPr algn="ctr"/>
+            <a:endParaRPr kumimoji="1" lang="en-US" altLang="zh-CN" dirty="0" smtClean="0"/>
+          </a:p>
+          <a:p>
+            <a:pPr algn="ctr"/>
+            <a:endParaRPr kumimoji="1" lang="zh-CN" altLang="en-US" dirty="0"/>
+          </a:p>
+        </p:txBody>
+      </p:sp>
+      <p:sp>
+        <p:nvSpPr>
+          <p:cNvPr id="7" name="矩形 6"/>
+          <p:cNvSpPr/>
+          <p:nvPr/>
+        </p:nvSpPr>
+        <p:spPr>
+          <a:xfrm>
+            <a:off x="6166194" y="2662626"/>
+            <a:ext cx="2347833" cy="605498"/>
+          </a:xfrm>
+          <a:prstGeom prst="rect">
+            <a:avLst/>
+          </a:prstGeom>
+          <a:solidFill>
+            <a:schemeClr val="accent5"/>
+          </a:solidFill>
+        </p:spPr>
+        <p:style>
+          <a:lnRef idx="1">
+            <a:schemeClr val="accent1"/>
+          </a:lnRef>
+          <a:fillRef idx="3">
+            <a:schemeClr val="accent1"/>
+          </a:fillRef>
+          <a:effectRef idx="2">
+            <a:schemeClr val="accent1"/>
+          </a:effectRef>
+          <a:fontRef idx="minor">
+            <a:schemeClr val="lt1"/>
+          </a:fontRef>
+        </p:style>
+        <p:txBody>
+          <a:bodyPr rtlCol="0" anchor="ctr"/>
+          <a:lstStyle/>
+          <a:p>
+            <a:pPr algn="ctr"/>
+            <a:r>
+              <a:rPr kumimoji="1" lang="zh-CN" altLang="en-US" dirty="0" smtClean="0"/>
+              <a:t>4字节 </a:t>
+            </a:r>
+            <a:r>
+              <a:rPr kumimoji="1" lang="en-US" altLang="zh-CN" dirty="0" smtClean="0"/>
+              <a:t>–</a:t>
+            </a:r>
+            <a:r>
+              <a:rPr kumimoji="1" lang="zh-CN" altLang="en-US" dirty="0" smtClean="0"/>
+              <a:t> 引用计数器</a:t>
+            </a:r>
+            <a:endParaRPr kumimoji="1" lang="zh-CN" altLang="en-US" dirty="0"/>
+          </a:p>
+        </p:txBody>
+      </p:sp>
+      <p:sp>
+        <p:nvSpPr>
+          <p:cNvPr id="8" name="内容占位符 4"/>
+          <p:cNvSpPr txBox="1">
+            <a:spLocks/>
+          </p:cNvSpPr>
+          <p:nvPr/>
+        </p:nvSpPr>
+        <p:spPr>
+          <a:xfrm>
+            <a:off x="295325" y="4927771"/>
+            <a:ext cx="8579191" cy="551244"/>
+          </a:xfrm>
+          <a:prstGeom prst="rect">
+            <a:avLst/>
+          </a:prstGeom>
+        </p:spPr>
+        <p:txBody>
+          <a:bodyPr vert="horz" lIns="91440" tIns="45720" rIns="91440" bIns="45720" rtlCol="0">
+            <a:normAutofit/>
+          </a:bodyPr>
+          <a:lstStyle>
+            <a:lvl1pPr marL="342900" indent="-342900" algn="l" defTabSz="457200" rtl="0" eaLnBrk="1" latinLnBrk="0" hangingPunct="1">
+              <a:spcBef>
+                <a:spcPct val="20000"/>
+              </a:spcBef>
+              <a:buFont typeface="Arial"/>
+              <a:buChar char="•"/>
+              <a:defRPr sz="2800" kern="1200">
+                <a:solidFill>
+                  <a:schemeClr val="tx1"/>
+                </a:solidFill>
+                <a:latin typeface="Consolas"/>
+                <a:ea typeface="华文细黑"/>
+                <a:cs typeface="Consolas"/>
+              </a:defRPr>
+            </a:lvl1pPr>
+            <a:lvl2pPr marL="742950" indent="-285750" algn="l" defTabSz="457200" rtl="0" eaLnBrk="1" latinLnBrk="0" hangingPunct="1">
+              <a:spcBef>
+                <a:spcPct val="20000"/>
+              </a:spcBef>
+              <a:buFont typeface="Arial"/>
+              <a:buChar char="–"/>
+              <a:defRPr sz="2400" kern="1200">
+                <a:solidFill>
+                  <a:schemeClr val="tx1"/>
+                </a:solidFill>
+                <a:latin typeface="Consolas"/>
+                <a:ea typeface="华文细黑"/>
+                <a:cs typeface="Consolas"/>
+              </a:defRPr>
+            </a:lvl2pPr>
+            <a:lvl3pPr marL="1143000" indent="-228600" algn="l" defTabSz="457200" rtl="0" eaLnBrk="1" latinLnBrk="0" hangingPunct="1">
+              <a:spcBef>
+                <a:spcPct val="20000"/>
+              </a:spcBef>
+              <a:buFont typeface="Arial"/>
+              <a:buChar char="•"/>
+              <a:defRPr sz="2000" kern="1200">
+                <a:solidFill>
+                  <a:schemeClr val="tx1"/>
+                </a:solidFill>
+                <a:latin typeface="Consolas"/>
+                <a:ea typeface="华文细黑"/>
+                <a:cs typeface="Consolas"/>
+              </a:defRPr>
+            </a:lvl3pPr>
+            <a:lvl4pPr marL="1600200" indent="-228600" algn="l" defTabSz="457200" rtl="0" eaLnBrk="1" latinLnBrk="0" hangingPunct="1">
+              <a:spcBef>
+                <a:spcPct val="20000"/>
+              </a:spcBef>
+              <a:buFont typeface="Arial"/>
+              <a:buChar char="–"/>
+              <a:defRPr sz="1800" kern="1200">
+                <a:solidFill>
+                  <a:schemeClr val="tx1"/>
+                </a:solidFill>
+                <a:latin typeface="Consolas"/>
+                <a:ea typeface="华文细黑"/>
+                <a:cs typeface="Consolas"/>
+              </a:defRPr>
+            </a:lvl4pPr>
+            <a:lvl5pPr marL="2057400" indent="-228600" algn="l" defTabSz="457200" rtl="0" eaLnBrk="1" latinLnBrk="0" hangingPunct="1">
+              <a:spcBef>
+                <a:spcPct val="20000"/>
+              </a:spcBef>
+              <a:buFont typeface="Arial"/>
+              <a:buChar char="»"/>
+              <a:defRPr sz="1600" kern="1200">
+                <a:solidFill>
+                  <a:schemeClr val="tx1"/>
+                </a:solidFill>
+                <a:latin typeface="Consolas"/>
+                <a:ea typeface="华文细黑"/>
+                <a:cs typeface="Consolas"/>
+              </a:defRPr>
+            </a:lvl5pPr>
+            <a:lvl6pPr marL="2514600" indent="-228600" algn="l" defTabSz="457200" rtl="0" eaLnBrk="1" latinLnBrk="0" hangingPunct="1">
+              <a:spcBef>
+                <a:spcPct val="20000"/>
+              </a:spcBef>
+              <a:buFont typeface="Arial"/>
+              <a:buChar char="•"/>
+              <a:defRPr sz="2000" kern="1200">
+                <a:solidFill>
+                  <a:schemeClr val="tx1"/>
+                </a:solidFill>
+                <a:latin typeface="+mn-lt"/>
+                <a:ea typeface="+mn-ea"/>
+                <a:cs typeface="+mn-cs"/>
+              </a:defRPr>
+            </a:lvl6pPr>
+            <a:lvl7pPr marL="2971800" indent="-228600" algn="l" defTabSz="457200" rtl="0" eaLnBrk="1" latinLnBrk="0" hangingPunct="1">
+              <a:spcBef>
+                <a:spcPct val="20000"/>
+              </a:spcBef>
+              <a:buFont typeface="Arial"/>
+              <a:buChar char="•"/>
+              <a:defRPr sz="2000" kern="1200">
+                <a:solidFill>
+                  <a:schemeClr val="tx1"/>
+                </a:solidFill>
+                <a:latin typeface="+mn-lt"/>
+                <a:ea typeface="+mn-ea"/>
+                <a:cs typeface="+mn-cs"/>
+              </a:defRPr>
+            </a:lvl7pPr>
+            <a:lvl8pPr marL="3429000" indent="-228600" algn="l" defTabSz="457200" rtl="0" eaLnBrk="1" latinLnBrk="0" hangingPunct="1">
+              <a:spcBef>
+                <a:spcPct val="20000"/>
+              </a:spcBef>
+              <a:buFont typeface="Arial"/>
+              <a:buChar char="•"/>
+              <a:defRPr sz="2000" kern="1200">
+                <a:solidFill>
+                  <a:schemeClr val="tx1"/>
+                </a:solidFill>
+                <a:latin typeface="+mn-lt"/>
+                <a:ea typeface="+mn-ea"/>
+                <a:cs typeface="+mn-cs"/>
+              </a:defRPr>
+            </a:lvl8pPr>
+            <a:lvl9pPr marL="3886200" indent="-228600" algn="l" defTabSz="457200" rtl="0" eaLnBrk="1" latinLnBrk="0" hangingPunct="1">
+              <a:spcBef>
+                <a:spcPct val="20000"/>
+              </a:spcBef>
+              <a:buFont typeface="Arial"/>
+              <a:buChar char="•"/>
+              <a:defRPr sz="2000" kern="1200">
+                <a:solidFill>
+                  <a:schemeClr val="tx1"/>
+                </a:solidFill>
+                <a:latin typeface="+mn-lt"/>
+                <a:ea typeface="+mn-ea"/>
+                <a:cs typeface="+mn-cs"/>
+              </a:defRPr>
+            </a:lvl9pPr>
+          </a:lstStyle>
+          <a:p>
+            <a:pPr>
+              <a:buFont typeface="Wingdings" charset="2"/>
+              <a:buChar char="l"/>
+            </a:pPr>
+            <a:r>
+              <a:rPr kumimoji="1" lang="zh-CN" altLang="en-US" sz="1800" dirty="0" smtClean="0"/>
+              <a:t>每个</a:t>
+            </a:r>
+            <a:r>
+              <a:rPr kumimoji="1" lang="en-US" altLang="zh-CN" sz="2000" dirty="0">
+                <a:latin typeface="Arial" pitchFamily="34" charset="0"/>
+                <a:ea typeface="宋体" pitchFamily="2" charset="-122"/>
+                <a:cs typeface="+mn-cs"/>
+              </a:rPr>
+              <a:t>OC</a:t>
+            </a:r>
+            <a:r>
+              <a:rPr kumimoji="1" lang="zh-CN" altLang="en-US" sz="1800" dirty="0" smtClean="0"/>
+              <a:t>对象内部都有</a:t>
+            </a:r>
+            <a:r>
+              <a:rPr kumimoji="1" lang="en-US" altLang="zh-CN" sz="1800" dirty="0" smtClean="0"/>
+              <a:t>4</a:t>
+            </a:r>
+            <a:r>
+              <a:rPr kumimoji="1" lang="zh-CN" altLang="en-US" sz="1800" dirty="0" smtClean="0"/>
+              <a:t>个字节的存储空间来存放引用计数器</a:t>
+            </a:r>
+            <a:endParaRPr kumimoji="1" lang="en-US" altLang="zh-CN" sz="1800" dirty="0" smtClean="0"/>
+          </a:p>
+          <a:p>
+            <a:endParaRPr kumimoji="1" lang="zh-CN" altLang="en-US" sz="1800" dirty="0"/>
+          </a:p>
+        </p:txBody>
+      </p:sp>
+    </p:spTree>
+    <p:extLst>
+      <p:ext uri="{BB962C8B-B14F-4D97-AF65-F5344CB8AC3E}">
+        <p14:creationId xmlns:p14="http://schemas.microsoft.com/office/powerpoint/2010/main" val="1770976245"/>
+      </p:ext>
+    </p:extLst>
+  </p:cSld>
+  <p:clrMapOvr>
+    <a:masterClrMapping/>
+  </p:clrMapOvr>
+  <p:timing>
+    <p:tnLst>
+      <p:par>
+        <p:cTn xmlns:p14="http://schemas.microsoft.com/office/powerpoint/2010/main" id="1" dur="indefinite" restart="never" nodeType="tmRoot">
+          <p:childTnLst>
+            <p:seq concurrent="1" nextAc="seek">
+              <p:cTn id="2" dur="indefinite" nodeType="mainSeq">
+                <p:childTnLst>
+                  <p:par>
+                    <p:cTn id="3" fill="hold">
+                      <p:stCondLst>
+                        <p:cond delay="indefinite"/>
+                      </p:stCondLst>
+                      <p:childTnLst>
+                        <p:par>
+                          <p:cTn id="4" fill="hold">
+                            <p:stCondLst>
+                              <p:cond delay="0"/>
+                            </p:stCondLst>
+                            <p:childTnLst>
+                              <p:par>
+                                <p:cTn id="5" presetID="1" presetClass="entr" presetSubtype="0" fill="hold" grpId="0" nodeType="clickEffect">
+                                  <p:stCondLst>
+                                    <p:cond delay="0"/>
+                                  </p:stCondLst>
+                                  <p:childTnLst>
+                                    <p:set>
+                                      <p:cBhvr>
+                                        <p:cTn id="6" dur="1" fill="hold">
+                                          <p:stCondLst>
+                                            <p:cond delay="0"/>
+                                          </p:stCondLst>
+                                        </p:cTn>
+                                        <p:tgtEl>
+                                          <p:spTgt spid="6"/>
+                                        </p:tgtEl>
+                                        <p:attrNameLst>
+                                          <p:attrName>style.visibility</p:attrName>
+                                        </p:attrNameLst>
+                                      </p:cBhvr>
+                                      <p:to>
+                                        <p:strVal val="visible"/>
+                                      </p:to>
+                                    </p:set>
+                                  </p:childTnLst>
+                                </p:cTn>
+                              </p:par>
+                            </p:childTnLst>
+                          </p:cTn>
+                        </p:par>
+                      </p:childTnLst>
+                    </p:cTn>
+                  </p:par>
+                  <p:par>
+                    <p:cTn id="7" fill="hold">
+                      <p:stCondLst>
+                        <p:cond delay="indefinite"/>
+                      </p:stCondLst>
+                      <p:childTnLst>
+                        <p:par>
+                          <p:cTn id="8" fill="hold">
+                            <p:stCondLst>
+                              <p:cond delay="0"/>
+                            </p:stCondLst>
+                            <p:childTnLst>
+                              <p:par>
+                                <p:cTn id="9" presetID="1" presetClass="entr" presetSubtype="0" fill="hold" grpId="0" nodeType="clickEffect">
+                                  <p:stCondLst>
+                                    <p:cond delay="0"/>
+                                  </p:stCondLst>
+                                  <p:childTnLst>
+                                    <p:set>
+                                      <p:cBhvr>
+                                        <p:cTn id="10" dur="1" fill="hold">
+                                          <p:stCondLst>
+                                            <p:cond delay="0"/>
+                                          </p:stCondLst>
+                                        </p:cTn>
+                                        <p:tgtEl>
+                                          <p:spTgt spid="7"/>
+                                        </p:tgtEl>
+                                        <p:attrNameLst>
+                                          <p:attrName>style.visibility</p:attrName>
+                                        </p:attrNameLst>
+                                      </p:cBhvr>
+                                      <p:to>
+                                        <p:strVal val="visible"/>
+                                      </p:to>
+                                    </p:set>
+                                  </p:childTnLst>
+                                </p:cTn>
+                              </p:par>
+                            </p:childTnLst>
+                          </p:cTn>
+                        </p:par>
+                      </p:childTnLst>
+                    </p:cTn>
+                  </p:par>
+                  <p:par>
+                    <p:cTn id="11" fill="hold">
+                      <p:stCondLst>
+                        <p:cond delay="indefinite"/>
+                      </p:stCondLst>
+                      <p:childTnLst>
+                        <p:par>
+                          <p:cTn id="12" fill="hold">
+                            <p:stCondLst>
+                              <p:cond delay="0"/>
+                            </p:stCondLst>
+                            <p:childTnLst>
+                              <p:par>
+                                <p:cTn id="13" presetID="1" presetClass="entr" presetSubtype="0" fill="hold" grpId="0" nodeType="clickEffect">
+                                  <p:stCondLst>
+                                    <p:cond delay="0"/>
+                                  </p:stCondLst>
+                                  <p:childTnLst>
+                                    <p:set>
+                                      <p:cBhvr>
+                                        <p:cTn id="14" dur="1" fill="hold">
+                                          <p:stCondLst>
+                                            <p:cond delay="0"/>
+                                          </p:stCondLst>
+                                        </p:cTn>
+                                        <p:tgtEl>
+                                          <p:spTgt spid="8">
+                                            <p:txEl>
+                                              <p:pRg st="0" end="0"/>
+                                            </p:txEl>
+                                          </p:spTgt>
+                                        </p:tgtEl>
+                                        <p:attrNameLst>
+                                          <p:attrName>style.visibility</p:attrName>
+                                        </p:attrNameLst>
+                                      </p:cBhvr>
+                                      <p:to>
+                                        <p:strVal val="visible"/>
+                                      </p:to>
+                                    </p:set>
+                                  </p:childTnLst>
+                                </p:cTn>
+                              </p:par>
+                            </p:childTnLst>
+                          </p:cTn>
+                        </p:par>
+                      </p:childTnLst>
+                    </p:cTn>
+                  </p:par>
+                </p:childTnLst>
+              </p:cTn>
+              <p:prevCondLst>
+                <p:cond evt="onPrev" delay="0">
+                  <p:tgtEl>
+                    <p:sldTgt/>
+                  </p:tgtEl>
+                </p:cond>
+              </p:prevCondLst>
+              <p:nextCondLst>
+                <p:cond evt="onNext" delay="0">
+                  <p:tgtEl>
+                    <p:sldTgt/>
+                  </p:tgtEl>
+                </p:cond>
+              </p:nextCondLst>
+            </p:seq>
+          </p:childTnLst>
+        </p:cTn>
+      </p:par>
+    </p:tnLst>
+    <p:bldLst>
+      <p:bldP spid="6" grpId="0" animBg="1"/>
+      <p:bldP spid="7" grpId="0" animBg="1"/>
+      <p:bldP spid="8" grpId="0" build="p"/>
+    </p:bldLst>
+  </p:timing>
+</p:sld>
+</file>
+
+<file path=ppt/slides/slide6.xml><?xml version="1.0" encoding="utf-8"?>
+<p:sld xmlns:a="http://schemas.openxmlformats.org/drawingml/2006/main" xmlns:r="http://schemas.openxmlformats.org/officeDocument/2006/relationships" xmlns:p="http://schemas.openxmlformats.org/presentationml/2006/main">
+  <p:cSld>
+    <p:spTree>
+      <p:nvGrpSpPr>
+        <p:cNvPr id="1" name=""/>
+        <p:cNvGrpSpPr/>
+        <p:nvPr/>
+      </p:nvGrpSpPr>
+      <p:grpSpPr>
+        <a:xfrm>
+          <a:off x="0" y="0"/>
+          <a:ext cx="0" cy="0"/>
+          <a:chOff x="0" y="0"/>
+          <a:chExt cx="0" cy="0"/>
+        </a:xfrm>
+      </p:grpSpPr>
+      <p:sp>
+        <p:nvSpPr>
+          <p:cNvPr id="2" name="标题 1"/>
+          <p:cNvSpPr>
+            <a:spLocks noGrp="1"/>
+          </p:cNvSpPr>
+          <p:nvPr>
+            <p:ph type="title"/>
+          </p:nvPr>
+        </p:nvSpPr>
+        <p:spPr/>
+        <p:txBody>
+          <a:bodyPr/>
+          <a:lstStyle/>
+          <a:p>
+            <a:r>
+              <a:rPr kumimoji="1" lang="zh-CN" altLang="en-US" dirty="0"/>
+              <a:t>引用计数器的作用</a:t>
+            </a:r>
+            <a:endParaRPr kumimoji="1" lang="zh-CN" altLang="en-US" dirty="0"/>
+          </a:p>
+        </p:txBody>
+      </p:sp>
+      <p:sp>
+        <p:nvSpPr>
+          <p:cNvPr id="3" name="幻灯片编号占位符 2"/>
+          <p:cNvSpPr>
+            <a:spLocks noGrp="1"/>
+          </p:cNvSpPr>
+          <p:nvPr>
+            <p:ph type="sldNum" sz="quarter" idx="4"/>
+          </p:nvPr>
+        </p:nvSpPr>
+        <p:spPr/>
+        <p:txBody>
+          <a:bodyPr/>
+          <a:lstStyle/>
+          <a:p>
+            <a:fld id="{BF10DB53-D7D3-4DB6-A29F-40217B92EC88}" type="slidenum">
+              <a:rPr lang="en-US" smtClean="0"/>
+              <a:pPr/>
+              <a:t>5</a:t>
+            </a:fld>
+            <a:endParaRPr lang="en-US" dirty="0"/>
+          </a:p>
+        </p:txBody>
+      </p:sp>
+      <p:sp>
+        <p:nvSpPr>
+          <p:cNvPr id="5" name="文本框 4"/>
+          <p:cNvSpPr txBox="1"/>
+          <p:nvPr/>
+        </p:nvSpPr>
+        <p:spPr>
+          <a:xfrm>
+            <a:off x="251520" y="1412776"/>
+            <a:ext cx="8568952" cy="4093428"/>
+          </a:xfrm>
+          <a:prstGeom prst="rect">
+            <a:avLst/>
+          </a:prstGeom>
+          <a:noFill/>
+        </p:spPr>
+        <p:txBody>
+          <a:bodyPr wrap="square" rtlCol="0">
+            <a:spAutoFit/>
+          </a:bodyPr>
+          <a:lstStyle/>
+          <a:p>
+            <a:r>
+              <a:rPr kumimoji="1" lang="zh-CN" altLang="en-US" sz="2000" dirty="0"/>
+              <a:t>简单来说</a:t>
+            </a:r>
+            <a:r>
+              <a:rPr kumimoji="1" lang="en-US" altLang="zh-CN" sz="2000" dirty="0"/>
+              <a:t>,</a:t>
+            </a:r>
+            <a:r>
+              <a:rPr kumimoji="1" lang="zh-CN" altLang="en-US" sz="2000" dirty="0"/>
+              <a:t> 可以理解为</a:t>
+            </a:r>
+            <a:r>
+              <a:rPr kumimoji="1" lang="en-US" altLang="zh-CN" sz="2000" dirty="0"/>
+              <a:t>:</a:t>
+            </a:r>
+            <a:r>
+              <a:rPr kumimoji="1" lang="zh-CN" altLang="en-US" sz="2000" dirty="0"/>
+              <a:t> 引用计数器表示有多少人正在使用这个对象</a:t>
+            </a:r>
+            <a:endParaRPr kumimoji="1" lang="en-US" altLang="zh-CN" sz="2000" dirty="0"/>
+          </a:p>
+          <a:p>
+            <a:endParaRPr kumimoji="1" lang="en-US" altLang="zh-CN" sz="2000" dirty="0"/>
+          </a:p>
+          <a:p>
+            <a:r>
+              <a:rPr kumimoji="1" lang="zh-CN" altLang="en-US" sz="2000" dirty="0"/>
+              <a:t>当没有任何人使用这个对象时</a:t>
+            </a:r>
+            <a:r>
+              <a:rPr kumimoji="1" lang="en-US" altLang="zh-CN" sz="2000" dirty="0"/>
+              <a:t>, </a:t>
+            </a:r>
+            <a:r>
+              <a:rPr kumimoji="1" lang="zh-CN" altLang="en-US" sz="2000" dirty="0"/>
+              <a:t>系统才会回收这个对象</a:t>
+            </a:r>
+            <a:r>
+              <a:rPr kumimoji="1" lang="en-US" altLang="zh-CN" sz="2000" dirty="0"/>
+              <a:t>,</a:t>
+            </a:r>
+            <a:r>
+              <a:rPr kumimoji="1" lang="zh-CN" altLang="en-US" sz="2000" dirty="0"/>
+              <a:t> 也就是说</a:t>
+            </a:r>
+            <a:endParaRPr kumimoji="1" lang="en-US" altLang="zh-CN" sz="2000" dirty="0"/>
+          </a:p>
+          <a:p>
+            <a:pPr>
+              <a:buFont typeface="Wingdings" charset="2"/>
+              <a:buChar char="Ø"/>
+            </a:pPr>
+            <a:r>
+              <a:rPr kumimoji="1" lang="zh-CN" altLang="en-US" sz="2000" dirty="0"/>
+              <a:t>当对象的引用计数器为</a:t>
+            </a:r>
+            <a:r>
+              <a:rPr kumimoji="1" lang="en-US" altLang="zh-CN" sz="2000" dirty="0"/>
+              <a:t>0</a:t>
+            </a:r>
+            <a:r>
+              <a:rPr kumimoji="1" lang="zh-CN" altLang="en-US" sz="2000" dirty="0"/>
+              <a:t>时</a:t>
+            </a:r>
+            <a:r>
+              <a:rPr kumimoji="1" lang="en-US" altLang="zh-CN" sz="2000" dirty="0"/>
+              <a:t>,</a:t>
+            </a:r>
+            <a:r>
+              <a:rPr kumimoji="1" lang="zh-CN" altLang="en-US" sz="2000" dirty="0"/>
+              <a:t>  对象占用的内存就会被系统回收</a:t>
+            </a:r>
+            <a:endParaRPr kumimoji="1" lang="en-US" altLang="zh-CN" sz="2000" dirty="0"/>
+          </a:p>
+          <a:p>
+            <a:pPr>
+              <a:buFont typeface="Wingdings" charset="2"/>
+              <a:buChar char="Ø"/>
+            </a:pPr>
+            <a:r>
+              <a:rPr lang="zh-CN" altLang="zh-CN" sz="2000" dirty="0"/>
+              <a:t>如果对象的计数器不为</a:t>
+            </a:r>
+            <a:r>
+              <a:rPr lang="en-US" altLang="zh-CN" sz="2000" dirty="0"/>
+              <a:t>0</a:t>
+            </a:r>
+            <a:r>
+              <a:rPr lang="zh-CN" altLang="zh-CN" sz="2000" dirty="0"/>
+              <a:t>，那么在整个程序运行过程，它占用的内存就不可能被回收</a:t>
+            </a:r>
+            <a:r>
+              <a:rPr lang="en-US" altLang="zh-CN" sz="2000" dirty="0"/>
+              <a:t>(</a:t>
+            </a:r>
+            <a:r>
+              <a:rPr lang="zh-CN" altLang="zh-CN" sz="2000" dirty="0"/>
+              <a:t>除非整个程序已经退出</a:t>
+            </a:r>
+            <a:r>
+              <a:rPr lang="en-US" altLang="zh-CN" sz="2000" dirty="0"/>
+              <a:t> </a:t>
+            </a:r>
+            <a:r>
+              <a:rPr lang="en-US" altLang="zh-CN" sz="2000" dirty="0" smtClean="0"/>
+              <a:t>)</a:t>
+            </a:r>
+          </a:p>
+          <a:p>
+            <a:pPr>
+              <a:buFont typeface="Wingdings" charset="2"/>
+              <a:buChar char="Ø"/>
+            </a:pPr>
+            <a:r>
+              <a:rPr lang="zh-CN" altLang="zh-CN" sz="2000" dirty="0" smtClean="0">
+                <a:solidFill>
+                  <a:srgbClr val="FFFFFF"/>
+                </a:solidFill>
+                <a:latin typeface="宋体" charset="0"/>
+                <a:ea typeface="宋体" charset="0"/>
+                <a:cs typeface="宋体" charset="0"/>
+              </a:rPr>
+              <a:t>内存</a:t>
+            </a:r>
+            <a:r>
+              <a:rPr lang="zh-CN" altLang="zh-CN" sz="2000" dirty="0">
+                <a:solidFill>
+                  <a:srgbClr val="FFFFFF"/>
+                </a:solidFill>
+                <a:latin typeface="宋体" charset="0"/>
+                <a:ea typeface="宋体" charset="0"/>
+                <a:cs typeface="宋体" charset="0"/>
+              </a:rPr>
+              <a:t>管理的原则就是最终的引用计数要平衡，如果最后引用计数大于</a:t>
+            </a:r>
+            <a:r>
+              <a:rPr lang="en-GB" altLang="zh-CN" sz="2000" dirty="0">
+                <a:solidFill>
+                  <a:srgbClr val="FFFFFF"/>
+                </a:solidFill>
+                <a:latin typeface="宋体" charset="0"/>
+                <a:ea typeface="宋体" charset="0"/>
+                <a:cs typeface="宋体" charset="0"/>
+              </a:rPr>
+              <a:t>0</a:t>
+            </a:r>
+            <a:r>
+              <a:rPr lang="zh-CN" altLang="zh-CN" sz="2000" dirty="0">
+                <a:solidFill>
+                  <a:srgbClr val="FFFFFF"/>
+                </a:solidFill>
+                <a:latin typeface="宋体" charset="0"/>
+                <a:ea typeface="宋体" charset="0"/>
+                <a:cs typeface="宋体" charset="0"/>
+              </a:rPr>
+              <a:t>则会内存泄露</a:t>
+            </a:r>
+          </a:p>
+          <a:p>
+            <a:pPr>
+              <a:buFont typeface="Wingdings" charset="2"/>
+              <a:buChar char="Ø"/>
+            </a:pPr>
+            <a:endParaRPr lang="en-US" altLang="zh-CN" sz="2000" dirty="0"/>
+          </a:p>
+          <a:p>
+            <a:pPr>
+              <a:buFont typeface="Wingdings" charset="2"/>
+              <a:buChar char="Ø"/>
+            </a:pPr>
+            <a:endParaRPr kumimoji="1" lang="en-US" altLang="zh-CN" sz="2000" dirty="0"/>
+          </a:p>
+          <a:p>
+            <a:r>
+              <a:rPr kumimoji="1" lang="zh-CN" altLang="en-US" sz="2000" dirty="0"/>
+              <a:t>任何一个对象</a:t>
+            </a:r>
+            <a:r>
+              <a:rPr kumimoji="1" lang="en-US" altLang="zh-CN" sz="2000" dirty="0"/>
+              <a:t>,</a:t>
+            </a:r>
+            <a:r>
+              <a:rPr kumimoji="1" lang="zh-CN" altLang="en-US" sz="2000" dirty="0"/>
+              <a:t> 刚生下来的时候</a:t>
+            </a:r>
+            <a:r>
+              <a:rPr kumimoji="1" lang="en-US" altLang="zh-CN" sz="2000" dirty="0"/>
+              <a:t>,</a:t>
+            </a:r>
+            <a:r>
+              <a:rPr kumimoji="1" lang="zh-CN" altLang="en-US" sz="2000" dirty="0"/>
+              <a:t> 引用计数器都为</a:t>
+            </a:r>
+            <a:r>
+              <a:rPr kumimoji="1" lang="en-US" altLang="zh-CN" sz="2000" dirty="0"/>
+              <a:t>1</a:t>
+            </a:r>
+          </a:p>
+          <a:p>
+            <a:pPr>
+              <a:buFont typeface="Wingdings" charset="2"/>
+              <a:buChar char="Ø"/>
+            </a:pPr>
+            <a:r>
+              <a:rPr lang="zh-CN" altLang="zh-CN" sz="2000" dirty="0"/>
+              <a:t>当使用</a:t>
+            </a:r>
+            <a:r>
+              <a:rPr lang="en-US" altLang="zh-CN" sz="2000" dirty="0" err="1">
+                <a:solidFill>
+                  <a:srgbClr val="5C2699"/>
+                </a:solidFill>
+                <a:latin typeface="Menlo-Regular"/>
+              </a:rPr>
+              <a:t>alloc</a:t>
+            </a:r>
+            <a:r>
+              <a:rPr lang="zh-CN" altLang="zh-CN" sz="2000" dirty="0"/>
+              <a:t>、</a:t>
+            </a:r>
+            <a:r>
+              <a:rPr lang="en-US" altLang="zh-CN" sz="2000" dirty="0">
+                <a:solidFill>
+                  <a:srgbClr val="5C2699"/>
+                </a:solidFill>
+                <a:latin typeface="Menlo-Regular"/>
+              </a:rPr>
+              <a:t>new</a:t>
+            </a:r>
+            <a:r>
+              <a:rPr lang="zh-CN" altLang="zh-CN" sz="2000" dirty="0"/>
+              <a:t>或者</a:t>
+            </a:r>
+            <a:r>
+              <a:rPr lang="en-US" altLang="zh-CN" sz="2000" dirty="0">
+                <a:solidFill>
+                  <a:srgbClr val="5C2699"/>
+                </a:solidFill>
+                <a:latin typeface="Menlo-Regular"/>
+              </a:rPr>
+              <a:t>copy</a:t>
+            </a:r>
+            <a:r>
+              <a:rPr lang="zh-CN" altLang="zh-CN" sz="2000" dirty="0"/>
+              <a:t>创建一个对象时，对象的</a:t>
+            </a:r>
+            <a:r>
+              <a:rPr lang="zh-CN" altLang="zh-CN" sz="2000" b="1" dirty="0"/>
+              <a:t>引用计数器</a:t>
+            </a:r>
+            <a:r>
+              <a:rPr lang="zh-CN" altLang="zh-CN" sz="2000" dirty="0"/>
+              <a:t>默认就是</a:t>
+            </a:r>
+            <a:r>
+              <a:rPr lang="en-US" altLang="zh-CN" sz="2000" dirty="0"/>
+              <a:t>1 </a:t>
+            </a:r>
+            <a:endParaRPr kumimoji="1" lang="en-US" altLang="zh-CN" sz="2000" dirty="0"/>
+          </a:p>
+        </p:txBody>
+      </p:sp>
+    </p:spTree>
+    <p:extLst>
+      <p:ext uri="{BB962C8B-B14F-4D97-AF65-F5344CB8AC3E}">
+        <p14:creationId xmlns:p14="http://schemas.microsoft.com/office/powerpoint/2010/main" val="3364343628"/>
+      </p:ext>
+    </p:extLst>
+  </p:cSld>
+  <p:clrMapOvr>
+    <a:masterClrMapping/>
+  </p:clrMapOvr>
+  <p:timing>
+    <p:tnLst>
+      <p:par>
+        <p:cTn xmlns:p14="http://schemas.microsoft.com/office/powerpoint/2010/main" id="1" dur="indefinite" restart="never" nodeType="tmRoot"/>
+      </p:par>
+    </p:tnLst>
+  </p:timing>
+</p:sld>
+</file>
+
+<file path=ppt/slides/slide7.xml><?xml version="1.0" encoding="utf-8"?>
+<p:sld xmlns:a="http://schemas.openxmlformats.org/drawingml/2006/main" xmlns:r="http://schemas.openxmlformats.org/officeDocument/2006/relationships" xmlns:p="http://schemas.openxmlformats.org/presentationml/2006/main">
+  <p:cSld>
+    <p:spTree>
+      <p:nvGrpSpPr>
+        <p:cNvPr id="1" name=""/>
+        <p:cNvGrpSpPr/>
+        <p:nvPr/>
+      </p:nvGrpSpPr>
+      <p:grpSpPr>
+        <a:xfrm>
+          <a:off x="0" y="0"/>
+          <a:ext cx="0" cy="0"/>
+          <a:chOff x="0" y="0"/>
+          <a:chExt cx="0" cy="0"/>
+        </a:xfrm>
+      </p:grpSpPr>
+      <p:sp>
+        <p:nvSpPr>
+          <p:cNvPr id="2" name="标题 1"/>
+          <p:cNvSpPr>
+            <a:spLocks noGrp="1"/>
+          </p:cNvSpPr>
+          <p:nvPr>
+            <p:ph type="title"/>
+          </p:nvPr>
+        </p:nvSpPr>
+        <p:spPr/>
+        <p:txBody>
+          <a:bodyPr/>
+          <a:lstStyle/>
+          <a:p>
+            <a:r>
+              <a:rPr kumimoji="1" lang="zh-CN" altLang="en-US" dirty="0"/>
+              <a:t>引用计数器的操作</a:t>
+            </a:r>
+            <a:endParaRPr kumimoji="1" lang="zh-CN" altLang="en-US" dirty="0"/>
+          </a:p>
+        </p:txBody>
+      </p:sp>
+      <p:sp>
+        <p:nvSpPr>
+          <p:cNvPr id="3" name="幻灯片编号占位符 2"/>
+          <p:cNvSpPr>
+            <a:spLocks noGrp="1"/>
+          </p:cNvSpPr>
+          <p:nvPr>
+            <p:ph type="sldNum" sz="quarter" idx="4"/>
+          </p:nvPr>
+        </p:nvSpPr>
+        <p:spPr/>
+        <p:txBody>
+          <a:bodyPr/>
+          <a:lstStyle/>
+          <a:p>
+            <a:fld id="{BF10DB53-D7D3-4DB6-A29F-40217B92EC88}" type="slidenum">
+              <a:rPr lang="en-US" smtClean="0"/>
+              <a:pPr/>
+              <a:t>6</a:t>
+            </a:fld>
+            <a:endParaRPr lang="en-US" dirty="0"/>
+          </a:p>
+        </p:txBody>
+      </p:sp>
+      <p:sp>
+        <p:nvSpPr>
+          <p:cNvPr id="5" name="文本框 4"/>
+          <p:cNvSpPr txBox="1"/>
+          <p:nvPr/>
+        </p:nvSpPr>
+        <p:spPr>
+          <a:xfrm>
+            <a:off x="251520" y="1412776"/>
+            <a:ext cx="8568952" cy="2862322"/>
+          </a:xfrm>
+          <a:prstGeom prst="rect">
+            <a:avLst/>
+          </a:prstGeom>
+          <a:noFill/>
+        </p:spPr>
+        <p:txBody>
+          <a:bodyPr wrap="square" rtlCol="0">
+            <a:spAutoFit/>
+          </a:bodyPr>
+          <a:lstStyle/>
+          <a:p>
+            <a:r>
+              <a:rPr kumimoji="1" lang="zh-CN" altLang="en-US" sz="2000" dirty="0"/>
+              <a:t>要想管理对象占用的内存</a:t>
+            </a:r>
+            <a:r>
+              <a:rPr kumimoji="1" lang="en-US" altLang="zh-CN" sz="2000" dirty="0"/>
+              <a:t>,</a:t>
+            </a:r>
+            <a:r>
+              <a:rPr kumimoji="1" lang="zh-CN" altLang="en-US" sz="2000" dirty="0"/>
+              <a:t> 就得学会操作对象的引用计数器</a:t>
+            </a:r>
+            <a:endParaRPr kumimoji="1" lang="en-US" altLang="zh-CN" sz="2000" dirty="0"/>
+          </a:p>
+          <a:p>
+            <a:endParaRPr kumimoji="1" lang="en-US" altLang="zh-CN" sz="2000" dirty="0"/>
+          </a:p>
+          <a:p>
+            <a:r>
+              <a:rPr kumimoji="1" lang="zh-CN" altLang="en-US" sz="2000" dirty="0"/>
+              <a:t>引用计数器的常见操作</a:t>
+            </a:r>
+            <a:endParaRPr kumimoji="1" lang="en-US" altLang="zh-CN" sz="2000" dirty="0"/>
+          </a:p>
+          <a:p>
+            <a:pPr lvl="0">
+              <a:buFont typeface="Wingdings" charset="2"/>
+              <a:buChar char="Ø"/>
+            </a:pPr>
+            <a:r>
+              <a:rPr lang="zh-CN" altLang="zh-CN" sz="2000" dirty="0"/>
+              <a:t>给对象发送一条</a:t>
+            </a:r>
+            <a:r>
+              <a:rPr lang="en-US" altLang="zh-CN" sz="2000" dirty="0">
+                <a:solidFill>
+                  <a:srgbClr val="5C2699"/>
+                </a:solidFill>
+                <a:latin typeface="Menlo-Regular"/>
+              </a:rPr>
+              <a:t>retain</a:t>
+            </a:r>
+            <a:r>
+              <a:rPr lang="zh-CN" altLang="zh-CN" sz="2000" dirty="0"/>
+              <a:t>消息</a:t>
+            </a:r>
+            <a:r>
+              <a:rPr lang="en-US" altLang="zh-CN" sz="2000" dirty="0"/>
+              <a:t>,</a:t>
+            </a:r>
+            <a:r>
+              <a:rPr lang="zh-CN" altLang="en-US" sz="2000" dirty="0"/>
+              <a:t> </a:t>
+            </a:r>
+            <a:r>
+              <a:rPr lang="zh-CN" altLang="zh-CN" sz="2000" dirty="0"/>
+              <a:t>可以使引用计数器值</a:t>
+            </a:r>
+            <a:r>
+              <a:rPr lang="en-US" altLang="zh-CN" sz="2000" b="1" dirty="0"/>
+              <a:t>+1</a:t>
+            </a:r>
+            <a:r>
+              <a:rPr lang="zh-CN" altLang="zh-CN" sz="2000" b="1" dirty="0"/>
+              <a:t>（</a:t>
+            </a:r>
+            <a:r>
+              <a:rPr lang="en-US" altLang="zh-CN" sz="2000" dirty="0">
+                <a:solidFill>
+                  <a:srgbClr val="FF0000"/>
+                </a:solidFill>
+                <a:latin typeface="Menlo-Regular"/>
+              </a:rPr>
+              <a:t>retain</a:t>
+            </a:r>
+            <a:r>
+              <a:rPr lang="zh-CN" altLang="zh-CN" sz="2000" b="1" dirty="0">
+                <a:solidFill>
+                  <a:srgbClr val="FF0000"/>
+                </a:solidFill>
+              </a:rPr>
+              <a:t>方法返回对象本身</a:t>
+            </a:r>
+            <a:r>
+              <a:rPr lang="zh-CN" altLang="zh-CN" sz="2000" b="1" dirty="0"/>
+              <a:t>）</a:t>
+            </a:r>
+            <a:endParaRPr lang="en-US" altLang="zh-CN" sz="2000" dirty="0"/>
+          </a:p>
+          <a:p>
+            <a:pPr lvl="0">
+              <a:buFont typeface="Wingdings" charset="2"/>
+              <a:buChar char="Ø"/>
+            </a:pPr>
+            <a:r>
+              <a:rPr lang="zh-CN" altLang="zh-CN" sz="2000" dirty="0"/>
+              <a:t>给对象发送一条</a:t>
+            </a:r>
+            <a:r>
+              <a:rPr lang="en-US" altLang="zh-CN" sz="2000" dirty="0">
+                <a:solidFill>
+                  <a:srgbClr val="5C2699"/>
+                </a:solidFill>
+                <a:latin typeface="Menlo-Regular"/>
+              </a:rPr>
+              <a:t>release</a:t>
+            </a:r>
+            <a:r>
+              <a:rPr lang="zh-CN" altLang="zh-CN" sz="2000" dirty="0"/>
+              <a:t>消息</a:t>
+            </a:r>
+            <a:r>
+              <a:rPr lang="en-US" altLang="zh-CN" sz="2000" dirty="0"/>
+              <a:t>,</a:t>
+            </a:r>
+            <a:r>
+              <a:rPr lang="zh-CN" altLang="en-US" sz="2000" dirty="0"/>
+              <a:t> </a:t>
+            </a:r>
+            <a:r>
+              <a:rPr lang="zh-CN" altLang="zh-CN" sz="2000" dirty="0"/>
+              <a:t>可以使引用计数器值</a:t>
+            </a:r>
+            <a:r>
+              <a:rPr lang="en-US" altLang="zh-CN" sz="2000" b="1" dirty="0"/>
+              <a:t>-1</a:t>
+            </a:r>
+            <a:endParaRPr lang="en-US" altLang="zh-CN" sz="2000" dirty="0"/>
+          </a:p>
+          <a:p>
+            <a:pPr lvl="0">
+              <a:buFont typeface="Wingdings" charset="2"/>
+              <a:buChar char="Ø"/>
+            </a:pPr>
+            <a:r>
+              <a:rPr lang="zh-CN" altLang="zh-CN" sz="2000" dirty="0"/>
+              <a:t>给对象发送</a:t>
+            </a:r>
+            <a:r>
+              <a:rPr lang="en-US" altLang="zh-CN" sz="2000" dirty="0" err="1">
+                <a:solidFill>
+                  <a:srgbClr val="5C2699"/>
+                </a:solidFill>
+                <a:latin typeface="Menlo-Regular"/>
+              </a:rPr>
+              <a:t>retainCount</a:t>
+            </a:r>
+            <a:r>
+              <a:rPr lang="zh-CN" altLang="zh-CN" sz="2000" dirty="0"/>
+              <a:t>消息</a:t>
+            </a:r>
+            <a:r>
+              <a:rPr lang="en-US" altLang="zh-CN" sz="2000" dirty="0"/>
+              <a:t>,</a:t>
+            </a:r>
+            <a:r>
+              <a:rPr lang="zh-CN" altLang="en-US" sz="2000" dirty="0"/>
+              <a:t> 可以</a:t>
+            </a:r>
+            <a:r>
+              <a:rPr lang="zh-CN" altLang="zh-CN" sz="2000" dirty="0"/>
+              <a:t>获得当前的引用计数器值</a:t>
+            </a:r>
+            <a:endParaRPr lang="en-US" altLang="zh-CN" sz="2000" dirty="0"/>
+          </a:p>
+          <a:p>
+            <a:pPr lvl="0">
+              <a:buFont typeface="Wingdings" charset="2"/>
+              <a:buChar char="Ø"/>
+            </a:pPr>
+            <a:endParaRPr lang="en-US" altLang="zh-CN" sz="2000" dirty="0"/>
+          </a:p>
+          <a:p>
+            <a:pPr lvl="0"/>
+            <a:r>
+              <a:rPr lang="zh-CN" altLang="en-US" sz="2000" dirty="0"/>
+              <a:t>需要注意的是</a:t>
+            </a:r>
+            <a:r>
+              <a:rPr lang="en-US" altLang="zh-CN" sz="2000" dirty="0"/>
+              <a:t>: </a:t>
+            </a:r>
+            <a:r>
+              <a:rPr lang="en-US" altLang="zh-CN" sz="2000" dirty="0">
+                <a:solidFill>
+                  <a:srgbClr val="FF0000"/>
+                </a:solidFill>
+                <a:latin typeface="Menlo-Regular"/>
+              </a:rPr>
+              <a:t>release</a:t>
+            </a:r>
+            <a:r>
+              <a:rPr lang="zh-CN" altLang="en-US" sz="2000" dirty="0">
+                <a:solidFill>
+                  <a:srgbClr val="FF0000"/>
+                </a:solidFill>
+              </a:rPr>
+              <a:t>并不代表销毁</a:t>
+            </a:r>
+            <a:r>
+              <a:rPr lang="en-US" altLang="zh-CN" sz="2000" dirty="0">
+                <a:solidFill>
+                  <a:srgbClr val="FF0000"/>
+                </a:solidFill>
+              </a:rPr>
+              <a:t>\</a:t>
+            </a:r>
+            <a:r>
+              <a:rPr lang="zh-CN" altLang="en-US" sz="2000" dirty="0">
+                <a:solidFill>
+                  <a:srgbClr val="FF0000"/>
+                </a:solidFill>
+              </a:rPr>
+              <a:t>回收对象</a:t>
+            </a:r>
+            <a:r>
+              <a:rPr lang="en-US" altLang="zh-CN" sz="2000" dirty="0">
+                <a:solidFill>
+                  <a:srgbClr val="FF0000"/>
+                </a:solidFill>
+              </a:rPr>
+              <a:t>,</a:t>
+            </a:r>
+            <a:r>
+              <a:rPr lang="zh-CN" altLang="en-US" sz="2000" dirty="0">
+                <a:solidFill>
+                  <a:srgbClr val="FF0000"/>
+                </a:solidFill>
+              </a:rPr>
+              <a:t> 仅仅是计数器</a:t>
+            </a:r>
+            <a:r>
+              <a:rPr lang="en-US" altLang="zh-CN" sz="2000" dirty="0">
+                <a:solidFill>
+                  <a:srgbClr val="FF0000"/>
+                </a:solidFill>
+              </a:rPr>
+              <a:t>-1</a:t>
+            </a:r>
+            <a:endParaRPr lang="en-US" altLang="zh-CN" sz="2000" dirty="0">
+              <a:solidFill>
+                <a:srgbClr val="FF0000"/>
+              </a:solidFill>
+            </a:endParaRPr>
+          </a:p>
+        </p:txBody>
+      </p:sp>
+    </p:spTree>
+    <p:extLst>
+      <p:ext uri="{BB962C8B-B14F-4D97-AF65-F5344CB8AC3E}">
+        <p14:creationId xmlns:p14="http://schemas.microsoft.com/office/powerpoint/2010/main" val="2198883528"/>
+      </p:ext>
+    </p:extLst>
+  </p:cSld>
+  <p:clrMapOvr>
+    <a:masterClrMapping/>
+  </p:clrMapOvr>
+  <p:timing>
+    <p:tnLst>
+      <p:par>
+        <p:cTn xmlns:p14="http://schemas.microsoft.com/office/powerpoint/2010/main" id="1" dur="indefinite" restart="never" nodeType="tmRoot"/>
+      </p:par>
+    </p:tnLst>
+  </p:timing>
+</p:sld>
+</file>
+
+<file path=ppt/slides/slide8.xml><?xml version="1.0" encoding="utf-8"?>
+<p:sld xmlns:a="http://schemas.openxmlformats.org/drawingml/2006/main" xmlns:r="http://schemas.openxmlformats.org/officeDocument/2006/relationships" xmlns:p="http://schemas.openxmlformats.org/presentationml/2006/main">
+  <p:cSld>
+    <p:spTree>
+      <p:nvGrpSpPr>
+        <p:cNvPr id="1" name=""/>
+        <p:cNvGrpSpPr/>
+        <p:nvPr/>
+      </p:nvGrpSpPr>
+      <p:grpSpPr>
+        <a:xfrm>
+          <a:off x="0" y="0"/>
+          <a:ext cx="0" cy="0"/>
+          <a:chOff x="0" y="0"/>
+          <a:chExt cx="0" cy="0"/>
+        </a:xfrm>
+      </p:grpSpPr>
+      <p:sp>
+        <p:nvSpPr>
+          <p:cNvPr id="2" name="标题 1"/>
+          <p:cNvSpPr>
+            <a:spLocks noGrp="1"/>
+          </p:cNvSpPr>
+          <p:nvPr>
+            <p:ph type="title"/>
+          </p:nvPr>
+        </p:nvSpPr>
+        <p:spPr/>
+        <p:txBody>
+          <a:bodyPr/>
+          <a:lstStyle/>
+          <a:p>
+            <a:r>
+              <a:rPr kumimoji="1" lang="zh-CN" altLang="en-US" dirty="0"/>
+              <a:t>内存管理原则</a:t>
+            </a:r>
+            <a:r>
+              <a:rPr lang="zh-CN" altLang="en-US" b="0" dirty="0" smtClean="0"/>
+              <a:t>（</a:t>
+            </a:r>
+            <a:r>
+              <a:rPr lang="en-US" altLang="zh-CN" b="0" dirty="0" smtClean="0"/>
+              <a:t>MRC</a:t>
+            </a:r>
+            <a:r>
+              <a:rPr lang="zh-CN" altLang="en-US" b="0" dirty="0" smtClean="0"/>
+              <a:t>）</a:t>
+            </a:r>
+            <a:endParaRPr kumimoji="1" lang="zh-CN" altLang="en-US" dirty="0"/>
+          </a:p>
+        </p:txBody>
+      </p:sp>
+      <p:sp>
+        <p:nvSpPr>
+          <p:cNvPr id="3" name="幻灯片编号占位符 2"/>
+          <p:cNvSpPr>
+            <a:spLocks noGrp="1"/>
+          </p:cNvSpPr>
+          <p:nvPr>
+            <p:ph type="sldNum" sz="quarter" idx="4"/>
+          </p:nvPr>
+        </p:nvSpPr>
+        <p:spPr/>
+        <p:txBody>
+          <a:bodyPr/>
+          <a:lstStyle/>
+          <a:p>
+            <a:fld id="{BF10DB53-D7D3-4DB6-A29F-40217B92EC88}" type="slidenum">
+              <a:rPr lang="en-US" smtClean="0"/>
+              <a:pPr/>
+              <a:t>7</a:t>
+            </a:fld>
+            <a:endParaRPr lang="en-US" dirty="0"/>
+          </a:p>
+        </p:txBody>
+      </p:sp>
+      <p:sp>
+        <p:nvSpPr>
+          <p:cNvPr id="5" name="文本框 4"/>
+          <p:cNvSpPr txBox="1"/>
+          <p:nvPr/>
+        </p:nvSpPr>
+        <p:spPr>
+          <a:xfrm>
+            <a:off x="251520" y="1412776"/>
+            <a:ext cx="8568952" cy="4292200"/>
+          </a:xfrm>
+          <a:prstGeom prst="rect">
+            <a:avLst/>
+          </a:prstGeom>
+          <a:noFill/>
+        </p:spPr>
+        <p:txBody>
+          <a:bodyPr wrap="square" rtlCol="0">
+            <a:spAutoFit/>
+          </a:bodyPr>
+          <a:lstStyle/>
+          <a:p>
+            <a:pPr marL="342900" lvl="0" indent="-342900">
+              <a:lnSpc>
+                <a:spcPct val="150000"/>
+              </a:lnSpc>
+              <a:buFont typeface="Wingdings" charset="2"/>
+              <a:buChar char="l"/>
+            </a:pPr>
+            <a:r>
+              <a:rPr lang="zh-CN" altLang="en-US" sz="2400" dirty="0"/>
+              <a:t>苹果官方规定的内存管理原则</a:t>
+            </a:r>
+            <a:endParaRPr lang="en-US" altLang="zh-CN" sz="2400" dirty="0"/>
+          </a:p>
+          <a:p>
+            <a:pPr>
+              <a:lnSpc>
+                <a:spcPct val="150000"/>
+              </a:lnSpc>
+              <a:buFont typeface="Wingdings" charset="2"/>
+              <a:buChar char="Ø"/>
+            </a:pPr>
+            <a:r>
+              <a:rPr lang="zh-CN" altLang="en-US" sz="2400" dirty="0"/>
+              <a:t>谁创建谁</a:t>
+            </a:r>
+            <a:r>
+              <a:rPr lang="en-US" altLang="zh-CN" sz="2400" dirty="0"/>
+              <a:t>release</a:t>
+            </a:r>
+            <a:r>
+              <a:rPr lang="zh-CN" altLang="en-US" sz="2400" dirty="0"/>
+              <a:t> </a:t>
+            </a:r>
+            <a:r>
+              <a:rPr lang="en-US" altLang="zh-CN" sz="2400" dirty="0"/>
+              <a:t>:</a:t>
+            </a:r>
+            <a:r>
+              <a:rPr lang="zh-CN" altLang="en-US" sz="2400" dirty="0"/>
+              <a:t> </a:t>
+            </a:r>
+            <a:r>
+              <a:rPr lang="zh-CN" altLang="zh-CN" sz="2400" dirty="0"/>
+              <a:t>如果你通过</a:t>
+            </a:r>
+            <a:r>
+              <a:rPr lang="en-US" altLang="zh-CN" sz="2400" dirty="0" err="1"/>
+              <a:t>alloc</a:t>
+            </a:r>
+            <a:r>
+              <a:rPr lang="zh-CN" altLang="zh-CN" sz="2400" dirty="0"/>
+              <a:t>、</a:t>
+            </a:r>
+            <a:r>
+              <a:rPr lang="en-US" altLang="zh-CN" sz="2400" dirty="0"/>
+              <a:t>new</a:t>
+            </a:r>
+            <a:r>
+              <a:rPr lang="zh-CN" altLang="zh-CN" sz="2400" dirty="0"/>
+              <a:t>或</a:t>
+            </a:r>
+            <a:r>
+              <a:rPr lang="en-US" altLang="zh-CN" sz="2400" dirty="0"/>
+              <a:t>[mutable]copy</a:t>
+            </a:r>
+            <a:r>
+              <a:rPr lang="zh-CN" altLang="zh-CN" sz="2400" dirty="0"/>
+              <a:t>来创建一个对象，那么你必须调用</a:t>
+            </a:r>
+            <a:r>
+              <a:rPr lang="en-US" altLang="zh-CN" sz="2400" dirty="0"/>
+              <a:t>release</a:t>
+            </a:r>
+            <a:r>
+              <a:rPr lang="zh-CN" altLang="zh-CN" sz="2400" dirty="0"/>
+              <a:t>或</a:t>
+            </a:r>
+            <a:r>
+              <a:rPr lang="en-US" altLang="zh-CN" sz="2400" dirty="0" err="1"/>
+              <a:t>autorelease</a:t>
+            </a:r>
+            <a:endParaRPr lang="en-US" altLang="zh-CN" sz="2400" dirty="0"/>
+          </a:p>
+          <a:p>
+            <a:pPr marL="342900" indent="-342900">
+              <a:lnSpc>
+                <a:spcPct val="150000"/>
+              </a:lnSpc>
+              <a:spcBef>
+                <a:spcPts val="1375"/>
+              </a:spcBef>
+              <a:buFont typeface="Wingdings" charset="2"/>
+              <a:buChar char="l"/>
+              <a:tabLst>
+                <a:tab pos="0" algn="l"/>
+                <a:tab pos="104775" algn="l"/>
+                <a:tab pos="554038" algn="l"/>
+                <a:tab pos="1003300" algn="l"/>
+                <a:tab pos="1452563" algn="l"/>
+                <a:tab pos="1901825" algn="l"/>
+                <a:tab pos="2351088" algn="l"/>
+                <a:tab pos="2800350" algn="l"/>
+                <a:tab pos="3249613" algn="l"/>
+                <a:tab pos="3698875" algn="l"/>
+                <a:tab pos="4148138" algn="l"/>
+                <a:tab pos="4597400" algn="l"/>
+                <a:tab pos="5046663" algn="l"/>
+                <a:tab pos="5495925" algn="l"/>
+                <a:tab pos="5945188" algn="l"/>
+                <a:tab pos="6394450" algn="l"/>
+                <a:tab pos="6843713" algn="l"/>
+                <a:tab pos="7292975" algn="l"/>
+                <a:tab pos="7742238" algn="l"/>
+                <a:tab pos="8191500" algn="l"/>
+                <a:tab pos="8640763" algn="l"/>
+              </a:tabLst>
+            </a:pPr>
+            <a:r>
+              <a:rPr lang="en-GB" altLang="zh-CN" sz="2400" dirty="0" smtClean="0">
                 <a:solidFill>
                   <a:schemeClr val="accent3"/>
                 </a:solidFill>
@@ -9105,14 +14258,6 @@
               </a:rPr>
               <a:t>消息</a:t>
             </a:r>
-            <a:endParaRPr lang="zh-CN" altLang="zh-CN" sz="2400" dirty="0">
-              <a:solidFill>
-                <a:srgbClr val="FFFFFF"/>
-              </a:solidFill>
-              <a:latin typeface="宋体" charset="0"/>
-              <a:ea typeface="宋体" charset="0"/>
-              <a:cs typeface="宋体" charset="0"/>
-            </a:endParaRPr>
           </a:p>
         </p:txBody>
       </p:sp>
@@ -9136,7 +14281,7 @@
 </p:sld>
 </file>
 
-<file path=ppt/slides/slide3.xml><?xml version="1.0" encoding="utf-8"?>
+<file path=ppt/slides/slide9.xml><?xml version="1.0" encoding="utf-8"?>
 <p:sld xmlns:a="http://schemas.openxmlformats.org/drawingml/2006/main" xmlns:r="http://schemas.openxmlformats.org/officeDocument/2006/relationships" xmlns:p="http://schemas.openxmlformats.org/presentationml/2006/main">
   <p:cSld>
     <p:spTree>
@@ -9170,11 +14315,7 @@
           <a:p>
             <a:r>
               <a:rPr lang="zh-CN" altLang="en-US" b="0" dirty="0" smtClean="0"/>
-              <a:t>内存管理</a:t>
-            </a:r>
-            <a:r>
-              <a:rPr lang="zh-CN" altLang="en-US" b="0" dirty="0" smtClean="0"/>
-              <a:t>（</a:t>
+              <a:t>内存管理（</a:t>
             </a:r>
             <a:r>
               <a:rPr lang="en-US" altLang="zh-CN" b="0" dirty="0" smtClean="0"/>
@@ -9206,7 +14347,7 @@
             <a:fld id="{BF10DB53-D7D3-4DB6-A29F-40217B92EC88}" type="slidenum">
               <a:rPr lang="en-US" smtClean="0"/>
               <a:pPr/>
-              <a:t>2</a:t>
+              <a:t>8</a:t>
             </a:fld>
             <a:endParaRPr lang="en-US" dirty="0"/>
           </a:p>
@@ -9562,11 +14703,6 @@
               </a:rPr>
               <a:t>）</a:t>
             </a:r>
-            <a:endParaRPr lang="zh-CN" altLang="zh-CN" sz="2400" dirty="0">
-              <a:latin typeface="宋体" charset="0"/>
-              <a:ea typeface="宋体" charset="0"/>
-              <a:cs typeface="宋体" charset="0"/>
-            </a:endParaRPr>
           </a:p>
         </p:txBody>
       </p:sp>
@@ -9574,1194 +14710,6 @@
     <p:extLst>
       <p:ext uri="{BB962C8B-B14F-4D97-AF65-F5344CB8AC3E}">
         <p14:creationId xmlns:p14="http://schemas.microsoft.com/office/powerpoint/2010/main" val="4020653048"/>
-      </p:ext>
-    </p:extLst>
-  </p:cSld>
-  <p:clrMapOvr>
-    <a:masterClrMapping/>
-  </p:clrMapOvr>
-  <p:timing>
-    <p:tnLst>
-      <p:par>
-        <p:cTn xmlns:p14="http://schemas.microsoft.com/office/powerpoint/2010/main" id="1" dur="indefinite" restart="never" nodeType="tmRoot"/>
-      </p:par>
-    </p:tnLst>
-  </p:timing>
-</p:sld>
-</file>
-
-<file path=ppt/slides/slide4.xml><?xml version="1.0" encoding="utf-8"?>
-<p:sld xmlns:a="http://schemas.openxmlformats.org/drawingml/2006/main" xmlns:r="http://schemas.openxmlformats.org/officeDocument/2006/relationships" xmlns:p="http://schemas.openxmlformats.org/presentationml/2006/main">
-  <p:cSld>
-    <p:spTree>
-      <p:nvGrpSpPr>
-        <p:cNvPr id="1" name=""/>
-        <p:cNvGrpSpPr/>
-        <p:nvPr/>
-      </p:nvGrpSpPr>
-      <p:grpSpPr>
-        <a:xfrm>
-          <a:off x="0" y="0"/>
-          <a:ext cx="0" cy="0"/>
-          <a:chOff x="0" y="0"/>
-          <a:chExt cx="0" cy="0"/>
-        </a:xfrm>
-      </p:grpSpPr>
-      <p:sp>
-        <p:nvSpPr>
-          <p:cNvPr id="2" name="标题 1"/>
-          <p:cNvSpPr>
-            <a:spLocks noGrp="1"/>
-          </p:cNvSpPr>
-          <p:nvPr>
-            <p:ph type="title"/>
-          </p:nvPr>
-        </p:nvSpPr>
-        <p:spPr/>
-        <p:txBody>
-          <a:bodyPr/>
-          <a:lstStyle/>
-          <a:p>
-            <a:r>
-              <a:rPr lang="zh-CN" altLang="en-US" b="0" dirty="0" smtClean="0"/>
-              <a:t>内存管理</a:t>
-            </a:r>
-            <a:r>
-              <a:rPr lang="zh-CN" altLang="en-US" b="0" dirty="0" smtClean="0"/>
-              <a:t>（</a:t>
-            </a:r>
-            <a:r>
-              <a:rPr lang="en-US" altLang="zh-CN" b="0" dirty="0" smtClean="0"/>
-              <a:t>MRC</a:t>
-            </a:r>
-            <a:r>
-              <a:rPr lang="zh-CN" altLang="en-US" b="0" dirty="0" smtClean="0"/>
-              <a:t>）</a:t>
-            </a:r>
-            <a:endParaRPr kumimoji="1" lang="zh-CN" altLang="en-US" dirty="0"/>
-          </a:p>
-        </p:txBody>
-      </p:sp>
-      <p:sp>
-        <p:nvSpPr>
-          <p:cNvPr id="3" name="幻灯片编号占位符 2"/>
-          <p:cNvSpPr>
-            <a:spLocks noGrp="1"/>
-          </p:cNvSpPr>
-          <p:nvPr>
-            <p:ph type="sldNum" sz="quarter" idx="4"/>
-          </p:nvPr>
-        </p:nvSpPr>
-        <p:spPr/>
-        <p:txBody>
-          <a:bodyPr/>
-          <a:lstStyle/>
-          <a:p>
-            <a:fld id="{BF10DB53-D7D3-4DB6-A29F-40217B92EC88}" type="slidenum">
-              <a:rPr lang="en-US" smtClean="0"/>
-              <a:pPr/>
-              <a:t>3</a:t>
-            </a:fld>
-            <a:endParaRPr lang="en-US" dirty="0"/>
-          </a:p>
-        </p:txBody>
-      </p:sp>
-      <p:sp>
-        <p:nvSpPr>
-          <p:cNvPr id="5" name="文本框 4"/>
-          <p:cNvSpPr txBox="1"/>
-          <p:nvPr/>
-        </p:nvSpPr>
-        <p:spPr>
-          <a:xfrm>
-            <a:off x="251520" y="1340768"/>
-            <a:ext cx="8568952" cy="4728858"/>
-          </a:xfrm>
-          <a:prstGeom prst="rect">
-            <a:avLst/>
-          </a:prstGeom>
-          <a:noFill/>
-        </p:spPr>
-        <p:txBody>
-          <a:bodyPr wrap="square" rtlCol="0">
-            <a:spAutoFit/>
-          </a:bodyPr>
-          <a:lstStyle/>
-          <a:p>
-            <a:pPr>
-              <a:lnSpc>
-                <a:spcPct val="100000"/>
-              </a:lnSpc>
-              <a:spcBef>
-                <a:spcPts val="1375"/>
-              </a:spcBef>
-              <a:tabLst>
-                <a:tab pos="0" algn="l"/>
-                <a:tab pos="104775" algn="l"/>
-                <a:tab pos="554038" algn="l"/>
-                <a:tab pos="1003300" algn="l"/>
-                <a:tab pos="1452563" algn="l"/>
-                <a:tab pos="1901825" algn="l"/>
-                <a:tab pos="2351088" algn="l"/>
-                <a:tab pos="2800350" algn="l"/>
-                <a:tab pos="3249613" algn="l"/>
-                <a:tab pos="3698875" algn="l"/>
-                <a:tab pos="4148138" algn="l"/>
-                <a:tab pos="4597400" algn="l"/>
-                <a:tab pos="5046663" algn="l"/>
-                <a:tab pos="5495925" algn="l"/>
-                <a:tab pos="5945188" algn="l"/>
-                <a:tab pos="6394450" algn="l"/>
-                <a:tab pos="6843713" algn="l"/>
-                <a:tab pos="7292975" algn="l"/>
-                <a:tab pos="7742238" algn="l"/>
-                <a:tab pos="8191500" algn="l"/>
-                <a:tab pos="8640763" algn="l"/>
-              </a:tabLst>
-            </a:pPr>
-            <a:r>
-              <a:rPr lang="en-GB" altLang="zh-CN" sz="2400" dirty="0" err="1">
-                <a:solidFill>
-                  <a:srgbClr val="FFFF00"/>
-                </a:solidFill>
-                <a:latin typeface="宋体" charset="0"/>
-                <a:ea typeface="宋体" charset="0"/>
-                <a:cs typeface="宋体" charset="0"/>
-              </a:rPr>
-              <a:t>Alloc</a:t>
-            </a:r>
-            <a:r>
-              <a:rPr lang="en-GB" altLang="zh-CN" sz="2400" dirty="0">
-                <a:solidFill>
-                  <a:srgbClr val="FFFF00"/>
-                </a:solidFill>
-                <a:latin typeface="宋体" charset="0"/>
-                <a:ea typeface="宋体" charset="0"/>
-                <a:cs typeface="宋体" charset="0"/>
-              </a:rPr>
-              <a:t> </a:t>
-            </a:r>
-            <a:r>
-              <a:rPr lang="en-GB" altLang="zh-CN" sz="2400" dirty="0">
-                <a:latin typeface="宋体" charset="0"/>
-                <a:ea typeface="宋体" charset="0"/>
-                <a:cs typeface="宋体" charset="0"/>
-              </a:rPr>
-              <a:t>→ </a:t>
-            </a:r>
-            <a:r>
-              <a:rPr lang="zh-CN" altLang="zh-CN" sz="2400" dirty="0">
-                <a:latin typeface="宋体" charset="0"/>
-                <a:ea typeface="宋体" charset="0"/>
-                <a:cs typeface="宋体" charset="0"/>
-              </a:rPr>
-              <a:t>对象分配后引用计数为</a:t>
-            </a:r>
-            <a:r>
-              <a:rPr lang="en-GB" altLang="zh-CN" sz="2400" dirty="0">
-                <a:latin typeface="宋体" charset="0"/>
-                <a:ea typeface="宋体" charset="0"/>
-                <a:cs typeface="宋体" charset="0"/>
-              </a:rPr>
-              <a:t>1</a:t>
-            </a:r>
-          </a:p>
-          <a:p>
-            <a:pPr>
-              <a:lnSpc>
-                <a:spcPct val="100000"/>
-              </a:lnSpc>
-              <a:spcBef>
-                <a:spcPts val="1375"/>
-              </a:spcBef>
-              <a:tabLst>
-                <a:tab pos="0" algn="l"/>
-                <a:tab pos="104775" algn="l"/>
-                <a:tab pos="554038" algn="l"/>
-                <a:tab pos="1003300" algn="l"/>
-                <a:tab pos="1452563" algn="l"/>
-                <a:tab pos="1901825" algn="l"/>
-                <a:tab pos="2351088" algn="l"/>
-                <a:tab pos="2800350" algn="l"/>
-                <a:tab pos="3249613" algn="l"/>
-                <a:tab pos="3698875" algn="l"/>
-                <a:tab pos="4148138" algn="l"/>
-                <a:tab pos="4597400" algn="l"/>
-                <a:tab pos="5046663" algn="l"/>
-                <a:tab pos="5495925" algn="l"/>
-                <a:tab pos="5945188" algn="l"/>
-                <a:tab pos="6394450" algn="l"/>
-                <a:tab pos="6843713" algn="l"/>
-                <a:tab pos="7292975" algn="l"/>
-                <a:tab pos="7742238" algn="l"/>
-                <a:tab pos="8191500" algn="l"/>
-                <a:tab pos="8640763" algn="l"/>
-              </a:tabLst>
-            </a:pPr>
-            <a:r>
-              <a:rPr lang="en-GB" altLang="zh-CN" sz="2400" dirty="0">
-                <a:solidFill>
-                  <a:srgbClr val="FFFF00"/>
-                </a:solidFill>
-                <a:latin typeface="宋体" charset="0"/>
-                <a:ea typeface="宋体" charset="0"/>
-                <a:cs typeface="宋体" charset="0"/>
-              </a:rPr>
-              <a:t>Retain</a:t>
-            </a:r>
-            <a:r>
-              <a:rPr lang="en-GB" altLang="zh-CN" sz="2400" dirty="0">
-                <a:latin typeface="宋体" charset="0"/>
-                <a:ea typeface="宋体" charset="0"/>
-                <a:cs typeface="宋体" charset="0"/>
-              </a:rPr>
-              <a:t>  → </a:t>
-            </a:r>
-            <a:r>
-              <a:rPr lang="zh-CN" altLang="zh-CN" sz="2400" dirty="0">
-                <a:latin typeface="宋体" charset="0"/>
-                <a:ea typeface="宋体" charset="0"/>
-                <a:cs typeface="宋体" charset="0"/>
-              </a:rPr>
-              <a:t>对象的引用计数</a:t>
-            </a:r>
-            <a:r>
-              <a:rPr lang="en-GB" altLang="zh-CN" sz="2400" dirty="0">
-                <a:latin typeface="宋体" charset="0"/>
-                <a:ea typeface="宋体" charset="0"/>
-                <a:cs typeface="宋体" charset="0"/>
-              </a:rPr>
-              <a:t>+1</a:t>
-            </a:r>
-          </a:p>
-          <a:p>
-            <a:pPr>
-              <a:lnSpc>
-                <a:spcPct val="100000"/>
-              </a:lnSpc>
-              <a:spcBef>
-                <a:spcPts val="1375"/>
-              </a:spcBef>
-              <a:tabLst>
-                <a:tab pos="0" algn="l"/>
-                <a:tab pos="104775" algn="l"/>
-                <a:tab pos="554038" algn="l"/>
-                <a:tab pos="1003300" algn="l"/>
-                <a:tab pos="1452563" algn="l"/>
-                <a:tab pos="1901825" algn="l"/>
-                <a:tab pos="2351088" algn="l"/>
-                <a:tab pos="2800350" algn="l"/>
-                <a:tab pos="3249613" algn="l"/>
-                <a:tab pos="3698875" algn="l"/>
-                <a:tab pos="4148138" algn="l"/>
-                <a:tab pos="4597400" algn="l"/>
-                <a:tab pos="5046663" algn="l"/>
-                <a:tab pos="5495925" algn="l"/>
-                <a:tab pos="5945188" algn="l"/>
-                <a:tab pos="6394450" algn="l"/>
-                <a:tab pos="6843713" algn="l"/>
-                <a:tab pos="7292975" algn="l"/>
-                <a:tab pos="7742238" algn="l"/>
-                <a:tab pos="8191500" algn="l"/>
-                <a:tab pos="8640763" algn="l"/>
-              </a:tabLst>
-            </a:pPr>
-            <a:r>
-              <a:rPr lang="en-GB" altLang="zh-CN" sz="2400" dirty="0">
-                <a:solidFill>
-                  <a:srgbClr val="FFFF00"/>
-                </a:solidFill>
-                <a:latin typeface="宋体" charset="0"/>
-                <a:ea typeface="宋体" charset="0"/>
-                <a:cs typeface="宋体" charset="0"/>
-              </a:rPr>
-              <a:t>Copy</a:t>
-            </a:r>
-            <a:r>
-              <a:rPr lang="en-GB" altLang="zh-CN" sz="2400" dirty="0">
-                <a:latin typeface="宋体" charset="0"/>
-                <a:ea typeface="宋体" charset="0"/>
-                <a:cs typeface="宋体" charset="0"/>
-              </a:rPr>
-              <a:t> → copy</a:t>
-            </a:r>
-            <a:r>
-              <a:rPr lang="zh-CN" altLang="zh-CN" sz="2400" dirty="0">
-                <a:latin typeface="宋体" charset="0"/>
-                <a:ea typeface="宋体" charset="0"/>
-                <a:cs typeface="宋体" charset="0"/>
-              </a:rPr>
-              <a:t>一个对象变成新的对象</a:t>
-            </a:r>
-            <a:r>
-              <a:rPr lang="en-GB" altLang="zh-CN" sz="2400" dirty="0">
-                <a:latin typeface="宋体" charset="0"/>
-                <a:ea typeface="宋体" charset="0"/>
-                <a:cs typeface="宋体" charset="0"/>
-              </a:rPr>
-              <a:t>(</a:t>
-            </a:r>
-            <a:r>
-              <a:rPr lang="zh-CN" altLang="zh-CN" sz="2400" dirty="0">
-                <a:latin typeface="宋体" charset="0"/>
-                <a:ea typeface="宋体" charset="0"/>
-                <a:cs typeface="宋体" charset="0"/>
-              </a:rPr>
-              <a:t>新内存地址</a:t>
-            </a:r>
-            <a:r>
-              <a:rPr lang="en-GB" altLang="zh-CN" sz="2400" dirty="0">
-                <a:latin typeface="宋体" charset="0"/>
-                <a:ea typeface="宋体" charset="0"/>
-                <a:cs typeface="宋体" charset="0"/>
-              </a:rPr>
-              <a:t>),</a:t>
-            </a:r>
-            <a:r>
-              <a:rPr lang="zh-CN" altLang="zh-CN" sz="2400" dirty="0">
-                <a:latin typeface="宋体" charset="0"/>
-                <a:ea typeface="宋体" charset="0"/>
-                <a:cs typeface="宋体" charset="0"/>
-              </a:rPr>
-              <a:t>引用计数为</a:t>
-            </a:r>
-            <a:r>
-              <a:rPr lang="en-GB" altLang="zh-CN" sz="2400" dirty="0">
-                <a:latin typeface="宋体" charset="0"/>
-                <a:ea typeface="宋体" charset="0"/>
-                <a:cs typeface="宋体" charset="0"/>
-              </a:rPr>
-              <a:t>1,</a:t>
-            </a:r>
-            <a:r>
-              <a:rPr lang="zh-CN" altLang="zh-CN" sz="2400" dirty="0">
-                <a:latin typeface="宋体" charset="0"/>
-                <a:ea typeface="宋体" charset="0"/>
-                <a:cs typeface="宋体" charset="0"/>
-              </a:rPr>
-              <a:t>原来对象计数不变</a:t>
-            </a:r>
-          </a:p>
-          <a:p>
-            <a:pPr>
-              <a:lnSpc>
-                <a:spcPct val="100000"/>
-              </a:lnSpc>
-              <a:spcBef>
-                <a:spcPts val="1375"/>
-              </a:spcBef>
-              <a:tabLst>
-                <a:tab pos="0" algn="l"/>
-                <a:tab pos="104775" algn="l"/>
-                <a:tab pos="554038" algn="l"/>
-                <a:tab pos="1003300" algn="l"/>
-                <a:tab pos="1452563" algn="l"/>
-                <a:tab pos="1901825" algn="l"/>
-                <a:tab pos="2351088" algn="l"/>
-                <a:tab pos="2800350" algn="l"/>
-                <a:tab pos="3249613" algn="l"/>
-                <a:tab pos="3698875" algn="l"/>
-                <a:tab pos="4148138" algn="l"/>
-                <a:tab pos="4597400" algn="l"/>
-                <a:tab pos="5046663" algn="l"/>
-                <a:tab pos="5495925" algn="l"/>
-                <a:tab pos="5945188" algn="l"/>
-                <a:tab pos="6394450" algn="l"/>
-                <a:tab pos="6843713" algn="l"/>
-                <a:tab pos="7292975" algn="l"/>
-                <a:tab pos="7742238" algn="l"/>
-                <a:tab pos="8191500" algn="l"/>
-                <a:tab pos="8640763" algn="l"/>
-              </a:tabLst>
-            </a:pPr>
-            <a:r>
-              <a:rPr lang="en-GB" altLang="zh-CN" sz="2400" dirty="0">
-                <a:solidFill>
-                  <a:srgbClr val="FFFF00"/>
-                </a:solidFill>
-                <a:latin typeface="宋体" charset="0"/>
-                <a:ea typeface="宋体" charset="0"/>
-                <a:cs typeface="宋体" charset="0"/>
-              </a:rPr>
-              <a:t>Release</a:t>
-            </a:r>
-            <a:r>
-              <a:rPr lang="en-GB" altLang="zh-CN" sz="2400" dirty="0">
-                <a:latin typeface="宋体" charset="0"/>
-                <a:ea typeface="宋体" charset="0"/>
-                <a:cs typeface="宋体" charset="0"/>
-              </a:rPr>
-              <a:t> → </a:t>
-            </a:r>
-            <a:r>
-              <a:rPr lang="zh-CN" altLang="zh-CN" sz="2400" dirty="0">
-                <a:latin typeface="宋体" charset="0"/>
-                <a:ea typeface="宋体" charset="0"/>
-                <a:cs typeface="宋体" charset="0"/>
-              </a:rPr>
-              <a:t>对象引用计数</a:t>
-            </a:r>
-            <a:r>
-              <a:rPr lang="en-GB" altLang="zh-CN" sz="2400" dirty="0">
-                <a:latin typeface="宋体" charset="0"/>
-                <a:ea typeface="宋体" charset="0"/>
-                <a:cs typeface="宋体" charset="0"/>
-              </a:rPr>
-              <a:t>-1,</a:t>
-            </a:r>
-            <a:r>
-              <a:rPr lang="zh-CN" altLang="zh-CN" sz="2400" dirty="0">
-                <a:latin typeface="宋体" charset="0"/>
-                <a:ea typeface="宋体" charset="0"/>
-                <a:cs typeface="宋体" charset="0"/>
-              </a:rPr>
-              <a:t>如果为</a:t>
-            </a:r>
-            <a:r>
-              <a:rPr lang="en-GB" altLang="zh-CN" sz="2400" dirty="0">
-                <a:latin typeface="宋体" charset="0"/>
-                <a:ea typeface="宋体" charset="0"/>
-                <a:cs typeface="宋体" charset="0"/>
-              </a:rPr>
-              <a:t>0</a:t>
-            </a:r>
-            <a:r>
-              <a:rPr lang="zh-CN" altLang="zh-CN" sz="2400" dirty="0">
-                <a:latin typeface="宋体" charset="0"/>
-                <a:ea typeface="宋体" charset="0"/>
-                <a:cs typeface="宋体" charset="0"/>
-              </a:rPr>
-              <a:t>释放内存</a:t>
-            </a:r>
-          </a:p>
-          <a:p>
-            <a:pPr>
-              <a:lnSpc>
-                <a:spcPct val="100000"/>
-              </a:lnSpc>
-              <a:spcBef>
-                <a:spcPts val="1375"/>
-              </a:spcBef>
-              <a:tabLst>
-                <a:tab pos="0" algn="l"/>
-                <a:tab pos="104775" algn="l"/>
-                <a:tab pos="554038" algn="l"/>
-                <a:tab pos="1003300" algn="l"/>
-                <a:tab pos="1452563" algn="l"/>
-                <a:tab pos="1901825" algn="l"/>
-                <a:tab pos="2351088" algn="l"/>
-                <a:tab pos="2800350" algn="l"/>
-                <a:tab pos="3249613" algn="l"/>
-                <a:tab pos="3698875" algn="l"/>
-                <a:tab pos="4148138" algn="l"/>
-                <a:tab pos="4597400" algn="l"/>
-                <a:tab pos="5046663" algn="l"/>
-                <a:tab pos="5495925" algn="l"/>
-                <a:tab pos="5945188" algn="l"/>
-                <a:tab pos="6394450" algn="l"/>
-                <a:tab pos="6843713" algn="l"/>
-                <a:tab pos="7292975" algn="l"/>
-                <a:tab pos="7742238" algn="l"/>
-                <a:tab pos="8191500" algn="l"/>
-                <a:tab pos="8640763" algn="l"/>
-              </a:tabLst>
-            </a:pPr>
-            <a:r>
-              <a:rPr lang="en-GB" altLang="zh-CN" sz="2400" dirty="0" err="1">
-                <a:solidFill>
-                  <a:srgbClr val="FFFF00"/>
-                </a:solidFill>
-                <a:latin typeface="宋体" charset="0"/>
-                <a:ea typeface="宋体" charset="0"/>
-                <a:cs typeface="宋体" charset="0"/>
-              </a:rPr>
-              <a:t>Autorelease</a:t>
-            </a:r>
-            <a:r>
-              <a:rPr lang="en-GB" altLang="zh-CN" sz="2400" dirty="0">
-                <a:solidFill>
-                  <a:srgbClr val="FFFF00"/>
-                </a:solidFill>
-                <a:latin typeface="宋体" charset="0"/>
-                <a:ea typeface="宋体" charset="0"/>
-                <a:cs typeface="宋体" charset="0"/>
-              </a:rPr>
-              <a:t> </a:t>
-            </a:r>
-            <a:r>
-              <a:rPr lang="en-GB" altLang="zh-CN" sz="2400" dirty="0">
-                <a:latin typeface="宋体" charset="0"/>
-                <a:ea typeface="宋体" charset="0"/>
-                <a:cs typeface="宋体" charset="0"/>
-              </a:rPr>
-              <a:t>→ </a:t>
-            </a:r>
-            <a:r>
-              <a:rPr lang="zh-CN" altLang="zh-CN" sz="2400" dirty="0">
-                <a:latin typeface="宋体" charset="0"/>
-                <a:ea typeface="宋体" charset="0"/>
-                <a:cs typeface="宋体" charset="0"/>
-              </a:rPr>
-              <a:t>对象引用计数</a:t>
-            </a:r>
-            <a:r>
-              <a:rPr lang="en-GB" altLang="zh-CN" sz="2400" dirty="0">
-                <a:latin typeface="宋体" charset="0"/>
-                <a:ea typeface="宋体" charset="0"/>
-                <a:cs typeface="宋体" charset="0"/>
-              </a:rPr>
-              <a:t>-1,</a:t>
-            </a:r>
-            <a:r>
-              <a:rPr lang="zh-CN" altLang="zh-CN" sz="2400" dirty="0">
-                <a:latin typeface="宋体" charset="0"/>
-                <a:ea typeface="宋体" charset="0"/>
-                <a:cs typeface="宋体" charset="0"/>
-              </a:rPr>
-              <a:t>如果为</a:t>
-            </a:r>
-            <a:r>
-              <a:rPr lang="en-GB" altLang="zh-CN" sz="2400" dirty="0">
-                <a:latin typeface="宋体" charset="0"/>
-                <a:ea typeface="宋体" charset="0"/>
-                <a:cs typeface="宋体" charset="0"/>
-              </a:rPr>
-              <a:t>0</a:t>
-            </a:r>
-            <a:r>
-              <a:rPr lang="zh-CN" altLang="zh-CN" sz="2400" dirty="0">
-                <a:latin typeface="宋体" charset="0"/>
-                <a:ea typeface="宋体" charset="0"/>
-                <a:cs typeface="宋体" charset="0"/>
-              </a:rPr>
-              <a:t>不马上释放，当当前的</a:t>
-            </a:r>
-            <a:r>
-              <a:rPr lang="en-GB" altLang="zh-CN" sz="2400" dirty="0">
-                <a:latin typeface="宋体" charset="0"/>
-                <a:ea typeface="宋体" charset="0"/>
-                <a:cs typeface="宋体" charset="0"/>
-              </a:rPr>
-              <a:t>pool</a:t>
-            </a:r>
-            <a:r>
-              <a:rPr lang="zh-CN" altLang="zh-CN" sz="2400" dirty="0">
-                <a:latin typeface="宋体" charset="0"/>
-                <a:ea typeface="宋体" charset="0"/>
-                <a:cs typeface="宋体" charset="0"/>
-              </a:rPr>
-              <a:t>销毁时释放</a:t>
-            </a:r>
-            <a:r>
-              <a:rPr lang="en-GB" altLang="zh-CN" sz="2800" dirty="0">
-                <a:latin typeface="宋体" charset="0"/>
-                <a:ea typeface="宋体" charset="0"/>
-                <a:cs typeface="宋体" charset="0"/>
-              </a:rPr>
-              <a:t>    </a:t>
-            </a:r>
-          </a:p>
-          <a:p>
-            <a:pPr marL="342900" indent="-342900">
-              <a:spcBef>
-                <a:spcPts val="1375"/>
-              </a:spcBef>
-              <a:buFont typeface="Wingdings" charset="2"/>
-              <a:buChar char="Ø"/>
-              <a:tabLst>
-                <a:tab pos="0" algn="l"/>
-                <a:tab pos="104775" algn="l"/>
-                <a:tab pos="554038" algn="l"/>
-                <a:tab pos="1003300" algn="l"/>
-                <a:tab pos="1452563" algn="l"/>
-                <a:tab pos="1901825" algn="l"/>
-                <a:tab pos="2351088" algn="l"/>
-                <a:tab pos="2800350" algn="l"/>
-                <a:tab pos="3249613" algn="l"/>
-                <a:tab pos="3698875" algn="l"/>
-                <a:tab pos="4148138" algn="l"/>
-                <a:tab pos="4597400" algn="l"/>
-                <a:tab pos="5046663" algn="l"/>
-                <a:tab pos="5495925" algn="l"/>
-                <a:tab pos="5945188" algn="l"/>
-                <a:tab pos="6394450" algn="l"/>
-                <a:tab pos="6843713" algn="l"/>
-                <a:tab pos="7292975" algn="l"/>
-                <a:tab pos="7742238" algn="l"/>
-                <a:tab pos="8191500" algn="l"/>
-                <a:tab pos="8640763" algn="l"/>
-              </a:tabLst>
-            </a:pPr>
-            <a:r>
-              <a:rPr lang="zh-CN" altLang="zh-CN" sz="2400" dirty="0" smtClean="0">
-                <a:latin typeface="宋体" charset="0"/>
-                <a:ea typeface="宋体" charset="0"/>
-                <a:cs typeface="宋体" charset="0"/>
-              </a:rPr>
-              <a:t>如果引用计数等于</a:t>
-            </a:r>
-            <a:r>
-              <a:rPr lang="en-GB" altLang="zh-CN" sz="2400" dirty="0">
-                <a:latin typeface="宋体" charset="0"/>
-                <a:ea typeface="宋体" charset="0"/>
-                <a:cs typeface="宋体" charset="0"/>
-              </a:rPr>
-              <a:t>0</a:t>
-            </a:r>
-            <a:r>
-              <a:rPr lang="zh-CN" altLang="zh-CN" sz="2400" dirty="0">
-                <a:latin typeface="宋体" charset="0"/>
-                <a:ea typeface="宋体" charset="0"/>
-                <a:cs typeface="宋体" charset="0"/>
-              </a:rPr>
-              <a:t>还对该对象进行操作，则会出现内存访问失败</a:t>
-            </a:r>
-            <a:r>
-              <a:rPr lang="en-GB" altLang="zh-CN" sz="2400" dirty="0">
-                <a:latin typeface="宋体" charset="0"/>
-                <a:ea typeface="宋体" charset="0"/>
-                <a:cs typeface="宋体" charset="0"/>
-              </a:rPr>
-              <a:t>,</a:t>
-            </a:r>
-            <a:r>
-              <a:rPr lang="zh-CN" altLang="zh-CN" sz="2400" dirty="0">
-                <a:latin typeface="宋体" charset="0"/>
-                <a:ea typeface="宋体" charset="0"/>
-                <a:cs typeface="宋体" charset="0"/>
-              </a:rPr>
-              <a:t>这个问题很严重，所以请一定注意内存释放和不用过后设置为</a:t>
-            </a:r>
-            <a:r>
-              <a:rPr lang="en-GB" altLang="zh-CN" sz="2400" dirty="0">
-                <a:latin typeface="宋体" charset="0"/>
-                <a:ea typeface="宋体" charset="0"/>
-                <a:cs typeface="宋体" charset="0"/>
-              </a:rPr>
-              <a:t>nil</a:t>
-            </a:r>
-            <a:endParaRPr lang="en-GB" altLang="zh-CN" sz="2400" dirty="0">
-              <a:latin typeface="宋体" charset="0"/>
-              <a:ea typeface="宋体" charset="0"/>
-              <a:cs typeface="宋体" charset="0"/>
-            </a:endParaRPr>
-          </a:p>
-        </p:txBody>
-      </p:sp>
-    </p:spTree>
-    <p:extLst>
-      <p:ext uri="{BB962C8B-B14F-4D97-AF65-F5344CB8AC3E}">
-        <p14:creationId xmlns:p14="http://schemas.microsoft.com/office/powerpoint/2010/main" val="2545487373"/>
-      </p:ext>
-    </p:extLst>
-  </p:cSld>
-  <p:clrMapOvr>
-    <a:masterClrMapping/>
-  </p:clrMapOvr>
-  <p:timing>
-    <p:tnLst>
-      <p:par>
-        <p:cTn xmlns:p14="http://schemas.microsoft.com/office/powerpoint/2010/main" id="1" dur="indefinite" restart="never" nodeType="tmRoot"/>
-      </p:par>
-    </p:tnLst>
-  </p:timing>
-</p:sld>
-</file>
-
-<file path=ppt/slides/slide5.xml><?xml version="1.0" encoding="utf-8"?>
-<p:sld xmlns:a="http://schemas.openxmlformats.org/drawingml/2006/main" xmlns:r="http://schemas.openxmlformats.org/officeDocument/2006/relationships" xmlns:p="http://schemas.openxmlformats.org/presentationml/2006/main">
-  <p:cSld>
-    <p:spTree>
-      <p:nvGrpSpPr>
-        <p:cNvPr id="1" name=""/>
-        <p:cNvGrpSpPr/>
-        <p:nvPr/>
-      </p:nvGrpSpPr>
-      <p:grpSpPr>
-        <a:xfrm>
-          <a:off x="0" y="0"/>
-          <a:ext cx="0" cy="0"/>
-          <a:chOff x="0" y="0"/>
-          <a:chExt cx="0" cy="0"/>
-        </a:xfrm>
-      </p:grpSpPr>
-      <p:sp>
-        <p:nvSpPr>
-          <p:cNvPr id="2" name="标题 1"/>
-          <p:cNvSpPr>
-            <a:spLocks noGrp="1"/>
-          </p:cNvSpPr>
-          <p:nvPr>
-            <p:ph type="title"/>
-          </p:nvPr>
-        </p:nvSpPr>
-        <p:spPr/>
-        <p:txBody>
-          <a:bodyPr/>
-          <a:lstStyle/>
-          <a:p>
-            <a:r>
-              <a:rPr lang="zh-CN" altLang="en-US" b="0" dirty="0" smtClean="0"/>
-              <a:t>内存管理</a:t>
-            </a:r>
-            <a:r>
-              <a:rPr lang="zh-CN" altLang="en-US" b="0" dirty="0" smtClean="0"/>
-              <a:t>（</a:t>
-            </a:r>
-            <a:r>
-              <a:rPr lang="en-US" altLang="zh-CN" b="0" dirty="0" smtClean="0"/>
-              <a:t>MRC</a:t>
-            </a:r>
-            <a:r>
-              <a:rPr lang="zh-CN" altLang="en-US" b="0" dirty="0" smtClean="0"/>
-              <a:t>）</a:t>
-            </a:r>
-            <a:endParaRPr kumimoji="1" lang="zh-CN" altLang="en-US" dirty="0"/>
-          </a:p>
-        </p:txBody>
-      </p:sp>
-      <p:sp>
-        <p:nvSpPr>
-          <p:cNvPr id="3" name="幻灯片编号占位符 2"/>
-          <p:cNvSpPr>
-            <a:spLocks noGrp="1"/>
-          </p:cNvSpPr>
-          <p:nvPr>
-            <p:ph type="sldNum" sz="quarter" idx="4"/>
-          </p:nvPr>
-        </p:nvSpPr>
-        <p:spPr/>
-        <p:txBody>
-          <a:bodyPr/>
-          <a:lstStyle/>
-          <a:p>
-            <a:fld id="{BF10DB53-D7D3-4DB6-A29F-40217B92EC88}" type="slidenum">
-              <a:rPr lang="en-US" smtClean="0"/>
-              <a:pPr/>
-              <a:t>4</a:t>
-            </a:fld>
-            <a:endParaRPr lang="en-US" dirty="0"/>
-          </a:p>
-        </p:txBody>
-      </p:sp>
-      <p:sp>
-        <p:nvSpPr>
-          <p:cNvPr id="5" name="文本框 4"/>
-          <p:cNvSpPr txBox="1"/>
-          <p:nvPr/>
-        </p:nvSpPr>
-        <p:spPr>
-          <a:xfrm>
-            <a:off x="251520" y="1340768"/>
-            <a:ext cx="8568952" cy="3827330"/>
-          </a:xfrm>
-          <a:prstGeom prst="rect">
-            <a:avLst/>
-          </a:prstGeom>
-          <a:noFill/>
-        </p:spPr>
-        <p:txBody>
-          <a:bodyPr wrap="square" rtlCol="0">
-            <a:spAutoFit/>
-          </a:bodyPr>
-          <a:lstStyle/>
-          <a:p>
-            <a:pPr>
-              <a:lnSpc>
-                <a:spcPct val="150000"/>
-              </a:lnSpc>
-              <a:spcBef>
-                <a:spcPts val="1375"/>
-              </a:spcBef>
-              <a:tabLst>
-                <a:tab pos="0" algn="l"/>
-                <a:tab pos="104775" algn="l"/>
-                <a:tab pos="554038" algn="l"/>
-                <a:tab pos="1003300" algn="l"/>
-                <a:tab pos="1452563" algn="l"/>
-                <a:tab pos="1901825" algn="l"/>
-                <a:tab pos="2351088" algn="l"/>
-                <a:tab pos="2800350" algn="l"/>
-                <a:tab pos="3249613" algn="l"/>
-                <a:tab pos="3698875" algn="l"/>
-                <a:tab pos="4148138" algn="l"/>
-                <a:tab pos="4597400" algn="l"/>
-                <a:tab pos="5046663" algn="l"/>
-                <a:tab pos="5495925" algn="l"/>
-                <a:tab pos="5945188" algn="l"/>
-                <a:tab pos="6394450" algn="l"/>
-                <a:tab pos="6843713" algn="l"/>
-                <a:tab pos="7292975" algn="l"/>
-                <a:tab pos="7742238" algn="l"/>
-                <a:tab pos="8191500" algn="l"/>
-                <a:tab pos="8640763" algn="l"/>
-              </a:tabLst>
-            </a:pPr>
-            <a:r>
-              <a:rPr lang="en-GB" altLang="zh-CN" sz="2000" dirty="0" err="1">
-                <a:solidFill>
-                  <a:srgbClr val="FFFF00"/>
-                </a:solidFill>
-                <a:latin typeface="宋体" charset="0"/>
-                <a:ea typeface="宋体" charset="0"/>
-                <a:cs typeface="宋体" charset="0"/>
-              </a:rPr>
-              <a:t>NSAutoreleasePool</a:t>
-            </a:r>
-            <a:r>
-              <a:rPr lang="en-GB" altLang="zh-CN" sz="2000" dirty="0">
-                <a:solidFill>
-                  <a:srgbClr val="FFFF00"/>
-                </a:solidFill>
-                <a:latin typeface="宋体" charset="0"/>
-                <a:ea typeface="宋体" charset="0"/>
-                <a:cs typeface="宋体" charset="0"/>
-              </a:rPr>
-              <a:t>:</a:t>
-            </a:r>
-          </a:p>
-          <a:p>
-            <a:pPr>
-              <a:lnSpc>
-                <a:spcPct val="150000"/>
-              </a:lnSpc>
-              <a:spcBef>
-                <a:spcPts val="1375"/>
-              </a:spcBef>
-              <a:tabLst>
-                <a:tab pos="0" algn="l"/>
-                <a:tab pos="104775" algn="l"/>
-                <a:tab pos="554038" algn="l"/>
-                <a:tab pos="1003300" algn="l"/>
-                <a:tab pos="1452563" algn="l"/>
-                <a:tab pos="1901825" algn="l"/>
-                <a:tab pos="2351088" algn="l"/>
-                <a:tab pos="2800350" algn="l"/>
-                <a:tab pos="3249613" algn="l"/>
-                <a:tab pos="3698875" algn="l"/>
-                <a:tab pos="4148138" algn="l"/>
-                <a:tab pos="4597400" algn="l"/>
-                <a:tab pos="5046663" algn="l"/>
-                <a:tab pos="5495925" algn="l"/>
-                <a:tab pos="5945188" algn="l"/>
-                <a:tab pos="6394450" algn="l"/>
-                <a:tab pos="6843713" algn="l"/>
-                <a:tab pos="7292975" algn="l"/>
-                <a:tab pos="7742238" algn="l"/>
-                <a:tab pos="8191500" algn="l"/>
-                <a:tab pos="8640763" algn="l"/>
-              </a:tabLst>
-            </a:pPr>
-            <a:r>
-              <a:rPr lang="en-GB" altLang="zh-CN" sz="2000" dirty="0" err="1">
-                <a:latin typeface="宋体" charset="0"/>
-                <a:ea typeface="宋体" charset="0"/>
-                <a:cs typeface="宋体" charset="0"/>
-              </a:rPr>
-              <a:t>NSAutoreleasePool</a:t>
-            </a:r>
-            <a:r>
-              <a:rPr lang="zh-CN" altLang="zh-CN" sz="2000" dirty="0">
-                <a:latin typeface="宋体" charset="0"/>
-                <a:ea typeface="宋体" charset="0"/>
-                <a:cs typeface="宋体" charset="0"/>
-              </a:rPr>
-              <a:t>是用来做</a:t>
-            </a:r>
-            <a:r>
-              <a:rPr lang="en-GB" altLang="zh-CN" sz="2000" dirty="0" err="1">
-                <a:latin typeface="宋体" charset="0"/>
-                <a:ea typeface="宋体" charset="0"/>
-                <a:cs typeface="宋体" charset="0"/>
-              </a:rPr>
-              <a:t>autorelease</a:t>
-            </a:r>
-            <a:r>
-              <a:rPr lang="zh-CN" altLang="zh-CN" sz="2000" dirty="0">
-                <a:latin typeface="宋体" charset="0"/>
-                <a:ea typeface="宋体" charset="0"/>
-                <a:cs typeface="宋体" charset="0"/>
-              </a:rPr>
-              <a:t>变量释放的，前面说了</a:t>
-            </a:r>
-            <a:r>
-              <a:rPr lang="en-GB" altLang="zh-CN" sz="2000" dirty="0">
-                <a:latin typeface="宋体" charset="0"/>
-                <a:ea typeface="宋体" charset="0"/>
-                <a:cs typeface="宋体" charset="0"/>
-              </a:rPr>
-              <a:t>, </a:t>
-            </a:r>
-            <a:r>
-              <a:rPr lang="en-GB" altLang="zh-CN" sz="2000" dirty="0" err="1">
-                <a:latin typeface="宋体" charset="0"/>
-                <a:ea typeface="宋体" charset="0"/>
-                <a:cs typeface="宋体" charset="0"/>
-              </a:rPr>
-              <a:t>autorelease</a:t>
-            </a:r>
-            <a:r>
-              <a:rPr lang="zh-CN" altLang="zh-CN" sz="2000" dirty="0">
-                <a:latin typeface="宋体" charset="0"/>
-                <a:ea typeface="宋体" charset="0"/>
-                <a:cs typeface="宋体" charset="0"/>
-              </a:rPr>
-              <a:t>不会马上释放，当他到了最近的</a:t>
-            </a:r>
-            <a:r>
-              <a:rPr lang="en-GB" altLang="zh-CN" sz="2000" dirty="0">
-                <a:latin typeface="宋体" charset="0"/>
-                <a:ea typeface="宋体" charset="0"/>
-                <a:cs typeface="宋体" charset="0"/>
-              </a:rPr>
-              <a:t>pool release</a:t>
-            </a:r>
-            <a:r>
-              <a:rPr lang="zh-CN" altLang="zh-CN" sz="2000" dirty="0">
-                <a:latin typeface="宋体" charset="0"/>
-                <a:ea typeface="宋体" charset="0"/>
-                <a:cs typeface="宋体" charset="0"/>
-              </a:rPr>
-              <a:t>时会向池里的所有对象发送</a:t>
-            </a:r>
-            <a:r>
-              <a:rPr lang="en-GB" altLang="zh-CN" sz="2000" dirty="0">
-                <a:latin typeface="宋体" charset="0"/>
-                <a:ea typeface="宋体" charset="0"/>
-                <a:cs typeface="宋体" charset="0"/>
-              </a:rPr>
-              <a:t>release</a:t>
-            </a:r>
-            <a:r>
-              <a:rPr lang="zh-CN" altLang="zh-CN" sz="2000" dirty="0">
-                <a:latin typeface="宋体" charset="0"/>
-                <a:ea typeface="宋体" charset="0"/>
-                <a:cs typeface="宋体" charset="0"/>
-              </a:rPr>
-              <a:t>消息并检查对象的</a:t>
-            </a:r>
-            <a:r>
-              <a:rPr lang="en-GB" altLang="zh-CN" sz="2000" dirty="0" err="1">
-                <a:latin typeface="宋体" charset="0"/>
-                <a:ea typeface="宋体" charset="0"/>
-                <a:cs typeface="宋体" charset="0"/>
-              </a:rPr>
-              <a:t>reatin</a:t>
-            </a:r>
-            <a:r>
-              <a:rPr lang="en-GB" altLang="zh-CN" sz="2000" dirty="0">
-                <a:latin typeface="宋体" charset="0"/>
-                <a:ea typeface="宋体" charset="0"/>
-                <a:cs typeface="宋体" charset="0"/>
-              </a:rPr>
-              <a:t> count</a:t>
-            </a:r>
-            <a:r>
-              <a:rPr lang="zh-CN" altLang="zh-CN" sz="2000" dirty="0">
-                <a:latin typeface="宋体" charset="0"/>
-                <a:ea typeface="宋体" charset="0"/>
-                <a:cs typeface="宋体" charset="0"/>
-              </a:rPr>
-              <a:t>是不是为</a:t>
-            </a:r>
-            <a:r>
-              <a:rPr lang="en-GB" altLang="zh-CN" sz="2000" dirty="0">
-                <a:latin typeface="宋体" charset="0"/>
-                <a:ea typeface="宋体" charset="0"/>
-                <a:cs typeface="宋体" charset="0"/>
-              </a:rPr>
-              <a:t>0,</a:t>
-            </a:r>
-            <a:r>
-              <a:rPr lang="zh-CN" altLang="zh-CN" sz="2000" dirty="0">
-                <a:latin typeface="宋体" charset="0"/>
-                <a:ea typeface="宋体" charset="0"/>
-                <a:cs typeface="宋体" charset="0"/>
-              </a:rPr>
-              <a:t>为</a:t>
-            </a:r>
-            <a:r>
-              <a:rPr lang="en-GB" altLang="zh-CN" sz="2000" dirty="0">
-                <a:latin typeface="宋体" charset="0"/>
-                <a:ea typeface="宋体" charset="0"/>
-                <a:cs typeface="宋体" charset="0"/>
-              </a:rPr>
-              <a:t>0</a:t>
-            </a:r>
-            <a:r>
-              <a:rPr lang="zh-CN" altLang="zh-CN" sz="2000" dirty="0">
-                <a:latin typeface="宋体" charset="0"/>
-                <a:ea typeface="宋体" charset="0"/>
-                <a:cs typeface="宋体" charset="0"/>
-              </a:rPr>
-              <a:t>就释放。 </a:t>
-            </a:r>
-          </a:p>
-          <a:p>
-            <a:pPr>
-              <a:lnSpc>
-                <a:spcPct val="150000"/>
-              </a:lnSpc>
-              <a:spcBef>
-                <a:spcPts val="1375"/>
-              </a:spcBef>
-              <a:tabLst>
-                <a:tab pos="0" algn="l"/>
-                <a:tab pos="104775" algn="l"/>
-                <a:tab pos="554038" algn="l"/>
-                <a:tab pos="1003300" algn="l"/>
-                <a:tab pos="1452563" algn="l"/>
-                <a:tab pos="1901825" algn="l"/>
-                <a:tab pos="2351088" algn="l"/>
-                <a:tab pos="2800350" algn="l"/>
-                <a:tab pos="3249613" algn="l"/>
-                <a:tab pos="3698875" algn="l"/>
-                <a:tab pos="4148138" algn="l"/>
-                <a:tab pos="4597400" algn="l"/>
-                <a:tab pos="5046663" algn="l"/>
-                <a:tab pos="5495925" algn="l"/>
-                <a:tab pos="5945188" algn="l"/>
-                <a:tab pos="6394450" algn="l"/>
-                <a:tab pos="6843713" algn="l"/>
-                <a:tab pos="7292975" algn="l"/>
-                <a:tab pos="7742238" algn="l"/>
-                <a:tab pos="8191500" algn="l"/>
-                <a:tab pos="8640763" algn="l"/>
-              </a:tabLst>
-            </a:pPr>
-            <a:r>
-              <a:rPr lang="zh-CN" altLang="zh-CN" sz="2000" dirty="0">
-                <a:latin typeface="宋体" charset="0"/>
-                <a:ea typeface="宋体" charset="0"/>
-                <a:cs typeface="宋体" charset="0"/>
-              </a:rPr>
-              <a:t>当我们在一段代码时加入了大量的</a:t>
-            </a:r>
-            <a:r>
-              <a:rPr lang="en-GB" altLang="zh-CN" sz="2000" dirty="0" err="1">
-                <a:latin typeface="宋体" charset="0"/>
-                <a:ea typeface="宋体" charset="0"/>
-                <a:cs typeface="宋体" charset="0"/>
-              </a:rPr>
-              <a:t>autorelease</a:t>
-            </a:r>
-            <a:r>
-              <a:rPr lang="zh-CN" altLang="zh-CN" sz="2000" dirty="0">
-                <a:latin typeface="宋体" charset="0"/>
-                <a:ea typeface="宋体" charset="0"/>
-                <a:cs typeface="宋体" charset="0"/>
-              </a:rPr>
-              <a:t>变量时，我们应该为这段代码加上</a:t>
-            </a:r>
-            <a:r>
-              <a:rPr lang="en-GB" altLang="zh-CN" sz="2000" dirty="0" err="1">
-                <a:latin typeface="宋体" charset="0"/>
-                <a:ea typeface="宋体" charset="0"/>
-                <a:cs typeface="宋体" charset="0"/>
-              </a:rPr>
-              <a:t>Autoreleasepool</a:t>
-            </a:r>
-            <a:r>
-              <a:rPr lang="zh-CN" altLang="zh-CN" sz="2000" dirty="0">
-                <a:latin typeface="宋体" charset="0"/>
-                <a:ea typeface="宋体" charset="0"/>
-                <a:cs typeface="宋体" charset="0"/>
-              </a:rPr>
-              <a:t>，以便使内存得以及时释放</a:t>
-            </a:r>
-            <a:r>
-              <a:rPr lang="en-GB" altLang="zh-CN" sz="2000" dirty="0">
-                <a:latin typeface="宋体" charset="0"/>
-                <a:ea typeface="宋体" charset="0"/>
-                <a:cs typeface="宋体" charset="0"/>
-              </a:rPr>
-              <a:t>,</a:t>
-            </a:r>
-            <a:r>
-              <a:rPr lang="zh-CN" altLang="zh-CN" sz="2000" dirty="0">
-                <a:latin typeface="宋体" charset="0"/>
-                <a:ea typeface="宋体" charset="0"/>
-                <a:cs typeface="宋体" charset="0"/>
-              </a:rPr>
-              <a:t>其它时候不用</a:t>
-            </a:r>
-            <a:r>
-              <a:rPr lang="en-GB" altLang="zh-CN" sz="2000" dirty="0">
-                <a:latin typeface="宋体" charset="0"/>
-                <a:ea typeface="宋体" charset="0"/>
-                <a:cs typeface="宋体" charset="0"/>
-              </a:rPr>
-              <a:t>.</a:t>
-            </a:r>
-          </a:p>
-          <a:p>
-            <a:pPr>
-              <a:lnSpc>
-                <a:spcPct val="150000"/>
-              </a:lnSpc>
-              <a:spcBef>
-                <a:spcPts val="1375"/>
-              </a:spcBef>
-              <a:tabLst>
-                <a:tab pos="0" algn="l"/>
-                <a:tab pos="104775" algn="l"/>
-                <a:tab pos="554038" algn="l"/>
-                <a:tab pos="1003300" algn="l"/>
-                <a:tab pos="1452563" algn="l"/>
-                <a:tab pos="1901825" algn="l"/>
-                <a:tab pos="2351088" algn="l"/>
-                <a:tab pos="2800350" algn="l"/>
-                <a:tab pos="3249613" algn="l"/>
-                <a:tab pos="3698875" algn="l"/>
-                <a:tab pos="4148138" algn="l"/>
-                <a:tab pos="4597400" algn="l"/>
-                <a:tab pos="5046663" algn="l"/>
-                <a:tab pos="5495925" algn="l"/>
-                <a:tab pos="5945188" algn="l"/>
-                <a:tab pos="6394450" algn="l"/>
-                <a:tab pos="6843713" algn="l"/>
-                <a:tab pos="7292975" algn="l"/>
-                <a:tab pos="7742238" algn="l"/>
-                <a:tab pos="8191500" algn="l"/>
-                <a:tab pos="8640763" algn="l"/>
-              </a:tabLst>
-            </a:pPr>
-            <a:r>
-              <a:rPr lang="zh-CN" altLang="zh-CN" sz="2000" dirty="0">
-                <a:latin typeface="宋体" charset="0"/>
-                <a:ea typeface="宋体" charset="0"/>
-                <a:cs typeface="宋体" charset="0"/>
-              </a:rPr>
-              <a:t>在一个需要返回一个对象的方法中通常返回一个</a:t>
-            </a:r>
-            <a:r>
-              <a:rPr lang="en-GB" altLang="zh-CN" sz="2000" dirty="0" err="1">
-                <a:latin typeface="宋体" charset="0"/>
-                <a:ea typeface="宋体" charset="0"/>
-                <a:cs typeface="宋体" charset="0"/>
-              </a:rPr>
-              <a:t>autorelease</a:t>
-            </a:r>
-            <a:r>
-              <a:rPr lang="zh-CN" altLang="zh-CN" sz="2000" dirty="0">
-                <a:latin typeface="宋体" charset="0"/>
-                <a:ea typeface="宋体" charset="0"/>
-                <a:cs typeface="宋体" charset="0"/>
-              </a:rPr>
-              <a:t>对象。</a:t>
-            </a:r>
-            <a:endParaRPr lang="zh-CN" altLang="zh-CN" sz="2000" dirty="0">
-              <a:latin typeface="宋体" charset="0"/>
-              <a:ea typeface="宋体" charset="0"/>
-              <a:cs typeface="宋体" charset="0"/>
-            </a:endParaRPr>
-          </a:p>
-        </p:txBody>
-      </p:sp>
-    </p:spTree>
-    <p:extLst>
-      <p:ext uri="{BB962C8B-B14F-4D97-AF65-F5344CB8AC3E}">
-        <p14:creationId xmlns:p14="http://schemas.microsoft.com/office/powerpoint/2010/main" val="2042555170"/>
       </p:ext>
     </p:extLst>
   </p:cSld>
